--- a/tex/figure.pptx
+++ b/tex/figure.pptx
@@ -126,7 +126,7 @@
 <file path=ppt/revisionInfo.xml><?xml version="1.0" encoding="utf-8"?>
 <p1510:revInfo xmlns:a="http://schemas.openxmlformats.org/drawingml/2006/main" xmlns:r="http://schemas.openxmlformats.org/officeDocument/2006/relationships" xmlns:p1510="http://schemas.microsoft.com/office/powerpoint/2015/10/main">
   <p1510:revLst>
-    <p1510:client id="{14AEF855-77FF-44CB-AE07-9D37547B7A88}" v="168" dt="2024-09-16T23:07:30.451"/>
+    <p1510:client id="{14AEF855-77FF-44CB-AE07-9D37547B7A88}" v="177" dt="2024-09-16T23:45:00.538"/>
   </p1510:revLst>
 </p1510:revInfo>
 </file>
@@ -136,12 +136,12 @@
   <pc:docChgLst>
     <pc:chgData name="Akira Terui" userId="3f83de79-c81c-43e2-ac56-bbb755c07a02" providerId="ADAL" clId="{14AEF855-77FF-44CB-AE07-9D37547B7A88}"/>
     <pc:docChg chg="undo custSel modSld modMainMaster">
-      <pc:chgData name="Akira Terui" userId="3f83de79-c81c-43e2-ac56-bbb755c07a02" providerId="ADAL" clId="{14AEF855-77FF-44CB-AE07-9D37547B7A88}" dt="2024-09-16T23:07:30.451" v="522" actId="164"/>
+      <pc:chgData name="Akira Terui" userId="3f83de79-c81c-43e2-ac56-bbb755c07a02" providerId="ADAL" clId="{14AEF855-77FF-44CB-AE07-9D37547B7A88}" dt="2024-09-16T23:46:27.897" v="584" actId="1076"/>
       <pc:docMkLst>
         <pc:docMk/>
       </pc:docMkLst>
       <pc:sldChg chg="addSp delSp modSp mod">
-        <pc:chgData name="Akira Terui" userId="3f83de79-c81c-43e2-ac56-bbb755c07a02" providerId="ADAL" clId="{14AEF855-77FF-44CB-AE07-9D37547B7A88}" dt="2024-09-16T23:07:30.451" v="522" actId="164"/>
+        <pc:chgData name="Akira Terui" userId="3f83de79-c81c-43e2-ac56-bbb755c07a02" providerId="ADAL" clId="{14AEF855-77FF-44CB-AE07-9D37547B7A88}" dt="2024-09-16T23:46:27.897" v="584" actId="1076"/>
         <pc:sldMkLst>
           <pc:docMk/>
           <pc:sldMk cId="1909375894" sldId="256"/>
@@ -171,7 +171,7 @@
           </ac:spMkLst>
         </pc:spChg>
         <pc:spChg chg="add mod topLvl">
-          <ac:chgData name="Akira Terui" userId="3f83de79-c81c-43e2-ac56-bbb755c07a02" providerId="ADAL" clId="{14AEF855-77FF-44CB-AE07-9D37547B7A88}" dt="2024-09-16T23:07:30.451" v="522" actId="164"/>
+          <ac:chgData name="Akira Terui" userId="3f83de79-c81c-43e2-ac56-bbb755c07a02" providerId="ADAL" clId="{14AEF855-77FF-44CB-AE07-9D37547B7A88}" dt="2024-09-16T23:45:00.538" v="564" actId="165"/>
           <ac:spMkLst>
             <pc:docMk/>
             <pc:sldMk cId="1909375894" sldId="256"/>
@@ -187,7 +187,7 @@
           </ac:spMkLst>
         </pc:spChg>
         <pc:spChg chg="add del mod ord topLvl">
-          <ac:chgData name="Akira Terui" userId="3f83de79-c81c-43e2-ac56-bbb755c07a02" providerId="ADAL" clId="{14AEF855-77FF-44CB-AE07-9D37547B7A88}" dt="2024-09-16T23:07:30.451" v="522" actId="164"/>
+          <ac:chgData name="Akira Terui" userId="3f83de79-c81c-43e2-ac56-bbb755c07a02" providerId="ADAL" clId="{14AEF855-77FF-44CB-AE07-9D37547B7A88}" dt="2024-09-16T23:45:00.538" v="564" actId="165"/>
           <ac:spMkLst>
             <pc:docMk/>
             <pc:sldMk cId="1909375894" sldId="256"/>
@@ -195,7 +195,7 @@
           </ac:spMkLst>
         </pc:spChg>
         <pc:spChg chg="add mod topLvl">
-          <ac:chgData name="Akira Terui" userId="3f83de79-c81c-43e2-ac56-bbb755c07a02" providerId="ADAL" clId="{14AEF855-77FF-44CB-AE07-9D37547B7A88}" dt="2024-09-16T23:07:30.451" v="522" actId="164"/>
+          <ac:chgData name="Akira Terui" userId="3f83de79-c81c-43e2-ac56-bbb755c07a02" providerId="ADAL" clId="{14AEF855-77FF-44CB-AE07-9D37547B7A88}" dt="2024-09-16T23:45:00.538" v="564" actId="165"/>
           <ac:spMkLst>
             <pc:docMk/>
             <pc:sldMk cId="1909375894" sldId="256"/>
@@ -211,7 +211,7 @@
           </ac:spMkLst>
         </pc:spChg>
         <pc:spChg chg="mod">
-          <ac:chgData name="Akira Terui" userId="3f83de79-c81c-43e2-ac56-bbb755c07a02" providerId="ADAL" clId="{14AEF855-77FF-44CB-AE07-9D37547B7A88}" dt="2024-09-16T22:19:01.740" v="517" actId="165"/>
+          <ac:chgData name="Akira Terui" userId="3f83de79-c81c-43e2-ac56-bbb755c07a02" providerId="ADAL" clId="{14AEF855-77FF-44CB-AE07-9D37547B7A88}" dt="2024-09-16T23:45:00.538" v="564" actId="165"/>
           <ac:spMkLst>
             <pc:docMk/>
             <pc:sldMk cId="1909375894" sldId="256"/>
@@ -219,7 +219,7 @@
           </ac:spMkLst>
         </pc:spChg>
         <pc:spChg chg="mod">
-          <ac:chgData name="Akira Terui" userId="3f83de79-c81c-43e2-ac56-bbb755c07a02" providerId="ADAL" clId="{14AEF855-77FF-44CB-AE07-9D37547B7A88}" dt="2024-09-16T22:19:01.740" v="517" actId="165"/>
+          <ac:chgData name="Akira Terui" userId="3f83de79-c81c-43e2-ac56-bbb755c07a02" providerId="ADAL" clId="{14AEF855-77FF-44CB-AE07-9D37547B7A88}" dt="2024-09-16T23:45:00.538" v="564" actId="165"/>
           <ac:spMkLst>
             <pc:docMk/>
             <pc:sldMk cId="1909375894" sldId="256"/>
@@ -227,7 +227,7 @@
           </ac:spMkLst>
         </pc:spChg>
         <pc:spChg chg="mod">
-          <ac:chgData name="Akira Terui" userId="3f83de79-c81c-43e2-ac56-bbb755c07a02" providerId="ADAL" clId="{14AEF855-77FF-44CB-AE07-9D37547B7A88}" dt="2024-09-16T22:19:01.740" v="517" actId="165"/>
+          <ac:chgData name="Akira Terui" userId="3f83de79-c81c-43e2-ac56-bbb755c07a02" providerId="ADAL" clId="{14AEF855-77FF-44CB-AE07-9D37547B7A88}" dt="2024-09-16T23:45:00.538" v="564" actId="165"/>
           <ac:spMkLst>
             <pc:docMk/>
             <pc:sldMk cId="1909375894" sldId="256"/>
@@ -235,7 +235,7 @@
           </ac:spMkLst>
         </pc:spChg>
         <pc:spChg chg="mod">
-          <ac:chgData name="Akira Terui" userId="3f83de79-c81c-43e2-ac56-bbb755c07a02" providerId="ADAL" clId="{14AEF855-77FF-44CB-AE07-9D37547B7A88}" dt="2024-09-16T22:18:55.375" v="516" actId="165"/>
+          <ac:chgData name="Akira Terui" userId="3f83de79-c81c-43e2-ac56-bbb755c07a02" providerId="ADAL" clId="{14AEF855-77FF-44CB-AE07-9D37547B7A88}" dt="2024-09-16T23:45:00.538" v="564" actId="165"/>
           <ac:spMkLst>
             <pc:docMk/>
             <pc:sldMk cId="1909375894" sldId="256"/>
@@ -243,7 +243,7 @@
           </ac:spMkLst>
         </pc:spChg>
         <pc:spChg chg="mod topLvl">
-          <ac:chgData name="Akira Terui" userId="3f83de79-c81c-43e2-ac56-bbb755c07a02" providerId="ADAL" clId="{14AEF855-77FF-44CB-AE07-9D37547B7A88}" dt="2024-09-16T23:07:30.451" v="522" actId="164"/>
+          <ac:chgData name="Akira Terui" userId="3f83de79-c81c-43e2-ac56-bbb755c07a02" providerId="ADAL" clId="{14AEF855-77FF-44CB-AE07-9D37547B7A88}" dt="2024-09-16T23:45:52.563" v="579" actId="552"/>
           <ac:spMkLst>
             <pc:docMk/>
             <pc:sldMk cId="1909375894" sldId="256"/>
@@ -267,7 +267,7 @@
           </ac:spMkLst>
         </pc:spChg>
         <pc:spChg chg="mod topLvl">
-          <ac:chgData name="Akira Terui" userId="3f83de79-c81c-43e2-ac56-bbb755c07a02" providerId="ADAL" clId="{14AEF855-77FF-44CB-AE07-9D37547B7A88}" dt="2024-09-16T22:18:55.375" v="516" actId="165"/>
+          <ac:chgData name="Akira Terui" userId="3f83de79-c81c-43e2-ac56-bbb755c07a02" providerId="ADAL" clId="{14AEF855-77FF-44CB-AE07-9D37547B7A88}" dt="2024-09-16T23:45:00.538" v="564" actId="165"/>
           <ac:spMkLst>
             <pc:docMk/>
             <pc:sldMk cId="1909375894" sldId="256"/>
@@ -275,7 +275,7 @@
           </ac:spMkLst>
         </pc:spChg>
         <pc:spChg chg="mod topLvl">
-          <ac:chgData name="Akira Terui" userId="3f83de79-c81c-43e2-ac56-bbb755c07a02" providerId="ADAL" clId="{14AEF855-77FF-44CB-AE07-9D37547B7A88}" dt="2024-09-16T23:07:30.451" v="522" actId="164"/>
+          <ac:chgData name="Akira Terui" userId="3f83de79-c81c-43e2-ac56-bbb755c07a02" providerId="ADAL" clId="{14AEF855-77FF-44CB-AE07-9D37547B7A88}" dt="2024-09-16T23:46:07.756" v="582" actId="552"/>
           <ac:spMkLst>
             <pc:docMk/>
             <pc:sldMk cId="1909375894" sldId="256"/>
@@ -291,7 +291,7 @@
           </ac:spMkLst>
         </pc:spChg>
         <pc:spChg chg="add mod topLvl">
-          <ac:chgData name="Akira Terui" userId="3f83de79-c81c-43e2-ac56-bbb755c07a02" providerId="ADAL" clId="{14AEF855-77FF-44CB-AE07-9D37547B7A88}" dt="2024-09-16T23:07:30.451" v="522" actId="164"/>
+          <ac:chgData name="Akira Terui" userId="3f83de79-c81c-43e2-ac56-bbb755c07a02" providerId="ADAL" clId="{14AEF855-77FF-44CB-AE07-9D37547B7A88}" dt="2024-09-16T23:46:27.897" v="584" actId="1076"/>
           <ac:spMkLst>
             <pc:docMk/>
             <pc:sldMk cId="1909375894" sldId="256"/>
@@ -299,7 +299,7 @@
           </ac:spMkLst>
         </pc:spChg>
         <pc:spChg chg="add mod topLvl">
-          <ac:chgData name="Akira Terui" userId="3f83de79-c81c-43e2-ac56-bbb755c07a02" providerId="ADAL" clId="{14AEF855-77FF-44CB-AE07-9D37547B7A88}" dt="2024-09-16T23:07:30.451" v="522" actId="164"/>
+          <ac:chgData name="Akira Terui" userId="3f83de79-c81c-43e2-ac56-bbb755c07a02" providerId="ADAL" clId="{14AEF855-77FF-44CB-AE07-9D37547B7A88}" dt="2024-09-16T23:45:00.538" v="564" actId="165"/>
           <ac:spMkLst>
             <pc:docMk/>
             <pc:sldMk cId="1909375894" sldId="256"/>
@@ -307,15 +307,15 @@
           </ac:spMkLst>
         </pc:spChg>
         <pc:spChg chg="add mod topLvl">
-          <ac:chgData name="Akira Terui" userId="3f83de79-c81c-43e2-ac56-bbb755c07a02" providerId="ADAL" clId="{14AEF855-77FF-44CB-AE07-9D37547B7A88}" dt="2024-09-16T23:07:30.451" v="522" actId="164"/>
+          <ac:chgData name="Akira Terui" userId="3f83de79-c81c-43e2-ac56-bbb755c07a02" providerId="ADAL" clId="{14AEF855-77FF-44CB-AE07-9D37547B7A88}" dt="2024-09-16T23:45:09.696" v="571" actId="1036"/>
           <ac:spMkLst>
             <pc:docMk/>
             <pc:sldMk cId="1909375894" sldId="256"/>
             <ac:spMk id="75" creationId="{516E1C5B-8C83-BFC9-C6A3-F79D3B7BC2CC}"/>
           </ac:spMkLst>
         </pc:spChg>
-        <pc:grpChg chg="add mod">
-          <ac:chgData name="Akira Terui" userId="3f83de79-c81c-43e2-ac56-bbb755c07a02" providerId="ADAL" clId="{14AEF855-77FF-44CB-AE07-9D37547B7A88}" dt="2024-09-16T23:07:30.451" v="522" actId="164"/>
+        <pc:grpChg chg="add del mod">
+          <ac:chgData name="Akira Terui" userId="3f83de79-c81c-43e2-ac56-bbb755c07a02" providerId="ADAL" clId="{14AEF855-77FF-44CB-AE07-9D37547B7A88}" dt="2024-09-16T23:45:00.538" v="564" actId="165"/>
           <ac:grpSpMkLst>
             <pc:docMk/>
             <pc:sldMk cId="1909375894" sldId="256"/>
@@ -323,7 +323,7 @@
           </ac:grpSpMkLst>
         </pc:grpChg>
         <pc:grpChg chg="mod">
-          <ac:chgData name="Akira Terui" userId="3f83de79-c81c-43e2-ac56-bbb755c07a02" providerId="ADAL" clId="{14AEF855-77FF-44CB-AE07-9D37547B7A88}" dt="2024-09-16T22:18:55.375" v="516" actId="165"/>
+          <ac:chgData name="Akira Terui" userId="3f83de79-c81c-43e2-ac56-bbb755c07a02" providerId="ADAL" clId="{14AEF855-77FF-44CB-AE07-9D37547B7A88}" dt="2024-09-16T23:45:00.538" v="564" actId="165"/>
           <ac:grpSpMkLst>
             <pc:docMk/>
             <pc:sldMk cId="1909375894" sldId="256"/>
@@ -331,7 +331,7 @@
           </ac:grpSpMkLst>
         </pc:grpChg>
         <pc:grpChg chg="mod">
-          <ac:chgData name="Akira Terui" userId="3f83de79-c81c-43e2-ac56-bbb755c07a02" providerId="ADAL" clId="{14AEF855-77FF-44CB-AE07-9D37547B7A88}" dt="2024-09-16T22:18:55.375" v="516" actId="165"/>
+          <ac:chgData name="Akira Terui" userId="3f83de79-c81c-43e2-ac56-bbb755c07a02" providerId="ADAL" clId="{14AEF855-77FF-44CB-AE07-9D37547B7A88}" dt="2024-09-16T23:45:00.538" v="564" actId="165"/>
           <ac:grpSpMkLst>
             <pc:docMk/>
             <pc:sldMk cId="1909375894" sldId="256"/>
@@ -339,7 +339,7 @@
           </ac:grpSpMkLst>
         </pc:grpChg>
         <pc:grpChg chg="mod">
-          <ac:chgData name="Akira Terui" userId="3f83de79-c81c-43e2-ac56-bbb755c07a02" providerId="ADAL" clId="{14AEF855-77FF-44CB-AE07-9D37547B7A88}" dt="2024-09-16T22:18:55.375" v="516" actId="165"/>
+          <ac:chgData name="Akira Terui" userId="3f83de79-c81c-43e2-ac56-bbb755c07a02" providerId="ADAL" clId="{14AEF855-77FF-44CB-AE07-9D37547B7A88}" dt="2024-09-16T23:45:00.538" v="564" actId="165"/>
           <ac:grpSpMkLst>
             <pc:docMk/>
             <pc:sldMk cId="1909375894" sldId="256"/>
@@ -347,7 +347,7 @@
           </ac:grpSpMkLst>
         </pc:grpChg>
         <pc:grpChg chg="mod">
-          <ac:chgData name="Akira Terui" userId="3f83de79-c81c-43e2-ac56-bbb755c07a02" providerId="ADAL" clId="{14AEF855-77FF-44CB-AE07-9D37547B7A88}" dt="2024-09-16T22:18:55.375" v="516" actId="165"/>
+          <ac:chgData name="Akira Terui" userId="3f83de79-c81c-43e2-ac56-bbb755c07a02" providerId="ADAL" clId="{14AEF855-77FF-44CB-AE07-9D37547B7A88}" dt="2024-09-16T23:45:00.538" v="564" actId="165"/>
           <ac:grpSpMkLst>
             <pc:docMk/>
             <pc:sldMk cId="1909375894" sldId="256"/>
@@ -355,7 +355,7 @@
           </ac:grpSpMkLst>
         </pc:grpChg>
         <pc:grpChg chg="mod">
-          <ac:chgData name="Akira Terui" userId="3f83de79-c81c-43e2-ac56-bbb755c07a02" providerId="ADAL" clId="{14AEF855-77FF-44CB-AE07-9D37547B7A88}" dt="2024-09-16T22:18:55.375" v="516" actId="165"/>
+          <ac:chgData name="Akira Terui" userId="3f83de79-c81c-43e2-ac56-bbb755c07a02" providerId="ADAL" clId="{14AEF855-77FF-44CB-AE07-9D37547B7A88}" dt="2024-09-16T23:45:00.538" v="564" actId="165"/>
           <ac:grpSpMkLst>
             <pc:docMk/>
             <pc:sldMk cId="1909375894" sldId="256"/>
@@ -363,7 +363,7 @@
           </ac:grpSpMkLst>
         </pc:grpChg>
         <pc:grpChg chg="mod">
-          <ac:chgData name="Akira Terui" userId="3f83de79-c81c-43e2-ac56-bbb755c07a02" providerId="ADAL" clId="{14AEF855-77FF-44CB-AE07-9D37547B7A88}" dt="2024-09-16T22:18:55.375" v="516" actId="165"/>
+          <ac:chgData name="Akira Terui" userId="3f83de79-c81c-43e2-ac56-bbb755c07a02" providerId="ADAL" clId="{14AEF855-77FF-44CB-AE07-9D37547B7A88}" dt="2024-09-16T23:45:00.538" v="564" actId="165"/>
           <ac:grpSpMkLst>
             <pc:docMk/>
             <pc:sldMk cId="1909375894" sldId="256"/>
@@ -379,7 +379,7 @@
           </ac:grpSpMkLst>
         </pc:grpChg>
         <pc:grpChg chg="mod topLvl">
-          <ac:chgData name="Akira Terui" userId="3f83de79-c81c-43e2-ac56-bbb755c07a02" providerId="ADAL" clId="{14AEF855-77FF-44CB-AE07-9D37547B7A88}" dt="2024-09-16T23:07:30.451" v="522" actId="164"/>
+          <ac:chgData name="Akira Terui" userId="3f83de79-c81c-43e2-ac56-bbb755c07a02" providerId="ADAL" clId="{14AEF855-77FF-44CB-AE07-9D37547B7A88}" dt="2024-09-16T23:45:09.696" v="571" actId="1036"/>
           <ac:grpSpMkLst>
             <pc:docMk/>
             <pc:sldMk cId="1909375894" sldId="256"/>
@@ -387,7 +387,7 @@
           </ac:grpSpMkLst>
         </pc:grpChg>
         <pc:grpChg chg="mod topLvl">
-          <ac:chgData name="Akira Terui" userId="3f83de79-c81c-43e2-ac56-bbb755c07a02" providerId="ADAL" clId="{14AEF855-77FF-44CB-AE07-9D37547B7A88}" dt="2024-09-16T23:07:30.451" v="522" actId="164"/>
+          <ac:chgData name="Akira Terui" userId="3f83de79-c81c-43e2-ac56-bbb755c07a02" providerId="ADAL" clId="{14AEF855-77FF-44CB-AE07-9D37547B7A88}" dt="2024-09-16T23:45:00.538" v="564" actId="165"/>
           <ac:grpSpMkLst>
             <pc:docMk/>
             <pc:sldMk cId="1909375894" sldId="256"/>
@@ -419,7 +419,7 @@
           </ac:grpSpMkLst>
         </pc:grpChg>
         <pc:grpChg chg="add mod topLvl">
-          <ac:chgData name="Akira Terui" userId="3f83de79-c81c-43e2-ac56-bbb755c07a02" providerId="ADAL" clId="{14AEF855-77FF-44CB-AE07-9D37547B7A88}" dt="2024-09-16T23:07:30.451" v="522" actId="164"/>
+          <ac:chgData name="Akira Terui" userId="3f83de79-c81c-43e2-ac56-bbb755c07a02" providerId="ADAL" clId="{14AEF855-77FF-44CB-AE07-9D37547B7A88}" dt="2024-09-16T23:45:00.538" v="564" actId="165"/>
           <ac:grpSpMkLst>
             <pc:docMk/>
             <pc:sldMk cId="1909375894" sldId="256"/>
@@ -459,7 +459,7 @@
           </ac:cxnSpMkLst>
         </pc:cxnChg>
         <pc:cxnChg chg="mod">
-          <ac:chgData name="Akira Terui" userId="3f83de79-c81c-43e2-ac56-bbb755c07a02" providerId="ADAL" clId="{14AEF855-77FF-44CB-AE07-9D37547B7A88}" dt="2024-09-16T22:19:01.740" v="517" actId="165"/>
+          <ac:chgData name="Akira Terui" userId="3f83de79-c81c-43e2-ac56-bbb755c07a02" providerId="ADAL" clId="{14AEF855-77FF-44CB-AE07-9D37547B7A88}" dt="2024-09-16T23:45:00.538" v="564" actId="165"/>
           <ac:cxnSpMkLst>
             <pc:docMk/>
             <pc:sldMk cId="1909375894" sldId="256"/>
@@ -467,7 +467,7 @@
           </ac:cxnSpMkLst>
         </pc:cxnChg>
         <pc:cxnChg chg="mod">
-          <ac:chgData name="Akira Terui" userId="3f83de79-c81c-43e2-ac56-bbb755c07a02" providerId="ADAL" clId="{14AEF855-77FF-44CB-AE07-9D37547B7A88}" dt="2024-09-16T22:19:01.740" v="517" actId="165"/>
+          <ac:chgData name="Akira Terui" userId="3f83de79-c81c-43e2-ac56-bbb755c07a02" providerId="ADAL" clId="{14AEF855-77FF-44CB-AE07-9D37547B7A88}" dt="2024-09-16T23:45:00.538" v="564" actId="165"/>
           <ac:cxnSpMkLst>
             <pc:docMk/>
             <pc:sldMk cId="1909375894" sldId="256"/>
@@ -475,7 +475,7 @@
           </ac:cxnSpMkLst>
         </pc:cxnChg>
         <pc:cxnChg chg="mod">
-          <ac:chgData name="Akira Terui" userId="3f83de79-c81c-43e2-ac56-bbb755c07a02" providerId="ADAL" clId="{14AEF855-77FF-44CB-AE07-9D37547B7A88}" dt="2024-09-16T22:19:01.740" v="517" actId="165"/>
+          <ac:chgData name="Akira Terui" userId="3f83de79-c81c-43e2-ac56-bbb755c07a02" providerId="ADAL" clId="{14AEF855-77FF-44CB-AE07-9D37547B7A88}" dt="2024-09-16T23:45:00.538" v="564" actId="165"/>
           <ac:cxnSpMkLst>
             <pc:docMk/>
             <pc:sldMk cId="1909375894" sldId="256"/>
@@ -483,7 +483,7 @@
           </ac:cxnSpMkLst>
         </pc:cxnChg>
         <pc:cxnChg chg="mod">
-          <ac:chgData name="Akira Terui" userId="3f83de79-c81c-43e2-ac56-bbb755c07a02" providerId="ADAL" clId="{14AEF855-77FF-44CB-AE07-9D37547B7A88}" dt="2024-09-16T22:18:55.375" v="516" actId="165"/>
+          <ac:chgData name="Akira Terui" userId="3f83de79-c81c-43e2-ac56-bbb755c07a02" providerId="ADAL" clId="{14AEF855-77FF-44CB-AE07-9D37547B7A88}" dt="2024-09-16T23:45:00.538" v="564" actId="165"/>
           <ac:cxnSpMkLst>
             <pc:docMk/>
             <pc:sldMk cId="1909375894" sldId="256"/>
@@ -491,7 +491,7 @@
           </ac:cxnSpMkLst>
         </pc:cxnChg>
         <pc:cxnChg chg="mod">
-          <ac:chgData name="Akira Terui" userId="3f83de79-c81c-43e2-ac56-bbb755c07a02" providerId="ADAL" clId="{14AEF855-77FF-44CB-AE07-9D37547B7A88}" dt="2024-09-16T22:18:55.375" v="516" actId="165"/>
+          <ac:chgData name="Akira Terui" userId="3f83de79-c81c-43e2-ac56-bbb755c07a02" providerId="ADAL" clId="{14AEF855-77FF-44CB-AE07-9D37547B7A88}" dt="2024-09-16T23:45:00.538" v="564" actId="165"/>
           <ac:cxnSpMkLst>
             <pc:docMk/>
             <pc:sldMk cId="1909375894" sldId="256"/>
@@ -499,7 +499,7 @@
           </ac:cxnSpMkLst>
         </pc:cxnChg>
         <pc:cxnChg chg="mod">
-          <ac:chgData name="Akira Terui" userId="3f83de79-c81c-43e2-ac56-bbb755c07a02" providerId="ADAL" clId="{14AEF855-77FF-44CB-AE07-9D37547B7A88}" dt="2024-09-16T22:18:55.375" v="516" actId="165"/>
+          <ac:chgData name="Akira Terui" userId="3f83de79-c81c-43e2-ac56-bbb755c07a02" providerId="ADAL" clId="{14AEF855-77FF-44CB-AE07-9D37547B7A88}" dt="2024-09-16T23:45:00.538" v="564" actId="165"/>
           <ac:cxnSpMkLst>
             <pc:docMk/>
             <pc:sldMk cId="1909375894" sldId="256"/>
@@ -507,7 +507,7 @@
           </ac:cxnSpMkLst>
         </pc:cxnChg>
         <pc:cxnChg chg="add mod topLvl">
-          <ac:chgData name="Akira Terui" userId="3f83de79-c81c-43e2-ac56-bbb755c07a02" providerId="ADAL" clId="{14AEF855-77FF-44CB-AE07-9D37547B7A88}" dt="2024-09-16T23:07:30.451" v="522" actId="164"/>
+          <ac:chgData name="Akira Terui" userId="3f83de79-c81c-43e2-ac56-bbb755c07a02" providerId="ADAL" clId="{14AEF855-77FF-44CB-AE07-9D37547B7A88}" dt="2024-09-16T23:45:00.538" v="564" actId="165"/>
           <ac:cxnSpMkLst>
             <pc:docMk/>
             <pc:sldMk cId="1909375894" sldId="256"/>
@@ -515,7 +515,7 @@
           </ac:cxnSpMkLst>
         </pc:cxnChg>
         <pc:cxnChg chg="mod">
-          <ac:chgData name="Akira Terui" userId="3f83de79-c81c-43e2-ac56-bbb755c07a02" providerId="ADAL" clId="{14AEF855-77FF-44CB-AE07-9D37547B7A88}" dt="2024-09-16T22:18:55.375" v="516" actId="165"/>
+          <ac:chgData name="Akira Terui" userId="3f83de79-c81c-43e2-ac56-bbb755c07a02" providerId="ADAL" clId="{14AEF855-77FF-44CB-AE07-9D37547B7A88}" dt="2024-09-16T23:45:00.538" v="564" actId="165"/>
           <ac:cxnSpMkLst>
             <pc:docMk/>
             <pc:sldMk cId="1909375894" sldId="256"/>
@@ -523,7 +523,7 @@
           </ac:cxnSpMkLst>
         </pc:cxnChg>
         <pc:cxnChg chg="mod">
-          <ac:chgData name="Akira Terui" userId="3f83de79-c81c-43e2-ac56-bbb755c07a02" providerId="ADAL" clId="{14AEF855-77FF-44CB-AE07-9D37547B7A88}" dt="2024-09-16T22:18:55.375" v="516" actId="165"/>
+          <ac:chgData name="Akira Terui" userId="3f83de79-c81c-43e2-ac56-bbb755c07a02" providerId="ADAL" clId="{14AEF855-77FF-44CB-AE07-9D37547B7A88}" dt="2024-09-16T23:45:00.538" v="564" actId="165"/>
           <ac:cxnSpMkLst>
             <pc:docMk/>
             <pc:sldMk cId="1909375894" sldId="256"/>
@@ -531,7 +531,7 @@
           </ac:cxnSpMkLst>
         </pc:cxnChg>
         <pc:cxnChg chg="mod">
-          <ac:chgData name="Akira Terui" userId="3f83de79-c81c-43e2-ac56-bbb755c07a02" providerId="ADAL" clId="{14AEF855-77FF-44CB-AE07-9D37547B7A88}" dt="2024-09-16T22:18:55.375" v="516" actId="165"/>
+          <ac:chgData name="Akira Terui" userId="3f83de79-c81c-43e2-ac56-bbb755c07a02" providerId="ADAL" clId="{14AEF855-77FF-44CB-AE07-9D37547B7A88}" dt="2024-09-16T23:45:00.538" v="564" actId="165"/>
           <ac:cxnSpMkLst>
             <pc:docMk/>
             <pc:sldMk cId="1909375894" sldId="256"/>
@@ -539,7 +539,7 @@
           </ac:cxnSpMkLst>
         </pc:cxnChg>
         <pc:cxnChg chg="mod">
-          <ac:chgData name="Akira Terui" userId="3f83de79-c81c-43e2-ac56-bbb755c07a02" providerId="ADAL" clId="{14AEF855-77FF-44CB-AE07-9D37547B7A88}" dt="2024-09-16T22:18:55.375" v="516" actId="165"/>
+          <ac:chgData name="Akira Terui" userId="3f83de79-c81c-43e2-ac56-bbb755c07a02" providerId="ADAL" clId="{14AEF855-77FF-44CB-AE07-9D37547B7A88}" dt="2024-09-16T23:45:00.538" v="564" actId="165"/>
           <ac:cxnSpMkLst>
             <pc:docMk/>
             <pc:sldMk cId="1909375894" sldId="256"/>
@@ -547,7 +547,7 @@
           </ac:cxnSpMkLst>
         </pc:cxnChg>
         <pc:cxnChg chg="mod">
-          <ac:chgData name="Akira Terui" userId="3f83de79-c81c-43e2-ac56-bbb755c07a02" providerId="ADAL" clId="{14AEF855-77FF-44CB-AE07-9D37547B7A88}" dt="2024-09-16T22:18:55.375" v="516" actId="165"/>
+          <ac:chgData name="Akira Terui" userId="3f83de79-c81c-43e2-ac56-bbb755c07a02" providerId="ADAL" clId="{14AEF855-77FF-44CB-AE07-9D37547B7A88}" dt="2024-09-16T23:45:00.538" v="564" actId="165"/>
           <ac:cxnSpMkLst>
             <pc:docMk/>
             <pc:sldMk cId="1909375894" sldId="256"/>
@@ -555,7 +555,7 @@
           </ac:cxnSpMkLst>
         </pc:cxnChg>
         <pc:cxnChg chg="mod">
-          <ac:chgData name="Akira Terui" userId="3f83de79-c81c-43e2-ac56-bbb755c07a02" providerId="ADAL" clId="{14AEF855-77FF-44CB-AE07-9D37547B7A88}" dt="2024-09-16T22:18:55.375" v="516" actId="165"/>
+          <ac:chgData name="Akira Terui" userId="3f83de79-c81c-43e2-ac56-bbb755c07a02" providerId="ADAL" clId="{14AEF855-77FF-44CB-AE07-9D37547B7A88}" dt="2024-09-16T23:45:00.538" v="564" actId="165"/>
           <ac:cxnSpMkLst>
             <pc:docMk/>
             <pc:sldMk cId="1909375894" sldId="256"/>
@@ -563,7 +563,7 @@
           </ac:cxnSpMkLst>
         </pc:cxnChg>
         <pc:cxnChg chg="mod">
-          <ac:chgData name="Akira Terui" userId="3f83de79-c81c-43e2-ac56-bbb755c07a02" providerId="ADAL" clId="{14AEF855-77FF-44CB-AE07-9D37547B7A88}" dt="2024-09-16T22:18:55.375" v="516" actId="165"/>
+          <ac:chgData name="Akira Terui" userId="3f83de79-c81c-43e2-ac56-bbb755c07a02" providerId="ADAL" clId="{14AEF855-77FF-44CB-AE07-9D37547B7A88}" dt="2024-09-16T23:45:00.538" v="564" actId="165"/>
           <ac:cxnSpMkLst>
             <pc:docMk/>
             <pc:sldMk cId="1909375894" sldId="256"/>
@@ -571,7 +571,7 @@
           </ac:cxnSpMkLst>
         </pc:cxnChg>
         <pc:cxnChg chg="mod">
-          <ac:chgData name="Akira Terui" userId="3f83de79-c81c-43e2-ac56-bbb755c07a02" providerId="ADAL" clId="{14AEF855-77FF-44CB-AE07-9D37547B7A88}" dt="2024-09-16T22:18:55.375" v="516" actId="165"/>
+          <ac:chgData name="Akira Terui" userId="3f83de79-c81c-43e2-ac56-bbb755c07a02" providerId="ADAL" clId="{14AEF855-77FF-44CB-AE07-9D37547B7A88}" dt="2024-09-16T23:45:00.538" v="564" actId="165"/>
           <ac:cxnSpMkLst>
             <pc:docMk/>
             <pc:sldMk cId="1909375894" sldId="256"/>
@@ -579,7 +579,7 @@
           </ac:cxnSpMkLst>
         </pc:cxnChg>
         <pc:cxnChg chg="mod">
-          <ac:chgData name="Akira Terui" userId="3f83de79-c81c-43e2-ac56-bbb755c07a02" providerId="ADAL" clId="{14AEF855-77FF-44CB-AE07-9D37547B7A88}" dt="2024-09-16T22:18:55.375" v="516" actId="165"/>
+          <ac:chgData name="Akira Terui" userId="3f83de79-c81c-43e2-ac56-bbb755c07a02" providerId="ADAL" clId="{14AEF855-77FF-44CB-AE07-9D37547B7A88}" dt="2024-09-16T23:45:00.538" v="564" actId="165"/>
           <ac:cxnSpMkLst>
             <pc:docMk/>
             <pc:sldMk cId="1909375894" sldId="256"/>
@@ -587,7 +587,7 @@
           </ac:cxnSpMkLst>
         </pc:cxnChg>
         <pc:cxnChg chg="mod">
-          <ac:chgData name="Akira Terui" userId="3f83de79-c81c-43e2-ac56-bbb755c07a02" providerId="ADAL" clId="{14AEF855-77FF-44CB-AE07-9D37547B7A88}" dt="2024-09-16T22:18:55.375" v="516" actId="165"/>
+          <ac:chgData name="Akira Terui" userId="3f83de79-c81c-43e2-ac56-bbb755c07a02" providerId="ADAL" clId="{14AEF855-77FF-44CB-AE07-9D37547B7A88}" dt="2024-09-16T23:45:00.538" v="564" actId="165"/>
           <ac:cxnSpMkLst>
             <pc:docMk/>
             <pc:sldMk cId="1909375894" sldId="256"/>
@@ -595,7 +595,7 @@
           </ac:cxnSpMkLst>
         </pc:cxnChg>
         <pc:cxnChg chg="mod">
-          <ac:chgData name="Akira Terui" userId="3f83de79-c81c-43e2-ac56-bbb755c07a02" providerId="ADAL" clId="{14AEF855-77FF-44CB-AE07-9D37547B7A88}" dt="2024-09-16T22:18:55.375" v="516" actId="165"/>
+          <ac:chgData name="Akira Terui" userId="3f83de79-c81c-43e2-ac56-bbb755c07a02" providerId="ADAL" clId="{14AEF855-77FF-44CB-AE07-9D37547B7A88}" dt="2024-09-16T23:45:00.538" v="564" actId="165"/>
           <ac:cxnSpMkLst>
             <pc:docMk/>
             <pc:sldMk cId="1909375894" sldId="256"/>
@@ -603,7 +603,7 @@
           </ac:cxnSpMkLst>
         </pc:cxnChg>
         <pc:cxnChg chg="mod">
-          <ac:chgData name="Akira Terui" userId="3f83de79-c81c-43e2-ac56-bbb755c07a02" providerId="ADAL" clId="{14AEF855-77FF-44CB-AE07-9D37547B7A88}" dt="2024-09-16T22:18:55.375" v="516" actId="165"/>
+          <ac:chgData name="Akira Terui" userId="3f83de79-c81c-43e2-ac56-bbb755c07a02" providerId="ADAL" clId="{14AEF855-77FF-44CB-AE07-9D37547B7A88}" dt="2024-09-16T23:45:00.538" v="564" actId="165"/>
           <ac:cxnSpMkLst>
             <pc:docMk/>
             <pc:sldMk cId="1909375894" sldId="256"/>
@@ -611,7 +611,7 @@
           </ac:cxnSpMkLst>
         </pc:cxnChg>
         <pc:cxnChg chg="mod">
-          <ac:chgData name="Akira Terui" userId="3f83de79-c81c-43e2-ac56-bbb755c07a02" providerId="ADAL" clId="{14AEF855-77FF-44CB-AE07-9D37547B7A88}" dt="2024-09-16T22:18:55.375" v="516" actId="165"/>
+          <ac:chgData name="Akira Terui" userId="3f83de79-c81c-43e2-ac56-bbb755c07a02" providerId="ADAL" clId="{14AEF855-77FF-44CB-AE07-9D37547B7A88}" dt="2024-09-16T23:45:00.538" v="564" actId="165"/>
           <ac:cxnSpMkLst>
             <pc:docMk/>
             <pc:sldMk cId="1909375894" sldId="256"/>
@@ -619,7 +619,7 @@
           </ac:cxnSpMkLst>
         </pc:cxnChg>
         <pc:cxnChg chg="mod">
-          <ac:chgData name="Akira Terui" userId="3f83de79-c81c-43e2-ac56-bbb755c07a02" providerId="ADAL" clId="{14AEF855-77FF-44CB-AE07-9D37547B7A88}" dt="2024-09-16T22:19:01.740" v="517" actId="165"/>
+          <ac:chgData name="Akira Terui" userId="3f83de79-c81c-43e2-ac56-bbb755c07a02" providerId="ADAL" clId="{14AEF855-77FF-44CB-AE07-9D37547B7A88}" dt="2024-09-16T23:45:00.538" v="564" actId="165"/>
           <ac:cxnSpMkLst>
             <pc:docMk/>
             <pc:sldMk cId="1909375894" sldId="256"/>
@@ -627,7 +627,7 @@
           </ac:cxnSpMkLst>
         </pc:cxnChg>
         <pc:cxnChg chg="mod topLvl">
-          <ac:chgData name="Akira Terui" userId="3f83de79-c81c-43e2-ac56-bbb755c07a02" providerId="ADAL" clId="{14AEF855-77FF-44CB-AE07-9D37547B7A88}" dt="2024-09-16T22:18:55.375" v="516" actId="165"/>
+          <ac:chgData name="Akira Terui" userId="3f83de79-c81c-43e2-ac56-bbb755c07a02" providerId="ADAL" clId="{14AEF855-77FF-44CB-AE07-9D37547B7A88}" dt="2024-09-16T23:45:00.538" v="564" actId="165"/>
           <ac:cxnSpMkLst>
             <pc:docMk/>
             <pc:sldMk cId="1909375894" sldId="256"/>
@@ -635,7 +635,7 @@
           </ac:cxnSpMkLst>
         </pc:cxnChg>
         <pc:cxnChg chg="mod topLvl">
-          <ac:chgData name="Akira Terui" userId="3f83de79-c81c-43e2-ac56-bbb755c07a02" providerId="ADAL" clId="{14AEF855-77FF-44CB-AE07-9D37547B7A88}" dt="2024-09-16T22:18:55.375" v="516" actId="165"/>
+          <ac:chgData name="Akira Terui" userId="3f83de79-c81c-43e2-ac56-bbb755c07a02" providerId="ADAL" clId="{14AEF855-77FF-44CB-AE07-9D37547B7A88}" dt="2024-09-16T23:45:00.538" v="564" actId="165"/>
           <ac:cxnSpMkLst>
             <pc:docMk/>
             <pc:sldMk cId="1909375894" sldId="256"/>
@@ -643,7 +643,7 @@
           </ac:cxnSpMkLst>
         </pc:cxnChg>
         <pc:cxnChg chg="mod topLvl">
-          <ac:chgData name="Akira Terui" userId="3f83de79-c81c-43e2-ac56-bbb755c07a02" providerId="ADAL" clId="{14AEF855-77FF-44CB-AE07-9D37547B7A88}" dt="2024-09-16T22:18:55.375" v="516" actId="165"/>
+          <ac:chgData name="Akira Terui" userId="3f83de79-c81c-43e2-ac56-bbb755c07a02" providerId="ADAL" clId="{14AEF855-77FF-44CB-AE07-9D37547B7A88}" dt="2024-09-16T23:45:00.538" v="564" actId="165"/>
           <ac:cxnSpMkLst>
             <pc:docMk/>
             <pc:sldMk cId="1909375894" sldId="256"/>
@@ -651,7 +651,7 @@
           </ac:cxnSpMkLst>
         </pc:cxnChg>
         <pc:cxnChg chg="mod topLvl">
-          <ac:chgData name="Akira Terui" userId="3f83de79-c81c-43e2-ac56-bbb755c07a02" providerId="ADAL" clId="{14AEF855-77FF-44CB-AE07-9D37547B7A88}" dt="2024-09-16T22:18:55.375" v="516" actId="165"/>
+          <ac:chgData name="Akira Terui" userId="3f83de79-c81c-43e2-ac56-bbb755c07a02" providerId="ADAL" clId="{14AEF855-77FF-44CB-AE07-9D37547B7A88}" dt="2024-09-16T23:45:00.538" v="564" actId="165"/>
           <ac:cxnSpMkLst>
             <pc:docMk/>
             <pc:sldMk cId="1909375894" sldId="256"/>
@@ -659,7 +659,7 @@
           </ac:cxnSpMkLst>
         </pc:cxnChg>
         <pc:cxnChg chg="mod topLvl">
-          <ac:chgData name="Akira Terui" userId="3f83de79-c81c-43e2-ac56-bbb755c07a02" providerId="ADAL" clId="{14AEF855-77FF-44CB-AE07-9D37547B7A88}" dt="2024-09-16T23:07:30.451" v="522" actId="164"/>
+          <ac:chgData name="Akira Terui" userId="3f83de79-c81c-43e2-ac56-bbb755c07a02" providerId="ADAL" clId="{14AEF855-77FF-44CB-AE07-9D37547B7A88}" dt="2024-09-16T23:45:52.563" v="579" actId="552"/>
           <ac:cxnSpMkLst>
             <pc:docMk/>
             <pc:sldMk cId="1909375894" sldId="256"/>
@@ -667,7 +667,7 @@
           </ac:cxnSpMkLst>
         </pc:cxnChg>
         <pc:cxnChg chg="mod topLvl">
-          <ac:chgData name="Akira Terui" userId="3f83de79-c81c-43e2-ac56-bbb755c07a02" providerId="ADAL" clId="{14AEF855-77FF-44CB-AE07-9D37547B7A88}" dt="2024-09-16T23:07:30.451" v="522" actId="164"/>
+          <ac:chgData name="Akira Terui" userId="3f83de79-c81c-43e2-ac56-bbb755c07a02" providerId="ADAL" clId="{14AEF855-77FF-44CB-AE07-9D37547B7A88}" dt="2024-09-16T23:46:07.756" v="582" actId="552"/>
           <ac:cxnSpMkLst>
             <pc:docMk/>
             <pc:sldMk cId="1909375894" sldId="256"/>
@@ -675,7 +675,7 @@
           </ac:cxnSpMkLst>
         </pc:cxnChg>
         <pc:cxnChg chg="add mod topLvl">
-          <ac:chgData name="Akira Terui" userId="3f83de79-c81c-43e2-ac56-bbb755c07a02" providerId="ADAL" clId="{14AEF855-77FF-44CB-AE07-9D37547B7A88}" dt="2024-09-16T22:18:55.375" v="516" actId="165"/>
+          <ac:chgData name="Akira Terui" userId="3f83de79-c81c-43e2-ac56-bbb755c07a02" providerId="ADAL" clId="{14AEF855-77FF-44CB-AE07-9D37547B7A88}" dt="2024-09-16T23:45:00.538" v="564" actId="165"/>
           <ac:cxnSpMkLst>
             <pc:docMk/>
             <pc:sldMk cId="1909375894" sldId="256"/>
@@ -683,7 +683,7 @@
           </ac:cxnSpMkLst>
         </pc:cxnChg>
         <pc:cxnChg chg="add mod topLvl">
-          <ac:chgData name="Akira Terui" userId="3f83de79-c81c-43e2-ac56-bbb755c07a02" providerId="ADAL" clId="{14AEF855-77FF-44CB-AE07-9D37547B7A88}" dt="2024-09-16T22:18:55.375" v="516" actId="165"/>
+          <ac:chgData name="Akira Terui" userId="3f83de79-c81c-43e2-ac56-bbb755c07a02" providerId="ADAL" clId="{14AEF855-77FF-44CB-AE07-9D37547B7A88}" dt="2024-09-16T23:45:00.538" v="564" actId="165"/>
           <ac:cxnSpMkLst>
             <pc:docMk/>
             <pc:sldMk cId="1909375894" sldId="256"/>
@@ -691,7 +691,7 @@
           </ac:cxnSpMkLst>
         </pc:cxnChg>
         <pc:cxnChg chg="mod topLvl">
-          <ac:chgData name="Akira Terui" userId="3f83de79-c81c-43e2-ac56-bbb755c07a02" providerId="ADAL" clId="{14AEF855-77FF-44CB-AE07-9D37547B7A88}" dt="2024-09-16T22:18:55.375" v="516" actId="165"/>
+          <ac:chgData name="Akira Terui" userId="3f83de79-c81c-43e2-ac56-bbb755c07a02" providerId="ADAL" clId="{14AEF855-77FF-44CB-AE07-9D37547B7A88}" dt="2024-09-16T23:45:00.538" v="564" actId="165"/>
           <ac:cxnSpMkLst>
             <pc:docMk/>
             <pc:sldMk cId="1909375894" sldId="256"/>
@@ -699,7 +699,7 @@
           </ac:cxnSpMkLst>
         </pc:cxnChg>
         <pc:cxnChg chg="mod topLvl">
-          <ac:chgData name="Akira Terui" userId="3f83de79-c81c-43e2-ac56-bbb755c07a02" providerId="ADAL" clId="{14AEF855-77FF-44CB-AE07-9D37547B7A88}" dt="2024-09-16T22:18:55.375" v="516" actId="165"/>
+          <ac:chgData name="Akira Terui" userId="3f83de79-c81c-43e2-ac56-bbb755c07a02" providerId="ADAL" clId="{14AEF855-77FF-44CB-AE07-9D37547B7A88}" dt="2024-09-16T23:45:00.538" v="564" actId="165"/>
           <ac:cxnSpMkLst>
             <pc:docMk/>
             <pc:sldMk cId="1909375894" sldId="256"/>
@@ -4395,12 +4395,66 @@
           <a:chExt cx="0" cy="0"/>
         </a:xfrm>
       </p:grpSpPr>
+      <p:sp>
+        <p:nvSpPr>
+          <p:cNvPr id="17" name="Oval 16">
+            <a:extLst>
+              <a:ext uri="{FF2B5EF4-FFF2-40B4-BE49-F238E27FC236}">
+                <a16:creationId xmlns:a16="http://schemas.microsoft.com/office/drawing/2014/main" id="{CC2529A2-48A3-FB83-04B4-D66AFC639950}"/>
+              </a:ext>
+            </a:extLst>
+          </p:cNvPr>
+          <p:cNvSpPr/>
+          <p:nvPr/>
+        </p:nvSpPr>
+        <p:spPr>
+          <a:xfrm>
+            <a:off x="244481" y="2485041"/>
+            <a:ext cx="1926955" cy="1749933"/>
+          </a:xfrm>
+          <a:prstGeom prst="ellipse">
+            <a:avLst/>
+          </a:prstGeom>
+          <a:solidFill>
+            <a:schemeClr val="tx1">
+              <a:alpha val="20000"/>
+            </a:schemeClr>
+          </a:solidFill>
+          <a:ln>
+            <a:noFill/>
+          </a:ln>
+        </p:spPr>
+        <p:style>
+          <a:lnRef idx="2">
+            <a:schemeClr val="accent1">
+              <a:shade val="15000"/>
+            </a:schemeClr>
+          </a:lnRef>
+          <a:fillRef idx="1">
+            <a:schemeClr val="accent1"/>
+          </a:fillRef>
+          <a:effectRef idx="0">
+            <a:schemeClr val="accent1"/>
+          </a:effectRef>
+          <a:fontRef idx="minor">
+            <a:schemeClr val="lt1"/>
+          </a:fontRef>
+        </p:style>
+        <p:txBody>
+          <a:bodyPr rtlCol="0" anchor="ctr"/>
+          <a:lstStyle/>
+          <a:p>
+            <a:pPr algn="ctr"/>
+            <a:endParaRPr lang="en-US" dirty="0"/>
+          </a:p>
+        </p:txBody>
+      </p:sp>
       <p:grpSp>
         <p:nvGrpSpPr>
-          <p:cNvPr id="2" name="Group 1">
+          <p:cNvPr id="53" name="Group 52">
             <a:extLst>
               <a:ext uri="{FF2B5EF4-FFF2-40B4-BE49-F238E27FC236}">
-                <a16:creationId xmlns:a16="http://schemas.microsoft.com/office/drawing/2014/main" id="{E4300918-BB39-DA16-43A6-508D93EAFFA7}"/>
+                <a16:creationId xmlns:a16="http://schemas.microsoft.com/office/drawing/2014/main" id="{6B7D876F-7869-6583-2A44-A240646B6E81}"/>
               </a:ext>
             </a:extLst>
           </p:cNvPr>
@@ -4409,18 +4463,869 @@
         </p:nvGrpSpPr>
         <p:grpSpPr>
           <a:xfrm>
-            <a:off x="244481" y="170135"/>
-            <a:ext cx="6327300" cy="4700041"/>
-            <a:chOff x="244481" y="170135"/>
-            <a:chExt cx="6327300" cy="4700041"/>
+            <a:off x="4017185" y="3735687"/>
+            <a:ext cx="1057080" cy="765669"/>
+            <a:chOff x="7239000" y="4713698"/>
+            <a:chExt cx="1057080" cy="765669"/>
           </a:xfrm>
         </p:grpSpPr>
+        <p:cxnSp>
+          <p:nvCxnSpPr>
+            <p:cNvPr id="13" name="Straight Connector 12">
+              <a:extLst>
+                <a:ext uri="{FF2B5EF4-FFF2-40B4-BE49-F238E27FC236}">
+                  <a16:creationId xmlns:a16="http://schemas.microsoft.com/office/drawing/2014/main" id="{26DD4461-57DB-2FAC-8689-FB97F5FD8226}"/>
+                </a:ext>
+              </a:extLst>
+            </p:cNvPr>
+            <p:cNvCxnSpPr/>
+            <p:nvPr/>
+          </p:nvCxnSpPr>
+          <p:spPr>
+            <a:xfrm flipV="1">
+              <a:off x="7747645" y="5263367"/>
+              <a:ext cx="0" cy="216000"/>
+            </a:xfrm>
+            <a:prstGeom prst="line">
+              <a:avLst/>
+            </a:prstGeom>
+            <a:ln>
+              <a:solidFill>
+                <a:schemeClr val="bg1">
+                  <a:lumMod val="65000"/>
+                </a:schemeClr>
+              </a:solidFill>
+            </a:ln>
+          </p:spPr>
+          <p:style>
+            <a:lnRef idx="2">
+              <a:schemeClr val="accent1"/>
+            </a:lnRef>
+            <a:fillRef idx="0">
+              <a:schemeClr val="accent1"/>
+            </a:fillRef>
+            <a:effectRef idx="1">
+              <a:schemeClr val="accent1"/>
+            </a:effectRef>
+            <a:fontRef idx="minor">
+              <a:schemeClr val="tx1"/>
+            </a:fontRef>
+          </p:style>
+        </p:cxnSp>
+        <p:cxnSp>
+          <p:nvCxnSpPr>
+            <p:cNvPr id="14" name="Straight Connector 13">
+              <a:extLst>
+                <a:ext uri="{FF2B5EF4-FFF2-40B4-BE49-F238E27FC236}">
+                  <a16:creationId xmlns:a16="http://schemas.microsoft.com/office/drawing/2014/main" id="{A94D75D9-3739-436F-143A-718F394BFE54}"/>
+                </a:ext>
+              </a:extLst>
+            </p:cNvPr>
+            <p:cNvCxnSpPr>
+              <a:cxnSpLocks/>
+            </p:cNvCxnSpPr>
+            <p:nvPr/>
+          </p:nvCxnSpPr>
+          <p:spPr>
+            <a:xfrm rot="18900000" flipV="1">
+              <a:off x="7633091" y="5100489"/>
+              <a:ext cx="0" cy="108000"/>
+            </a:xfrm>
+            <a:prstGeom prst="line">
+              <a:avLst/>
+            </a:prstGeom>
+            <a:ln>
+              <a:solidFill>
+                <a:schemeClr val="tx1">
+                  <a:lumMod val="95000"/>
+                  <a:lumOff val="5000"/>
+                </a:schemeClr>
+              </a:solidFill>
+            </a:ln>
+          </p:spPr>
+          <p:style>
+            <a:lnRef idx="2">
+              <a:schemeClr val="accent1"/>
+            </a:lnRef>
+            <a:fillRef idx="0">
+              <a:schemeClr val="accent1"/>
+            </a:fillRef>
+            <a:effectRef idx="1">
+              <a:schemeClr val="accent1"/>
+            </a:effectRef>
+            <a:fontRef idx="minor">
+              <a:schemeClr val="tx1"/>
+            </a:fontRef>
+          </p:style>
+        </p:cxnSp>
+        <p:cxnSp>
+          <p:nvCxnSpPr>
+            <p:cNvPr id="15" name="Straight Connector 14">
+              <a:extLst>
+                <a:ext uri="{FF2B5EF4-FFF2-40B4-BE49-F238E27FC236}">
+                  <a16:creationId xmlns:a16="http://schemas.microsoft.com/office/drawing/2014/main" id="{01A3A3FC-6F65-CDCF-2C07-E0430118CD5C}"/>
+                </a:ext>
+              </a:extLst>
+            </p:cNvPr>
+            <p:cNvCxnSpPr>
+              <a:cxnSpLocks/>
+            </p:cNvCxnSpPr>
+            <p:nvPr/>
+          </p:nvCxnSpPr>
+          <p:spPr>
+            <a:xfrm rot="2700000" flipV="1">
+              <a:off x="7824013" y="5078999"/>
+              <a:ext cx="0" cy="216000"/>
+            </a:xfrm>
+            <a:prstGeom prst="line">
+              <a:avLst/>
+            </a:prstGeom>
+            <a:ln>
+              <a:solidFill>
+                <a:schemeClr val="bg1">
+                  <a:lumMod val="65000"/>
+                </a:schemeClr>
+              </a:solidFill>
+            </a:ln>
+          </p:spPr>
+          <p:style>
+            <a:lnRef idx="2">
+              <a:schemeClr val="accent1"/>
+            </a:lnRef>
+            <a:fillRef idx="0">
+              <a:schemeClr val="accent1"/>
+            </a:fillRef>
+            <a:effectRef idx="1">
+              <a:schemeClr val="accent1"/>
+            </a:effectRef>
+            <a:fontRef idx="minor">
+              <a:schemeClr val="tx1"/>
+            </a:fontRef>
+          </p:style>
+        </p:cxnSp>
+        <p:grpSp>
+          <p:nvGrpSpPr>
+            <p:cNvPr id="23" name="Group 22">
+              <a:extLst>
+                <a:ext uri="{FF2B5EF4-FFF2-40B4-BE49-F238E27FC236}">
+                  <a16:creationId xmlns:a16="http://schemas.microsoft.com/office/drawing/2014/main" id="{2B51B6C6-81AD-F047-1CCB-B046A083D6E1}"/>
+                </a:ext>
+              </a:extLst>
+            </p:cNvPr>
+            <p:cNvGrpSpPr/>
+            <p:nvPr/>
+          </p:nvGrpSpPr>
+          <p:grpSpPr>
+            <a:xfrm rot="19076265">
+              <a:off x="7375952" y="4994376"/>
+              <a:ext cx="260738" cy="216000"/>
+              <a:chOff x="9112030" y="4235232"/>
+              <a:chExt cx="260738" cy="216000"/>
+            </a:xfrm>
+          </p:grpSpPr>
+          <p:cxnSp>
+            <p:nvCxnSpPr>
+              <p:cNvPr id="25" name="Straight Connector 24">
+                <a:extLst>
+                  <a:ext uri="{FF2B5EF4-FFF2-40B4-BE49-F238E27FC236}">
+                    <a16:creationId xmlns:a16="http://schemas.microsoft.com/office/drawing/2014/main" id="{FAEB8A73-A742-50F4-A64F-A16775538E31}"/>
+                  </a:ext>
+                </a:extLst>
+              </p:cNvPr>
+              <p:cNvCxnSpPr>
+                <a:cxnSpLocks/>
+              </p:cNvCxnSpPr>
+              <p:nvPr/>
+            </p:nvCxnSpPr>
+            <p:spPr>
+              <a:xfrm rot="18723735" flipV="1">
+                <a:off x="9220030" y="4240906"/>
+                <a:ext cx="0" cy="216000"/>
+              </a:xfrm>
+              <a:prstGeom prst="line">
+                <a:avLst/>
+              </a:prstGeom>
+              <a:ln>
+                <a:solidFill>
+                  <a:schemeClr val="tx1">
+                    <a:lumMod val="95000"/>
+                    <a:lumOff val="5000"/>
+                  </a:schemeClr>
+                </a:solidFill>
+              </a:ln>
+            </p:spPr>
+            <p:style>
+              <a:lnRef idx="2">
+                <a:schemeClr val="accent1"/>
+              </a:lnRef>
+              <a:fillRef idx="0">
+                <a:schemeClr val="accent1"/>
+              </a:fillRef>
+              <a:effectRef idx="1">
+                <a:schemeClr val="accent1"/>
+              </a:effectRef>
+              <a:fontRef idx="minor">
+                <a:schemeClr val="tx1"/>
+              </a:fontRef>
+            </p:style>
+          </p:cxnSp>
+          <p:cxnSp>
+            <p:nvCxnSpPr>
+              <p:cNvPr id="26" name="Straight Connector 25">
+                <a:extLst>
+                  <a:ext uri="{FF2B5EF4-FFF2-40B4-BE49-F238E27FC236}">
+                    <a16:creationId xmlns:a16="http://schemas.microsoft.com/office/drawing/2014/main" id="{D37B6A2F-830F-804B-75AB-AE37F225A858}"/>
+                  </a:ext>
+                </a:extLst>
+              </p:cNvPr>
+              <p:cNvCxnSpPr>
+                <a:cxnSpLocks/>
+              </p:cNvCxnSpPr>
+              <p:nvPr/>
+            </p:nvCxnSpPr>
+            <p:spPr>
+              <a:xfrm rot="2523735" flipV="1">
+                <a:off x="9372768" y="4235232"/>
+                <a:ext cx="0" cy="216000"/>
+              </a:xfrm>
+              <a:prstGeom prst="line">
+                <a:avLst/>
+              </a:prstGeom>
+              <a:ln>
+                <a:solidFill>
+                  <a:schemeClr val="tx1">
+                    <a:lumMod val="95000"/>
+                    <a:lumOff val="5000"/>
+                  </a:schemeClr>
+                </a:solidFill>
+              </a:ln>
+            </p:spPr>
+            <p:style>
+              <a:lnRef idx="2">
+                <a:schemeClr val="accent1"/>
+              </a:lnRef>
+              <a:fillRef idx="0">
+                <a:schemeClr val="accent1"/>
+              </a:fillRef>
+              <a:effectRef idx="1">
+                <a:schemeClr val="accent1"/>
+              </a:effectRef>
+              <a:fontRef idx="minor">
+                <a:schemeClr val="tx1"/>
+              </a:fontRef>
+            </p:style>
+          </p:cxnSp>
+        </p:grpSp>
+        <p:grpSp>
+          <p:nvGrpSpPr>
+            <p:cNvPr id="27" name="Group 26">
+              <a:extLst>
+                <a:ext uri="{FF2B5EF4-FFF2-40B4-BE49-F238E27FC236}">
+                  <a16:creationId xmlns:a16="http://schemas.microsoft.com/office/drawing/2014/main" id="{FE8C5CF6-E630-9E3A-1508-FE999B3E91BE}"/>
+                </a:ext>
+              </a:extLst>
+            </p:cNvPr>
+            <p:cNvGrpSpPr/>
+            <p:nvPr/>
+          </p:nvGrpSpPr>
+          <p:grpSpPr>
+            <a:xfrm rot="2689403">
+              <a:off x="7854443" y="4991198"/>
+              <a:ext cx="260738" cy="216000"/>
+              <a:chOff x="9220030" y="4240906"/>
+              <a:chExt cx="260738" cy="216000"/>
+            </a:xfrm>
+          </p:grpSpPr>
+          <p:cxnSp>
+            <p:nvCxnSpPr>
+              <p:cNvPr id="28" name="Straight Connector 27">
+                <a:extLst>
+                  <a:ext uri="{FF2B5EF4-FFF2-40B4-BE49-F238E27FC236}">
+                    <a16:creationId xmlns:a16="http://schemas.microsoft.com/office/drawing/2014/main" id="{ED175815-6063-C8E4-A642-64E658BCC4F2}"/>
+                  </a:ext>
+                </a:extLst>
+              </p:cNvPr>
+              <p:cNvCxnSpPr>
+                <a:cxnSpLocks/>
+              </p:cNvCxnSpPr>
+              <p:nvPr/>
+            </p:nvCxnSpPr>
+            <p:spPr>
+              <a:xfrm rot="-2700000" flipV="1">
+                <a:off x="9220030" y="4240906"/>
+                <a:ext cx="0" cy="216000"/>
+              </a:xfrm>
+              <a:prstGeom prst="line">
+                <a:avLst/>
+              </a:prstGeom>
+              <a:ln>
+                <a:solidFill>
+                  <a:schemeClr val="bg1">
+                    <a:lumMod val="65000"/>
+                  </a:schemeClr>
+                </a:solidFill>
+              </a:ln>
+            </p:spPr>
+            <p:style>
+              <a:lnRef idx="2">
+                <a:schemeClr val="accent1"/>
+              </a:lnRef>
+              <a:fillRef idx="0">
+                <a:schemeClr val="accent1"/>
+              </a:fillRef>
+              <a:effectRef idx="1">
+                <a:schemeClr val="accent1"/>
+              </a:effectRef>
+              <a:fontRef idx="minor">
+                <a:schemeClr val="tx1"/>
+              </a:fontRef>
+            </p:style>
+          </p:cxnSp>
+          <p:cxnSp>
+            <p:nvCxnSpPr>
+              <p:cNvPr id="29" name="Straight Connector 28">
+                <a:extLst>
+                  <a:ext uri="{FF2B5EF4-FFF2-40B4-BE49-F238E27FC236}">
+                    <a16:creationId xmlns:a16="http://schemas.microsoft.com/office/drawing/2014/main" id="{E289509A-1A5A-EAA3-F76F-CB4E8ABC8570}"/>
+                  </a:ext>
+                </a:extLst>
+              </p:cNvPr>
+              <p:cNvCxnSpPr>
+                <a:cxnSpLocks/>
+              </p:cNvCxnSpPr>
+              <p:nvPr/>
+            </p:nvCxnSpPr>
+            <p:spPr>
+              <a:xfrm rot="2700000" flipV="1">
+                <a:off x="9372768" y="4235232"/>
+                <a:ext cx="0" cy="216000"/>
+              </a:xfrm>
+              <a:prstGeom prst="line">
+                <a:avLst/>
+              </a:prstGeom>
+              <a:ln>
+                <a:solidFill>
+                  <a:schemeClr val="bg1">
+                    <a:lumMod val="65000"/>
+                  </a:schemeClr>
+                </a:solidFill>
+              </a:ln>
+            </p:spPr>
+            <p:style>
+              <a:lnRef idx="2">
+                <a:schemeClr val="accent1"/>
+              </a:lnRef>
+              <a:fillRef idx="0">
+                <a:schemeClr val="accent1"/>
+              </a:fillRef>
+              <a:effectRef idx="1">
+                <a:schemeClr val="accent1"/>
+              </a:effectRef>
+              <a:fontRef idx="minor">
+                <a:schemeClr val="tx1"/>
+              </a:fontRef>
+            </p:style>
+          </p:cxnSp>
+        </p:grpSp>
+        <p:grpSp>
+          <p:nvGrpSpPr>
+            <p:cNvPr id="30" name="Group 29">
+              <a:extLst>
+                <a:ext uri="{FF2B5EF4-FFF2-40B4-BE49-F238E27FC236}">
+                  <a16:creationId xmlns:a16="http://schemas.microsoft.com/office/drawing/2014/main" id="{FB28E8FD-F188-42B7-85E6-05FA0BE5F7A3}"/>
+                </a:ext>
+              </a:extLst>
+            </p:cNvPr>
+            <p:cNvGrpSpPr/>
+            <p:nvPr/>
+          </p:nvGrpSpPr>
+          <p:grpSpPr>
+            <a:xfrm rot="17548889">
+              <a:off x="7216631" y="4933347"/>
+              <a:ext cx="260738" cy="216000"/>
+              <a:chOff x="9220030" y="4240906"/>
+              <a:chExt cx="260738" cy="216000"/>
+            </a:xfrm>
+          </p:grpSpPr>
+          <p:cxnSp>
+            <p:nvCxnSpPr>
+              <p:cNvPr id="31" name="Straight Connector 30">
+                <a:extLst>
+                  <a:ext uri="{FF2B5EF4-FFF2-40B4-BE49-F238E27FC236}">
+                    <a16:creationId xmlns:a16="http://schemas.microsoft.com/office/drawing/2014/main" id="{88A61A3E-7ACD-0A53-1BE8-2ED6C13CB02A}"/>
+                  </a:ext>
+                </a:extLst>
+              </p:cNvPr>
+              <p:cNvCxnSpPr>
+                <a:cxnSpLocks/>
+              </p:cNvCxnSpPr>
+              <p:nvPr/>
+            </p:nvCxnSpPr>
+            <p:spPr>
+              <a:xfrm rot="-2700000" flipV="1">
+                <a:off x="9220030" y="4240906"/>
+                <a:ext cx="0" cy="216000"/>
+              </a:xfrm>
+              <a:prstGeom prst="line">
+                <a:avLst/>
+              </a:prstGeom>
+              <a:ln>
+                <a:solidFill>
+                  <a:schemeClr val="tx1">
+                    <a:lumMod val="95000"/>
+                    <a:lumOff val="5000"/>
+                  </a:schemeClr>
+                </a:solidFill>
+              </a:ln>
+            </p:spPr>
+            <p:style>
+              <a:lnRef idx="2">
+                <a:schemeClr val="accent1"/>
+              </a:lnRef>
+              <a:fillRef idx="0">
+                <a:schemeClr val="accent1"/>
+              </a:fillRef>
+              <a:effectRef idx="1">
+                <a:schemeClr val="accent1"/>
+              </a:effectRef>
+              <a:fontRef idx="minor">
+                <a:schemeClr val="tx1"/>
+              </a:fontRef>
+            </p:style>
+          </p:cxnSp>
+          <p:cxnSp>
+            <p:nvCxnSpPr>
+              <p:cNvPr id="32" name="Straight Connector 31">
+                <a:extLst>
+                  <a:ext uri="{FF2B5EF4-FFF2-40B4-BE49-F238E27FC236}">
+                    <a16:creationId xmlns:a16="http://schemas.microsoft.com/office/drawing/2014/main" id="{14473EE1-D8C1-6B26-AB57-867C7A27F972}"/>
+                  </a:ext>
+                </a:extLst>
+              </p:cNvPr>
+              <p:cNvCxnSpPr>
+                <a:cxnSpLocks/>
+              </p:cNvCxnSpPr>
+              <p:nvPr/>
+            </p:nvCxnSpPr>
+            <p:spPr>
+              <a:xfrm rot="2700000" flipV="1">
+                <a:off x="9372768" y="4235232"/>
+                <a:ext cx="0" cy="216000"/>
+              </a:xfrm>
+              <a:prstGeom prst="line">
+                <a:avLst/>
+              </a:prstGeom>
+              <a:ln>
+                <a:solidFill>
+                  <a:schemeClr val="tx1">
+                    <a:lumMod val="95000"/>
+                    <a:lumOff val="5000"/>
+                  </a:schemeClr>
+                </a:solidFill>
+              </a:ln>
+            </p:spPr>
+            <p:style>
+              <a:lnRef idx="2">
+                <a:schemeClr val="accent1"/>
+              </a:lnRef>
+              <a:fillRef idx="0">
+                <a:schemeClr val="accent1"/>
+              </a:fillRef>
+              <a:effectRef idx="1">
+                <a:schemeClr val="accent1"/>
+              </a:effectRef>
+              <a:fontRef idx="minor">
+                <a:schemeClr val="tx1"/>
+              </a:fontRef>
+            </p:style>
+          </p:cxnSp>
+        </p:grpSp>
+        <p:grpSp>
+          <p:nvGrpSpPr>
+            <p:cNvPr id="33" name="Group 32">
+              <a:extLst>
+                <a:ext uri="{FF2B5EF4-FFF2-40B4-BE49-F238E27FC236}">
+                  <a16:creationId xmlns:a16="http://schemas.microsoft.com/office/drawing/2014/main" id="{BAAF9D92-03BD-5DB9-7A07-BFF4D2A754A6}"/>
+                </a:ext>
+              </a:extLst>
+            </p:cNvPr>
+            <p:cNvGrpSpPr/>
+            <p:nvPr/>
+          </p:nvGrpSpPr>
+          <p:grpSpPr>
+            <a:xfrm rot="20792390">
+              <a:off x="7508684" y="4713698"/>
+              <a:ext cx="260738" cy="216000"/>
+              <a:chOff x="9220030" y="4240906"/>
+              <a:chExt cx="260738" cy="216000"/>
+            </a:xfrm>
+          </p:grpSpPr>
+          <p:cxnSp>
+            <p:nvCxnSpPr>
+              <p:cNvPr id="34" name="Straight Connector 33">
+                <a:extLst>
+                  <a:ext uri="{FF2B5EF4-FFF2-40B4-BE49-F238E27FC236}">
+                    <a16:creationId xmlns:a16="http://schemas.microsoft.com/office/drawing/2014/main" id="{7616F7BA-D7DD-0940-BCD7-B8AC5D01E99A}"/>
+                  </a:ext>
+                </a:extLst>
+              </p:cNvPr>
+              <p:cNvCxnSpPr>
+                <a:cxnSpLocks/>
+              </p:cNvCxnSpPr>
+              <p:nvPr/>
+            </p:nvCxnSpPr>
+            <p:spPr>
+              <a:xfrm rot="-2700000" flipV="1">
+                <a:off x="9220030" y="4240906"/>
+                <a:ext cx="0" cy="216000"/>
+              </a:xfrm>
+              <a:prstGeom prst="line">
+                <a:avLst/>
+              </a:prstGeom>
+              <a:ln>
+                <a:solidFill>
+                  <a:schemeClr val="tx1">
+                    <a:lumMod val="95000"/>
+                    <a:lumOff val="5000"/>
+                  </a:schemeClr>
+                </a:solidFill>
+              </a:ln>
+            </p:spPr>
+            <p:style>
+              <a:lnRef idx="2">
+                <a:schemeClr val="accent1"/>
+              </a:lnRef>
+              <a:fillRef idx="0">
+                <a:schemeClr val="accent1"/>
+              </a:fillRef>
+              <a:effectRef idx="1">
+                <a:schemeClr val="accent1"/>
+              </a:effectRef>
+              <a:fontRef idx="minor">
+                <a:schemeClr val="tx1"/>
+              </a:fontRef>
+            </p:style>
+          </p:cxnSp>
+          <p:cxnSp>
+            <p:nvCxnSpPr>
+              <p:cNvPr id="35" name="Straight Connector 34">
+                <a:extLst>
+                  <a:ext uri="{FF2B5EF4-FFF2-40B4-BE49-F238E27FC236}">
+                    <a16:creationId xmlns:a16="http://schemas.microsoft.com/office/drawing/2014/main" id="{FC897683-E3CD-4978-6DBF-F1E5612B9ABE}"/>
+                  </a:ext>
+                </a:extLst>
+              </p:cNvPr>
+              <p:cNvCxnSpPr>
+                <a:cxnSpLocks/>
+              </p:cNvCxnSpPr>
+              <p:nvPr/>
+            </p:nvCxnSpPr>
+            <p:spPr>
+              <a:xfrm rot="2700000" flipV="1">
+                <a:off x="9372768" y="4235232"/>
+                <a:ext cx="0" cy="216000"/>
+              </a:xfrm>
+              <a:prstGeom prst="line">
+                <a:avLst/>
+              </a:prstGeom>
+              <a:ln>
+                <a:solidFill>
+                  <a:schemeClr val="tx1">
+                    <a:lumMod val="95000"/>
+                    <a:lumOff val="5000"/>
+                  </a:schemeClr>
+                </a:solidFill>
+              </a:ln>
+            </p:spPr>
+            <p:style>
+              <a:lnRef idx="2">
+                <a:schemeClr val="accent1"/>
+              </a:lnRef>
+              <a:fillRef idx="0">
+                <a:schemeClr val="accent1"/>
+              </a:fillRef>
+              <a:effectRef idx="1">
+                <a:schemeClr val="accent1"/>
+              </a:effectRef>
+              <a:fontRef idx="minor">
+                <a:schemeClr val="tx1"/>
+              </a:fontRef>
+            </p:style>
+          </p:cxnSp>
+        </p:grpSp>
+        <p:grpSp>
+          <p:nvGrpSpPr>
+            <p:cNvPr id="36" name="Group 35">
+              <a:extLst>
+                <a:ext uri="{FF2B5EF4-FFF2-40B4-BE49-F238E27FC236}">
+                  <a16:creationId xmlns:a16="http://schemas.microsoft.com/office/drawing/2014/main" id="{CE491A29-4166-53E0-1368-2D5EE52E6270}"/>
+                </a:ext>
+              </a:extLst>
+            </p:cNvPr>
+            <p:cNvGrpSpPr/>
+            <p:nvPr/>
+          </p:nvGrpSpPr>
+          <p:grpSpPr>
+            <a:xfrm rot="1094707">
+              <a:off x="7837764" y="4744045"/>
+              <a:ext cx="260738" cy="216000"/>
+              <a:chOff x="9220030" y="4240906"/>
+              <a:chExt cx="260738" cy="216000"/>
+            </a:xfrm>
+          </p:grpSpPr>
+          <p:cxnSp>
+            <p:nvCxnSpPr>
+              <p:cNvPr id="37" name="Straight Connector 36">
+                <a:extLst>
+                  <a:ext uri="{FF2B5EF4-FFF2-40B4-BE49-F238E27FC236}">
+                    <a16:creationId xmlns:a16="http://schemas.microsoft.com/office/drawing/2014/main" id="{1AE47E3A-A70F-DE63-D09F-E0784D886AE8}"/>
+                  </a:ext>
+                </a:extLst>
+              </p:cNvPr>
+              <p:cNvCxnSpPr>
+                <a:cxnSpLocks/>
+              </p:cNvCxnSpPr>
+              <p:nvPr/>
+            </p:nvCxnSpPr>
+            <p:spPr>
+              <a:xfrm rot="-2700000" flipV="1">
+                <a:off x="9220030" y="4240906"/>
+                <a:ext cx="0" cy="216000"/>
+              </a:xfrm>
+              <a:prstGeom prst="line">
+                <a:avLst/>
+              </a:prstGeom>
+              <a:ln>
+                <a:solidFill>
+                  <a:schemeClr val="bg1">
+                    <a:lumMod val="65000"/>
+                  </a:schemeClr>
+                </a:solidFill>
+              </a:ln>
+            </p:spPr>
+            <p:style>
+              <a:lnRef idx="2">
+                <a:schemeClr val="accent1"/>
+              </a:lnRef>
+              <a:fillRef idx="0">
+                <a:schemeClr val="accent1"/>
+              </a:fillRef>
+              <a:effectRef idx="1">
+                <a:schemeClr val="accent1"/>
+              </a:effectRef>
+              <a:fontRef idx="minor">
+                <a:schemeClr val="tx1"/>
+              </a:fontRef>
+            </p:style>
+          </p:cxnSp>
+          <p:cxnSp>
+            <p:nvCxnSpPr>
+              <p:cNvPr id="38" name="Straight Connector 37">
+                <a:extLst>
+                  <a:ext uri="{FF2B5EF4-FFF2-40B4-BE49-F238E27FC236}">
+                    <a16:creationId xmlns:a16="http://schemas.microsoft.com/office/drawing/2014/main" id="{C8A70556-7416-117A-D596-26ABCD5F90C7}"/>
+                  </a:ext>
+                </a:extLst>
+              </p:cNvPr>
+              <p:cNvCxnSpPr>
+                <a:cxnSpLocks/>
+              </p:cNvCxnSpPr>
+              <p:nvPr/>
+            </p:nvCxnSpPr>
+            <p:spPr>
+              <a:xfrm rot="2700000" flipV="1">
+                <a:off x="9372768" y="4235232"/>
+                <a:ext cx="0" cy="216000"/>
+              </a:xfrm>
+              <a:prstGeom prst="line">
+                <a:avLst/>
+              </a:prstGeom>
+              <a:ln>
+                <a:solidFill>
+                  <a:schemeClr val="bg1">
+                    <a:lumMod val="65000"/>
+                  </a:schemeClr>
+                </a:solidFill>
+              </a:ln>
+            </p:spPr>
+            <p:style>
+              <a:lnRef idx="2">
+                <a:schemeClr val="accent1"/>
+              </a:lnRef>
+              <a:fillRef idx="0">
+                <a:schemeClr val="accent1"/>
+              </a:fillRef>
+              <a:effectRef idx="1">
+                <a:schemeClr val="accent1"/>
+              </a:effectRef>
+              <a:fontRef idx="minor">
+                <a:schemeClr val="tx1"/>
+              </a:fontRef>
+            </p:style>
+          </p:cxnSp>
+        </p:grpSp>
+        <p:grpSp>
+          <p:nvGrpSpPr>
+            <p:cNvPr id="39" name="Group 38">
+              <a:extLst>
+                <a:ext uri="{FF2B5EF4-FFF2-40B4-BE49-F238E27FC236}">
+                  <a16:creationId xmlns:a16="http://schemas.microsoft.com/office/drawing/2014/main" id="{0FDFE708-F2EE-076A-FA78-527219DAF574}"/>
+                </a:ext>
+              </a:extLst>
+            </p:cNvPr>
+            <p:cNvGrpSpPr/>
+            <p:nvPr/>
+          </p:nvGrpSpPr>
+          <p:grpSpPr>
+            <a:xfrm rot="4523609">
+              <a:off x="8057711" y="5038172"/>
+              <a:ext cx="260738" cy="216000"/>
+              <a:chOff x="9220030" y="4240906"/>
+              <a:chExt cx="260738" cy="216000"/>
+            </a:xfrm>
+          </p:grpSpPr>
+          <p:cxnSp>
+            <p:nvCxnSpPr>
+              <p:cNvPr id="40" name="Straight Connector 39">
+                <a:extLst>
+                  <a:ext uri="{FF2B5EF4-FFF2-40B4-BE49-F238E27FC236}">
+                    <a16:creationId xmlns:a16="http://schemas.microsoft.com/office/drawing/2014/main" id="{765B339C-F16A-ED86-E06F-A1CA08A811BC}"/>
+                  </a:ext>
+                </a:extLst>
+              </p:cNvPr>
+              <p:cNvCxnSpPr>
+                <a:cxnSpLocks/>
+              </p:cNvCxnSpPr>
+              <p:nvPr/>
+            </p:nvCxnSpPr>
+            <p:spPr>
+              <a:xfrm rot="-2700000" flipV="1">
+                <a:off x="9220030" y="4240906"/>
+                <a:ext cx="0" cy="216000"/>
+              </a:xfrm>
+              <a:prstGeom prst="line">
+                <a:avLst/>
+              </a:prstGeom>
+              <a:ln>
+                <a:solidFill>
+                  <a:schemeClr val="bg1">
+                    <a:lumMod val="65000"/>
+                  </a:schemeClr>
+                </a:solidFill>
+              </a:ln>
+            </p:spPr>
+            <p:style>
+              <a:lnRef idx="2">
+                <a:schemeClr val="accent1"/>
+              </a:lnRef>
+              <a:fillRef idx="0">
+                <a:schemeClr val="accent1"/>
+              </a:fillRef>
+              <a:effectRef idx="1">
+                <a:schemeClr val="accent1"/>
+              </a:effectRef>
+              <a:fontRef idx="minor">
+                <a:schemeClr val="tx1"/>
+              </a:fontRef>
+            </p:style>
+          </p:cxnSp>
+          <p:cxnSp>
+            <p:nvCxnSpPr>
+              <p:cNvPr id="41" name="Straight Connector 40">
+                <a:extLst>
+                  <a:ext uri="{FF2B5EF4-FFF2-40B4-BE49-F238E27FC236}">
+                    <a16:creationId xmlns:a16="http://schemas.microsoft.com/office/drawing/2014/main" id="{9FF79065-66E1-34F1-9629-BA74DF6AFD9B}"/>
+                  </a:ext>
+                </a:extLst>
+              </p:cNvPr>
+              <p:cNvCxnSpPr>
+                <a:cxnSpLocks/>
+              </p:cNvCxnSpPr>
+              <p:nvPr/>
+            </p:nvCxnSpPr>
+            <p:spPr>
+              <a:xfrm rot="2700000" flipV="1">
+                <a:off x="9372768" y="4235232"/>
+                <a:ext cx="0" cy="216000"/>
+              </a:xfrm>
+              <a:prstGeom prst="line">
+                <a:avLst/>
+              </a:prstGeom>
+              <a:ln>
+                <a:solidFill>
+                  <a:schemeClr val="bg1">
+                    <a:lumMod val="65000"/>
+                  </a:schemeClr>
+                </a:solidFill>
+              </a:ln>
+            </p:spPr>
+            <p:style>
+              <a:lnRef idx="2">
+                <a:schemeClr val="accent1"/>
+              </a:lnRef>
+              <a:fillRef idx="0">
+                <a:schemeClr val="accent1"/>
+              </a:fillRef>
+              <a:effectRef idx="1">
+                <a:schemeClr val="accent1"/>
+              </a:effectRef>
+              <a:fontRef idx="minor">
+                <a:schemeClr val="tx1"/>
+              </a:fontRef>
+            </p:style>
+          </p:cxnSp>
+        </p:grpSp>
+        <p:cxnSp>
+          <p:nvCxnSpPr>
+            <p:cNvPr id="43" name="Straight Connector 42">
+              <a:extLst>
+                <a:ext uri="{FF2B5EF4-FFF2-40B4-BE49-F238E27FC236}">
+                  <a16:creationId xmlns:a16="http://schemas.microsoft.com/office/drawing/2014/main" id="{12108ED5-4B0F-F555-1849-0E02AAA34FB5}"/>
+                </a:ext>
+              </a:extLst>
+            </p:cNvPr>
+            <p:cNvCxnSpPr>
+              <a:cxnSpLocks/>
+            </p:cNvCxnSpPr>
+            <p:nvPr/>
+          </p:nvCxnSpPr>
+          <p:spPr>
+            <a:xfrm rot="18900000" flipV="1">
+              <a:off x="7706285" y="5174567"/>
+              <a:ext cx="0" cy="108000"/>
+            </a:xfrm>
+            <a:prstGeom prst="line">
+              <a:avLst/>
+            </a:prstGeom>
+            <a:ln>
+              <a:solidFill>
+                <a:schemeClr val="bg1">
+                  <a:lumMod val="65000"/>
+                </a:schemeClr>
+              </a:solidFill>
+            </a:ln>
+          </p:spPr>
+          <p:style>
+            <a:lnRef idx="2">
+              <a:schemeClr val="accent1"/>
+            </a:lnRef>
+            <a:fillRef idx="0">
+              <a:schemeClr val="accent1"/>
+            </a:fillRef>
+            <a:effectRef idx="1">
+              <a:schemeClr val="accent1"/>
+            </a:effectRef>
+            <a:fontRef idx="minor">
+              <a:schemeClr val="tx1"/>
+            </a:fontRef>
+          </p:style>
+        </p:cxnSp>
         <p:sp>
           <p:nvSpPr>
-            <p:cNvPr id="17" name="Oval 16">
+            <p:cNvPr id="51" name="Oval 50">
               <a:extLst>
                 <a:ext uri="{FF2B5EF4-FFF2-40B4-BE49-F238E27FC236}">
-                  <a16:creationId xmlns:a16="http://schemas.microsoft.com/office/drawing/2014/main" id="{CC2529A2-48A3-FB83-04B4-D66AFC639950}"/>
+                  <a16:creationId xmlns:a16="http://schemas.microsoft.com/office/drawing/2014/main" id="{DA85445E-B406-ED31-F7E2-1F2B69E3A85F}"/>
                 </a:ext>
               </a:extLst>
             </p:cNvPr>
@@ -4429,16 +5334,14 @@
           </p:nvSpPr>
           <p:spPr>
             <a:xfrm>
-              <a:off x="244481" y="2485041"/>
-              <a:ext cx="1926955" cy="1749933"/>
+              <a:off x="7623100" y="5147673"/>
+              <a:ext cx="90000" cy="90000"/>
             </a:xfrm>
             <a:prstGeom prst="ellipse">
               <a:avLst/>
             </a:prstGeom>
             <a:solidFill>
-              <a:schemeClr val="tx1">
-                <a:alpha val="20000"/>
-              </a:schemeClr>
+              <a:schemeClr val="tx1"/>
             </a:solidFill>
             <a:ln>
               <a:noFill/>
@@ -4469,1609 +5372,269 @@
             </a:p>
           </p:txBody>
         </p:sp>
-        <p:grpSp>
-          <p:nvGrpSpPr>
-            <p:cNvPr id="53" name="Group 52">
+      </p:grpSp>
+      <p:cxnSp>
+        <p:nvCxnSpPr>
+          <p:cNvPr id="57" name="Straight Arrow Connector 56">
+            <a:extLst>
+              <a:ext uri="{FF2B5EF4-FFF2-40B4-BE49-F238E27FC236}">
+                <a16:creationId xmlns:a16="http://schemas.microsoft.com/office/drawing/2014/main" id="{10FE96E5-E07D-E8B1-A6F9-5A35BAFC61E7}"/>
+              </a:ext>
+            </a:extLst>
+          </p:cNvPr>
+          <p:cNvCxnSpPr>
+            <a:cxnSpLocks/>
+          </p:cNvCxnSpPr>
+          <p:nvPr/>
+        </p:nvCxnSpPr>
+        <p:spPr>
+          <a:xfrm>
+            <a:off x="2505625" y="4181910"/>
+            <a:ext cx="1066800" cy="0"/>
+          </a:xfrm>
+          <a:prstGeom prst="straightConnector1">
+            <a:avLst/>
+          </a:prstGeom>
+          <a:ln w="19050" cap="flat" cmpd="sng" algn="ctr">
+            <a:solidFill>
+              <a:schemeClr val="tx1">
+                <a:lumMod val="75000"/>
+                <a:lumOff val="25000"/>
+              </a:schemeClr>
+            </a:solidFill>
+            <a:prstDash val="sysDash"/>
+            <a:round/>
+            <a:headEnd type="none" w="med" len="med"/>
+            <a:tailEnd type="arrow" w="med" len="med"/>
+          </a:ln>
+        </p:spPr>
+        <p:style>
+          <a:lnRef idx="0">
+            <a:scrgbClr r="0" g="0" b="0"/>
+          </a:lnRef>
+          <a:fillRef idx="0">
+            <a:scrgbClr r="0" g="0" b="0"/>
+          </a:fillRef>
+          <a:effectRef idx="0">
+            <a:scrgbClr r="0" g="0" b="0"/>
+          </a:effectRef>
+          <a:fontRef idx="minor">
+            <a:schemeClr val="tx1"/>
+          </a:fontRef>
+        </p:style>
+      </p:cxnSp>
+      <p:sp>
+        <p:nvSpPr>
+          <p:cNvPr id="58" name="TextBox 57">
+            <a:extLst>
+              <a:ext uri="{FF2B5EF4-FFF2-40B4-BE49-F238E27FC236}">
+                <a16:creationId xmlns:a16="http://schemas.microsoft.com/office/drawing/2014/main" id="{A3C091DA-264A-7F87-88CA-55A87FC5888D}"/>
+              </a:ext>
+            </a:extLst>
+          </p:cNvPr>
+          <p:cNvSpPr txBox="1"/>
+          <p:nvPr/>
+        </p:nvSpPr>
+        <p:spPr>
+          <a:xfrm>
+            <a:off x="2505625" y="4230669"/>
+            <a:ext cx="1640193" cy="830997"/>
+          </a:xfrm>
+          <a:prstGeom prst="rect">
+            <a:avLst/>
+          </a:prstGeom>
+          <a:noFill/>
+        </p:spPr>
+        <p:txBody>
+          <a:bodyPr wrap="none" rtlCol="0">
+            <a:spAutoFit/>
+          </a:bodyPr>
+          <a:lstStyle/>
+          <a:p>
+            <a:r>
+              <a:rPr lang="en-US" sz="2400" dirty="0">
+                <a:solidFill>
+                  <a:schemeClr val="tx1">
+                    <a:lumMod val="75000"/>
+                    <a:lumOff val="25000"/>
+                  </a:schemeClr>
+                </a:solidFill>
+                <a:latin typeface="Arial" panose="020B0604020202020204" pitchFamily="34" charset="0"/>
+                <a:cs typeface="Arial" panose="020B0604020202020204" pitchFamily="34" charset="0"/>
+              </a:rPr>
+              <a:t>Increasing</a:t>
+            </a:r>
+          </a:p>
+          <a:p>
+            <a:r>
+              <a:rPr lang="en-US" sz="2400" dirty="0">
+                <a:solidFill>
+                  <a:schemeClr val="tx1">
+                    <a:lumMod val="75000"/>
+                    <a:lumOff val="25000"/>
+                  </a:schemeClr>
+                </a:solidFill>
+                <a:latin typeface="Arial" panose="020B0604020202020204" pitchFamily="34" charset="0"/>
+                <a:cs typeface="Arial" panose="020B0604020202020204" pitchFamily="34" charset="0"/>
+              </a:rPr>
+              <a:t>complexity</a:t>
+            </a:r>
+          </a:p>
+        </p:txBody>
+      </p:sp>
+      <p:cxnSp>
+        <p:nvCxnSpPr>
+          <p:cNvPr id="59" name="Straight Arrow Connector 58">
+            <a:extLst>
+              <a:ext uri="{FF2B5EF4-FFF2-40B4-BE49-F238E27FC236}">
+                <a16:creationId xmlns:a16="http://schemas.microsoft.com/office/drawing/2014/main" id="{3863FBAC-A8F2-9DD8-B7ED-B5FAB78855F9}"/>
+              </a:ext>
+            </a:extLst>
+          </p:cNvPr>
+          <p:cNvCxnSpPr>
+            <a:cxnSpLocks/>
+          </p:cNvCxnSpPr>
+          <p:nvPr/>
+        </p:nvCxnSpPr>
+        <p:spPr>
+          <a:xfrm flipV="1">
+            <a:off x="2505625" y="3060540"/>
+            <a:ext cx="1066800" cy="755016"/>
+          </a:xfrm>
+          <a:prstGeom prst="straightConnector1">
+            <a:avLst/>
+          </a:prstGeom>
+          <a:ln w="19050" cap="flat" cmpd="sng" algn="ctr">
+            <a:solidFill>
+              <a:schemeClr val="tx1">
+                <a:lumMod val="75000"/>
+                <a:lumOff val="25000"/>
+              </a:schemeClr>
+            </a:solidFill>
+            <a:prstDash val="sysDash"/>
+            <a:round/>
+            <a:headEnd type="none" w="med" len="med"/>
+            <a:tailEnd type="arrow" w="med" len="med"/>
+          </a:ln>
+        </p:spPr>
+        <p:style>
+          <a:lnRef idx="0">
+            <a:scrgbClr r="0" g="0" b="0"/>
+          </a:lnRef>
+          <a:fillRef idx="0">
+            <a:scrgbClr r="0" g="0" b="0"/>
+          </a:fillRef>
+          <a:effectRef idx="0">
+            <a:scrgbClr r="0" g="0" b="0"/>
+          </a:effectRef>
+          <a:fontRef idx="minor">
+            <a:schemeClr val="tx1"/>
+          </a:fontRef>
+        </p:style>
+      </p:cxnSp>
+      <p:sp>
+        <p:nvSpPr>
+          <p:cNvPr id="63" name="TextBox 62">
+            <a:extLst>
+              <a:ext uri="{FF2B5EF4-FFF2-40B4-BE49-F238E27FC236}">
+                <a16:creationId xmlns:a16="http://schemas.microsoft.com/office/drawing/2014/main" id="{C49A7F1B-05C3-1118-C78E-D059521099DB}"/>
+              </a:ext>
+            </a:extLst>
+          </p:cNvPr>
+          <p:cNvSpPr txBox="1"/>
+          <p:nvPr/>
+        </p:nvSpPr>
+        <p:spPr>
+          <a:xfrm>
+            <a:off x="2505625" y="2432285"/>
+            <a:ext cx="1606530" cy="830997"/>
+          </a:xfrm>
+          <a:prstGeom prst="rect">
+            <a:avLst/>
+          </a:prstGeom>
+          <a:noFill/>
+        </p:spPr>
+        <p:txBody>
+          <a:bodyPr wrap="none" rtlCol="0">
+            <a:spAutoFit/>
+          </a:bodyPr>
+          <a:lstStyle/>
+          <a:p>
+            <a:r>
+              <a:rPr lang="en-US" sz="2400" dirty="0">
+                <a:solidFill>
+                  <a:schemeClr val="tx1">
+                    <a:lumMod val="75000"/>
+                    <a:lumOff val="25000"/>
+                  </a:schemeClr>
+                </a:solidFill>
+                <a:latin typeface="Arial" panose="020B0604020202020204" pitchFamily="34" charset="0"/>
+                <a:cs typeface="Arial" panose="020B0604020202020204" pitchFamily="34" charset="0"/>
+              </a:rPr>
+              <a:t>Increasing</a:t>
+            </a:r>
+          </a:p>
+          <a:p>
+            <a:r>
+              <a:rPr lang="en-US" sz="2400" dirty="0">
+                <a:solidFill>
+                  <a:schemeClr val="tx1">
+                    <a:lumMod val="75000"/>
+                    <a:lumOff val="25000"/>
+                  </a:schemeClr>
+                </a:solidFill>
+                <a:latin typeface="Arial" panose="020B0604020202020204" pitchFamily="34" charset="0"/>
+                <a:cs typeface="Arial" panose="020B0604020202020204" pitchFamily="34" charset="0"/>
+              </a:rPr>
+              <a:t>size</a:t>
+            </a:r>
+          </a:p>
+        </p:txBody>
+      </p:sp>
+      <p:grpSp>
+        <p:nvGrpSpPr>
+          <p:cNvPr id="55" name="Group 54">
+            <a:extLst>
+              <a:ext uri="{FF2B5EF4-FFF2-40B4-BE49-F238E27FC236}">
+                <a16:creationId xmlns:a16="http://schemas.microsoft.com/office/drawing/2014/main" id="{C76071FC-3652-8757-B321-97BF398B2D53}"/>
+              </a:ext>
+            </a:extLst>
+          </p:cNvPr>
+          <p:cNvGrpSpPr/>
+          <p:nvPr/>
+        </p:nvGrpSpPr>
+        <p:grpSpPr>
+          <a:xfrm>
+            <a:off x="185092" y="2813972"/>
+            <a:ext cx="1946475" cy="2001837"/>
+            <a:chOff x="3623566" y="3858555"/>
+            <a:chExt cx="1946475" cy="2001837"/>
+          </a:xfrm>
+        </p:grpSpPr>
+        <p:cxnSp>
+          <p:nvCxnSpPr>
+            <p:cNvPr id="10" name="Straight Connector 9">
               <a:extLst>
                 <a:ext uri="{FF2B5EF4-FFF2-40B4-BE49-F238E27FC236}">
-                  <a16:creationId xmlns:a16="http://schemas.microsoft.com/office/drawing/2014/main" id="{6B7D876F-7869-6583-2A44-A240646B6E81}"/>
+                  <a16:creationId xmlns:a16="http://schemas.microsoft.com/office/drawing/2014/main" id="{4AAA572F-D56C-976D-331E-8CDBDBB92916}"/>
                 </a:ext>
               </a:extLst>
             </p:cNvPr>
-            <p:cNvGrpSpPr/>
-            <p:nvPr/>
-          </p:nvGrpSpPr>
-          <p:grpSpPr>
-            <a:xfrm>
-              <a:off x="4017185" y="3930409"/>
-              <a:ext cx="1057080" cy="765669"/>
-              <a:chOff x="7239000" y="4713698"/>
-              <a:chExt cx="1057080" cy="765669"/>
-            </a:xfrm>
-          </p:grpSpPr>
-          <p:cxnSp>
-            <p:nvCxnSpPr>
-              <p:cNvPr id="13" name="Straight Connector 12">
-                <a:extLst>
-                  <a:ext uri="{FF2B5EF4-FFF2-40B4-BE49-F238E27FC236}">
-                    <a16:creationId xmlns:a16="http://schemas.microsoft.com/office/drawing/2014/main" id="{26DD4461-57DB-2FAC-8689-FB97F5FD8226}"/>
-                  </a:ext>
-                </a:extLst>
-              </p:cNvPr>
-              <p:cNvCxnSpPr/>
-              <p:nvPr/>
-            </p:nvCxnSpPr>
-            <p:spPr>
-              <a:xfrm flipV="1">
-                <a:off x="7747645" y="5263367"/>
-                <a:ext cx="0" cy="216000"/>
-              </a:xfrm>
-              <a:prstGeom prst="line">
-                <a:avLst/>
-              </a:prstGeom>
-              <a:ln>
-                <a:solidFill>
-                  <a:schemeClr val="bg1">
-                    <a:lumMod val="65000"/>
-                  </a:schemeClr>
-                </a:solidFill>
-              </a:ln>
-            </p:spPr>
-            <p:style>
-              <a:lnRef idx="2">
-                <a:schemeClr val="accent1"/>
-              </a:lnRef>
-              <a:fillRef idx="0">
-                <a:schemeClr val="accent1"/>
-              </a:fillRef>
-              <a:effectRef idx="1">
-                <a:schemeClr val="accent1"/>
-              </a:effectRef>
-              <a:fontRef idx="minor">
-                <a:schemeClr val="tx1"/>
-              </a:fontRef>
-            </p:style>
-          </p:cxnSp>
-          <p:cxnSp>
-            <p:nvCxnSpPr>
-              <p:cNvPr id="14" name="Straight Connector 13">
-                <a:extLst>
-                  <a:ext uri="{FF2B5EF4-FFF2-40B4-BE49-F238E27FC236}">
-                    <a16:creationId xmlns:a16="http://schemas.microsoft.com/office/drawing/2014/main" id="{A94D75D9-3739-436F-143A-718F394BFE54}"/>
-                  </a:ext>
-                </a:extLst>
-              </p:cNvPr>
-              <p:cNvCxnSpPr>
-                <a:cxnSpLocks/>
-              </p:cNvCxnSpPr>
-              <p:nvPr/>
-            </p:nvCxnSpPr>
-            <p:spPr>
-              <a:xfrm rot="18900000" flipV="1">
-                <a:off x="7633091" y="5100489"/>
-                <a:ext cx="0" cy="108000"/>
-              </a:xfrm>
-              <a:prstGeom prst="line">
-                <a:avLst/>
-              </a:prstGeom>
-              <a:ln>
-                <a:solidFill>
-                  <a:schemeClr val="tx1">
-                    <a:lumMod val="95000"/>
-                    <a:lumOff val="5000"/>
-                  </a:schemeClr>
-                </a:solidFill>
-              </a:ln>
-            </p:spPr>
-            <p:style>
-              <a:lnRef idx="2">
-                <a:schemeClr val="accent1"/>
-              </a:lnRef>
-              <a:fillRef idx="0">
-                <a:schemeClr val="accent1"/>
-              </a:fillRef>
-              <a:effectRef idx="1">
-                <a:schemeClr val="accent1"/>
-              </a:effectRef>
-              <a:fontRef idx="minor">
-                <a:schemeClr val="tx1"/>
-              </a:fontRef>
-            </p:style>
-          </p:cxnSp>
-          <p:cxnSp>
-            <p:nvCxnSpPr>
-              <p:cNvPr id="15" name="Straight Connector 14">
-                <a:extLst>
-                  <a:ext uri="{FF2B5EF4-FFF2-40B4-BE49-F238E27FC236}">
-                    <a16:creationId xmlns:a16="http://schemas.microsoft.com/office/drawing/2014/main" id="{01A3A3FC-6F65-CDCF-2C07-E0430118CD5C}"/>
-                  </a:ext>
-                </a:extLst>
-              </p:cNvPr>
-              <p:cNvCxnSpPr>
-                <a:cxnSpLocks/>
-              </p:cNvCxnSpPr>
-              <p:nvPr/>
-            </p:nvCxnSpPr>
-            <p:spPr>
-              <a:xfrm rot="2700000" flipV="1">
-                <a:off x="7824013" y="5078999"/>
-                <a:ext cx="0" cy="216000"/>
-              </a:xfrm>
-              <a:prstGeom prst="line">
-                <a:avLst/>
-              </a:prstGeom>
-              <a:ln>
-                <a:solidFill>
-                  <a:schemeClr val="bg1">
-                    <a:lumMod val="65000"/>
-                  </a:schemeClr>
-                </a:solidFill>
-              </a:ln>
-            </p:spPr>
-            <p:style>
-              <a:lnRef idx="2">
-                <a:schemeClr val="accent1"/>
-              </a:lnRef>
-              <a:fillRef idx="0">
-                <a:schemeClr val="accent1"/>
-              </a:fillRef>
-              <a:effectRef idx="1">
-                <a:schemeClr val="accent1"/>
-              </a:effectRef>
-              <a:fontRef idx="minor">
-                <a:schemeClr val="tx1"/>
-              </a:fontRef>
-            </p:style>
-          </p:cxnSp>
-          <p:grpSp>
-            <p:nvGrpSpPr>
-              <p:cNvPr id="23" name="Group 22">
-                <a:extLst>
-                  <a:ext uri="{FF2B5EF4-FFF2-40B4-BE49-F238E27FC236}">
-                    <a16:creationId xmlns:a16="http://schemas.microsoft.com/office/drawing/2014/main" id="{2B51B6C6-81AD-F047-1CCB-B046A083D6E1}"/>
-                  </a:ext>
-                </a:extLst>
-              </p:cNvPr>
-              <p:cNvGrpSpPr/>
-              <p:nvPr/>
-            </p:nvGrpSpPr>
-            <p:grpSpPr>
-              <a:xfrm rot="19076265">
-                <a:off x="7375952" y="4994376"/>
-                <a:ext cx="260738" cy="216000"/>
-                <a:chOff x="9112030" y="4235232"/>
-                <a:chExt cx="260738" cy="216000"/>
-              </a:xfrm>
-            </p:grpSpPr>
-            <p:cxnSp>
-              <p:nvCxnSpPr>
-                <p:cNvPr id="25" name="Straight Connector 24">
-                  <a:extLst>
-                    <a:ext uri="{FF2B5EF4-FFF2-40B4-BE49-F238E27FC236}">
-                      <a16:creationId xmlns:a16="http://schemas.microsoft.com/office/drawing/2014/main" id="{FAEB8A73-A742-50F4-A64F-A16775538E31}"/>
-                    </a:ext>
-                  </a:extLst>
-                </p:cNvPr>
-                <p:cNvCxnSpPr>
-                  <a:cxnSpLocks/>
-                </p:cNvCxnSpPr>
-                <p:nvPr/>
-              </p:nvCxnSpPr>
-              <p:spPr>
-                <a:xfrm rot="18723735" flipV="1">
-                  <a:off x="9220030" y="4240906"/>
-                  <a:ext cx="0" cy="216000"/>
-                </a:xfrm>
-                <a:prstGeom prst="line">
-                  <a:avLst/>
-                </a:prstGeom>
-                <a:ln>
-                  <a:solidFill>
-                    <a:schemeClr val="tx1">
-                      <a:lumMod val="95000"/>
-                      <a:lumOff val="5000"/>
-                    </a:schemeClr>
-                  </a:solidFill>
-                </a:ln>
-              </p:spPr>
-              <p:style>
-                <a:lnRef idx="2">
-                  <a:schemeClr val="accent1"/>
-                </a:lnRef>
-                <a:fillRef idx="0">
-                  <a:schemeClr val="accent1"/>
-                </a:fillRef>
-                <a:effectRef idx="1">
-                  <a:schemeClr val="accent1"/>
-                </a:effectRef>
-                <a:fontRef idx="minor">
-                  <a:schemeClr val="tx1"/>
-                </a:fontRef>
-              </p:style>
-            </p:cxnSp>
-            <p:cxnSp>
-              <p:nvCxnSpPr>
-                <p:cNvPr id="26" name="Straight Connector 25">
-                  <a:extLst>
-                    <a:ext uri="{FF2B5EF4-FFF2-40B4-BE49-F238E27FC236}">
-                      <a16:creationId xmlns:a16="http://schemas.microsoft.com/office/drawing/2014/main" id="{D37B6A2F-830F-804B-75AB-AE37F225A858}"/>
-                    </a:ext>
-                  </a:extLst>
-                </p:cNvPr>
-                <p:cNvCxnSpPr>
-                  <a:cxnSpLocks/>
-                </p:cNvCxnSpPr>
-                <p:nvPr/>
-              </p:nvCxnSpPr>
-              <p:spPr>
-                <a:xfrm rot="2523735" flipV="1">
-                  <a:off x="9372768" y="4235232"/>
-                  <a:ext cx="0" cy="216000"/>
-                </a:xfrm>
-                <a:prstGeom prst="line">
-                  <a:avLst/>
-                </a:prstGeom>
-                <a:ln>
-                  <a:solidFill>
-                    <a:schemeClr val="tx1">
-                      <a:lumMod val="95000"/>
-                      <a:lumOff val="5000"/>
-                    </a:schemeClr>
-                  </a:solidFill>
-                </a:ln>
-              </p:spPr>
-              <p:style>
-                <a:lnRef idx="2">
-                  <a:schemeClr val="accent1"/>
-                </a:lnRef>
-                <a:fillRef idx="0">
-                  <a:schemeClr val="accent1"/>
-                </a:fillRef>
-                <a:effectRef idx="1">
-                  <a:schemeClr val="accent1"/>
-                </a:effectRef>
-                <a:fontRef idx="minor">
-                  <a:schemeClr val="tx1"/>
-                </a:fontRef>
-              </p:style>
-            </p:cxnSp>
-          </p:grpSp>
-          <p:grpSp>
-            <p:nvGrpSpPr>
-              <p:cNvPr id="27" name="Group 26">
-                <a:extLst>
-                  <a:ext uri="{FF2B5EF4-FFF2-40B4-BE49-F238E27FC236}">
-                    <a16:creationId xmlns:a16="http://schemas.microsoft.com/office/drawing/2014/main" id="{FE8C5CF6-E630-9E3A-1508-FE999B3E91BE}"/>
-                  </a:ext>
-                </a:extLst>
-              </p:cNvPr>
-              <p:cNvGrpSpPr/>
-              <p:nvPr/>
-            </p:nvGrpSpPr>
-            <p:grpSpPr>
-              <a:xfrm rot="2689403">
-                <a:off x="7854443" y="4991198"/>
-                <a:ext cx="260738" cy="216000"/>
-                <a:chOff x="9220030" y="4240906"/>
-                <a:chExt cx="260738" cy="216000"/>
-              </a:xfrm>
-            </p:grpSpPr>
-            <p:cxnSp>
-              <p:nvCxnSpPr>
-                <p:cNvPr id="28" name="Straight Connector 27">
-                  <a:extLst>
-                    <a:ext uri="{FF2B5EF4-FFF2-40B4-BE49-F238E27FC236}">
-                      <a16:creationId xmlns:a16="http://schemas.microsoft.com/office/drawing/2014/main" id="{ED175815-6063-C8E4-A642-64E658BCC4F2}"/>
-                    </a:ext>
-                  </a:extLst>
-                </p:cNvPr>
-                <p:cNvCxnSpPr>
-                  <a:cxnSpLocks/>
-                </p:cNvCxnSpPr>
-                <p:nvPr/>
-              </p:nvCxnSpPr>
-              <p:spPr>
-                <a:xfrm rot="-2700000" flipV="1">
-                  <a:off x="9220030" y="4240906"/>
-                  <a:ext cx="0" cy="216000"/>
-                </a:xfrm>
-                <a:prstGeom prst="line">
-                  <a:avLst/>
-                </a:prstGeom>
-                <a:ln>
-                  <a:solidFill>
-                    <a:schemeClr val="bg1">
-                      <a:lumMod val="65000"/>
-                    </a:schemeClr>
-                  </a:solidFill>
-                </a:ln>
-              </p:spPr>
-              <p:style>
-                <a:lnRef idx="2">
-                  <a:schemeClr val="accent1"/>
-                </a:lnRef>
-                <a:fillRef idx="0">
-                  <a:schemeClr val="accent1"/>
-                </a:fillRef>
-                <a:effectRef idx="1">
-                  <a:schemeClr val="accent1"/>
-                </a:effectRef>
-                <a:fontRef idx="minor">
-                  <a:schemeClr val="tx1"/>
-                </a:fontRef>
-              </p:style>
-            </p:cxnSp>
-            <p:cxnSp>
-              <p:nvCxnSpPr>
-                <p:cNvPr id="29" name="Straight Connector 28">
-                  <a:extLst>
-                    <a:ext uri="{FF2B5EF4-FFF2-40B4-BE49-F238E27FC236}">
-                      <a16:creationId xmlns:a16="http://schemas.microsoft.com/office/drawing/2014/main" id="{E289509A-1A5A-EAA3-F76F-CB4E8ABC8570}"/>
-                    </a:ext>
-                  </a:extLst>
-                </p:cNvPr>
-                <p:cNvCxnSpPr>
-                  <a:cxnSpLocks/>
-                </p:cNvCxnSpPr>
-                <p:nvPr/>
-              </p:nvCxnSpPr>
-              <p:spPr>
-                <a:xfrm rot="2700000" flipV="1">
-                  <a:off x="9372768" y="4235232"/>
-                  <a:ext cx="0" cy="216000"/>
-                </a:xfrm>
-                <a:prstGeom prst="line">
-                  <a:avLst/>
-                </a:prstGeom>
-                <a:ln>
-                  <a:solidFill>
-                    <a:schemeClr val="bg1">
-                      <a:lumMod val="65000"/>
-                    </a:schemeClr>
-                  </a:solidFill>
-                </a:ln>
-              </p:spPr>
-              <p:style>
-                <a:lnRef idx="2">
-                  <a:schemeClr val="accent1"/>
-                </a:lnRef>
-                <a:fillRef idx="0">
-                  <a:schemeClr val="accent1"/>
-                </a:fillRef>
-                <a:effectRef idx="1">
-                  <a:schemeClr val="accent1"/>
-                </a:effectRef>
-                <a:fontRef idx="minor">
-                  <a:schemeClr val="tx1"/>
-                </a:fontRef>
-              </p:style>
-            </p:cxnSp>
-          </p:grpSp>
-          <p:grpSp>
-            <p:nvGrpSpPr>
-              <p:cNvPr id="30" name="Group 29">
-                <a:extLst>
-                  <a:ext uri="{FF2B5EF4-FFF2-40B4-BE49-F238E27FC236}">
-                    <a16:creationId xmlns:a16="http://schemas.microsoft.com/office/drawing/2014/main" id="{FB28E8FD-F188-42B7-85E6-05FA0BE5F7A3}"/>
-                  </a:ext>
-                </a:extLst>
-              </p:cNvPr>
-              <p:cNvGrpSpPr/>
-              <p:nvPr/>
-            </p:nvGrpSpPr>
-            <p:grpSpPr>
-              <a:xfrm rot="17548889">
-                <a:off x="7216631" y="4933347"/>
-                <a:ext cx="260738" cy="216000"/>
-                <a:chOff x="9220030" y="4240906"/>
-                <a:chExt cx="260738" cy="216000"/>
-              </a:xfrm>
-            </p:grpSpPr>
-            <p:cxnSp>
-              <p:nvCxnSpPr>
-                <p:cNvPr id="31" name="Straight Connector 30">
-                  <a:extLst>
-                    <a:ext uri="{FF2B5EF4-FFF2-40B4-BE49-F238E27FC236}">
-                      <a16:creationId xmlns:a16="http://schemas.microsoft.com/office/drawing/2014/main" id="{88A61A3E-7ACD-0A53-1BE8-2ED6C13CB02A}"/>
-                    </a:ext>
-                  </a:extLst>
-                </p:cNvPr>
-                <p:cNvCxnSpPr>
-                  <a:cxnSpLocks/>
-                </p:cNvCxnSpPr>
-                <p:nvPr/>
-              </p:nvCxnSpPr>
-              <p:spPr>
-                <a:xfrm rot="-2700000" flipV="1">
-                  <a:off x="9220030" y="4240906"/>
-                  <a:ext cx="0" cy="216000"/>
-                </a:xfrm>
-                <a:prstGeom prst="line">
-                  <a:avLst/>
-                </a:prstGeom>
-                <a:ln>
-                  <a:solidFill>
-                    <a:schemeClr val="tx1">
-                      <a:lumMod val="95000"/>
-                      <a:lumOff val="5000"/>
-                    </a:schemeClr>
-                  </a:solidFill>
-                </a:ln>
-              </p:spPr>
-              <p:style>
-                <a:lnRef idx="2">
-                  <a:schemeClr val="accent1"/>
-                </a:lnRef>
-                <a:fillRef idx="0">
-                  <a:schemeClr val="accent1"/>
-                </a:fillRef>
-                <a:effectRef idx="1">
-                  <a:schemeClr val="accent1"/>
-                </a:effectRef>
-                <a:fontRef idx="minor">
-                  <a:schemeClr val="tx1"/>
-                </a:fontRef>
-              </p:style>
-            </p:cxnSp>
-            <p:cxnSp>
-              <p:nvCxnSpPr>
-                <p:cNvPr id="32" name="Straight Connector 31">
-                  <a:extLst>
-                    <a:ext uri="{FF2B5EF4-FFF2-40B4-BE49-F238E27FC236}">
-                      <a16:creationId xmlns:a16="http://schemas.microsoft.com/office/drawing/2014/main" id="{14473EE1-D8C1-6B26-AB57-867C7A27F972}"/>
-                    </a:ext>
-                  </a:extLst>
-                </p:cNvPr>
-                <p:cNvCxnSpPr>
-                  <a:cxnSpLocks/>
-                </p:cNvCxnSpPr>
-                <p:nvPr/>
-              </p:nvCxnSpPr>
-              <p:spPr>
-                <a:xfrm rot="2700000" flipV="1">
-                  <a:off x="9372768" y="4235232"/>
-                  <a:ext cx="0" cy="216000"/>
-                </a:xfrm>
-                <a:prstGeom prst="line">
-                  <a:avLst/>
-                </a:prstGeom>
-                <a:ln>
-                  <a:solidFill>
-                    <a:schemeClr val="tx1">
-                      <a:lumMod val="95000"/>
-                      <a:lumOff val="5000"/>
-                    </a:schemeClr>
-                  </a:solidFill>
-                </a:ln>
-              </p:spPr>
-              <p:style>
-                <a:lnRef idx="2">
-                  <a:schemeClr val="accent1"/>
-                </a:lnRef>
-                <a:fillRef idx="0">
-                  <a:schemeClr val="accent1"/>
-                </a:fillRef>
-                <a:effectRef idx="1">
-                  <a:schemeClr val="accent1"/>
-                </a:effectRef>
-                <a:fontRef idx="minor">
-                  <a:schemeClr val="tx1"/>
-                </a:fontRef>
-              </p:style>
-            </p:cxnSp>
-          </p:grpSp>
-          <p:grpSp>
-            <p:nvGrpSpPr>
-              <p:cNvPr id="33" name="Group 32">
-                <a:extLst>
-                  <a:ext uri="{FF2B5EF4-FFF2-40B4-BE49-F238E27FC236}">
-                    <a16:creationId xmlns:a16="http://schemas.microsoft.com/office/drawing/2014/main" id="{BAAF9D92-03BD-5DB9-7A07-BFF4D2A754A6}"/>
-                  </a:ext>
-                </a:extLst>
-              </p:cNvPr>
-              <p:cNvGrpSpPr/>
-              <p:nvPr/>
-            </p:nvGrpSpPr>
-            <p:grpSpPr>
-              <a:xfrm rot="20792390">
-                <a:off x="7508684" y="4713698"/>
-                <a:ext cx="260738" cy="216000"/>
-                <a:chOff x="9220030" y="4240906"/>
-                <a:chExt cx="260738" cy="216000"/>
-              </a:xfrm>
-            </p:grpSpPr>
-            <p:cxnSp>
-              <p:nvCxnSpPr>
-                <p:cNvPr id="34" name="Straight Connector 33">
-                  <a:extLst>
-                    <a:ext uri="{FF2B5EF4-FFF2-40B4-BE49-F238E27FC236}">
-                      <a16:creationId xmlns:a16="http://schemas.microsoft.com/office/drawing/2014/main" id="{7616F7BA-D7DD-0940-BCD7-B8AC5D01E99A}"/>
-                    </a:ext>
-                  </a:extLst>
-                </p:cNvPr>
-                <p:cNvCxnSpPr>
-                  <a:cxnSpLocks/>
-                </p:cNvCxnSpPr>
-                <p:nvPr/>
-              </p:nvCxnSpPr>
-              <p:spPr>
-                <a:xfrm rot="-2700000" flipV="1">
-                  <a:off x="9220030" y="4240906"/>
-                  <a:ext cx="0" cy="216000"/>
-                </a:xfrm>
-                <a:prstGeom prst="line">
-                  <a:avLst/>
-                </a:prstGeom>
-                <a:ln>
-                  <a:solidFill>
-                    <a:schemeClr val="tx1">
-                      <a:lumMod val="95000"/>
-                      <a:lumOff val="5000"/>
-                    </a:schemeClr>
-                  </a:solidFill>
-                </a:ln>
-              </p:spPr>
-              <p:style>
-                <a:lnRef idx="2">
-                  <a:schemeClr val="accent1"/>
-                </a:lnRef>
-                <a:fillRef idx="0">
-                  <a:schemeClr val="accent1"/>
-                </a:fillRef>
-                <a:effectRef idx="1">
-                  <a:schemeClr val="accent1"/>
-                </a:effectRef>
-                <a:fontRef idx="minor">
-                  <a:schemeClr val="tx1"/>
-                </a:fontRef>
-              </p:style>
-            </p:cxnSp>
-            <p:cxnSp>
-              <p:nvCxnSpPr>
-                <p:cNvPr id="35" name="Straight Connector 34">
-                  <a:extLst>
-                    <a:ext uri="{FF2B5EF4-FFF2-40B4-BE49-F238E27FC236}">
-                      <a16:creationId xmlns:a16="http://schemas.microsoft.com/office/drawing/2014/main" id="{FC897683-E3CD-4978-6DBF-F1E5612B9ABE}"/>
-                    </a:ext>
-                  </a:extLst>
-                </p:cNvPr>
-                <p:cNvCxnSpPr>
-                  <a:cxnSpLocks/>
-                </p:cNvCxnSpPr>
-                <p:nvPr/>
-              </p:nvCxnSpPr>
-              <p:spPr>
-                <a:xfrm rot="2700000" flipV="1">
-                  <a:off x="9372768" y="4235232"/>
-                  <a:ext cx="0" cy="216000"/>
-                </a:xfrm>
-                <a:prstGeom prst="line">
-                  <a:avLst/>
-                </a:prstGeom>
-                <a:ln>
-                  <a:solidFill>
-                    <a:schemeClr val="tx1">
-                      <a:lumMod val="95000"/>
-                      <a:lumOff val="5000"/>
-                    </a:schemeClr>
-                  </a:solidFill>
-                </a:ln>
-              </p:spPr>
-              <p:style>
-                <a:lnRef idx="2">
-                  <a:schemeClr val="accent1"/>
-                </a:lnRef>
-                <a:fillRef idx="0">
-                  <a:schemeClr val="accent1"/>
-                </a:fillRef>
-                <a:effectRef idx="1">
-                  <a:schemeClr val="accent1"/>
-                </a:effectRef>
-                <a:fontRef idx="minor">
-                  <a:schemeClr val="tx1"/>
-                </a:fontRef>
-              </p:style>
-            </p:cxnSp>
-          </p:grpSp>
-          <p:grpSp>
-            <p:nvGrpSpPr>
-              <p:cNvPr id="36" name="Group 35">
-                <a:extLst>
-                  <a:ext uri="{FF2B5EF4-FFF2-40B4-BE49-F238E27FC236}">
-                    <a16:creationId xmlns:a16="http://schemas.microsoft.com/office/drawing/2014/main" id="{CE491A29-4166-53E0-1368-2D5EE52E6270}"/>
-                  </a:ext>
-                </a:extLst>
-              </p:cNvPr>
-              <p:cNvGrpSpPr/>
-              <p:nvPr/>
-            </p:nvGrpSpPr>
-            <p:grpSpPr>
-              <a:xfrm rot="1094707">
-                <a:off x="7837764" y="4744045"/>
-                <a:ext cx="260738" cy="216000"/>
-                <a:chOff x="9220030" y="4240906"/>
-                <a:chExt cx="260738" cy="216000"/>
-              </a:xfrm>
-            </p:grpSpPr>
-            <p:cxnSp>
-              <p:nvCxnSpPr>
-                <p:cNvPr id="37" name="Straight Connector 36">
-                  <a:extLst>
-                    <a:ext uri="{FF2B5EF4-FFF2-40B4-BE49-F238E27FC236}">
-                      <a16:creationId xmlns:a16="http://schemas.microsoft.com/office/drawing/2014/main" id="{1AE47E3A-A70F-DE63-D09F-E0784D886AE8}"/>
-                    </a:ext>
-                  </a:extLst>
-                </p:cNvPr>
-                <p:cNvCxnSpPr>
-                  <a:cxnSpLocks/>
-                </p:cNvCxnSpPr>
-                <p:nvPr/>
-              </p:nvCxnSpPr>
-              <p:spPr>
-                <a:xfrm rot="-2700000" flipV="1">
-                  <a:off x="9220030" y="4240906"/>
-                  <a:ext cx="0" cy="216000"/>
-                </a:xfrm>
-                <a:prstGeom prst="line">
-                  <a:avLst/>
-                </a:prstGeom>
-                <a:ln>
-                  <a:solidFill>
-                    <a:schemeClr val="bg1">
-                      <a:lumMod val="65000"/>
-                    </a:schemeClr>
-                  </a:solidFill>
-                </a:ln>
-              </p:spPr>
-              <p:style>
-                <a:lnRef idx="2">
-                  <a:schemeClr val="accent1"/>
-                </a:lnRef>
-                <a:fillRef idx="0">
-                  <a:schemeClr val="accent1"/>
-                </a:fillRef>
-                <a:effectRef idx="1">
-                  <a:schemeClr val="accent1"/>
-                </a:effectRef>
-                <a:fontRef idx="minor">
-                  <a:schemeClr val="tx1"/>
-                </a:fontRef>
-              </p:style>
-            </p:cxnSp>
-            <p:cxnSp>
-              <p:nvCxnSpPr>
-                <p:cNvPr id="38" name="Straight Connector 37">
-                  <a:extLst>
-                    <a:ext uri="{FF2B5EF4-FFF2-40B4-BE49-F238E27FC236}">
-                      <a16:creationId xmlns:a16="http://schemas.microsoft.com/office/drawing/2014/main" id="{C8A70556-7416-117A-D596-26ABCD5F90C7}"/>
-                    </a:ext>
-                  </a:extLst>
-                </p:cNvPr>
-                <p:cNvCxnSpPr>
-                  <a:cxnSpLocks/>
-                </p:cNvCxnSpPr>
-                <p:nvPr/>
-              </p:nvCxnSpPr>
-              <p:spPr>
-                <a:xfrm rot="2700000" flipV="1">
-                  <a:off x="9372768" y="4235232"/>
-                  <a:ext cx="0" cy="216000"/>
-                </a:xfrm>
-                <a:prstGeom prst="line">
-                  <a:avLst/>
-                </a:prstGeom>
-                <a:ln>
-                  <a:solidFill>
-                    <a:schemeClr val="bg1">
-                      <a:lumMod val="65000"/>
-                    </a:schemeClr>
-                  </a:solidFill>
-                </a:ln>
-              </p:spPr>
-              <p:style>
-                <a:lnRef idx="2">
-                  <a:schemeClr val="accent1"/>
-                </a:lnRef>
-                <a:fillRef idx="0">
-                  <a:schemeClr val="accent1"/>
-                </a:fillRef>
-                <a:effectRef idx="1">
-                  <a:schemeClr val="accent1"/>
-                </a:effectRef>
-                <a:fontRef idx="minor">
-                  <a:schemeClr val="tx1"/>
-                </a:fontRef>
-              </p:style>
-            </p:cxnSp>
-          </p:grpSp>
-          <p:grpSp>
-            <p:nvGrpSpPr>
-              <p:cNvPr id="39" name="Group 38">
-                <a:extLst>
-                  <a:ext uri="{FF2B5EF4-FFF2-40B4-BE49-F238E27FC236}">
-                    <a16:creationId xmlns:a16="http://schemas.microsoft.com/office/drawing/2014/main" id="{0FDFE708-F2EE-076A-FA78-527219DAF574}"/>
-                  </a:ext>
-                </a:extLst>
-              </p:cNvPr>
-              <p:cNvGrpSpPr/>
-              <p:nvPr/>
-            </p:nvGrpSpPr>
-            <p:grpSpPr>
-              <a:xfrm rot="4523609">
-                <a:off x="8057711" y="5038172"/>
-                <a:ext cx="260738" cy="216000"/>
-                <a:chOff x="9220030" y="4240906"/>
-                <a:chExt cx="260738" cy="216000"/>
-              </a:xfrm>
-            </p:grpSpPr>
-            <p:cxnSp>
-              <p:nvCxnSpPr>
-                <p:cNvPr id="40" name="Straight Connector 39">
-                  <a:extLst>
-                    <a:ext uri="{FF2B5EF4-FFF2-40B4-BE49-F238E27FC236}">
-                      <a16:creationId xmlns:a16="http://schemas.microsoft.com/office/drawing/2014/main" id="{765B339C-F16A-ED86-E06F-A1CA08A811BC}"/>
-                    </a:ext>
-                  </a:extLst>
-                </p:cNvPr>
-                <p:cNvCxnSpPr>
-                  <a:cxnSpLocks/>
-                </p:cNvCxnSpPr>
-                <p:nvPr/>
-              </p:nvCxnSpPr>
-              <p:spPr>
-                <a:xfrm rot="-2700000" flipV="1">
-                  <a:off x="9220030" y="4240906"/>
-                  <a:ext cx="0" cy="216000"/>
-                </a:xfrm>
-                <a:prstGeom prst="line">
-                  <a:avLst/>
-                </a:prstGeom>
-                <a:ln>
-                  <a:solidFill>
-                    <a:schemeClr val="bg1">
-                      <a:lumMod val="65000"/>
-                    </a:schemeClr>
-                  </a:solidFill>
-                </a:ln>
-              </p:spPr>
-              <p:style>
-                <a:lnRef idx="2">
-                  <a:schemeClr val="accent1"/>
-                </a:lnRef>
-                <a:fillRef idx="0">
-                  <a:schemeClr val="accent1"/>
-                </a:fillRef>
-                <a:effectRef idx="1">
-                  <a:schemeClr val="accent1"/>
-                </a:effectRef>
-                <a:fontRef idx="minor">
-                  <a:schemeClr val="tx1"/>
-                </a:fontRef>
-              </p:style>
-            </p:cxnSp>
-            <p:cxnSp>
-              <p:nvCxnSpPr>
-                <p:cNvPr id="41" name="Straight Connector 40">
-                  <a:extLst>
-                    <a:ext uri="{FF2B5EF4-FFF2-40B4-BE49-F238E27FC236}">
-                      <a16:creationId xmlns:a16="http://schemas.microsoft.com/office/drawing/2014/main" id="{9FF79065-66E1-34F1-9629-BA74DF6AFD9B}"/>
-                    </a:ext>
-                  </a:extLst>
-                </p:cNvPr>
-                <p:cNvCxnSpPr>
-                  <a:cxnSpLocks/>
-                </p:cNvCxnSpPr>
-                <p:nvPr/>
-              </p:nvCxnSpPr>
-              <p:spPr>
-                <a:xfrm rot="2700000" flipV="1">
-                  <a:off x="9372768" y="4235232"/>
-                  <a:ext cx="0" cy="216000"/>
-                </a:xfrm>
-                <a:prstGeom prst="line">
-                  <a:avLst/>
-                </a:prstGeom>
-                <a:ln>
-                  <a:solidFill>
-                    <a:schemeClr val="bg1">
-                      <a:lumMod val="65000"/>
-                    </a:schemeClr>
-                  </a:solidFill>
-                </a:ln>
-              </p:spPr>
-              <p:style>
-                <a:lnRef idx="2">
-                  <a:schemeClr val="accent1"/>
-                </a:lnRef>
-                <a:fillRef idx="0">
-                  <a:schemeClr val="accent1"/>
-                </a:fillRef>
-                <a:effectRef idx="1">
-                  <a:schemeClr val="accent1"/>
-                </a:effectRef>
-                <a:fontRef idx="minor">
-                  <a:schemeClr val="tx1"/>
-                </a:fontRef>
-              </p:style>
-            </p:cxnSp>
-          </p:grpSp>
-          <p:cxnSp>
-            <p:nvCxnSpPr>
-              <p:cNvPr id="43" name="Straight Connector 42">
-                <a:extLst>
-                  <a:ext uri="{FF2B5EF4-FFF2-40B4-BE49-F238E27FC236}">
-                    <a16:creationId xmlns:a16="http://schemas.microsoft.com/office/drawing/2014/main" id="{12108ED5-4B0F-F555-1849-0E02AAA34FB5}"/>
-                  </a:ext>
-                </a:extLst>
-              </p:cNvPr>
-              <p:cNvCxnSpPr>
-                <a:cxnSpLocks/>
-              </p:cNvCxnSpPr>
-              <p:nvPr/>
-            </p:nvCxnSpPr>
-            <p:spPr>
-              <a:xfrm rot="18900000" flipV="1">
-                <a:off x="7706285" y="5174567"/>
-                <a:ext cx="0" cy="108000"/>
-              </a:xfrm>
-              <a:prstGeom prst="line">
-                <a:avLst/>
-              </a:prstGeom>
-              <a:ln>
-                <a:solidFill>
-                  <a:schemeClr val="bg1">
-                    <a:lumMod val="65000"/>
-                  </a:schemeClr>
-                </a:solidFill>
-              </a:ln>
-            </p:spPr>
-            <p:style>
-              <a:lnRef idx="2">
-                <a:schemeClr val="accent1"/>
-              </a:lnRef>
-              <a:fillRef idx="0">
-                <a:schemeClr val="accent1"/>
-              </a:fillRef>
-              <a:effectRef idx="1">
-                <a:schemeClr val="accent1"/>
-              </a:effectRef>
-              <a:fontRef idx="minor">
-                <a:schemeClr val="tx1"/>
-              </a:fontRef>
-            </p:style>
-          </p:cxnSp>
-          <p:sp>
-            <p:nvSpPr>
-              <p:cNvPr id="51" name="Oval 50">
-                <a:extLst>
-                  <a:ext uri="{FF2B5EF4-FFF2-40B4-BE49-F238E27FC236}">
-                    <a16:creationId xmlns:a16="http://schemas.microsoft.com/office/drawing/2014/main" id="{DA85445E-B406-ED31-F7E2-1F2B69E3A85F}"/>
-                  </a:ext>
-                </a:extLst>
-              </p:cNvPr>
-              <p:cNvSpPr/>
-              <p:nvPr/>
-            </p:nvSpPr>
-            <p:spPr>
-              <a:xfrm>
-                <a:off x="7623100" y="5147673"/>
-                <a:ext cx="90000" cy="90000"/>
-              </a:xfrm>
-              <a:prstGeom prst="ellipse">
-                <a:avLst/>
-              </a:prstGeom>
-              <a:solidFill>
-                <a:schemeClr val="tx1"/>
-              </a:solidFill>
-              <a:ln>
-                <a:noFill/>
-              </a:ln>
-            </p:spPr>
-            <p:style>
-              <a:lnRef idx="2">
-                <a:schemeClr val="accent1">
-                  <a:shade val="15000"/>
-                </a:schemeClr>
-              </a:lnRef>
-              <a:fillRef idx="1">
-                <a:schemeClr val="accent1"/>
-              </a:fillRef>
-              <a:effectRef idx="0">
-                <a:schemeClr val="accent1"/>
-              </a:effectRef>
-              <a:fontRef idx="minor">
-                <a:schemeClr val="lt1"/>
-              </a:fontRef>
-            </p:style>
-            <p:txBody>
-              <a:bodyPr rtlCol="0" anchor="ctr"/>
-              <a:lstStyle/>
-              <a:p>
-                <a:pPr algn="ctr"/>
-                <a:endParaRPr lang="en-US" dirty="0"/>
-              </a:p>
-            </p:txBody>
-          </p:sp>
-        </p:grpSp>
-        <p:cxnSp>
-          <p:nvCxnSpPr>
-            <p:cNvPr id="57" name="Straight Arrow Connector 56">
-              <a:extLst>
-                <a:ext uri="{FF2B5EF4-FFF2-40B4-BE49-F238E27FC236}">
-                  <a16:creationId xmlns:a16="http://schemas.microsoft.com/office/drawing/2014/main" id="{10FE96E5-E07D-E8B1-A6F9-5A35BAFC61E7}"/>
-                </a:ext>
-              </a:extLst>
-            </p:cNvPr>
-            <p:cNvCxnSpPr>
-              <a:cxnSpLocks/>
-            </p:cNvCxnSpPr>
-            <p:nvPr/>
-          </p:nvCxnSpPr>
-          <p:spPr>
-            <a:xfrm>
-              <a:off x="2505625" y="4181910"/>
-              <a:ext cx="1066800" cy="0"/>
-            </a:xfrm>
-            <a:prstGeom prst="straightConnector1">
-              <a:avLst/>
-            </a:prstGeom>
-            <a:ln w="19050" cap="flat" cmpd="sng" algn="ctr">
-              <a:solidFill>
-                <a:schemeClr val="tx1">
-                  <a:lumMod val="75000"/>
-                  <a:lumOff val="25000"/>
-                </a:schemeClr>
-              </a:solidFill>
-              <a:prstDash val="sysDash"/>
-              <a:round/>
-              <a:headEnd type="none" w="med" len="med"/>
-              <a:tailEnd type="arrow" w="med" len="med"/>
-            </a:ln>
-          </p:spPr>
-          <p:style>
-            <a:lnRef idx="0">
-              <a:scrgbClr r="0" g="0" b="0"/>
-            </a:lnRef>
-            <a:fillRef idx="0">
-              <a:scrgbClr r="0" g="0" b="0"/>
-            </a:fillRef>
-            <a:effectRef idx="0">
-              <a:scrgbClr r="0" g="0" b="0"/>
-            </a:effectRef>
-            <a:fontRef idx="minor">
-              <a:schemeClr val="tx1"/>
-            </a:fontRef>
-          </p:style>
-        </p:cxnSp>
-        <p:sp>
-          <p:nvSpPr>
-            <p:cNvPr id="58" name="TextBox 57">
-              <a:extLst>
-                <a:ext uri="{FF2B5EF4-FFF2-40B4-BE49-F238E27FC236}">
-                  <a16:creationId xmlns:a16="http://schemas.microsoft.com/office/drawing/2014/main" id="{A3C091DA-264A-7F87-88CA-55A87FC5888D}"/>
-                </a:ext>
-              </a:extLst>
-            </p:cNvPr>
-            <p:cNvSpPr txBox="1"/>
-            <p:nvPr/>
-          </p:nvSpPr>
-          <p:spPr>
-            <a:xfrm>
-              <a:off x="2505627" y="4223845"/>
-              <a:ext cx="1274708" cy="646331"/>
-            </a:xfrm>
-            <a:prstGeom prst="rect">
-              <a:avLst/>
-            </a:prstGeom>
-            <a:noFill/>
-          </p:spPr>
-          <p:txBody>
-            <a:bodyPr wrap="none" rtlCol="0">
-              <a:spAutoFit/>
-            </a:bodyPr>
-            <a:lstStyle/>
-            <a:p>
-              <a:pPr algn="ctr"/>
-              <a:r>
-                <a:rPr lang="en-US" dirty="0">
-                  <a:solidFill>
-                    <a:schemeClr val="tx1">
-                      <a:lumMod val="75000"/>
-                      <a:lumOff val="25000"/>
-                    </a:schemeClr>
-                  </a:solidFill>
-                  <a:latin typeface="Arial" panose="020B0604020202020204" pitchFamily="34" charset="0"/>
-                  <a:cs typeface="Arial" panose="020B0604020202020204" pitchFamily="34" charset="0"/>
-                </a:rPr>
-                <a:t>Increasing</a:t>
-              </a:r>
-            </a:p>
-            <a:p>
-              <a:pPr algn="ctr"/>
-              <a:r>
-                <a:rPr lang="en-US" dirty="0">
-                  <a:solidFill>
-                    <a:schemeClr val="tx1">
-                      <a:lumMod val="75000"/>
-                      <a:lumOff val="25000"/>
-                    </a:schemeClr>
-                  </a:solidFill>
-                  <a:latin typeface="Arial" panose="020B0604020202020204" pitchFamily="34" charset="0"/>
-                  <a:cs typeface="Arial" panose="020B0604020202020204" pitchFamily="34" charset="0"/>
-                </a:rPr>
-                <a:t>complexity</a:t>
-              </a:r>
-            </a:p>
-          </p:txBody>
-        </p:sp>
-        <p:cxnSp>
-          <p:nvCxnSpPr>
-            <p:cNvPr id="59" name="Straight Arrow Connector 58">
-              <a:extLst>
-                <a:ext uri="{FF2B5EF4-FFF2-40B4-BE49-F238E27FC236}">
-                  <a16:creationId xmlns:a16="http://schemas.microsoft.com/office/drawing/2014/main" id="{3863FBAC-A8F2-9DD8-B7ED-B5FAB78855F9}"/>
-                </a:ext>
-              </a:extLst>
-            </p:cNvPr>
-            <p:cNvCxnSpPr>
-              <a:cxnSpLocks/>
-            </p:cNvCxnSpPr>
+            <p:cNvCxnSpPr/>
             <p:nvPr/>
           </p:nvCxnSpPr>
           <p:spPr>
             <a:xfrm flipV="1">
-              <a:off x="2505625" y="2791944"/>
-              <a:ext cx="1066800" cy="755016"/>
-            </a:xfrm>
-            <a:prstGeom prst="straightConnector1">
-              <a:avLst/>
-            </a:prstGeom>
-            <a:ln w="19050" cap="flat" cmpd="sng" algn="ctr">
-              <a:solidFill>
-                <a:schemeClr val="tx1">
-                  <a:lumMod val="75000"/>
-                  <a:lumOff val="25000"/>
-                </a:schemeClr>
-              </a:solidFill>
-              <a:prstDash val="sysDash"/>
-              <a:round/>
-              <a:headEnd type="none" w="med" len="med"/>
-              <a:tailEnd type="arrow" w="med" len="med"/>
-            </a:ln>
-          </p:spPr>
-          <p:style>
-            <a:lnRef idx="0">
-              <a:scrgbClr r="0" g="0" b="0"/>
-            </a:lnRef>
-            <a:fillRef idx="0">
-              <a:scrgbClr r="0" g="0" b="0"/>
-            </a:fillRef>
-            <a:effectRef idx="0">
-              <a:scrgbClr r="0" g="0" b="0"/>
-            </a:effectRef>
-            <a:fontRef idx="minor">
-              <a:schemeClr val="tx1"/>
-            </a:fontRef>
-          </p:style>
-        </p:cxnSp>
-        <p:sp>
-          <p:nvSpPr>
-            <p:cNvPr id="63" name="TextBox 62">
-              <a:extLst>
-                <a:ext uri="{FF2B5EF4-FFF2-40B4-BE49-F238E27FC236}">
-                  <a16:creationId xmlns:a16="http://schemas.microsoft.com/office/drawing/2014/main" id="{C49A7F1B-05C3-1118-C78E-D059521099DB}"/>
-                </a:ext>
-              </a:extLst>
-            </p:cNvPr>
-            <p:cNvSpPr txBox="1"/>
-            <p:nvPr/>
-          </p:nvSpPr>
-          <p:spPr>
-            <a:xfrm>
-              <a:off x="2518448" y="2144029"/>
-              <a:ext cx="1249060" cy="646331"/>
-            </a:xfrm>
-            <a:prstGeom prst="rect">
-              <a:avLst/>
-            </a:prstGeom>
-            <a:noFill/>
-          </p:spPr>
-          <p:txBody>
-            <a:bodyPr wrap="none" rtlCol="0">
-              <a:spAutoFit/>
-            </a:bodyPr>
-            <a:lstStyle/>
-            <a:p>
-              <a:pPr algn="ctr"/>
-              <a:r>
-                <a:rPr lang="en-US" dirty="0">
-                  <a:solidFill>
-                    <a:schemeClr val="tx1">
-                      <a:lumMod val="75000"/>
-                      <a:lumOff val="25000"/>
-                    </a:schemeClr>
-                  </a:solidFill>
-                  <a:latin typeface="Arial" panose="020B0604020202020204" pitchFamily="34" charset="0"/>
-                  <a:cs typeface="Arial" panose="020B0604020202020204" pitchFamily="34" charset="0"/>
-                </a:rPr>
-                <a:t>Increasing</a:t>
-              </a:r>
-            </a:p>
-            <a:p>
-              <a:pPr algn="ctr"/>
-              <a:r>
-                <a:rPr lang="en-US" dirty="0">
-                  <a:solidFill>
-                    <a:schemeClr val="tx1">
-                      <a:lumMod val="75000"/>
-                      <a:lumOff val="25000"/>
-                    </a:schemeClr>
-                  </a:solidFill>
-                  <a:latin typeface="Arial" panose="020B0604020202020204" pitchFamily="34" charset="0"/>
-                  <a:cs typeface="Arial" panose="020B0604020202020204" pitchFamily="34" charset="0"/>
-                </a:rPr>
-                <a:t>size</a:t>
-              </a:r>
-            </a:p>
-          </p:txBody>
-        </p:sp>
-        <p:grpSp>
-          <p:nvGrpSpPr>
-            <p:cNvPr id="55" name="Group 54">
-              <a:extLst>
-                <a:ext uri="{FF2B5EF4-FFF2-40B4-BE49-F238E27FC236}">
-                  <a16:creationId xmlns:a16="http://schemas.microsoft.com/office/drawing/2014/main" id="{C76071FC-3652-8757-B321-97BF398B2D53}"/>
-                </a:ext>
-              </a:extLst>
-            </p:cNvPr>
-            <p:cNvGrpSpPr/>
-            <p:nvPr/>
-          </p:nvGrpSpPr>
-          <p:grpSpPr>
-            <a:xfrm>
-              <a:off x="420687" y="2813972"/>
-              <a:ext cx="1710880" cy="2001837"/>
-              <a:chOff x="3859161" y="3858555"/>
-              <a:chExt cx="1710880" cy="2001837"/>
-            </a:xfrm>
-          </p:grpSpPr>
-          <p:cxnSp>
-            <p:nvCxnSpPr>
-              <p:cNvPr id="10" name="Straight Connector 9">
-                <a:extLst>
-                  <a:ext uri="{FF2B5EF4-FFF2-40B4-BE49-F238E27FC236}">
-                    <a16:creationId xmlns:a16="http://schemas.microsoft.com/office/drawing/2014/main" id="{4AAA572F-D56C-976D-331E-8CDBDBB92916}"/>
-                  </a:ext>
-                </a:extLst>
-              </p:cNvPr>
-              <p:cNvCxnSpPr/>
-              <p:nvPr/>
-            </p:nvCxnSpPr>
-            <p:spPr>
-              <a:xfrm flipV="1">
-                <a:off x="4648202" y="4780392"/>
-                <a:ext cx="0" cy="540000"/>
-              </a:xfrm>
-              <a:prstGeom prst="line">
-                <a:avLst/>
-              </a:prstGeom>
-              <a:ln>
-                <a:solidFill>
-                  <a:srgbClr val="2B2B2B"/>
-                </a:solidFill>
-              </a:ln>
-            </p:spPr>
-            <p:style>
-              <a:lnRef idx="2">
-                <a:schemeClr val="accent1"/>
-              </a:lnRef>
-              <a:fillRef idx="0">
-                <a:schemeClr val="accent1"/>
-              </a:fillRef>
-              <a:effectRef idx="1">
-                <a:schemeClr val="accent1"/>
-              </a:effectRef>
-              <a:fontRef idx="minor">
-                <a:schemeClr val="tx1"/>
-              </a:fontRef>
-            </p:style>
-          </p:cxnSp>
-          <p:cxnSp>
-            <p:nvCxnSpPr>
-              <p:cNvPr id="11" name="Straight Connector 10">
-                <a:extLst>
-                  <a:ext uri="{FF2B5EF4-FFF2-40B4-BE49-F238E27FC236}">
-                    <a16:creationId xmlns:a16="http://schemas.microsoft.com/office/drawing/2014/main" id="{EEABDF57-6A95-B86D-6E28-ED11089AD062}"/>
-                  </a:ext>
-                </a:extLst>
-              </p:cNvPr>
-              <p:cNvCxnSpPr>
-                <a:cxnSpLocks/>
-              </p:cNvCxnSpPr>
-              <p:nvPr/>
-            </p:nvCxnSpPr>
-            <p:spPr>
-              <a:xfrm rot="-2700000" flipV="1">
-                <a:off x="4266364" y="3858555"/>
-                <a:ext cx="0" cy="1080000"/>
-              </a:xfrm>
-              <a:prstGeom prst="line">
-                <a:avLst/>
-              </a:prstGeom>
-              <a:ln>
-                <a:solidFill>
-                  <a:srgbClr val="2B2B2B"/>
-                </a:solidFill>
-              </a:ln>
-            </p:spPr>
-            <p:style>
-              <a:lnRef idx="2">
-                <a:schemeClr val="accent1"/>
-              </a:lnRef>
-              <a:fillRef idx="0">
-                <a:schemeClr val="accent1"/>
-              </a:fillRef>
-              <a:effectRef idx="1">
-                <a:schemeClr val="accent1"/>
-              </a:effectRef>
-              <a:fontRef idx="minor">
-                <a:schemeClr val="tx1"/>
-              </a:fontRef>
-            </p:style>
-          </p:cxnSp>
-          <p:cxnSp>
-            <p:nvCxnSpPr>
-              <p:cNvPr id="12" name="Straight Connector 11">
-                <a:extLst>
-                  <a:ext uri="{FF2B5EF4-FFF2-40B4-BE49-F238E27FC236}">
-                    <a16:creationId xmlns:a16="http://schemas.microsoft.com/office/drawing/2014/main" id="{05A9E7E3-F772-6CF5-BEAE-BC6D5F2A59F0}"/>
-                  </a:ext>
-                </a:extLst>
-              </p:cNvPr>
-              <p:cNvCxnSpPr>
-                <a:cxnSpLocks/>
-              </p:cNvCxnSpPr>
-              <p:nvPr/>
-            </p:nvCxnSpPr>
-            <p:spPr>
-              <a:xfrm rot="2700000" flipV="1">
-                <a:off x="5030041" y="3858555"/>
-                <a:ext cx="0" cy="1080000"/>
-              </a:xfrm>
-              <a:prstGeom prst="line">
-                <a:avLst/>
-              </a:prstGeom>
-              <a:ln>
-                <a:solidFill>
-                  <a:srgbClr val="2B2B2B"/>
-                </a:solidFill>
-              </a:ln>
-            </p:spPr>
-            <p:style>
-              <a:lnRef idx="2">
-                <a:schemeClr val="accent1"/>
-              </a:lnRef>
-              <a:fillRef idx="0">
-                <a:schemeClr val="accent1"/>
-              </a:fillRef>
-              <a:effectRef idx="1">
-                <a:schemeClr val="accent1"/>
-              </a:effectRef>
-              <a:fontRef idx="minor">
-                <a:schemeClr val="tx1"/>
-              </a:fontRef>
-            </p:style>
-          </p:cxnSp>
-          <p:cxnSp>
-            <p:nvCxnSpPr>
-              <p:cNvPr id="44" name="Straight Connector 43">
-                <a:extLst>
-                  <a:ext uri="{FF2B5EF4-FFF2-40B4-BE49-F238E27FC236}">
-                    <a16:creationId xmlns:a16="http://schemas.microsoft.com/office/drawing/2014/main" id="{C27AC35A-0DA4-6497-ECB1-31480FC291B5}"/>
-                  </a:ext>
-                </a:extLst>
-              </p:cNvPr>
-              <p:cNvCxnSpPr>
-                <a:cxnSpLocks/>
-              </p:cNvCxnSpPr>
-              <p:nvPr/>
-            </p:nvCxnSpPr>
-            <p:spPr>
-              <a:xfrm flipV="1">
-                <a:off x="4648202" y="5320392"/>
-                <a:ext cx="0" cy="540000"/>
-              </a:xfrm>
-              <a:prstGeom prst="line">
-                <a:avLst/>
-              </a:prstGeom>
-              <a:ln>
-                <a:solidFill>
-                  <a:schemeClr val="bg1">
-                    <a:lumMod val="65000"/>
-                  </a:schemeClr>
-                </a:solidFill>
-              </a:ln>
-            </p:spPr>
-            <p:style>
-              <a:lnRef idx="2">
-                <a:schemeClr val="accent1"/>
-              </a:lnRef>
-              <a:fillRef idx="0">
-                <a:schemeClr val="accent1"/>
-              </a:fillRef>
-              <a:effectRef idx="1">
-                <a:schemeClr val="accent1"/>
-              </a:effectRef>
-              <a:fontRef idx="minor">
-                <a:schemeClr val="tx1"/>
-              </a:fontRef>
-            </p:style>
-          </p:cxnSp>
-          <p:sp>
-            <p:nvSpPr>
-              <p:cNvPr id="48" name="Left Bracket 47">
-                <a:extLst>
-                  <a:ext uri="{FF2B5EF4-FFF2-40B4-BE49-F238E27FC236}">
-                    <a16:creationId xmlns:a16="http://schemas.microsoft.com/office/drawing/2014/main" id="{B2AB481C-8E67-309B-1BFC-8966E0DC48C3}"/>
-                  </a:ext>
-                </a:extLst>
-              </p:cNvPr>
-              <p:cNvSpPr/>
-              <p:nvPr/>
-            </p:nvSpPr>
-            <p:spPr>
-              <a:xfrm>
-                <a:off x="4455613" y="4817759"/>
-                <a:ext cx="106117" cy="1034062"/>
-              </a:xfrm>
-              <a:prstGeom prst="leftBracket">
-                <a:avLst/>
-              </a:prstGeom>
-              <a:ln>
-                <a:solidFill>
-                  <a:schemeClr val="bg2">
-                    <a:lumMod val="50000"/>
-                  </a:schemeClr>
-                </a:solidFill>
-              </a:ln>
-            </p:spPr>
-            <p:style>
-              <a:lnRef idx="2">
-                <a:schemeClr val="accent1"/>
-              </a:lnRef>
-              <a:fillRef idx="0">
-                <a:schemeClr val="accent1"/>
-              </a:fillRef>
-              <a:effectRef idx="1">
-                <a:schemeClr val="accent1"/>
-              </a:effectRef>
-              <a:fontRef idx="minor">
-                <a:schemeClr val="tx1"/>
-              </a:fontRef>
-            </p:style>
-            <p:txBody>
-              <a:bodyPr rtlCol="0" anchor="ctr"/>
-              <a:lstStyle/>
-              <a:p>
-                <a:pPr algn="ctr"/>
-                <a:endParaRPr lang="en-US"/>
-              </a:p>
-            </p:txBody>
-          </p:sp>
-          <p:sp>
-            <p:nvSpPr>
-              <p:cNvPr id="49" name="TextBox 48">
-                <a:extLst>
-                  <a:ext uri="{FF2B5EF4-FFF2-40B4-BE49-F238E27FC236}">
-                    <a16:creationId xmlns:a16="http://schemas.microsoft.com/office/drawing/2014/main" id="{3C66D392-B710-7174-D5D7-3F167B515866}"/>
-                  </a:ext>
-                </a:extLst>
-              </p:cNvPr>
-              <p:cNvSpPr txBox="1"/>
-              <p:nvPr/>
-            </p:nvSpPr>
-            <p:spPr>
-              <a:xfrm>
-                <a:off x="3859161" y="5226496"/>
-                <a:ext cx="593432" cy="369332"/>
-              </a:xfrm>
-              <a:prstGeom prst="rect">
-                <a:avLst/>
-              </a:prstGeom>
-              <a:noFill/>
-            </p:spPr>
-            <p:txBody>
-              <a:bodyPr wrap="none" rtlCol="0">
-                <a:spAutoFit/>
-              </a:bodyPr>
-              <a:lstStyle/>
-              <a:p>
-                <a:r>
-                  <a:rPr lang="en-US" dirty="0">
-                    <a:solidFill>
-                      <a:schemeClr val="tx1">
-                        <a:lumMod val="75000"/>
-                        <a:lumOff val="25000"/>
-                      </a:schemeClr>
-                    </a:solidFill>
-                  </a:rPr>
-                  <a:t>Link</a:t>
-                </a:r>
-              </a:p>
-            </p:txBody>
-          </p:sp>
-          <p:sp>
-            <p:nvSpPr>
-              <p:cNvPr id="50" name="Oval 49">
-                <a:extLst>
-                  <a:ext uri="{FF2B5EF4-FFF2-40B4-BE49-F238E27FC236}">
-                    <a16:creationId xmlns:a16="http://schemas.microsoft.com/office/drawing/2014/main" id="{DA173AE1-8839-9306-5241-AFAEBCACDBF6}"/>
-                  </a:ext>
-                </a:extLst>
-              </p:cNvPr>
-              <p:cNvSpPr/>
-              <p:nvPr/>
-            </p:nvSpPr>
-            <p:spPr>
-              <a:xfrm>
-                <a:off x="4601434" y="5260090"/>
-                <a:ext cx="90000" cy="90000"/>
-              </a:xfrm>
-              <a:prstGeom prst="ellipse">
-                <a:avLst/>
-              </a:prstGeom>
-              <a:solidFill>
-                <a:schemeClr val="tx1"/>
-              </a:solidFill>
-              <a:ln>
-                <a:noFill/>
-              </a:ln>
-            </p:spPr>
-            <p:style>
-              <a:lnRef idx="2">
-                <a:schemeClr val="accent1">
-                  <a:shade val="15000"/>
-                </a:schemeClr>
-              </a:lnRef>
-              <a:fillRef idx="1">
-                <a:schemeClr val="accent1"/>
-              </a:fillRef>
-              <a:effectRef idx="0">
-                <a:schemeClr val="accent1"/>
-              </a:effectRef>
-              <a:fontRef idx="minor">
-                <a:schemeClr val="lt1"/>
-              </a:fontRef>
-            </p:style>
-            <p:txBody>
-              <a:bodyPr rtlCol="0" anchor="ctr"/>
-              <a:lstStyle/>
-              <a:p>
-                <a:pPr algn="ctr"/>
-                <a:endParaRPr lang="en-US" dirty="0"/>
-              </a:p>
-            </p:txBody>
-          </p:sp>
-        </p:grpSp>
-        <p:sp>
-          <p:nvSpPr>
-            <p:cNvPr id="7" name="TextBox 6">
-              <a:extLst>
-                <a:ext uri="{FF2B5EF4-FFF2-40B4-BE49-F238E27FC236}">
-                  <a16:creationId xmlns:a16="http://schemas.microsoft.com/office/drawing/2014/main" id="{B1F3E2F2-C812-A441-4971-99C8963825B9}"/>
-                </a:ext>
-              </a:extLst>
-            </p:cNvPr>
-            <p:cNvSpPr txBox="1"/>
-            <p:nvPr/>
-          </p:nvSpPr>
-          <p:spPr>
-            <a:xfrm>
-              <a:off x="359009" y="2544964"/>
-              <a:ext cx="1697901" cy="369332"/>
-            </a:xfrm>
-            <a:prstGeom prst="rect">
-              <a:avLst/>
-            </a:prstGeom>
-            <a:noFill/>
-          </p:spPr>
-          <p:txBody>
-            <a:bodyPr wrap="none" rtlCol="0">
-              <a:spAutoFit/>
-            </a:bodyPr>
-            <a:lstStyle/>
-            <a:p>
-              <a:r>
-                <a:rPr lang="en-US" dirty="0">
-                  <a:solidFill>
-                    <a:schemeClr val="tx1">
-                      <a:lumMod val="75000"/>
-                      <a:lumOff val="25000"/>
-                    </a:schemeClr>
-                  </a:solidFill>
-                  <a:latin typeface="Arial" panose="020B0604020202020204" pitchFamily="34" charset="0"/>
-                  <a:cs typeface="Arial" panose="020B0604020202020204" pitchFamily="34" charset="0"/>
-                </a:rPr>
-                <a:t>Upstream river</a:t>
-              </a:r>
-            </a:p>
-          </p:txBody>
-        </p:sp>
-        <p:sp>
-          <p:nvSpPr>
-            <p:cNvPr id="18" name="TextBox 17">
-              <a:extLst>
-                <a:ext uri="{FF2B5EF4-FFF2-40B4-BE49-F238E27FC236}">
-                  <a16:creationId xmlns:a16="http://schemas.microsoft.com/office/drawing/2014/main" id="{EB2AC226-DFFB-FB4E-F85F-56750A451258}"/>
-                </a:ext>
-              </a:extLst>
-            </p:cNvPr>
-            <p:cNvSpPr txBox="1"/>
-            <p:nvPr/>
-          </p:nvSpPr>
-          <p:spPr>
-            <a:xfrm>
-              <a:off x="1497428" y="4403074"/>
-              <a:ext cx="915635" cy="369332"/>
-            </a:xfrm>
-            <a:prstGeom prst="rect">
-              <a:avLst/>
-            </a:prstGeom>
-            <a:noFill/>
-          </p:spPr>
-          <p:txBody>
-            <a:bodyPr wrap="none" rtlCol="0">
-              <a:spAutoFit/>
-            </a:bodyPr>
-            <a:lstStyle/>
-            <a:p>
-              <a:r>
-                <a:rPr lang="en-US" dirty="0">
-                  <a:solidFill>
-                    <a:schemeClr val="tx1">
-                      <a:lumMod val="75000"/>
-                      <a:lumOff val="25000"/>
-                    </a:schemeClr>
-                  </a:solidFill>
-                  <a:latin typeface="Arial" panose="020B0604020202020204" pitchFamily="34" charset="0"/>
-                  <a:cs typeface="Arial" panose="020B0604020202020204" pitchFamily="34" charset="0"/>
-                </a:rPr>
-                <a:t>Habitat</a:t>
-              </a:r>
-            </a:p>
-          </p:txBody>
-        </p:sp>
-        <p:cxnSp>
-          <p:nvCxnSpPr>
-            <p:cNvPr id="20" name="Straight Connector 19">
-              <a:extLst>
-                <a:ext uri="{FF2B5EF4-FFF2-40B4-BE49-F238E27FC236}">
-                  <a16:creationId xmlns:a16="http://schemas.microsoft.com/office/drawing/2014/main" id="{C872D5A2-1CFA-B77B-1207-0AB6619A3EBA}"/>
-                </a:ext>
-              </a:extLst>
-            </p:cNvPr>
-            <p:cNvCxnSpPr>
-              <a:cxnSpLocks/>
-              <a:endCxn id="18" idx="1"/>
-            </p:cNvCxnSpPr>
-            <p:nvPr/>
-          </p:nvCxnSpPr>
-          <p:spPr>
-            <a:xfrm>
-              <a:off x="1296201" y="4315269"/>
-              <a:ext cx="201227" cy="272471"/>
+              <a:off x="4648202" y="4780392"/>
+              <a:ext cx="0" cy="540000"/>
             </a:xfrm>
             <a:prstGeom prst="line">
               <a:avLst/>
             </a:prstGeom>
-            <a:ln w="19050">
+            <a:ln>
               <a:solidFill>
-                <a:schemeClr val="tx1">
-                  <a:lumMod val="75000"/>
-                  <a:lumOff val="25000"/>
-                </a:schemeClr>
+                <a:srgbClr val="2B2B2B"/>
               </a:solidFill>
-              <a:prstDash val="sysDash"/>
             </a:ln>
           </p:spPr>
           <p:style>
@@ -6089,880 +5652,1292 @@
             </a:fontRef>
           </p:style>
         </p:cxnSp>
-        <p:grpSp>
-          <p:nvGrpSpPr>
-            <p:cNvPr id="72" name="Group 71">
+        <p:cxnSp>
+          <p:nvCxnSpPr>
+            <p:cNvPr id="11" name="Straight Connector 10">
               <a:extLst>
                 <a:ext uri="{FF2B5EF4-FFF2-40B4-BE49-F238E27FC236}">
-                  <a16:creationId xmlns:a16="http://schemas.microsoft.com/office/drawing/2014/main" id="{5D49F3DA-344C-3B01-112B-38524FE13290}"/>
+                  <a16:creationId xmlns:a16="http://schemas.microsoft.com/office/drawing/2014/main" id="{EEABDF57-6A95-B86D-6E28-ED11089AD062}"/>
                 </a:ext>
               </a:extLst>
             </p:cNvPr>
-            <p:cNvGrpSpPr/>
+            <p:cNvCxnSpPr>
+              <a:cxnSpLocks/>
+            </p:cNvCxnSpPr>
             <p:nvPr/>
-          </p:nvGrpSpPr>
-          <p:grpSpPr>
+          </p:nvCxnSpPr>
+          <p:spPr>
+            <a:xfrm rot="-2700000" flipV="1">
+              <a:off x="4266364" y="3858555"/>
+              <a:ext cx="0" cy="1080000"/>
+            </a:xfrm>
+            <a:prstGeom prst="line">
+              <a:avLst/>
+            </a:prstGeom>
+            <a:ln>
+              <a:solidFill>
+                <a:srgbClr val="2B2B2B"/>
+              </a:solidFill>
+            </a:ln>
+          </p:spPr>
+          <p:style>
+            <a:lnRef idx="2">
+              <a:schemeClr val="accent1"/>
+            </a:lnRef>
+            <a:fillRef idx="0">
+              <a:schemeClr val="accent1"/>
+            </a:fillRef>
+            <a:effectRef idx="1">
+              <a:schemeClr val="accent1"/>
+            </a:effectRef>
+            <a:fontRef idx="minor">
+              <a:schemeClr val="tx1"/>
+            </a:fontRef>
+          </p:style>
+        </p:cxnSp>
+        <p:cxnSp>
+          <p:nvCxnSpPr>
+            <p:cNvPr id="12" name="Straight Connector 11">
+              <a:extLst>
+                <a:ext uri="{FF2B5EF4-FFF2-40B4-BE49-F238E27FC236}">
+                  <a16:creationId xmlns:a16="http://schemas.microsoft.com/office/drawing/2014/main" id="{05A9E7E3-F772-6CF5-BEAE-BC6D5F2A59F0}"/>
+                </a:ext>
+              </a:extLst>
+            </p:cNvPr>
+            <p:cNvCxnSpPr>
+              <a:cxnSpLocks/>
+            </p:cNvCxnSpPr>
+            <p:nvPr/>
+          </p:nvCxnSpPr>
+          <p:spPr>
+            <a:xfrm rot="2700000" flipV="1">
+              <a:off x="5030041" y="3858555"/>
+              <a:ext cx="0" cy="1080000"/>
+            </a:xfrm>
+            <a:prstGeom prst="line">
+              <a:avLst/>
+            </a:prstGeom>
+            <a:ln>
+              <a:solidFill>
+                <a:srgbClr val="2B2B2B"/>
+              </a:solidFill>
+            </a:ln>
+          </p:spPr>
+          <p:style>
+            <a:lnRef idx="2">
+              <a:schemeClr val="accent1"/>
+            </a:lnRef>
+            <a:fillRef idx="0">
+              <a:schemeClr val="accent1"/>
+            </a:fillRef>
+            <a:effectRef idx="1">
+              <a:schemeClr val="accent1"/>
+            </a:effectRef>
+            <a:fontRef idx="minor">
+              <a:schemeClr val="tx1"/>
+            </a:fontRef>
+          </p:style>
+        </p:cxnSp>
+        <p:cxnSp>
+          <p:nvCxnSpPr>
+            <p:cNvPr id="44" name="Straight Connector 43">
+              <a:extLst>
+                <a:ext uri="{FF2B5EF4-FFF2-40B4-BE49-F238E27FC236}">
+                  <a16:creationId xmlns:a16="http://schemas.microsoft.com/office/drawing/2014/main" id="{C27AC35A-0DA4-6497-ECB1-31480FC291B5}"/>
+                </a:ext>
+              </a:extLst>
+            </p:cNvPr>
+            <p:cNvCxnSpPr>
+              <a:cxnSpLocks/>
+            </p:cNvCxnSpPr>
+            <p:nvPr/>
+          </p:nvCxnSpPr>
+          <p:spPr>
+            <a:xfrm flipV="1">
+              <a:off x="4648202" y="5320392"/>
+              <a:ext cx="0" cy="540000"/>
+            </a:xfrm>
+            <a:prstGeom prst="line">
+              <a:avLst/>
+            </a:prstGeom>
+            <a:ln>
+              <a:solidFill>
+                <a:schemeClr val="bg1">
+                  <a:lumMod val="65000"/>
+                </a:schemeClr>
+              </a:solidFill>
+            </a:ln>
+          </p:spPr>
+          <p:style>
+            <a:lnRef idx="2">
+              <a:schemeClr val="accent1"/>
+            </a:lnRef>
+            <a:fillRef idx="0">
+              <a:schemeClr val="accent1"/>
+            </a:fillRef>
+            <a:effectRef idx="1">
+              <a:schemeClr val="accent1"/>
+            </a:effectRef>
+            <a:fontRef idx="minor">
+              <a:schemeClr val="tx1"/>
+            </a:fontRef>
+          </p:style>
+        </p:cxnSp>
+        <p:sp>
+          <p:nvSpPr>
+            <p:cNvPr id="48" name="Left Bracket 47">
+              <a:extLst>
+                <a:ext uri="{FF2B5EF4-FFF2-40B4-BE49-F238E27FC236}">
+                  <a16:creationId xmlns:a16="http://schemas.microsoft.com/office/drawing/2014/main" id="{B2AB481C-8E67-309B-1BFC-8966E0DC48C3}"/>
+                </a:ext>
+              </a:extLst>
+            </p:cNvPr>
+            <p:cNvSpPr/>
+            <p:nvPr/>
+          </p:nvSpPr>
+          <p:spPr>
             <a:xfrm>
-              <a:off x="2686880" y="170135"/>
-              <a:ext cx="3671554" cy="2927036"/>
-              <a:chOff x="8107846" y="971962"/>
-              <a:chExt cx="3671555" cy="2927036"/>
+              <a:off x="4455613" y="4817759"/>
+              <a:ext cx="106117" cy="1034062"/>
             </a:xfrm>
-          </p:grpSpPr>
-          <p:cxnSp>
-            <p:nvCxnSpPr>
-              <p:cNvPr id="46" name="Straight Connector 45">
+            <a:prstGeom prst="leftBracket">
+              <a:avLst/>
+            </a:prstGeom>
+            <a:ln>
+              <a:solidFill>
+                <a:schemeClr val="bg2">
+                  <a:lumMod val="50000"/>
+                </a:schemeClr>
+              </a:solidFill>
+            </a:ln>
+          </p:spPr>
+          <p:style>
+            <a:lnRef idx="2">
+              <a:schemeClr val="accent1"/>
+            </a:lnRef>
+            <a:fillRef idx="0">
+              <a:schemeClr val="accent1"/>
+            </a:fillRef>
+            <a:effectRef idx="1">
+              <a:schemeClr val="accent1"/>
+            </a:effectRef>
+            <a:fontRef idx="minor">
+              <a:schemeClr val="tx1"/>
+            </a:fontRef>
+          </p:style>
+          <p:txBody>
+            <a:bodyPr rtlCol="0" anchor="ctr"/>
+            <a:lstStyle/>
+            <a:p>
+              <a:pPr algn="ctr"/>
+              <a:endParaRPr lang="en-US"/>
+            </a:p>
+          </p:txBody>
+        </p:sp>
+        <p:sp>
+          <p:nvSpPr>
+            <p:cNvPr id="49" name="TextBox 48">
+              <a:extLst>
+                <a:ext uri="{FF2B5EF4-FFF2-40B4-BE49-F238E27FC236}">
+                  <a16:creationId xmlns:a16="http://schemas.microsoft.com/office/drawing/2014/main" id="{3C66D392-B710-7174-D5D7-3F167B515866}"/>
+                </a:ext>
+              </a:extLst>
+            </p:cNvPr>
+            <p:cNvSpPr txBox="1"/>
+            <p:nvPr/>
+          </p:nvSpPr>
+          <p:spPr>
+            <a:xfrm>
+              <a:off x="3623566" y="5089558"/>
+              <a:ext cx="731290" cy="461665"/>
+            </a:xfrm>
+            <a:prstGeom prst="rect">
+              <a:avLst/>
+            </a:prstGeom>
+            <a:noFill/>
+          </p:spPr>
+          <p:txBody>
+            <a:bodyPr wrap="none" rtlCol="0">
+              <a:spAutoFit/>
+            </a:bodyPr>
+            <a:lstStyle/>
+            <a:p>
+              <a:r>
+                <a:rPr lang="en-US" sz="2400" dirty="0">
+                  <a:solidFill>
+                    <a:schemeClr val="tx1">
+                      <a:lumMod val="75000"/>
+                      <a:lumOff val="25000"/>
+                    </a:schemeClr>
+                  </a:solidFill>
+                </a:rPr>
+                <a:t>Link</a:t>
+              </a:r>
+            </a:p>
+          </p:txBody>
+        </p:sp>
+        <p:sp>
+          <p:nvSpPr>
+            <p:cNvPr id="50" name="Oval 49">
+              <a:extLst>
+                <a:ext uri="{FF2B5EF4-FFF2-40B4-BE49-F238E27FC236}">
+                  <a16:creationId xmlns:a16="http://schemas.microsoft.com/office/drawing/2014/main" id="{DA173AE1-8839-9306-5241-AFAEBCACDBF6}"/>
+                </a:ext>
+              </a:extLst>
+            </p:cNvPr>
+            <p:cNvSpPr/>
+            <p:nvPr/>
+          </p:nvSpPr>
+          <p:spPr>
+            <a:xfrm>
+              <a:off x="4601434" y="5260090"/>
+              <a:ext cx="90000" cy="90000"/>
+            </a:xfrm>
+            <a:prstGeom prst="ellipse">
+              <a:avLst/>
+            </a:prstGeom>
+            <a:solidFill>
+              <a:schemeClr val="tx1"/>
+            </a:solidFill>
+            <a:ln>
+              <a:noFill/>
+            </a:ln>
+          </p:spPr>
+          <p:style>
+            <a:lnRef idx="2">
+              <a:schemeClr val="accent1">
+                <a:shade val="15000"/>
+              </a:schemeClr>
+            </a:lnRef>
+            <a:fillRef idx="1">
+              <a:schemeClr val="accent1"/>
+            </a:fillRef>
+            <a:effectRef idx="0">
+              <a:schemeClr val="accent1"/>
+            </a:effectRef>
+            <a:fontRef idx="minor">
+              <a:schemeClr val="lt1"/>
+            </a:fontRef>
+          </p:style>
+          <p:txBody>
+            <a:bodyPr rtlCol="0" anchor="ctr"/>
+            <a:lstStyle/>
+            <a:p>
+              <a:pPr algn="ctr"/>
+              <a:endParaRPr lang="en-US" dirty="0"/>
+            </a:p>
+          </p:txBody>
+        </p:sp>
+      </p:grpSp>
+      <p:sp>
+        <p:nvSpPr>
+          <p:cNvPr id="7" name="TextBox 6">
+            <a:extLst>
+              <a:ext uri="{FF2B5EF4-FFF2-40B4-BE49-F238E27FC236}">
+                <a16:creationId xmlns:a16="http://schemas.microsoft.com/office/drawing/2014/main" id="{B1F3E2F2-C812-A441-4971-99C8963825B9}"/>
+              </a:ext>
+            </a:extLst>
+          </p:cNvPr>
+          <p:cNvSpPr txBox="1"/>
+          <p:nvPr/>
+        </p:nvSpPr>
+        <p:spPr>
+          <a:xfrm>
+            <a:off x="359009" y="2544964"/>
+            <a:ext cx="1697901" cy="369332"/>
+          </a:xfrm>
+          <a:prstGeom prst="rect">
+            <a:avLst/>
+          </a:prstGeom>
+          <a:noFill/>
+        </p:spPr>
+        <p:txBody>
+          <a:bodyPr wrap="none" rtlCol="0">
+            <a:spAutoFit/>
+          </a:bodyPr>
+          <a:lstStyle/>
+          <a:p>
+            <a:r>
+              <a:rPr lang="en-US" dirty="0">
+                <a:solidFill>
+                  <a:schemeClr val="tx1">
+                    <a:lumMod val="75000"/>
+                    <a:lumOff val="25000"/>
+                  </a:schemeClr>
+                </a:solidFill>
+                <a:latin typeface="Arial" panose="020B0604020202020204" pitchFamily="34" charset="0"/>
+                <a:cs typeface="Arial" panose="020B0604020202020204" pitchFamily="34" charset="0"/>
+              </a:rPr>
+              <a:t>Upstream river</a:t>
+            </a:r>
+          </a:p>
+        </p:txBody>
+      </p:sp>
+      <p:sp>
+        <p:nvSpPr>
+          <p:cNvPr id="18" name="TextBox 17">
+            <a:extLst>
+              <a:ext uri="{FF2B5EF4-FFF2-40B4-BE49-F238E27FC236}">
+                <a16:creationId xmlns:a16="http://schemas.microsoft.com/office/drawing/2014/main" id="{EB2AC226-DFFB-FB4E-F85F-56750A451258}"/>
+              </a:ext>
+            </a:extLst>
+          </p:cNvPr>
+          <p:cNvSpPr txBox="1"/>
+          <p:nvPr/>
+        </p:nvSpPr>
+        <p:spPr>
+          <a:xfrm>
+            <a:off x="1262592" y="4415336"/>
+            <a:ext cx="1160895" cy="461665"/>
+          </a:xfrm>
+          <a:prstGeom prst="rect">
+            <a:avLst/>
+          </a:prstGeom>
+          <a:noFill/>
+        </p:spPr>
+        <p:txBody>
+          <a:bodyPr wrap="none" rtlCol="0">
+            <a:spAutoFit/>
+          </a:bodyPr>
+          <a:lstStyle/>
+          <a:p>
+            <a:r>
+              <a:rPr lang="en-US" sz="2400" dirty="0">
+                <a:solidFill>
+                  <a:schemeClr val="tx1">
+                    <a:lumMod val="75000"/>
+                    <a:lumOff val="25000"/>
+                  </a:schemeClr>
+                </a:solidFill>
+                <a:latin typeface="Arial" panose="020B0604020202020204" pitchFamily="34" charset="0"/>
+                <a:cs typeface="Arial" panose="020B0604020202020204" pitchFamily="34" charset="0"/>
+              </a:rPr>
+              <a:t>Habitat</a:t>
+            </a:r>
+          </a:p>
+        </p:txBody>
+      </p:sp>
+      <p:cxnSp>
+        <p:nvCxnSpPr>
+          <p:cNvPr id="20" name="Straight Connector 19">
+            <a:extLst>
+              <a:ext uri="{FF2B5EF4-FFF2-40B4-BE49-F238E27FC236}">
+                <a16:creationId xmlns:a16="http://schemas.microsoft.com/office/drawing/2014/main" id="{C872D5A2-1CFA-B77B-1207-0AB6619A3EBA}"/>
+              </a:ext>
+            </a:extLst>
+          </p:cNvPr>
+          <p:cNvCxnSpPr>
+            <a:cxnSpLocks/>
+            <a:endCxn id="18" idx="0"/>
+          </p:cNvCxnSpPr>
+          <p:nvPr/>
+        </p:nvCxnSpPr>
+        <p:spPr>
+          <a:xfrm>
+            <a:off x="1366843" y="4275807"/>
+            <a:ext cx="476197" cy="139529"/>
+          </a:xfrm>
+          <a:prstGeom prst="line">
+            <a:avLst/>
+          </a:prstGeom>
+          <a:ln w="19050">
+            <a:solidFill>
+              <a:schemeClr val="tx1">
+                <a:lumMod val="75000"/>
+                <a:lumOff val="25000"/>
+              </a:schemeClr>
+            </a:solidFill>
+            <a:prstDash val="sysDash"/>
+          </a:ln>
+        </p:spPr>
+        <p:style>
+          <a:lnRef idx="2">
+            <a:schemeClr val="accent1"/>
+          </a:lnRef>
+          <a:fillRef idx="0">
+            <a:schemeClr val="accent1"/>
+          </a:fillRef>
+          <a:effectRef idx="1">
+            <a:schemeClr val="accent1"/>
+          </a:effectRef>
+          <a:fontRef idx="minor">
+            <a:schemeClr val="tx1"/>
+          </a:fontRef>
+        </p:style>
+      </p:cxnSp>
+      <p:grpSp>
+        <p:nvGrpSpPr>
+          <p:cNvPr id="72" name="Group 71">
+            <a:extLst>
+              <a:ext uri="{FF2B5EF4-FFF2-40B4-BE49-F238E27FC236}">
+                <a16:creationId xmlns:a16="http://schemas.microsoft.com/office/drawing/2014/main" id="{5D49F3DA-344C-3B01-112B-38524FE13290}"/>
+              </a:ext>
+            </a:extLst>
+          </p:cNvPr>
+          <p:cNvGrpSpPr/>
+          <p:nvPr/>
+        </p:nvGrpSpPr>
+        <p:grpSpPr>
+          <a:xfrm>
+            <a:off x="2686880" y="170135"/>
+            <a:ext cx="3671554" cy="2927036"/>
+            <a:chOff x="8107846" y="971962"/>
+            <a:chExt cx="3671555" cy="2927036"/>
+          </a:xfrm>
+        </p:grpSpPr>
+        <p:cxnSp>
+          <p:nvCxnSpPr>
+            <p:cNvPr id="46" name="Straight Connector 45">
+              <a:extLst>
+                <a:ext uri="{FF2B5EF4-FFF2-40B4-BE49-F238E27FC236}">
+                  <a16:creationId xmlns:a16="http://schemas.microsoft.com/office/drawing/2014/main" id="{6E5E9412-6260-3837-0E1C-AE1C6617EDDD}"/>
+                </a:ext>
+              </a:extLst>
+            </p:cNvPr>
+            <p:cNvCxnSpPr/>
+            <p:nvPr/>
+          </p:nvCxnSpPr>
+          <p:spPr>
+            <a:xfrm flipV="1">
+              <a:off x="9936733" y="2818998"/>
+              <a:ext cx="0" cy="540000"/>
+            </a:xfrm>
+            <a:prstGeom prst="line">
+              <a:avLst/>
+            </a:prstGeom>
+            <a:ln>
+              <a:solidFill>
+                <a:srgbClr val="2B2B2B"/>
+              </a:solidFill>
+            </a:ln>
+          </p:spPr>
+          <p:style>
+            <a:lnRef idx="2">
+              <a:schemeClr val="accent1"/>
+            </a:lnRef>
+            <a:fillRef idx="0">
+              <a:schemeClr val="accent1"/>
+            </a:fillRef>
+            <a:effectRef idx="1">
+              <a:schemeClr val="accent1"/>
+            </a:effectRef>
+            <a:fontRef idx="minor">
+              <a:schemeClr val="tx1"/>
+            </a:fontRef>
+          </p:style>
+        </p:cxnSp>
+        <p:cxnSp>
+          <p:nvCxnSpPr>
+            <p:cNvPr id="47" name="Straight Connector 46">
+              <a:extLst>
+                <a:ext uri="{FF2B5EF4-FFF2-40B4-BE49-F238E27FC236}">
+                  <a16:creationId xmlns:a16="http://schemas.microsoft.com/office/drawing/2014/main" id="{A10097FB-5F79-A12F-C81F-1623D0E33003}"/>
+                </a:ext>
+              </a:extLst>
+            </p:cNvPr>
+            <p:cNvCxnSpPr>
+              <a:cxnSpLocks/>
+            </p:cNvCxnSpPr>
+            <p:nvPr/>
+          </p:nvCxnSpPr>
+          <p:spPr>
+            <a:xfrm rot="18900000" flipV="1">
+              <a:off x="9554895" y="1897161"/>
+              <a:ext cx="0" cy="1080000"/>
+            </a:xfrm>
+            <a:prstGeom prst="line">
+              <a:avLst/>
+            </a:prstGeom>
+            <a:ln>
+              <a:solidFill>
+                <a:srgbClr val="2B2B2B"/>
+              </a:solidFill>
+            </a:ln>
+          </p:spPr>
+          <p:style>
+            <a:lnRef idx="2">
+              <a:schemeClr val="accent1"/>
+            </a:lnRef>
+            <a:fillRef idx="0">
+              <a:schemeClr val="accent1"/>
+            </a:fillRef>
+            <a:effectRef idx="1">
+              <a:schemeClr val="accent1"/>
+            </a:effectRef>
+            <a:fontRef idx="minor">
+              <a:schemeClr val="tx1"/>
+            </a:fontRef>
+          </p:style>
+        </p:cxnSp>
+        <p:cxnSp>
+          <p:nvCxnSpPr>
+            <p:cNvPr id="54" name="Straight Connector 53">
+              <a:extLst>
+                <a:ext uri="{FF2B5EF4-FFF2-40B4-BE49-F238E27FC236}">
+                  <a16:creationId xmlns:a16="http://schemas.microsoft.com/office/drawing/2014/main" id="{0CD7FC91-FA89-0C29-8C57-0C5588505776}"/>
+                </a:ext>
+              </a:extLst>
+            </p:cNvPr>
+            <p:cNvCxnSpPr>
+              <a:cxnSpLocks/>
+            </p:cNvCxnSpPr>
+            <p:nvPr/>
+          </p:nvCxnSpPr>
+          <p:spPr>
+            <a:xfrm rot="2700000" flipV="1">
+              <a:off x="10318572" y="1897161"/>
+              <a:ext cx="0" cy="1080000"/>
+            </a:xfrm>
+            <a:prstGeom prst="line">
+              <a:avLst/>
+            </a:prstGeom>
+            <a:ln>
+              <a:solidFill>
+                <a:srgbClr val="2B2B2B"/>
+              </a:solidFill>
+            </a:ln>
+          </p:spPr>
+          <p:style>
+            <a:lnRef idx="2">
+              <a:schemeClr val="accent1"/>
+            </a:lnRef>
+            <a:fillRef idx="0">
+              <a:schemeClr val="accent1"/>
+            </a:fillRef>
+            <a:effectRef idx="1">
+              <a:schemeClr val="accent1"/>
+            </a:effectRef>
+            <a:fontRef idx="minor">
+              <a:schemeClr val="tx1"/>
+            </a:fontRef>
+          </p:style>
+        </p:cxnSp>
+        <p:cxnSp>
+          <p:nvCxnSpPr>
+            <p:cNvPr id="56" name="Straight Connector 55">
+              <a:extLst>
+                <a:ext uri="{FF2B5EF4-FFF2-40B4-BE49-F238E27FC236}">
+                  <a16:creationId xmlns:a16="http://schemas.microsoft.com/office/drawing/2014/main" id="{C92EBED7-DD92-83F3-5B05-20E57C7D5C98}"/>
+                </a:ext>
+              </a:extLst>
+            </p:cNvPr>
+            <p:cNvCxnSpPr>
+              <a:cxnSpLocks/>
+            </p:cNvCxnSpPr>
+            <p:nvPr/>
+          </p:nvCxnSpPr>
+          <p:spPr>
+            <a:xfrm flipV="1">
+              <a:off x="9936733" y="3358998"/>
+              <a:ext cx="0" cy="540000"/>
+            </a:xfrm>
+            <a:prstGeom prst="line">
+              <a:avLst/>
+            </a:prstGeom>
+            <a:ln>
+              <a:solidFill>
+                <a:schemeClr val="bg1">
+                  <a:lumMod val="65000"/>
+                </a:schemeClr>
+              </a:solidFill>
+            </a:ln>
+          </p:spPr>
+          <p:style>
+            <a:lnRef idx="2">
+              <a:schemeClr val="accent1"/>
+            </a:lnRef>
+            <a:fillRef idx="0">
+              <a:schemeClr val="accent1"/>
+            </a:fillRef>
+            <a:effectRef idx="1">
+              <a:schemeClr val="accent1"/>
+            </a:effectRef>
+            <a:fontRef idx="minor">
+              <a:schemeClr val="tx1"/>
+            </a:fontRef>
+          </p:style>
+        </p:cxnSp>
+        <p:sp>
+          <p:nvSpPr>
+            <p:cNvPr id="62" name="Oval 61">
+              <a:extLst>
+                <a:ext uri="{FF2B5EF4-FFF2-40B4-BE49-F238E27FC236}">
+                  <a16:creationId xmlns:a16="http://schemas.microsoft.com/office/drawing/2014/main" id="{DC42A1F9-E8B6-DE0C-0024-A3667BC06B08}"/>
+                </a:ext>
+              </a:extLst>
+            </p:cNvPr>
+            <p:cNvSpPr/>
+            <p:nvPr/>
+          </p:nvSpPr>
+          <p:spPr>
+            <a:xfrm>
+              <a:off x="9889965" y="3298696"/>
+              <a:ext cx="90000" cy="90000"/>
+            </a:xfrm>
+            <a:prstGeom prst="ellipse">
+              <a:avLst/>
+            </a:prstGeom>
+            <a:solidFill>
+              <a:schemeClr val="tx1"/>
+            </a:solidFill>
+            <a:ln>
+              <a:noFill/>
+            </a:ln>
+          </p:spPr>
+          <p:style>
+            <a:lnRef idx="2">
+              <a:schemeClr val="accent1">
+                <a:shade val="15000"/>
+              </a:schemeClr>
+            </a:lnRef>
+            <a:fillRef idx="1">
+              <a:schemeClr val="accent1"/>
+            </a:fillRef>
+            <a:effectRef idx="0">
+              <a:schemeClr val="accent1"/>
+            </a:effectRef>
+            <a:fontRef idx="minor">
+              <a:schemeClr val="lt1"/>
+            </a:fontRef>
+          </p:style>
+          <p:txBody>
+            <a:bodyPr rtlCol="0" anchor="ctr"/>
+            <a:lstStyle/>
+            <a:p>
+              <a:pPr algn="ctr"/>
+              <a:endParaRPr lang="en-US" dirty="0"/>
+            </a:p>
+          </p:txBody>
+        </p:sp>
+        <p:cxnSp>
+          <p:nvCxnSpPr>
+            <p:cNvPr id="66" name="Straight Connector 65">
+              <a:extLst>
+                <a:ext uri="{FF2B5EF4-FFF2-40B4-BE49-F238E27FC236}">
+                  <a16:creationId xmlns:a16="http://schemas.microsoft.com/office/drawing/2014/main" id="{CD2CF43B-E47F-24D9-74C1-7AD7BBF80280}"/>
+                </a:ext>
+              </a:extLst>
+            </p:cNvPr>
+            <p:cNvCxnSpPr>
+              <a:cxnSpLocks/>
+            </p:cNvCxnSpPr>
+            <p:nvPr/>
+          </p:nvCxnSpPr>
+          <p:spPr>
+            <a:xfrm rot="16227143" flipV="1">
+              <a:off x="8647846" y="1522278"/>
+              <a:ext cx="0" cy="1080000"/>
+            </a:xfrm>
+            <a:prstGeom prst="line">
+              <a:avLst/>
+            </a:prstGeom>
+            <a:ln>
+              <a:solidFill>
+                <a:srgbClr val="2B2B2B"/>
+              </a:solidFill>
+            </a:ln>
+          </p:spPr>
+          <p:style>
+            <a:lnRef idx="2">
+              <a:schemeClr val="accent1"/>
+            </a:lnRef>
+            <a:fillRef idx="0">
+              <a:schemeClr val="accent1"/>
+            </a:fillRef>
+            <a:effectRef idx="1">
+              <a:schemeClr val="accent1"/>
+            </a:effectRef>
+            <a:fontRef idx="minor">
+              <a:schemeClr val="tx1"/>
+            </a:fontRef>
+          </p:style>
+        </p:cxnSp>
+        <p:cxnSp>
+          <p:nvCxnSpPr>
+            <p:cNvPr id="67" name="Straight Connector 66">
+              <a:extLst>
+                <a:ext uri="{FF2B5EF4-FFF2-40B4-BE49-F238E27FC236}">
+                  <a16:creationId xmlns:a16="http://schemas.microsoft.com/office/drawing/2014/main" id="{74B44C07-142B-2E4A-29A6-3938368AFC9E}"/>
+                </a:ext>
+              </a:extLst>
+            </p:cNvPr>
+            <p:cNvCxnSpPr>
+              <a:cxnSpLocks/>
+            </p:cNvCxnSpPr>
+            <p:nvPr/>
+          </p:nvCxnSpPr>
+          <p:spPr>
+            <a:xfrm rot="27143" flipV="1">
+              <a:off x="9192094" y="986557"/>
+              <a:ext cx="0" cy="1080000"/>
+            </a:xfrm>
+            <a:prstGeom prst="line">
+              <a:avLst/>
+            </a:prstGeom>
+            <a:ln>
+              <a:solidFill>
+                <a:srgbClr val="2B2B2B"/>
+              </a:solidFill>
+            </a:ln>
+          </p:spPr>
+          <p:style>
+            <a:lnRef idx="2">
+              <a:schemeClr val="accent1"/>
+            </a:lnRef>
+            <a:fillRef idx="0">
+              <a:schemeClr val="accent1"/>
+            </a:fillRef>
+            <a:effectRef idx="1">
+              <a:schemeClr val="accent1"/>
+            </a:effectRef>
+            <a:fontRef idx="minor">
+              <a:schemeClr val="tx1"/>
+            </a:fontRef>
+          </p:style>
+        </p:cxnSp>
+        <p:cxnSp>
+          <p:nvCxnSpPr>
+            <p:cNvPr id="70" name="Straight Connector 69">
+              <a:extLst>
+                <a:ext uri="{FF2B5EF4-FFF2-40B4-BE49-F238E27FC236}">
+                  <a16:creationId xmlns:a16="http://schemas.microsoft.com/office/drawing/2014/main" id="{EA55BB4D-6B0F-09E0-9FBF-50F18A139043}"/>
+                </a:ext>
+              </a:extLst>
+            </p:cNvPr>
+            <p:cNvCxnSpPr>
+              <a:cxnSpLocks/>
+            </p:cNvCxnSpPr>
+            <p:nvPr/>
+          </p:nvCxnSpPr>
+          <p:spPr>
+            <a:xfrm rot="21554" flipV="1">
+              <a:off x="10702796" y="971962"/>
+              <a:ext cx="0" cy="1080000"/>
+            </a:xfrm>
+            <a:prstGeom prst="line">
+              <a:avLst/>
+            </a:prstGeom>
+            <a:ln>
+              <a:solidFill>
+                <a:srgbClr val="2B2B2B"/>
+              </a:solidFill>
+            </a:ln>
+          </p:spPr>
+          <p:style>
+            <a:lnRef idx="2">
+              <a:schemeClr val="accent1"/>
+            </a:lnRef>
+            <a:fillRef idx="0">
+              <a:schemeClr val="accent1"/>
+            </a:fillRef>
+            <a:effectRef idx="1">
+              <a:schemeClr val="accent1"/>
+            </a:effectRef>
+            <a:fontRef idx="minor">
+              <a:schemeClr val="tx1"/>
+            </a:fontRef>
+          </p:style>
+        </p:cxnSp>
+        <p:cxnSp>
+          <p:nvCxnSpPr>
+            <p:cNvPr id="71" name="Straight Connector 70">
+              <a:extLst>
+                <a:ext uri="{FF2B5EF4-FFF2-40B4-BE49-F238E27FC236}">
+                  <a16:creationId xmlns:a16="http://schemas.microsoft.com/office/drawing/2014/main" id="{448AB79F-AFCE-0398-FB8F-E191E274BBF6}"/>
+                </a:ext>
+              </a:extLst>
+            </p:cNvPr>
+            <p:cNvCxnSpPr>
+              <a:cxnSpLocks/>
+            </p:cNvCxnSpPr>
+            <p:nvPr/>
+          </p:nvCxnSpPr>
+          <p:spPr>
+            <a:xfrm rot="5421554" flipV="1">
+              <a:off x="11239401" y="1515338"/>
+              <a:ext cx="0" cy="1080000"/>
+            </a:xfrm>
+            <a:prstGeom prst="line">
+              <a:avLst/>
+            </a:prstGeom>
+            <a:ln>
+              <a:solidFill>
+                <a:srgbClr val="2B2B2B"/>
+              </a:solidFill>
+            </a:ln>
+          </p:spPr>
+          <p:style>
+            <a:lnRef idx="2">
+              <a:schemeClr val="accent1"/>
+            </a:lnRef>
+            <a:fillRef idx="0">
+              <a:schemeClr val="accent1"/>
+            </a:fillRef>
+            <a:effectRef idx="1">
+              <a:schemeClr val="accent1"/>
+            </a:effectRef>
+            <a:fontRef idx="minor">
+              <a:schemeClr val="tx1"/>
+            </a:fontRef>
+          </p:style>
+        </p:cxnSp>
+      </p:grpSp>
+      <mc:AlternateContent xmlns:mc="http://schemas.openxmlformats.org/markup-compatibility/2006">
+        <mc:Choice xmlns:a14="http://schemas.microsoft.com/office/drawing/2010/main" Requires="a14">
+          <p:sp>
+            <p:nvSpPr>
+              <p:cNvPr id="73" name="TextBox 72">
                 <a:extLst>
                   <a:ext uri="{FF2B5EF4-FFF2-40B4-BE49-F238E27FC236}">
-                    <a16:creationId xmlns:a16="http://schemas.microsoft.com/office/drawing/2014/main" id="{6E5E9412-6260-3837-0E1C-AE1C6617EDDD}"/>
+                    <a16:creationId xmlns:a16="http://schemas.microsoft.com/office/drawing/2014/main" id="{49879CCA-4DA6-2961-013E-D7379B5FEA1A}"/>
                   </a:ext>
                 </a:extLst>
               </p:cNvPr>
-              <p:cNvCxnSpPr/>
-              <p:nvPr/>
-            </p:nvCxnSpPr>
-            <p:spPr>
-              <a:xfrm flipV="1">
-                <a:off x="9936733" y="2818998"/>
-                <a:ext cx="0" cy="540000"/>
-              </a:xfrm>
-              <a:prstGeom prst="line">
-                <a:avLst/>
-              </a:prstGeom>
-              <a:ln>
-                <a:solidFill>
-                  <a:srgbClr val="2B2B2B"/>
-                </a:solidFill>
-              </a:ln>
-            </p:spPr>
-            <p:style>
-              <a:lnRef idx="2">
-                <a:schemeClr val="accent1"/>
-              </a:lnRef>
-              <a:fillRef idx="0">
-                <a:schemeClr val="accent1"/>
-              </a:fillRef>
-              <a:effectRef idx="1">
-                <a:schemeClr val="accent1"/>
-              </a:effectRef>
-              <a:fontRef idx="minor">
-                <a:schemeClr val="tx1"/>
-              </a:fontRef>
-            </p:style>
-          </p:cxnSp>
-          <p:cxnSp>
-            <p:nvCxnSpPr>
-              <p:cNvPr id="47" name="Straight Connector 46">
-                <a:extLst>
-                  <a:ext uri="{FF2B5EF4-FFF2-40B4-BE49-F238E27FC236}">
-                    <a16:creationId xmlns:a16="http://schemas.microsoft.com/office/drawing/2014/main" id="{A10097FB-5F79-A12F-C81F-1623D0E33003}"/>
-                  </a:ext>
-                </a:extLst>
-              </p:cNvPr>
-              <p:cNvCxnSpPr>
-                <a:cxnSpLocks/>
-              </p:cNvCxnSpPr>
-              <p:nvPr/>
-            </p:nvCxnSpPr>
-            <p:spPr>
-              <a:xfrm rot="18900000" flipV="1">
-                <a:off x="9554895" y="1897161"/>
-                <a:ext cx="0" cy="1080000"/>
-              </a:xfrm>
-              <a:prstGeom prst="line">
-                <a:avLst/>
-              </a:prstGeom>
-              <a:ln>
-                <a:solidFill>
-                  <a:srgbClr val="2B2B2B"/>
-                </a:solidFill>
-              </a:ln>
-            </p:spPr>
-            <p:style>
-              <a:lnRef idx="2">
-                <a:schemeClr val="accent1"/>
-              </a:lnRef>
-              <a:fillRef idx="0">
-                <a:schemeClr val="accent1"/>
-              </a:fillRef>
-              <a:effectRef idx="1">
-                <a:schemeClr val="accent1"/>
-              </a:effectRef>
-              <a:fontRef idx="minor">
-                <a:schemeClr val="tx1"/>
-              </a:fontRef>
-            </p:style>
-          </p:cxnSp>
-          <p:cxnSp>
-            <p:nvCxnSpPr>
-              <p:cNvPr id="54" name="Straight Connector 53">
-                <a:extLst>
-                  <a:ext uri="{FF2B5EF4-FFF2-40B4-BE49-F238E27FC236}">
-                    <a16:creationId xmlns:a16="http://schemas.microsoft.com/office/drawing/2014/main" id="{0CD7FC91-FA89-0C29-8C57-0C5588505776}"/>
-                  </a:ext>
-                </a:extLst>
-              </p:cNvPr>
-              <p:cNvCxnSpPr>
-                <a:cxnSpLocks/>
-              </p:cNvCxnSpPr>
-              <p:nvPr/>
-            </p:nvCxnSpPr>
-            <p:spPr>
-              <a:xfrm rot="2700000" flipV="1">
-                <a:off x="10318572" y="1897161"/>
-                <a:ext cx="0" cy="1080000"/>
-              </a:xfrm>
-              <a:prstGeom prst="line">
-                <a:avLst/>
-              </a:prstGeom>
-              <a:ln>
-                <a:solidFill>
-                  <a:srgbClr val="2B2B2B"/>
-                </a:solidFill>
-              </a:ln>
-            </p:spPr>
-            <p:style>
-              <a:lnRef idx="2">
-                <a:schemeClr val="accent1"/>
-              </a:lnRef>
-              <a:fillRef idx="0">
-                <a:schemeClr val="accent1"/>
-              </a:fillRef>
-              <a:effectRef idx="1">
-                <a:schemeClr val="accent1"/>
-              </a:effectRef>
-              <a:fontRef idx="minor">
-                <a:schemeClr val="tx1"/>
-              </a:fontRef>
-            </p:style>
-          </p:cxnSp>
-          <p:cxnSp>
-            <p:nvCxnSpPr>
-              <p:cNvPr id="56" name="Straight Connector 55">
-                <a:extLst>
-                  <a:ext uri="{FF2B5EF4-FFF2-40B4-BE49-F238E27FC236}">
-                    <a16:creationId xmlns:a16="http://schemas.microsoft.com/office/drawing/2014/main" id="{C92EBED7-DD92-83F3-5B05-20E57C7D5C98}"/>
-                  </a:ext>
-                </a:extLst>
-              </p:cNvPr>
-              <p:cNvCxnSpPr>
-                <a:cxnSpLocks/>
-              </p:cNvCxnSpPr>
-              <p:nvPr/>
-            </p:nvCxnSpPr>
-            <p:spPr>
-              <a:xfrm flipV="1">
-                <a:off x="9936733" y="3358998"/>
-                <a:ext cx="0" cy="540000"/>
-              </a:xfrm>
-              <a:prstGeom prst="line">
-                <a:avLst/>
-              </a:prstGeom>
-              <a:ln>
-                <a:solidFill>
-                  <a:schemeClr val="bg1">
-                    <a:lumMod val="65000"/>
-                  </a:schemeClr>
-                </a:solidFill>
-              </a:ln>
-            </p:spPr>
-            <p:style>
-              <a:lnRef idx="2">
-                <a:schemeClr val="accent1"/>
-              </a:lnRef>
-              <a:fillRef idx="0">
-                <a:schemeClr val="accent1"/>
-              </a:fillRef>
-              <a:effectRef idx="1">
-                <a:schemeClr val="accent1"/>
-              </a:effectRef>
-              <a:fontRef idx="minor">
-                <a:schemeClr val="tx1"/>
-              </a:fontRef>
-            </p:style>
-          </p:cxnSp>
-          <p:sp>
-            <p:nvSpPr>
-              <p:cNvPr id="62" name="Oval 61">
-                <a:extLst>
-                  <a:ext uri="{FF2B5EF4-FFF2-40B4-BE49-F238E27FC236}">
-                    <a16:creationId xmlns:a16="http://schemas.microsoft.com/office/drawing/2014/main" id="{DC42A1F9-E8B6-DE0C-0024-A3667BC06B08}"/>
-                  </a:ext>
-                </a:extLst>
-              </p:cNvPr>
-              <p:cNvSpPr/>
+              <p:cNvSpPr txBox="1"/>
               <p:nvPr/>
             </p:nvSpPr>
             <p:spPr>
               <a:xfrm>
-                <a:off x="9889965" y="3298696"/>
-                <a:ext cx="90000" cy="90000"/>
+                <a:off x="430854" y="1619163"/>
+                <a:ext cx="1554208" cy="830997"/>
               </a:xfrm>
-              <a:prstGeom prst="ellipse">
+              <a:prstGeom prst="rect">
                 <a:avLst/>
               </a:prstGeom>
-              <a:solidFill>
-                <a:schemeClr val="tx1"/>
-              </a:solidFill>
-              <a:ln>
-                <a:noFill/>
-              </a:ln>
+              <a:noFill/>
             </p:spPr>
-            <p:style>
-              <a:lnRef idx="2">
-                <a:schemeClr val="accent1">
-                  <a:shade val="15000"/>
-                </a:schemeClr>
-              </a:lnRef>
-              <a:fillRef idx="1">
-                <a:schemeClr val="accent1"/>
-              </a:fillRef>
-              <a:effectRef idx="0">
-                <a:schemeClr val="accent1"/>
-              </a:effectRef>
-              <a:fontRef idx="minor">
-                <a:schemeClr val="lt1"/>
-              </a:fontRef>
-            </p:style>
             <p:txBody>
-              <a:bodyPr rtlCol="0" anchor="ctr"/>
+              <a:bodyPr wrap="none" rtlCol="0">
+                <a:spAutoFit/>
+              </a:bodyPr>
               <a:lstStyle/>
               <a:p>
-                <a:pPr algn="ctr"/>
-                <a:endParaRPr lang="en-US" dirty="0"/>
+                <a:pPr/>
+                <a14:m>
+                  <m:oMathPara xmlns:m="http://schemas.openxmlformats.org/officeDocument/2006/math">
+                    <m:oMathParaPr>
+                      <m:jc m:val="left"/>
+                    </m:oMathParaPr>
+                    <m:oMath xmlns:m="http://schemas.openxmlformats.org/officeDocument/2006/math">
+                      <m:r>
+                        <a:rPr lang="en-US" sz="2400" i="1" dirty="0">
+                          <a:latin typeface="Cambria Math" panose="02040503050406030204" pitchFamily="18" charset="0"/>
+                          <a:cs typeface="Arial" panose="020B0604020202020204" pitchFamily="34" charset="0"/>
+                        </a:rPr>
+                        <m:t>𝐿</m:t>
+                      </m:r>
+                      <m:r>
+                        <a:rPr lang="en-US" sz="2400" i="1" dirty="0">
+                          <a:latin typeface="Cambria Math" panose="02040503050406030204" pitchFamily="18" charset="0"/>
+                          <a:cs typeface="Arial" panose="020B0604020202020204" pitchFamily="34" charset="0"/>
+                        </a:rPr>
+                        <m:t> =15</m:t>
+                      </m:r>
+                    </m:oMath>
+                  </m:oMathPara>
+                </a14:m>
+                <a:endParaRPr lang="en-US" sz="2400" dirty="0">
+                  <a:latin typeface="Arial" panose="020B0604020202020204" pitchFamily="34" charset="0"/>
+                  <a:cs typeface="Arial" panose="020B0604020202020204" pitchFamily="34" charset="0"/>
+                </a:endParaRPr>
+              </a:p>
+              <a:p>
+                <a:pPr/>
+                <a14:m>
+                  <m:oMathPara xmlns:m="http://schemas.openxmlformats.org/officeDocument/2006/math">
+                    <m:oMathParaPr>
+                      <m:jc m:val="left"/>
+                    </m:oMathParaPr>
+                    <m:oMath xmlns:m="http://schemas.openxmlformats.org/officeDocument/2006/math">
+                      <m:sSub>
+                        <m:sSubPr>
+                          <m:ctrlPr>
+                            <a:rPr lang="en-US" sz="2400" i="1">
+                              <a:latin typeface="Cambria Math" panose="02040503050406030204" pitchFamily="18" charset="0"/>
+                            </a:rPr>
+                          </m:ctrlPr>
+                        </m:sSubPr>
+                        <m:e>
+                          <m:r>
+                            <a:rPr lang="en-US" sz="2400" i="1">
+                              <a:latin typeface="Cambria Math" panose="02040503050406030204" pitchFamily="18" charset="0"/>
+                            </a:rPr>
+                            <m:t>𝜆</m:t>
+                          </m:r>
+                        </m:e>
+                        <m:sub>
+                          <m:r>
+                            <a:rPr lang="en-US" sz="2400" i="1">
+                              <a:latin typeface="Cambria Math" panose="02040503050406030204" pitchFamily="18" charset="0"/>
+                            </a:rPr>
+                            <m:t>𝑏</m:t>
+                          </m:r>
+                        </m:sub>
+                      </m:sSub>
+                      <m:r>
+                        <a:rPr lang="en-US" sz="2400" i="1">
+                          <a:latin typeface="Cambria Math" panose="02040503050406030204" pitchFamily="18" charset="0"/>
+                        </a:rPr>
+                        <m:t>=0.20</m:t>
+                      </m:r>
+                    </m:oMath>
+                  </m:oMathPara>
+                </a14:m>
+                <a:endParaRPr lang="en-US" sz="2400" dirty="0">
+                  <a:latin typeface="Arial" panose="020B0604020202020204" pitchFamily="34" charset="0"/>
+                  <a:cs typeface="Arial" panose="020B0604020202020204" pitchFamily="34" charset="0"/>
+                </a:endParaRPr>
               </a:p>
             </p:txBody>
           </p:sp>
-          <p:cxnSp>
-            <p:nvCxnSpPr>
-              <p:cNvPr id="66" name="Straight Connector 65">
+        </mc:Choice>
+        <mc:Fallback>
+          <p:sp>
+            <p:nvSpPr>
+              <p:cNvPr id="73" name="TextBox 72">
                 <a:extLst>
                   <a:ext uri="{FF2B5EF4-FFF2-40B4-BE49-F238E27FC236}">
-                    <a16:creationId xmlns:a16="http://schemas.microsoft.com/office/drawing/2014/main" id="{CD2CF43B-E47F-24D9-74C1-7AD7BBF80280}"/>
+                    <a16:creationId xmlns:a16="http://schemas.microsoft.com/office/drawing/2014/main" id="{49879CCA-4DA6-2961-013E-D7379B5FEA1A}"/>
                   </a:ext>
                 </a:extLst>
               </p:cNvPr>
-              <p:cNvCxnSpPr>
-                <a:cxnSpLocks/>
-              </p:cNvCxnSpPr>
+              <p:cNvSpPr txBox="1">
+                <a:spLocks noRot="1" noChangeAspect="1" noMove="1" noResize="1" noEditPoints="1" noAdjustHandles="1" noChangeArrowheads="1" noChangeShapeType="1" noTextEdit="1"/>
+              </p:cNvSpPr>
               <p:nvPr/>
-            </p:nvCxnSpPr>
+            </p:nvSpPr>
             <p:spPr>
-              <a:xfrm rot="16227143" flipV="1">
-                <a:off x="8647846" y="1522278"/>
-                <a:ext cx="0" cy="1080000"/>
+              <a:xfrm>
+                <a:off x="430854" y="1619163"/>
+                <a:ext cx="1554208" cy="830997"/>
               </a:xfrm>
-              <a:prstGeom prst="line">
+              <a:prstGeom prst="rect">
                 <a:avLst/>
               </a:prstGeom>
-              <a:ln>
-                <a:solidFill>
-                  <a:srgbClr val="2B2B2B"/>
-                </a:solidFill>
-              </a:ln>
+              <a:blipFill>
+                <a:blip r:embed="rId2"/>
+                <a:stretch>
+                  <a:fillRect l="-1176" b="-2206"/>
+                </a:stretch>
+              </a:blipFill>
             </p:spPr>
-            <p:style>
-              <a:lnRef idx="2">
-                <a:schemeClr val="accent1"/>
-              </a:lnRef>
-              <a:fillRef idx="0">
-                <a:schemeClr val="accent1"/>
-              </a:fillRef>
-              <a:effectRef idx="1">
-                <a:schemeClr val="accent1"/>
-              </a:effectRef>
-              <a:fontRef idx="minor">
-                <a:schemeClr val="tx1"/>
-              </a:fontRef>
-            </p:style>
-          </p:cxnSp>
-          <p:cxnSp>
-            <p:nvCxnSpPr>
-              <p:cNvPr id="67" name="Straight Connector 66">
+            <p:txBody>
+              <a:bodyPr/>
+              <a:lstStyle/>
+              <a:p>
+                <a:r>
+                  <a:rPr lang="en-US">
+                    <a:noFill/>
+                  </a:rPr>
+                  <a:t> </a:t>
+                </a:r>
+              </a:p>
+            </p:txBody>
+          </p:sp>
+        </mc:Fallback>
+      </mc:AlternateContent>
+      <mc:AlternateContent xmlns:mc="http://schemas.openxmlformats.org/markup-compatibility/2006">
+        <mc:Choice xmlns:a14="http://schemas.microsoft.com/office/drawing/2010/main" Requires="a14">
+          <p:sp>
+            <p:nvSpPr>
+              <p:cNvPr id="74" name="TextBox 73">
                 <a:extLst>
                   <a:ext uri="{FF2B5EF4-FFF2-40B4-BE49-F238E27FC236}">
-                    <a16:creationId xmlns:a16="http://schemas.microsoft.com/office/drawing/2014/main" id="{74B44C07-142B-2E4A-29A6-3938368AFC9E}"/>
+                    <a16:creationId xmlns:a16="http://schemas.microsoft.com/office/drawing/2014/main" id="{6E7319D2-46E2-B8E3-58C1-348DAE6A855D}"/>
                   </a:ext>
                 </a:extLst>
               </p:cNvPr>
-              <p:cNvCxnSpPr>
-                <a:cxnSpLocks/>
-              </p:cNvCxnSpPr>
+              <p:cNvSpPr txBox="1"/>
               <p:nvPr/>
-            </p:nvCxnSpPr>
+            </p:nvSpPr>
             <p:spPr>
-              <a:xfrm rot="27143" flipV="1">
-                <a:off x="9192094" y="986557"/>
-                <a:ext cx="0" cy="1080000"/>
+              <a:xfrm>
+                <a:off x="5030199" y="2336877"/>
+                <a:ext cx="1554208" cy="830997"/>
               </a:xfrm>
-              <a:prstGeom prst="line">
+              <a:prstGeom prst="rect">
                 <a:avLst/>
               </a:prstGeom>
-              <a:ln>
-                <a:solidFill>
-                  <a:srgbClr val="2B2B2B"/>
-                </a:solidFill>
-              </a:ln>
+              <a:noFill/>
             </p:spPr>
-            <p:style>
-              <a:lnRef idx="2">
-                <a:schemeClr val="accent1"/>
-              </a:lnRef>
-              <a:fillRef idx="0">
-                <a:schemeClr val="accent1"/>
-              </a:fillRef>
-              <a:effectRef idx="1">
-                <a:schemeClr val="accent1"/>
-              </a:effectRef>
-              <a:fontRef idx="minor">
-                <a:schemeClr val="tx1"/>
-              </a:fontRef>
-            </p:style>
-          </p:cxnSp>
-          <p:cxnSp>
-            <p:nvCxnSpPr>
-              <p:cNvPr id="70" name="Straight Connector 69">
+            <p:txBody>
+              <a:bodyPr wrap="none" rtlCol="0">
+                <a:spAutoFit/>
+              </a:bodyPr>
+              <a:lstStyle/>
+              <a:p>
+                <a:pPr/>
+                <a14:m>
+                  <m:oMathPara xmlns:m="http://schemas.openxmlformats.org/officeDocument/2006/math">
+                    <m:oMathParaPr>
+                      <m:jc m:val="left"/>
+                    </m:oMathParaPr>
+                    <m:oMath xmlns:m="http://schemas.openxmlformats.org/officeDocument/2006/math">
+                      <m:r>
+                        <a:rPr lang="en-US" sz="2400" i="1">
+                          <a:latin typeface="Cambria Math" panose="02040503050406030204" pitchFamily="18" charset="0"/>
+                        </a:rPr>
+                        <m:t>𝐿</m:t>
+                      </m:r>
+                      <m:r>
+                        <a:rPr lang="en-US" sz="2400" i="1">
+                          <a:latin typeface="Cambria Math" panose="02040503050406030204" pitchFamily="18" charset="0"/>
+                        </a:rPr>
+                        <m:t>=35</m:t>
+                      </m:r>
+                    </m:oMath>
+                  </m:oMathPara>
+                </a14:m>
+                <a:endParaRPr lang="en-US" sz="2400" i="1" dirty="0">
+                  <a:latin typeface="Cambria Math" panose="02040503050406030204" pitchFamily="18" charset="0"/>
+                </a:endParaRPr>
+              </a:p>
+              <a:p>
+                <a:pPr/>
+                <a14:m>
+                  <m:oMathPara xmlns:m="http://schemas.openxmlformats.org/officeDocument/2006/math">
+                    <m:oMathParaPr>
+                      <m:jc m:val="left"/>
+                    </m:oMathParaPr>
+                    <m:oMath xmlns:m="http://schemas.openxmlformats.org/officeDocument/2006/math">
+                      <m:sSub>
+                        <m:sSubPr>
+                          <m:ctrlPr>
+                            <a:rPr lang="en-US" sz="2400" i="1">
+                              <a:latin typeface="Cambria Math" panose="02040503050406030204" pitchFamily="18" charset="0"/>
+                            </a:rPr>
+                          </m:ctrlPr>
+                        </m:sSubPr>
+                        <m:e>
+                          <m:r>
+                            <a:rPr lang="en-US" sz="2400" i="1">
+                              <a:latin typeface="Cambria Math" panose="02040503050406030204" pitchFamily="18" charset="0"/>
+                            </a:rPr>
+                            <m:t>𝜆</m:t>
+                          </m:r>
+                        </m:e>
+                        <m:sub>
+                          <m:r>
+                            <a:rPr lang="en-US" sz="2400" i="1">
+                              <a:latin typeface="Cambria Math" panose="02040503050406030204" pitchFamily="18" charset="0"/>
+                            </a:rPr>
+                            <m:t>𝑏</m:t>
+                          </m:r>
+                        </m:sub>
+                      </m:sSub>
+                      <m:r>
+                        <a:rPr lang="en-US" sz="2400" i="1">
+                          <a:latin typeface="Cambria Math" panose="02040503050406030204" pitchFamily="18" charset="0"/>
+                        </a:rPr>
+                        <m:t>=0.20</m:t>
+                      </m:r>
+                    </m:oMath>
+                  </m:oMathPara>
+                </a14:m>
+                <a:endParaRPr lang="en-US" sz="2400" dirty="0">
+                  <a:latin typeface="Arial" panose="020B0604020202020204" pitchFamily="34" charset="0"/>
+                  <a:cs typeface="Arial" panose="020B0604020202020204" pitchFamily="34" charset="0"/>
+                </a:endParaRPr>
+              </a:p>
+            </p:txBody>
+          </p:sp>
+        </mc:Choice>
+        <mc:Fallback>
+          <p:sp>
+            <p:nvSpPr>
+              <p:cNvPr id="74" name="TextBox 73">
                 <a:extLst>
                   <a:ext uri="{FF2B5EF4-FFF2-40B4-BE49-F238E27FC236}">
-                    <a16:creationId xmlns:a16="http://schemas.microsoft.com/office/drawing/2014/main" id="{EA55BB4D-6B0F-09E0-9FBF-50F18A139043}"/>
+                    <a16:creationId xmlns:a16="http://schemas.microsoft.com/office/drawing/2014/main" id="{6E7319D2-46E2-B8E3-58C1-348DAE6A855D}"/>
                   </a:ext>
                 </a:extLst>
               </p:cNvPr>
-              <p:cNvCxnSpPr>
-                <a:cxnSpLocks/>
-              </p:cNvCxnSpPr>
+              <p:cNvSpPr txBox="1">
+                <a:spLocks noRot="1" noChangeAspect="1" noMove="1" noResize="1" noEditPoints="1" noAdjustHandles="1" noChangeArrowheads="1" noChangeShapeType="1" noTextEdit="1"/>
+              </p:cNvSpPr>
               <p:nvPr/>
-            </p:nvCxnSpPr>
+            </p:nvSpPr>
             <p:spPr>
-              <a:xfrm rot="21554" flipV="1">
-                <a:off x="10702796" y="971962"/>
-                <a:ext cx="0" cy="1080000"/>
+              <a:xfrm>
+                <a:off x="5030199" y="2336877"/>
+                <a:ext cx="1554208" cy="830997"/>
               </a:xfrm>
-              <a:prstGeom prst="line">
+              <a:prstGeom prst="rect">
                 <a:avLst/>
               </a:prstGeom>
-              <a:ln>
-                <a:solidFill>
-                  <a:srgbClr val="2B2B2B"/>
-                </a:solidFill>
-              </a:ln>
+              <a:blipFill>
+                <a:blip r:embed="rId3"/>
+                <a:stretch>
+                  <a:fillRect l="-1176" b="-2190"/>
+                </a:stretch>
+              </a:blipFill>
             </p:spPr>
-            <p:style>
-              <a:lnRef idx="2">
-                <a:schemeClr val="accent1"/>
-              </a:lnRef>
-              <a:fillRef idx="0">
-                <a:schemeClr val="accent1"/>
-              </a:fillRef>
-              <a:effectRef idx="1">
-                <a:schemeClr val="accent1"/>
-              </a:effectRef>
-              <a:fontRef idx="minor">
-                <a:schemeClr val="tx1"/>
-              </a:fontRef>
-            </p:style>
-          </p:cxnSp>
-          <p:cxnSp>
-            <p:nvCxnSpPr>
-              <p:cNvPr id="71" name="Straight Connector 70">
+            <p:txBody>
+              <a:bodyPr/>
+              <a:lstStyle/>
+              <a:p>
+                <a:r>
+                  <a:rPr lang="en-US">
+                    <a:noFill/>
+                  </a:rPr>
+                  <a:t> </a:t>
+                </a:r>
+              </a:p>
+            </p:txBody>
+          </p:sp>
+        </mc:Fallback>
+      </mc:AlternateContent>
+      <mc:AlternateContent xmlns:mc="http://schemas.openxmlformats.org/markup-compatibility/2006">
+        <mc:Choice xmlns:a14="http://schemas.microsoft.com/office/drawing/2010/main" Requires="a14">
+          <p:sp>
+            <p:nvSpPr>
+              <p:cNvPr id="75" name="TextBox 74">
                 <a:extLst>
                   <a:ext uri="{FF2B5EF4-FFF2-40B4-BE49-F238E27FC236}">
-                    <a16:creationId xmlns:a16="http://schemas.microsoft.com/office/drawing/2014/main" id="{448AB79F-AFCE-0398-FB8F-E191E274BBF6}"/>
+                    <a16:creationId xmlns:a16="http://schemas.microsoft.com/office/drawing/2014/main" id="{516E1C5B-8C83-BFC9-C6A3-F79D3B7BC2CC}"/>
                   </a:ext>
                 </a:extLst>
               </p:cNvPr>
-              <p:cNvCxnSpPr>
-                <a:cxnSpLocks/>
-              </p:cNvCxnSpPr>
+              <p:cNvSpPr txBox="1"/>
               <p:nvPr/>
-            </p:nvCxnSpPr>
+            </p:nvSpPr>
             <p:spPr>
-              <a:xfrm rot="5421554" flipV="1">
-                <a:off x="11239401" y="1515338"/>
-                <a:ext cx="0" cy="1080000"/>
+              <a:xfrm>
+                <a:off x="5030199" y="3665588"/>
+                <a:ext cx="1554208" cy="830997"/>
               </a:xfrm>
-              <a:prstGeom prst="line">
+              <a:prstGeom prst="rect">
                 <a:avLst/>
               </a:prstGeom>
-              <a:ln>
-                <a:solidFill>
-                  <a:srgbClr val="2B2B2B"/>
-                </a:solidFill>
-              </a:ln>
+              <a:noFill/>
             </p:spPr>
-            <p:style>
-              <a:lnRef idx="2">
-                <a:schemeClr val="accent1"/>
-              </a:lnRef>
-              <a:fillRef idx="0">
-                <a:schemeClr val="accent1"/>
-              </a:fillRef>
-              <a:effectRef idx="1">
-                <a:schemeClr val="accent1"/>
-              </a:effectRef>
-              <a:fontRef idx="minor">
-                <a:schemeClr val="tx1"/>
-              </a:fontRef>
-            </p:style>
-          </p:cxnSp>
-        </p:grpSp>
-        <mc:AlternateContent xmlns:mc="http://schemas.openxmlformats.org/markup-compatibility/2006">
-          <mc:Choice xmlns:a14="http://schemas.microsoft.com/office/drawing/2010/main" Requires="a14">
-            <p:sp>
-              <p:nvSpPr>
-                <p:cNvPr id="73" name="TextBox 72">
-                  <a:extLst>
-                    <a:ext uri="{FF2B5EF4-FFF2-40B4-BE49-F238E27FC236}">
-                      <a16:creationId xmlns:a16="http://schemas.microsoft.com/office/drawing/2014/main" id="{49879CCA-4DA6-2961-013E-D7379B5FEA1A}"/>
-                    </a:ext>
-                  </a:extLst>
-                </p:cNvPr>
-                <p:cNvSpPr txBox="1"/>
-                <p:nvPr/>
-              </p:nvSpPr>
-              <p:spPr>
-                <a:xfrm>
-                  <a:off x="416995" y="1791585"/>
-                  <a:ext cx="1218219" cy="646331"/>
-                </a:xfrm>
-                <a:prstGeom prst="rect">
-                  <a:avLst/>
-                </a:prstGeom>
-                <a:noFill/>
-              </p:spPr>
-              <p:txBody>
-                <a:bodyPr wrap="none" rtlCol="0">
-                  <a:spAutoFit/>
-                </a:bodyPr>
-                <a:lstStyle/>
-                <a:p>
-                  <a:pPr/>
-                  <a14:m>
-                    <m:oMathPara xmlns:m="http://schemas.openxmlformats.org/officeDocument/2006/math">
-                      <m:oMathParaPr>
-                        <m:jc m:val="left"/>
-                      </m:oMathParaPr>
-                      <m:oMath xmlns:m="http://schemas.openxmlformats.org/officeDocument/2006/math">
-                        <m:r>
-                          <a:rPr lang="en-US" i="1" dirty="0">
-                            <a:latin typeface="Cambria Math" panose="02040503050406030204" pitchFamily="18" charset="0"/>
-                            <a:cs typeface="Arial" panose="020B0604020202020204" pitchFamily="34" charset="0"/>
-                          </a:rPr>
-                          <m:t>𝐿</m:t>
-                        </m:r>
-                        <m:r>
-                          <a:rPr lang="en-US" i="1" dirty="0">
-                            <a:latin typeface="Cambria Math" panose="02040503050406030204" pitchFamily="18" charset="0"/>
-                            <a:cs typeface="Arial" panose="020B0604020202020204" pitchFamily="34" charset="0"/>
-                          </a:rPr>
-                          <m:t> =15</m:t>
-                        </m:r>
-                      </m:oMath>
-                    </m:oMathPara>
-                  </a14:m>
-                  <a:endParaRPr lang="en-US" dirty="0">
-                    <a:latin typeface="Arial" panose="020B0604020202020204" pitchFamily="34" charset="0"/>
-                    <a:cs typeface="Arial" panose="020B0604020202020204" pitchFamily="34" charset="0"/>
-                  </a:endParaRPr>
-                </a:p>
-                <a:p>
-                  <a:pPr/>
-                  <a14:m>
-                    <m:oMathPara xmlns:m="http://schemas.openxmlformats.org/officeDocument/2006/math">
-                      <m:oMathParaPr>
-                        <m:jc m:val="left"/>
-                      </m:oMathParaPr>
-                      <m:oMath xmlns:m="http://schemas.openxmlformats.org/officeDocument/2006/math">
-                        <m:sSub>
-                          <m:sSubPr>
-                            <m:ctrlPr>
-                              <a:rPr lang="en-US" i="1">
-                                <a:latin typeface="Cambria Math" panose="02040503050406030204" pitchFamily="18" charset="0"/>
-                              </a:rPr>
-                            </m:ctrlPr>
-                          </m:sSubPr>
-                          <m:e>
-                            <m:r>
-                              <a:rPr lang="en-US" i="1">
-                                <a:latin typeface="Cambria Math" panose="02040503050406030204" pitchFamily="18" charset="0"/>
-                              </a:rPr>
-                              <m:t>𝜆</m:t>
-                            </m:r>
-                          </m:e>
-                          <m:sub>
-                            <m:r>
-                              <a:rPr lang="en-US" i="1">
-                                <a:latin typeface="Cambria Math" panose="02040503050406030204" pitchFamily="18" charset="0"/>
-                              </a:rPr>
-                              <m:t>𝑏</m:t>
-                            </m:r>
-                          </m:sub>
-                        </m:sSub>
-                        <m:r>
-                          <a:rPr lang="en-US" i="1">
-                            <a:latin typeface="Cambria Math" panose="02040503050406030204" pitchFamily="18" charset="0"/>
-                          </a:rPr>
-                          <m:t>=0.20</m:t>
-                        </m:r>
-                      </m:oMath>
-                    </m:oMathPara>
-                  </a14:m>
-                  <a:endParaRPr lang="en-US" dirty="0">
-                    <a:latin typeface="Arial" panose="020B0604020202020204" pitchFamily="34" charset="0"/>
-                    <a:cs typeface="Arial" panose="020B0604020202020204" pitchFamily="34" charset="0"/>
-                  </a:endParaRPr>
-                </a:p>
-              </p:txBody>
-            </p:sp>
-          </mc:Choice>
-          <mc:Fallback>
-            <p:sp>
-              <p:nvSpPr>
-                <p:cNvPr id="73" name="TextBox 72">
-                  <a:extLst>
-                    <a:ext uri="{FF2B5EF4-FFF2-40B4-BE49-F238E27FC236}">
-                      <a16:creationId xmlns:a16="http://schemas.microsoft.com/office/drawing/2014/main" id="{49879CCA-4DA6-2961-013E-D7379B5FEA1A}"/>
-                    </a:ext>
-                  </a:extLst>
-                </p:cNvPr>
-                <p:cNvSpPr txBox="1">
-                  <a:spLocks noRot="1" noChangeAspect="1" noMove="1" noResize="1" noEditPoints="1" noAdjustHandles="1" noChangeArrowheads="1" noChangeShapeType="1" noTextEdit="1"/>
-                </p:cNvSpPr>
-                <p:nvPr/>
-              </p:nvSpPr>
-              <p:spPr>
-                <a:xfrm>
-                  <a:off x="416995" y="1791585"/>
-                  <a:ext cx="1218219" cy="646331"/>
-                </a:xfrm>
-                <a:prstGeom prst="rect">
-                  <a:avLst/>
-                </a:prstGeom>
-                <a:blipFill>
-                  <a:blip r:embed="rId2"/>
-                  <a:stretch>
-                    <a:fillRect/>
-                  </a:stretch>
-                </a:blipFill>
-              </p:spPr>
-              <p:txBody>
-                <a:bodyPr/>
-                <a:lstStyle/>
-                <a:p>
-                  <a:r>
-                    <a:rPr lang="en-US">
-                      <a:noFill/>
-                    </a:rPr>
-                    <a:t> </a:t>
-                  </a:r>
-                </a:p>
-              </p:txBody>
-            </p:sp>
-          </mc:Fallback>
-        </mc:AlternateContent>
-        <mc:AlternateContent xmlns:mc="http://schemas.openxmlformats.org/markup-compatibility/2006">
-          <mc:Choice xmlns:a14="http://schemas.microsoft.com/office/drawing/2010/main" Requires="a14">
-            <p:sp>
-              <p:nvSpPr>
-                <p:cNvPr id="74" name="TextBox 73">
-                  <a:extLst>
-                    <a:ext uri="{FF2B5EF4-FFF2-40B4-BE49-F238E27FC236}">
-                      <a16:creationId xmlns:a16="http://schemas.microsoft.com/office/drawing/2014/main" id="{6E7319D2-46E2-B8E3-58C1-348DAE6A855D}"/>
-                    </a:ext>
-                  </a:extLst>
-                </p:cNvPr>
-                <p:cNvSpPr txBox="1"/>
-                <p:nvPr/>
-              </p:nvSpPr>
-              <p:spPr>
-                <a:xfrm>
-                  <a:off x="5353562" y="2218706"/>
-                  <a:ext cx="1218219" cy="646331"/>
-                </a:xfrm>
-                <a:prstGeom prst="rect">
-                  <a:avLst/>
-                </a:prstGeom>
-                <a:noFill/>
-              </p:spPr>
-              <p:txBody>
-                <a:bodyPr wrap="none" rtlCol="0">
-                  <a:spAutoFit/>
-                </a:bodyPr>
-                <a:lstStyle/>
-                <a:p>
-                  <a:pPr/>
-                  <a14:m>
-                    <m:oMathPara xmlns:m="http://schemas.openxmlformats.org/officeDocument/2006/math">
-                      <m:oMathParaPr>
-                        <m:jc m:val="left"/>
-                      </m:oMathParaPr>
-                      <m:oMath xmlns:m="http://schemas.openxmlformats.org/officeDocument/2006/math">
-                        <m:r>
-                          <a:rPr lang="en-US" i="1">
-                            <a:latin typeface="Cambria Math" panose="02040503050406030204" pitchFamily="18" charset="0"/>
-                          </a:rPr>
-                          <m:t>𝐿</m:t>
-                        </m:r>
-                        <m:r>
-                          <a:rPr lang="en-US" i="1">
-                            <a:latin typeface="Cambria Math" panose="02040503050406030204" pitchFamily="18" charset="0"/>
-                          </a:rPr>
-                          <m:t>=35</m:t>
-                        </m:r>
-                      </m:oMath>
-                    </m:oMathPara>
-                  </a14:m>
-                  <a:endParaRPr lang="en-US" i="1" dirty="0">
-                    <a:latin typeface="Cambria Math" panose="02040503050406030204" pitchFamily="18" charset="0"/>
-                  </a:endParaRPr>
-                </a:p>
-                <a:p>
-                  <a:pPr/>
-                  <a14:m>
-                    <m:oMathPara xmlns:m="http://schemas.openxmlformats.org/officeDocument/2006/math">
-                      <m:oMathParaPr>
-                        <m:jc m:val="left"/>
-                      </m:oMathParaPr>
-                      <m:oMath xmlns:m="http://schemas.openxmlformats.org/officeDocument/2006/math">
-                        <m:sSub>
-                          <m:sSubPr>
-                            <m:ctrlPr>
-                              <a:rPr lang="en-US" i="1">
-                                <a:latin typeface="Cambria Math" panose="02040503050406030204" pitchFamily="18" charset="0"/>
-                              </a:rPr>
-                            </m:ctrlPr>
-                          </m:sSubPr>
-                          <m:e>
-                            <m:r>
-                              <a:rPr lang="en-US" i="1">
-                                <a:latin typeface="Cambria Math" panose="02040503050406030204" pitchFamily="18" charset="0"/>
-                              </a:rPr>
-                              <m:t>𝜆</m:t>
-                            </m:r>
-                          </m:e>
-                          <m:sub>
-                            <m:r>
-                              <a:rPr lang="en-US" i="1">
-                                <a:latin typeface="Cambria Math" panose="02040503050406030204" pitchFamily="18" charset="0"/>
-                              </a:rPr>
-                              <m:t>𝑏</m:t>
-                            </m:r>
-                          </m:sub>
-                        </m:sSub>
-                        <m:r>
-                          <a:rPr lang="en-US" i="1">
-                            <a:latin typeface="Cambria Math" panose="02040503050406030204" pitchFamily="18" charset="0"/>
-                          </a:rPr>
-                          <m:t>=0.20</m:t>
-                        </m:r>
-                      </m:oMath>
-                    </m:oMathPara>
-                  </a14:m>
-                  <a:endParaRPr lang="en-US" dirty="0">
-                    <a:latin typeface="Arial" panose="020B0604020202020204" pitchFamily="34" charset="0"/>
-                    <a:cs typeface="Arial" panose="020B0604020202020204" pitchFamily="34" charset="0"/>
-                  </a:endParaRPr>
-                </a:p>
-              </p:txBody>
-            </p:sp>
-          </mc:Choice>
-          <mc:Fallback>
-            <p:sp>
-              <p:nvSpPr>
-                <p:cNvPr id="74" name="TextBox 73">
-                  <a:extLst>
-                    <a:ext uri="{FF2B5EF4-FFF2-40B4-BE49-F238E27FC236}">
-                      <a16:creationId xmlns:a16="http://schemas.microsoft.com/office/drawing/2014/main" id="{6E7319D2-46E2-B8E3-58C1-348DAE6A855D}"/>
-                    </a:ext>
-                  </a:extLst>
-                </p:cNvPr>
-                <p:cNvSpPr txBox="1">
-                  <a:spLocks noRot="1" noChangeAspect="1" noMove="1" noResize="1" noEditPoints="1" noAdjustHandles="1" noChangeArrowheads="1" noChangeShapeType="1" noTextEdit="1"/>
-                </p:cNvSpPr>
-                <p:nvPr/>
-              </p:nvSpPr>
-              <p:spPr>
-                <a:xfrm>
-                  <a:off x="5353562" y="2218706"/>
-                  <a:ext cx="1218219" cy="646331"/>
-                </a:xfrm>
-                <a:prstGeom prst="rect">
-                  <a:avLst/>
-                </a:prstGeom>
-                <a:blipFill>
-                  <a:blip r:embed="rId3"/>
-                  <a:stretch>
-                    <a:fillRect/>
-                  </a:stretch>
-                </a:blipFill>
-              </p:spPr>
-              <p:txBody>
-                <a:bodyPr/>
-                <a:lstStyle/>
-                <a:p>
-                  <a:r>
-                    <a:rPr lang="en-US">
-                      <a:noFill/>
-                    </a:rPr>
-                    <a:t> </a:t>
-                  </a:r>
-                </a:p>
-              </p:txBody>
-            </p:sp>
-          </mc:Fallback>
-        </mc:AlternateContent>
-        <mc:AlternateContent xmlns:mc="http://schemas.openxmlformats.org/markup-compatibility/2006">
-          <mc:Choice xmlns:a14="http://schemas.microsoft.com/office/drawing/2010/main" Requires="a14">
-            <p:sp>
-              <p:nvSpPr>
-                <p:cNvPr id="75" name="TextBox 74">
-                  <a:extLst>
-                    <a:ext uri="{FF2B5EF4-FFF2-40B4-BE49-F238E27FC236}">
-                      <a16:creationId xmlns:a16="http://schemas.microsoft.com/office/drawing/2014/main" id="{516E1C5B-8C83-BFC9-C6A3-F79D3B7BC2CC}"/>
-                    </a:ext>
-                  </a:extLst>
-                </p:cNvPr>
-                <p:cNvSpPr txBox="1"/>
-                <p:nvPr/>
-              </p:nvSpPr>
-              <p:spPr>
-                <a:xfrm>
-                  <a:off x="5353562" y="4068755"/>
-                  <a:ext cx="1218219" cy="646331"/>
-                </a:xfrm>
-                <a:prstGeom prst="rect">
-                  <a:avLst/>
-                </a:prstGeom>
-                <a:noFill/>
-              </p:spPr>
-              <p:txBody>
-                <a:bodyPr wrap="none" rtlCol="0">
-                  <a:spAutoFit/>
-                </a:bodyPr>
-                <a:lstStyle/>
-                <a:p>
-                  <a:pPr/>
-                  <a14:m>
-                    <m:oMathPara xmlns:m="http://schemas.openxmlformats.org/officeDocument/2006/math">
-                      <m:oMathParaPr>
-                        <m:jc m:val="left"/>
-                      </m:oMathParaPr>
-                      <m:oMath xmlns:m="http://schemas.openxmlformats.org/officeDocument/2006/math">
-                        <m:r>
-                          <a:rPr lang="en-US" i="1">
-                            <a:latin typeface="Cambria Math" panose="02040503050406030204" pitchFamily="18" charset="0"/>
-                          </a:rPr>
-                          <m:t>𝐿</m:t>
-                        </m:r>
-                        <m:r>
-                          <a:rPr lang="en-US" i="1">
-                            <a:latin typeface="Cambria Math" panose="02040503050406030204" pitchFamily="18" charset="0"/>
-                          </a:rPr>
-                          <m:t>=15</m:t>
-                        </m:r>
-                      </m:oMath>
-                    </m:oMathPara>
-                  </a14:m>
-                  <a:endParaRPr lang="en-US" i="1" dirty="0">
-                    <a:latin typeface="Cambria Math" panose="02040503050406030204" pitchFamily="18" charset="0"/>
-                  </a:endParaRPr>
-                </a:p>
-                <a:p>
-                  <a:pPr/>
-                  <a14:m>
-                    <m:oMathPara xmlns:m="http://schemas.openxmlformats.org/officeDocument/2006/math">
-                      <m:oMathParaPr>
-                        <m:jc m:val="left"/>
-                      </m:oMathParaPr>
-                      <m:oMath xmlns:m="http://schemas.openxmlformats.org/officeDocument/2006/math">
-                        <m:sSub>
-                          <m:sSubPr>
-                            <m:ctrlPr>
-                              <a:rPr lang="en-US" i="1">
-                                <a:latin typeface="Cambria Math" panose="02040503050406030204" pitchFamily="18" charset="0"/>
-                              </a:rPr>
-                            </m:ctrlPr>
-                          </m:sSubPr>
-                          <m:e>
-                            <m:r>
-                              <a:rPr lang="en-US" i="1">
-                                <a:latin typeface="Cambria Math" panose="02040503050406030204" pitchFamily="18" charset="0"/>
-                              </a:rPr>
-                              <m:t>𝜆</m:t>
-                            </m:r>
-                          </m:e>
-                          <m:sub>
-                            <m:r>
-                              <a:rPr lang="en-US" i="1">
-                                <a:latin typeface="Cambria Math" panose="02040503050406030204" pitchFamily="18" charset="0"/>
-                              </a:rPr>
-                              <m:t>𝑏</m:t>
-                            </m:r>
-                          </m:sub>
-                        </m:sSub>
-                        <m:r>
-                          <a:rPr lang="en-US" i="1">
-                            <a:latin typeface="Cambria Math" panose="02040503050406030204" pitchFamily="18" charset="0"/>
-                          </a:rPr>
-                          <m:t>=1.00</m:t>
-                        </m:r>
-                      </m:oMath>
-                    </m:oMathPara>
-                  </a14:m>
-                  <a:endParaRPr lang="en-US" dirty="0">
-                    <a:latin typeface="Arial" panose="020B0604020202020204" pitchFamily="34" charset="0"/>
-                    <a:cs typeface="Arial" panose="020B0604020202020204" pitchFamily="34" charset="0"/>
-                  </a:endParaRPr>
-                </a:p>
-              </p:txBody>
-            </p:sp>
-          </mc:Choice>
-          <mc:Fallback>
-            <p:sp>
-              <p:nvSpPr>
-                <p:cNvPr id="75" name="TextBox 74">
-                  <a:extLst>
-                    <a:ext uri="{FF2B5EF4-FFF2-40B4-BE49-F238E27FC236}">
-                      <a16:creationId xmlns:a16="http://schemas.microsoft.com/office/drawing/2014/main" id="{516E1C5B-8C83-BFC9-C6A3-F79D3B7BC2CC}"/>
-                    </a:ext>
-                  </a:extLst>
-                </p:cNvPr>
-                <p:cNvSpPr txBox="1">
-                  <a:spLocks noRot="1" noChangeAspect="1" noMove="1" noResize="1" noEditPoints="1" noAdjustHandles="1" noChangeArrowheads="1" noChangeShapeType="1" noTextEdit="1"/>
-                </p:cNvSpPr>
-                <p:nvPr/>
-              </p:nvSpPr>
-              <p:spPr>
-                <a:xfrm>
-                  <a:off x="5353562" y="4068755"/>
-                  <a:ext cx="1218219" cy="646331"/>
-                </a:xfrm>
-                <a:prstGeom prst="rect">
-                  <a:avLst/>
-                </a:prstGeom>
-                <a:blipFill>
-                  <a:blip r:embed="rId4"/>
-                  <a:stretch>
-                    <a:fillRect b="-943"/>
-                  </a:stretch>
-                </a:blipFill>
-              </p:spPr>
-              <p:txBody>
-                <a:bodyPr/>
-                <a:lstStyle/>
-                <a:p>
-                  <a:r>
-                    <a:rPr lang="en-US">
-                      <a:noFill/>
-                    </a:rPr>
-                    <a:t> </a:t>
-                  </a:r>
-                </a:p>
-              </p:txBody>
-            </p:sp>
-          </mc:Fallback>
-        </mc:AlternateContent>
-      </p:grpSp>
+            <p:txBody>
+              <a:bodyPr wrap="none" rtlCol="0">
+                <a:spAutoFit/>
+              </a:bodyPr>
+              <a:lstStyle/>
+              <a:p>
+                <a:pPr/>
+                <a14:m>
+                  <m:oMathPara xmlns:m="http://schemas.openxmlformats.org/officeDocument/2006/math">
+                    <m:oMathParaPr>
+                      <m:jc m:val="left"/>
+                    </m:oMathParaPr>
+                    <m:oMath xmlns:m="http://schemas.openxmlformats.org/officeDocument/2006/math">
+                      <m:r>
+                        <a:rPr lang="en-US" sz="2400" i="1">
+                          <a:latin typeface="Cambria Math" panose="02040503050406030204" pitchFamily="18" charset="0"/>
+                        </a:rPr>
+                        <m:t>𝐿</m:t>
+                      </m:r>
+                      <m:r>
+                        <a:rPr lang="en-US" sz="2400" i="1">
+                          <a:latin typeface="Cambria Math" panose="02040503050406030204" pitchFamily="18" charset="0"/>
+                        </a:rPr>
+                        <m:t>=15</m:t>
+                      </m:r>
+                    </m:oMath>
+                  </m:oMathPara>
+                </a14:m>
+                <a:endParaRPr lang="en-US" sz="2400" i="1" dirty="0">
+                  <a:latin typeface="Cambria Math" panose="02040503050406030204" pitchFamily="18" charset="0"/>
+                </a:endParaRPr>
+              </a:p>
+              <a:p>
+                <a:pPr/>
+                <a14:m>
+                  <m:oMathPara xmlns:m="http://schemas.openxmlformats.org/officeDocument/2006/math">
+                    <m:oMathParaPr>
+                      <m:jc m:val="left"/>
+                    </m:oMathParaPr>
+                    <m:oMath xmlns:m="http://schemas.openxmlformats.org/officeDocument/2006/math">
+                      <m:sSub>
+                        <m:sSubPr>
+                          <m:ctrlPr>
+                            <a:rPr lang="en-US" sz="2400" i="1">
+                              <a:latin typeface="Cambria Math" panose="02040503050406030204" pitchFamily="18" charset="0"/>
+                            </a:rPr>
+                          </m:ctrlPr>
+                        </m:sSubPr>
+                        <m:e>
+                          <m:r>
+                            <a:rPr lang="en-US" sz="2400" i="1">
+                              <a:latin typeface="Cambria Math" panose="02040503050406030204" pitchFamily="18" charset="0"/>
+                            </a:rPr>
+                            <m:t>𝜆</m:t>
+                          </m:r>
+                        </m:e>
+                        <m:sub>
+                          <m:r>
+                            <a:rPr lang="en-US" sz="2400" i="1">
+                              <a:latin typeface="Cambria Math" panose="02040503050406030204" pitchFamily="18" charset="0"/>
+                            </a:rPr>
+                            <m:t>𝑏</m:t>
+                          </m:r>
+                        </m:sub>
+                      </m:sSub>
+                      <m:r>
+                        <a:rPr lang="en-US" sz="2400" i="1">
+                          <a:latin typeface="Cambria Math" panose="02040503050406030204" pitchFamily="18" charset="0"/>
+                        </a:rPr>
+                        <m:t>=1.00</m:t>
+                      </m:r>
+                    </m:oMath>
+                  </m:oMathPara>
+                </a14:m>
+                <a:endParaRPr lang="en-US" sz="2400" dirty="0">
+                  <a:latin typeface="Arial" panose="020B0604020202020204" pitchFamily="34" charset="0"/>
+                  <a:cs typeface="Arial" panose="020B0604020202020204" pitchFamily="34" charset="0"/>
+                </a:endParaRPr>
+              </a:p>
+            </p:txBody>
+          </p:sp>
+        </mc:Choice>
+        <mc:Fallback>
+          <p:sp>
+            <p:nvSpPr>
+              <p:cNvPr id="75" name="TextBox 74">
+                <a:extLst>
+                  <a:ext uri="{FF2B5EF4-FFF2-40B4-BE49-F238E27FC236}">
+                    <a16:creationId xmlns:a16="http://schemas.microsoft.com/office/drawing/2014/main" id="{516E1C5B-8C83-BFC9-C6A3-F79D3B7BC2CC}"/>
+                  </a:ext>
+                </a:extLst>
+              </p:cNvPr>
+              <p:cNvSpPr txBox="1">
+                <a:spLocks noRot="1" noChangeAspect="1" noMove="1" noResize="1" noEditPoints="1" noAdjustHandles="1" noChangeArrowheads="1" noChangeShapeType="1" noTextEdit="1"/>
+              </p:cNvSpPr>
+              <p:nvPr/>
+            </p:nvSpPr>
+            <p:spPr>
+              <a:xfrm>
+                <a:off x="5030199" y="3665588"/>
+                <a:ext cx="1554208" cy="830997"/>
+              </a:xfrm>
+              <a:prstGeom prst="rect">
+                <a:avLst/>
+              </a:prstGeom>
+              <a:blipFill>
+                <a:blip r:embed="rId4"/>
+                <a:stretch>
+                  <a:fillRect l="-1176" b="-2190"/>
+                </a:stretch>
+              </a:blipFill>
+            </p:spPr>
+            <p:txBody>
+              <a:bodyPr/>
+              <a:lstStyle/>
+              <a:p>
+                <a:r>
+                  <a:rPr lang="en-US">
+                    <a:noFill/>
+                  </a:rPr>
+                  <a:t> </a:t>
+                </a:r>
+              </a:p>
+            </p:txBody>
+          </p:sp>
+        </mc:Fallback>
+      </mc:AlternateContent>
     </p:spTree>
     <p:extLst>
       <p:ext uri="{BB962C8B-B14F-4D97-AF65-F5344CB8AC3E}">

--- a/tex/figure.pptx
+++ b/tex/figure.pptx
@@ -2,12 +2,12 @@
 <file path=ppt/presentation.xml><?xml version="1.0" encoding="utf-8"?>
 <p:presentation xmlns:a="http://schemas.openxmlformats.org/drawingml/2006/main" xmlns:r="http://schemas.openxmlformats.org/officeDocument/2006/relationships" xmlns:p="http://schemas.openxmlformats.org/presentationml/2006/main" saveSubsetFonts="1">
   <p:sldMasterIdLst>
-    <p:sldMasterId id="2147483708" r:id="rId1"/>
+    <p:sldMasterId id="2147483720" r:id="rId1"/>
   </p:sldMasterIdLst>
   <p:sldIdLst>
     <p:sldId id="256" r:id="rId2"/>
   </p:sldIdLst>
-  <p:sldSz cx="6480175" cy="5040313"/>
+  <p:sldSz cx="6480175" cy="4319588"/>
   <p:notesSz cx="7315200" cy="9601200"/>
   <p:defaultTextStyle>
     <a:defPPr>
@@ -107,7 +107,7 @@
   <p:extLst>
     <p:ext uri="{EFAFB233-063F-42B5-8137-9DF3F51BA10A}">
       <p15:sldGuideLst xmlns:p15="http://schemas.microsoft.com/office/powerpoint/2012/main">
-        <p15:guide id="1" orient="horz" pos="1588" userDrawn="1">
+        <p15:guide id="1" orient="horz" pos="1361" userDrawn="1">
           <p15:clr>
             <a:srgbClr val="A4A3A4"/>
           </p15:clr>
@@ -126,7 +126,7 @@
 <file path=ppt/revisionInfo.xml><?xml version="1.0" encoding="utf-8"?>
 <p1510:revInfo xmlns:a="http://schemas.openxmlformats.org/drawingml/2006/main" xmlns:r="http://schemas.openxmlformats.org/officeDocument/2006/relationships" xmlns:p1510="http://schemas.microsoft.com/office/powerpoint/2015/10/main">
   <p1510:revLst>
-    <p1510:client id="{14AEF855-77FF-44CB-AE07-9D37547B7A88}" v="177" dt="2024-09-16T23:45:00.538"/>
+    <p1510:client id="{14AEF855-77FF-44CB-AE07-9D37547B7A88}" v="181" dt="2024-09-16T23:56:26.479"/>
   </p1510:revLst>
 </p1510:revInfo>
 </file>
@@ -136,12 +136,12 @@
   <pc:docChgLst>
     <pc:chgData name="Akira Terui" userId="3f83de79-c81c-43e2-ac56-bbb755c07a02" providerId="ADAL" clId="{14AEF855-77FF-44CB-AE07-9D37547B7A88}"/>
     <pc:docChg chg="undo custSel modSld modMainMaster">
-      <pc:chgData name="Akira Terui" userId="3f83de79-c81c-43e2-ac56-bbb755c07a02" providerId="ADAL" clId="{14AEF855-77FF-44CB-AE07-9D37547B7A88}" dt="2024-09-16T23:46:27.897" v="584" actId="1076"/>
+      <pc:chgData name="Akira Terui" userId="3f83de79-c81c-43e2-ac56-bbb755c07a02" providerId="ADAL" clId="{14AEF855-77FF-44CB-AE07-9D37547B7A88}" dt="2024-09-17T00:01:52.804" v="637" actId="1038"/>
       <pc:docMkLst>
         <pc:docMk/>
       </pc:docMkLst>
       <pc:sldChg chg="addSp delSp modSp mod">
-        <pc:chgData name="Akira Terui" userId="3f83de79-c81c-43e2-ac56-bbb755c07a02" providerId="ADAL" clId="{14AEF855-77FF-44CB-AE07-9D37547B7A88}" dt="2024-09-16T23:46:27.897" v="584" actId="1076"/>
+        <pc:chgData name="Akira Terui" userId="3f83de79-c81c-43e2-ac56-bbb755c07a02" providerId="ADAL" clId="{14AEF855-77FF-44CB-AE07-9D37547B7A88}" dt="2024-09-17T00:01:52.804" v="637" actId="1038"/>
         <pc:sldMkLst>
           <pc:docMk/>
           <pc:sldMk cId="1909375894" sldId="256"/>
@@ -171,7 +171,7 @@
           </ac:spMkLst>
         </pc:spChg>
         <pc:spChg chg="add mod topLvl">
-          <ac:chgData name="Akira Terui" userId="3f83de79-c81c-43e2-ac56-bbb755c07a02" providerId="ADAL" clId="{14AEF855-77FF-44CB-AE07-9D37547B7A88}" dt="2024-09-16T23:45:00.538" v="564" actId="165"/>
+          <ac:chgData name="Akira Terui" userId="3f83de79-c81c-43e2-ac56-bbb755c07a02" providerId="ADAL" clId="{14AEF855-77FF-44CB-AE07-9D37547B7A88}" dt="2024-09-16T23:56:32.216" v="629" actId="1036"/>
           <ac:spMkLst>
             <pc:docMk/>
             <pc:sldMk cId="1909375894" sldId="256"/>
@@ -187,7 +187,7 @@
           </ac:spMkLst>
         </pc:spChg>
         <pc:spChg chg="add del mod ord topLvl">
-          <ac:chgData name="Akira Terui" userId="3f83de79-c81c-43e2-ac56-bbb755c07a02" providerId="ADAL" clId="{14AEF855-77FF-44CB-AE07-9D37547B7A88}" dt="2024-09-16T23:45:00.538" v="564" actId="165"/>
+          <ac:chgData name="Akira Terui" userId="3f83de79-c81c-43e2-ac56-bbb755c07a02" providerId="ADAL" clId="{14AEF855-77FF-44CB-AE07-9D37547B7A88}" dt="2024-09-16T23:56:32.216" v="629" actId="1036"/>
           <ac:spMkLst>
             <pc:docMk/>
             <pc:sldMk cId="1909375894" sldId="256"/>
@@ -195,7 +195,7 @@
           </ac:spMkLst>
         </pc:spChg>
         <pc:spChg chg="add mod topLvl">
-          <ac:chgData name="Akira Terui" userId="3f83de79-c81c-43e2-ac56-bbb755c07a02" providerId="ADAL" clId="{14AEF855-77FF-44CB-AE07-9D37547B7A88}" dt="2024-09-16T23:45:00.538" v="564" actId="165"/>
+          <ac:chgData name="Akira Terui" userId="3f83de79-c81c-43e2-ac56-bbb755c07a02" providerId="ADAL" clId="{14AEF855-77FF-44CB-AE07-9D37547B7A88}" dt="2024-09-16T23:56:32.216" v="629" actId="1036"/>
           <ac:spMkLst>
             <pc:docMk/>
             <pc:sldMk cId="1909375894" sldId="256"/>
@@ -219,7 +219,7 @@
           </ac:spMkLst>
         </pc:spChg>
         <pc:spChg chg="mod">
-          <ac:chgData name="Akira Terui" userId="3f83de79-c81c-43e2-ac56-bbb755c07a02" providerId="ADAL" clId="{14AEF855-77FF-44CB-AE07-9D37547B7A88}" dt="2024-09-16T23:45:00.538" v="564" actId="165"/>
+          <ac:chgData name="Akira Terui" userId="3f83de79-c81c-43e2-ac56-bbb755c07a02" providerId="ADAL" clId="{14AEF855-77FF-44CB-AE07-9D37547B7A88}" dt="2024-09-16T23:56:07.508" v="621" actId="2711"/>
           <ac:spMkLst>
             <pc:docMk/>
             <pc:sldMk cId="1909375894" sldId="256"/>
@@ -243,7 +243,7 @@
           </ac:spMkLst>
         </pc:spChg>
         <pc:spChg chg="mod topLvl">
-          <ac:chgData name="Akira Terui" userId="3f83de79-c81c-43e2-ac56-bbb755c07a02" providerId="ADAL" clId="{14AEF855-77FF-44CB-AE07-9D37547B7A88}" dt="2024-09-16T23:45:52.563" v="579" actId="552"/>
+          <ac:chgData name="Akira Terui" userId="3f83de79-c81c-43e2-ac56-bbb755c07a02" providerId="ADAL" clId="{14AEF855-77FF-44CB-AE07-9D37547B7A88}" dt="2024-09-17T00:01:52.804" v="637" actId="1038"/>
           <ac:spMkLst>
             <pc:docMk/>
             <pc:sldMk cId="1909375894" sldId="256"/>
@@ -275,7 +275,7 @@
           </ac:spMkLst>
         </pc:spChg>
         <pc:spChg chg="mod topLvl">
-          <ac:chgData name="Akira Terui" userId="3f83de79-c81c-43e2-ac56-bbb755c07a02" providerId="ADAL" clId="{14AEF855-77FF-44CB-AE07-9D37547B7A88}" dt="2024-09-16T23:46:07.756" v="582" actId="552"/>
+          <ac:chgData name="Akira Terui" userId="3f83de79-c81c-43e2-ac56-bbb755c07a02" providerId="ADAL" clId="{14AEF855-77FF-44CB-AE07-9D37547B7A88}" dt="2024-09-17T00:01:52.804" v="637" actId="1038"/>
           <ac:spMkLst>
             <pc:docMk/>
             <pc:sldMk cId="1909375894" sldId="256"/>
@@ -291,7 +291,7 @@
           </ac:spMkLst>
         </pc:spChg>
         <pc:spChg chg="add mod topLvl">
-          <ac:chgData name="Akira Terui" userId="3f83de79-c81c-43e2-ac56-bbb755c07a02" providerId="ADAL" clId="{14AEF855-77FF-44CB-AE07-9D37547B7A88}" dt="2024-09-16T23:46:27.897" v="584" actId="1076"/>
+          <ac:chgData name="Akira Terui" userId="3f83de79-c81c-43e2-ac56-bbb755c07a02" providerId="ADAL" clId="{14AEF855-77FF-44CB-AE07-9D37547B7A88}" dt="2024-09-16T23:56:32.216" v="629" actId="1036"/>
           <ac:spMkLst>
             <pc:docMk/>
             <pc:sldMk cId="1909375894" sldId="256"/>
@@ -299,7 +299,7 @@
           </ac:spMkLst>
         </pc:spChg>
         <pc:spChg chg="add mod topLvl">
-          <ac:chgData name="Akira Terui" userId="3f83de79-c81c-43e2-ac56-bbb755c07a02" providerId="ADAL" clId="{14AEF855-77FF-44CB-AE07-9D37547B7A88}" dt="2024-09-16T23:45:00.538" v="564" actId="165"/>
+          <ac:chgData name="Akira Terui" userId="3f83de79-c81c-43e2-ac56-bbb755c07a02" providerId="ADAL" clId="{14AEF855-77FF-44CB-AE07-9D37547B7A88}" dt="2024-09-16T23:56:32.216" v="629" actId="1036"/>
           <ac:spMkLst>
             <pc:docMk/>
             <pc:sldMk cId="1909375894" sldId="256"/>
@@ -307,7 +307,7 @@
           </ac:spMkLst>
         </pc:spChg>
         <pc:spChg chg="add mod topLvl">
-          <ac:chgData name="Akira Terui" userId="3f83de79-c81c-43e2-ac56-bbb755c07a02" providerId="ADAL" clId="{14AEF855-77FF-44CB-AE07-9D37547B7A88}" dt="2024-09-16T23:45:09.696" v="571" actId="1036"/>
+          <ac:chgData name="Akira Terui" userId="3f83de79-c81c-43e2-ac56-bbb755c07a02" providerId="ADAL" clId="{14AEF855-77FF-44CB-AE07-9D37547B7A88}" dt="2024-09-16T23:56:32.216" v="629" actId="1036"/>
           <ac:spMkLst>
             <pc:docMk/>
             <pc:sldMk cId="1909375894" sldId="256"/>
@@ -379,7 +379,7 @@
           </ac:grpSpMkLst>
         </pc:grpChg>
         <pc:grpChg chg="mod topLvl">
-          <ac:chgData name="Akira Terui" userId="3f83de79-c81c-43e2-ac56-bbb755c07a02" providerId="ADAL" clId="{14AEF855-77FF-44CB-AE07-9D37547B7A88}" dt="2024-09-16T23:45:09.696" v="571" actId="1036"/>
+          <ac:chgData name="Akira Terui" userId="3f83de79-c81c-43e2-ac56-bbb755c07a02" providerId="ADAL" clId="{14AEF855-77FF-44CB-AE07-9D37547B7A88}" dt="2024-09-16T23:56:32.216" v="629" actId="1036"/>
           <ac:grpSpMkLst>
             <pc:docMk/>
             <pc:sldMk cId="1909375894" sldId="256"/>
@@ -387,7 +387,7 @@
           </ac:grpSpMkLst>
         </pc:grpChg>
         <pc:grpChg chg="mod topLvl">
-          <ac:chgData name="Akira Terui" userId="3f83de79-c81c-43e2-ac56-bbb755c07a02" providerId="ADAL" clId="{14AEF855-77FF-44CB-AE07-9D37547B7A88}" dt="2024-09-16T23:45:00.538" v="564" actId="165"/>
+          <ac:chgData name="Akira Terui" userId="3f83de79-c81c-43e2-ac56-bbb755c07a02" providerId="ADAL" clId="{14AEF855-77FF-44CB-AE07-9D37547B7A88}" dt="2024-09-16T23:56:32.216" v="629" actId="1036"/>
           <ac:grpSpMkLst>
             <pc:docMk/>
             <pc:sldMk cId="1909375894" sldId="256"/>
@@ -419,7 +419,7 @@
           </ac:grpSpMkLst>
         </pc:grpChg>
         <pc:grpChg chg="add mod topLvl">
-          <ac:chgData name="Akira Terui" userId="3f83de79-c81c-43e2-ac56-bbb755c07a02" providerId="ADAL" clId="{14AEF855-77FF-44CB-AE07-9D37547B7A88}" dt="2024-09-16T23:45:00.538" v="564" actId="165"/>
+          <ac:chgData name="Akira Terui" userId="3f83de79-c81c-43e2-ac56-bbb755c07a02" providerId="ADAL" clId="{14AEF855-77FF-44CB-AE07-9D37547B7A88}" dt="2024-09-16T23:56:32.216" v="629" actId="1036"/>
           <ac:grpSpMkLst>
             <pc:docMk/>
             <pc:sldMk cId="1909375894" sldId="256"/>
@@ -507,7 +507,7 @@
           </ac:cxnSpMkLst>
         </pc:cxnChg>
         <pc:cxnChg chg="add mod topLvl">
-          <ac:chgData name="Akira Terui" userId="3f83de79-c81c-43e2-ac56-bbb755c07a02" providerId="ADAL" clId="{14AEF855-77FF-44CB-AE07-9D37547B7A88}" dt="2024-09-16T23:45:00.538" v="564" actId="165"/>
+          <ac:chgData name="Akira Terui" userId="3f83de79-c81c-43e2-ac56-bbb755c07a02" providerId="ADAL" clId="{14AEF855-77FF-44CB-AE07-9D37547B7A88}" dt="2024-09-16T23:56:32.216" v="629" actId="1036"/>
           <ac:cxnSpMkLst>
             <pc:docMk/>
             <pc:sldMk cId="1909375894" sldId="256"/>
@@ -659,7 +659,7 @@
           </ac:cxnSpMkLst>
         </pc:cxnChg>
         <pc:cxnChg chg="mod topLvl">
-          <ac:chgData name="Akira Terui" userId="3f83de79-c81c-43e2-ac56-bbb755c07a02" providerId="ADAL" clId="{14AEF855-77FF-44CB-AE07-9D37547B7A88}" dt="2024-09-16T23:45:52.563" v="579" actId="552"/>
+          <ac:chgData name="Akira Terui" userId="3f83de79-c81c-43e2-ac56-bbb755c07a02" providerId="ADAL" clId="{14AEF855-77FF-44CB-AE07-9D37547B7A88}" dt="2024-09-17T00:01:52.804" v="637" actId="1038"/>
           <ac:cxnSpMkLst>
             <pc:docMk/>
             <pc:sldMk cId="1909375894" sldId="256"/>
@@ -667,7 +667,7 @@
           </ac:cxnSpMkLst>
         </pc:cxnChg>
         <pc:cxnChg chg="mod topLvl">
-          <ac:chgData name="Akira Terui" userId="3f83de79-c81c-43e2-ac56-bbb755c07a02" providerId="ADAL" clId="{14AEF855-77FF-44CB-AE07-9D37547B7A88}" dt="2024-09-16T23:46:07.756" v="582" actId="552"/>
+          <ac:chgData name="Akira Terui" userId="3f83de79-c81c-43e2-ac56-bbb755c07a02" providerId="ADAL" clId="{14AEF855-77FF-44CB-AE07-9D37547B7A88}" dt="2024-09-17T00:01:52.804" v="637" actId="1038"/>
           <ac:cxnSpMkLst>
             <pc:docMk/>
             <pc:sldMk cId="1909375894" sldId="256"/>
@@ -1563,15 +1563,15 @@
         </p:nvSpPr>
         <p:spPr>
           <a:xfrm>
-            <a:off x="486013" y="824885"/>
-            <a:ext cx="5508149" cy="1754776"/>
+            <a:off x="486013" y="706933"/>
+            <a:ext cx="5508149" cy="1503857"/>
           </a:xfrm>
         </p:spPr>
         <p:txBody>
           <a:bodyPr anchor="b"/>
           <a:lstStyle>
             <a:lvl1pPr algn="ctr">
-              <a:defRPr sz="4252"/>
+              <a:defRPr sz="3779"/>
             </a:lvl1pPr>
           </a:lstStyle>
           <a:p>
@@ -1595,8 +1595,8 @@
         </p:nvSpPr>
         <p:spPr>
           <a:xfrm>
-            <a:off x="810022" y="2647331"/>
-            <a:ext cx="4860131" cy="1216909"/>
+            <a:off x="810022" y="2268784"/>
+            <a:ext cx="4860131" cy="1042900"/>
           </a:xfrm>
         </p:spPr>
         <p:txBody>
@@ -1604,39 +1604,39 @@
           <a:lstStyle>
             <a:lvl1pPr marL="0" indent="0" algn="ctr">
               <a:buNone/>
-              <a:defRPr sz="1701"/>
+              <a:defRPr sz="1512"/>
             </a:lvl1pPr>
-            <a:lvl2pPr marL="324018" indent="0" algn="ctr">
+            <a:lvl2pPr marL="287990" indent="0" algn="ctr">
               <a:buNone/>
-              <a:defRPr sz="1417"/>
+              <a:defRPr sz="1260"/>
             </a:lvl2pPr>
-            <a:lvl3pPr marL="648035" indent="0" algn="ctr">
-              <a:buNone/>
-              <a:defRPr sz="1276"/>
-            </a:lvl3pPr>
-            <a:lvl4pPr marL="972053" indent="0" algn="ctr">
+            <a:lvl3pPr marL="575981" indent="0" algn="ctr">
               <a:buNone/>
               <a:defRPr sz="1134"/>
+            </a:lvl3pPr>
+            <a:lvl4pPr marL="863971" indent="0" algn="ctr">
+              <a:buNone/>
+              <a:defRPr sz="1008"/>
             </a:lvl4pPr>
-            <a:lvl5pPr marL="1296071" indent="0" algn="ctr">
+            <a:lvl5pPr marL="1151961" indent="0" algn="ctr">
               <a:buNone/>
-              <a:defRPr sz="1134"/>
+              <a:defRPr sz="1008"/>
             </a:lvl5pPr>
-            <a:lvl6pPr marL="1620088" indent="0" algn="ctr">
+            <a:lvl6pPr marL="1439951" indent="0" algn="ctr">
               <a:buNone/>
-              <a:defRPr sz="1134"/>
+              <a:defRPr sz="1008"/>
             </a:lvl6pPr>
-            <a:lvl7pPr marL="1944106" indent="0" algn="ctr">
+            <a:lvl7pPr marL="1727942" indent="0" algn="ctr">
               <a:buNone/>
-              <a:defRPr sz="1134"/>
+              <a:defRPr sz="1008"/>
             </a:lvl7pPr>
-            <a:lvl8pPr marL="2268123" indent="0" algn="ctr">
+            <a:lvl8pPr marL="2015932" indent="0" algn="ctr">
               <a:buNone/>
-              <a:defRPr sz="1134"/>
+              <a:defRPr sz="1008"/>
             </a:lvl8pPr>
-            <a:lvl9pPr marL="2592141" indent="0" algn="ctr">
+            <a:lvl9pPr marL="2303922" indent="0" algn="ctr">
               <a:buNone/>
-              <a:defRPr sz="1134"/>
+              <a:defRPr sz="1008"/>
             </a:lvl9pPr>
           </a:lstStyle>
           <a:p>
@@ -1716,7 +1716,7 @@
     </p:spTree>
     <p:extLst>
       <p:ext uri="{BB962C8B-B14F-4D97-AF65-F5344CB8AC3E}">
-        <p14:creationId xmlns:p14="http://schemas.microsoft.com/office/powerpoint/2010/main" val="2736265645"/>
+        <p14:creationId xmlns:p14="http://schemas.microsoft.com/office/powerpoint/2010/main" val="794000438"/>
       </p:ext>
     </p:extLst>
   </p:cSld>
@@ -1886,7 +1886,7 @@
     </p:spTree>
     <p:extLst>
       <p:ext uri="{BB962C8B-B14F-4D97-AF65-F5344CB8AC3E}">
-        <p14:creationId xmlns:p14="http://schemas.microsoft.com/office/powerpoint/2010/main" val="2805020014"/>
+        <p14:creationId xmlns:p14="http://schemas.microsoft.com/office/powerpoint/2010/main" val="493958884"/>
       </p:ext>
     </p:extLst>
   </p:cSld>
@@ -1925,8 +1925,8 @@
         </p:nvSpPr>
         <p:spPr>
           <a:xfrm>
-            <a:off x="4637375" y="268350"/>
-            <a:ext cx="1397288" cy="4271432"/>
+            <a:off x="4637375" y="229978"/>
+            <a:ext cx="1397288" cy="3660651"/>
           </a:xfrm>
         </p:spPr>
         <p:txBody>
@@ -1953,8 +1953,8 @@
         </p:nvSpPr>
         <p:spPr>
           <a:xfrm>
-            <a:off x="445512" y="268350"/>
-            <a:ext cx="4110861" cy="4271432"/>
+            <a:off x="445512" y="229978"/>
+            <a:ext cx="4110861" cy="3660651"/>
           </a:xfrm>
         </p:spPr>
         <p:txBody>
@@ -2066,7 +2066,7 @@
     </p:spTree>
     <p:extLst>
       <p:ext uri="{BB962C8B-B14F-4D97-AF65-F5344CB8AC3E}">
-        <p14:creationId xmlns:p14="http://schemas.microsoft.com/office/powerpoint/2010/main" val="3696551641"/>
+        <p14:creationId xmlns:p14="http://schemas.microsoft.com/office/powerpoint/2010/main" val="3500485923"/>
       </p:ext>
     </p:extLst>
   </p:cSld>
@@ -2236,7 +2236,7 @@
     </p:spTree>
     <p:extLst>
       <p:ext uri="{BB962C8B-B14F-4D97-AF65-F5344CB8AC3E}">
-        <p14:creationId xmlns:p14="http://schemas.microsoft.com/office/powerpoint/2010/main" val="50259560"/>
+        <p14:creationId xmlns:p14="http://schemas.microsoft.com/office/powerpoint/2010/main" val="2747185487"/>
       </p:ext>
     </p:extLst>
   </p:cSld>
@@ -2275,15 +2275,15 @@
         </p:nvSpPr>
         <p:spPr>
           <a:xfrm>
-            <a:off x="442137" y="1256579"/>
-            <a:ext cx="5589151" cy="2096630"/>
+            <a:off x="442137" y="1076899"/>
+            <a:ext cx="5589151" cy="1796828"/>
           </a:xfrm>
         </p:spPr>
         <p:txBody>
           <a:bodyPr anchor="b"/>
           <a:lstStyle>
             <a:lvl1pPr>
-              <a:defRPr sz="4252"/>
+              <a:defRPr sz="3779"/>
             </a:lvl1pPr>
           </a:lstStyle>
           <a:p>
@@ -2307,8 +2307,8 @@
         </p:nvSpPr>
         <p:spPr>
           <a:xfrm>
-            <a:off x="442137" y="3373044"/>
-            <a:ext cx="5589151" cy="1102568"/>
+            <a:off x="442137" y="2890725"/>
+            <a:ext cx="5589151" cy="944910"/>
           </a:xfrm>
         </p:spPr>
         <p:txBody>
@@ -2316,7 +2316,7 @@
           <a:lstStyle>
             <a:lvl1pPr marL="0" indent="0">
               <a:buNone/>
-              <a:defRPr sz="1701">
+              <a:defRPr sz="1512">
                 <a:solidFill>
                   <a:schemeClr val="tx1">
                     <a:tint val="82000"/>
@@ -2324,9 +2324,9 @@
                 </a:solidFill>
               </a:defRPr>
             </a:lvl1pPr>
-            <a:lvl2pPr marL="324018" indent="0">
+            <a:lvl2pPr marL="287990" indent="0">
               <a:buNone/>
-              <a:defRPr sz="1417">
+              <a:defRPr sz="1260">
                 <a:solidFill>
                   <a:schemeClr val="tx1">
                     <a:tint val="82000"/>
@@ -2334,17 +2334,7 @@
                 </a:solidFill>
               </a:defRPr>
             </a:lvl2pPr>
-            <a:lvl3pPr marL="648035" indent="0">
-              <a:buNone/>
-              <a:defRPr sz="1276">
-                <a:solidFill>
-                  <a:schemeClr val="tx1">
-                    <a:tint val="82000"/>
-                  </a:schemeClr>
-                </a:solidFill>
-              </a:defRPr>
-            </a:lvl3pPr>
-            <a:lvl4pPr marL="972053" indent="0">
+            <a:lvl3pPr marL="575981" indent="0">
               <a:buNone/>
               <a:defRPr sz="1134">
                 <a:solidFill>
@@ -2353,10 +2343,20 @@
                   </a:schemeClr>
                 </a:solidFill>
               </a:defRPr>
+            </a:lvl3pPr>
+            <a:lvl4pPr marL="863971" indent="0">
+              <a:buNone/>
+              <a:defRPr sz="1008">
+                <a:solidFill>
+                  <a:schemeClr val="tx1">
+                    <a:tint val="82000"/>
+                  </a:schemeClr>
+                </a:solidFill>
+              </a:defRPr>
             </a:lvl4pPr>
-            <a:lvl5pPr marL="1296071" indent="0">
+            <a:lvl5pPr marL="1151961" indent="0">
               <a:buNone/>
-              <a:defRPr sz="1134">
+              <a:defRPr sz="1008">
                 <a:solidFill>
                   <a:schemeClr val="tx1">
                     <a:tint val="82000"/>
@@ -2364,9 +2364,9 @@
                 </a:solidFill>
               </a:defRPr>
             </a:lvl5pPr>
-            <a:lvl6pPr marL="1620088" indent="0">
+            <a:lvl6pPr marL="1439951" indent="0">
               <a:buNone/>
-              <a:defRPr sz="1134">
+              <a:defRPr sz="1008">
                 <a:solidFill>
                   <a:schemeClr val="tx1">
                     <a:tint val="82000"/>
@@ -2374,9 +2374,9 @@
                 </a:solidFill>
               </a:defRPr>
             </a:lvl6pPr>
-            <a:lvl7pPr marL="1944106" indent="0">
+            <a:lvl7pPr marL="1727942" indent="0">
               <a:buNone/>
-              <a:defRPr sz="1134">
+              <a:defRPr sz="1008">
                 <a:solidFill>
                   <a:schemeClr val="tx1">
                     <a:tint val="82000"/>
@@ -2384,9 +2384,9 @@
                 </a:solidFill>
               </a:defRPr>
             </a:lvl7pPr>
-            <a:lvl8pPr marL="2268123" indent="0">
+            <a:lvl8pPr marL="2015932" indent="0">
               <a:buNone/>
-              <a:defRPr sz="1134">
+              <a:defRPr sz="1008">
                 <a:solidFill>
                   <a:schemeClr val="tx1">
                     <a:tint val="82000"/>
@@ -2394,9 +2394,9 @@
                 </a:solidFill>
               </a:defRPr>
             </a:lvl8pPr>
-            <a:lvl9pPr marL="2592141" indent="0">
+            <a:lvl9pPr marL="2303922" indent="0">
               <a:buNone/>
-              <a:defRPr sz="1134">
+              <a:defRPr sz="1008">
                 <a:solidFill>
                   <a:schemeClr val="tx1">
                     <a:tint val="82000"/>
@@ -2482,7 +2482,7 @@
     </p:spTree>
     <p:extLst>
       <p:ext uri="{BB962C8B-B14F-4D97-AF65-F5344CB8AC3E}">
-        <p14:creationId xmlns:p14="http://schemas.microsoft.com/office/powerpoint/2010/main" val="478833477"/>
+        <p14:creationId xmlns:p14="http://schemas.microsoft.com/office/powerpoint/2010/main" val="1464346447"/>
       </p:ext>
     </p:extLst>
   </p:cSld>
@@ -2544,8 +2544,8 @@
         </p:nvSpPr>
         <p:spPr>
           <a:xfrm>
-            <a:off x="445512" y="1341750"/>
-            <a:ext cx="2754074" cy="3198032"/>
+            <a:off x="445512" y="1149890"/>
+            <a:ext cx="2754074" cy="2740739"/>
           </a:xfrm>
         </p:spPr>
         <p:txBody>
@@ -2601,8 +2601,8 @@
         </p:nvSpPr>
         <p:spPr>
           <a:xfrm>
-            <a:off x="3280589" y="1341750"/>
-            <a:ext cx="2754074" cy="3198032"/>
+            <a:off x="3280589" y="1149890"/>
+            <a:ext cx="2754074" cy="2740739"/>
           </a:xfrm>
         </p:spPr>
         <p:txBody>
@@ -2714,7 +2714,7 @@
     </p:spTree>
     <p:extLst>
       <p:ext uri="{BB962C8B-B14F-4D97-AF65-F5344CB8AC3E}">
-        <p14:creationId xmlns:p14="http://schemas.microsoft.com/office/powerpoint/2010/main" val="3123369055"/>
+        <p14:creationId xmlns:p14="http://schemas.microsoft.com/office/powerpoint/2010/main" val="4194341378"/>
       </p:ext>
     </p:extLst>
   </p:cSld>
@@ -2753,8 +2753,8 @@
         </p:nvSpPr>
         <p:spPr>
           <a:xfrm>
-            <a:off x="446356" y="268351"/>
-            <a:ext cx="5589151" cy="974228"/>
+            <a:off x="446356" y="229979"/>
+            <a:ext cx="5589151" cy="834921"/>
           </a:xfrm>
         </p:spPr>
         <p:txBody>
@@ -2781,8 +2781,8 @@
         </p:nvSpPr>
         <p:spPr>
           <a:xfrm>
-            <a:off x="446357" y="1235577"/>
-            <a:ext cx="2741417" cy="605537"/>
+            <a:off x="446357" y="1058899"/>
+            <a:ext cx="2741417" cy="518950"/>
           </a:xfrm>
         </p:spPr>
         <p:txBody>
@@ -2790,39 +2790,39 @@
           <a:lstStyle>
             <a:lvl1pPr marL="0" indent="0">
               <a:buNone/>
-              <a:defRPr sz="1701" b="1"/>
+              <a:defRPr sz="1512" b="1"/>
             </a:lvl1pPr>
-            <a:lvl2pPr marL="324018" indent="0">
+            <a:lvl2pPr marL="287990" indent="0">
               <a:buNone/>
-              <a:defRPr sz="1417" b="1"/>
+              <a:defRPr sz="1260" b="1"/>
             </a:lvl2pPr>
-            <a:lvl3pPr marL="648035" indent="0">
-              <a:buNone/>
-              <a:defRPr sz="1276" b="1"/>
-            </a:lvl3pPr>
-            <a:lvl4pPr marL="972053" indent="0">
+            <a:lvl3pPr marL="575981" indent="0">
               <a:buNone/>
               <a:defRPr sz="1134" b="1"/>
+            </a:lvl3pPr>
+            <a:lvl4pPr marL="863971" indent="0">
+              <a:buNone/>
+              <a:defRPr sz="1008" b="1"/>
             </a:lvl4pPr>
-            <a:lvl5pPr marL="1296071" indent="0">
+            <a:lvl5pPr marL="1151961" indent="0">
               <a:buNone/>
-              <a:defRPr sz="1134" b="1"/>
+              <a:defRPr sz="1008" b="1"/>
             </a:lvl5pPr>
-            <a:lvl6pPr marL="1620088" indent="0">
+            <a:lvl6pPr marL="1439951" indent="0">
               <a:buNone/>
-              <a:defRPr sz="1134" b="1"/>
+              <a:defRPr sz="1008" b="1"/>
             </a:lvl6pPr>
-            <a:lvl7pPr marL="1944106" indent="0">
+            <a:lvl7pPr marL="1727942" indent="0">
               <a:buNone/>
-              <a:defRPr sz="1134" b="1"/>
+              <a:defRPr sz="1008" b="1"/>
             </a:lvl7pPr>
-            <a:lvl8pPr marL="2268123" indent="0">
+            <a:lvl8pPr marL="2015932" indent="0">
               <a:buNone/>
-              <a:defRPr sz="1134" b="1"/>
+              <a:defRPr sz="1008" b="1"/>
             </a:lvl8pPr>
-            <a:lvl9pPr marL="2592141" indent="0">
+            <a:lvl9pPr marL="2303922" indent="0">
               <a:buNone/>
-              <a:defRPr sz="1134" b="1"/>
+              <a:defRPr sz="1008" b="1"/>
             </a:lvl9pPr>
           </a:lstStyle>
           <a:p>
@@ -2846,8 +2846,8 @@
         </p:nvSpPr>
         <p:spPr>
           <a:xfrm>
-            <a:off x="446357" y="1841114"/>
-            <a:ext cx="2741417" cy="2708002"/>
+            <a:off x="446357" y="1577849"/>
+            <a:ext cx="2741417" cy="2320779"/>
           </a:xfrm>
         </p:spPr>
         <p:txBody>
@@ -2903,8 +2903,8 @@
         </p:nvSpPr>
         <p:spPr>
           <a:xfrm>
-            <a:off x="3280589" y="1235577"/>
-            <a:ext cx="2754918" cy="605537"/>
+            <a:off x="3280589" y="1058899"/>
+            <a:ext cx="2754918" cy="518950"/>
           </a:xfrm>
         </p:spPr>
         <p:txBody>
@@ -2912,39 +2912,39 @@
           <a:lstStyle>
             <a:lvl1pPr marL="0" indent="0">
               <a:buNone/>
-              <a:defRPr sz="1701" b="1"/>
+              <a:defRPr sz="1512" b="1"/>
             </a:lvl1pPr>
-            <a:lvl2pPr marL="324018" indent="0">
+            <a:lvl2pPr marL="287990" indent="0">
               <a:buNone/>
-              <a:defRPr sz="1417" b="1"/>
+              <a:defRPr sz="1260" b="1"/>
             </a:lvl2pPr>
-            <a:lvl3pPr marL="648035" indent="0">
-              <a:buNone/>
-              <a:defRPr sz="1276" b="1"/>
-            </a:lvl3pPr>
-            <a:lvl4pPr marL="972053" indent="0">
+            <a:lvl3pPr marL="575981" indent="0">
               <a:buNone/>
               <a:defRPr sz="1134" b="1"/>
+            </a:lvl3pPr>
+            <a:lvl4pPr marL="863971" indent="0">
+              <a:buNone/>
+              <a:defRPr sz="1008" b="1"/>
             </a:lvl4pPr>
-            <a:lvl5pPr marL="1296071" indent="0">
+            <a:lvl5pPr marL="1151961" indent="0">
               <a:buNone/>
-              <a:defRPr sz="1134" b="1"/>
+              <a:defRPr sz="1008" b="1"/>
             </a:lvl5pPr>
-            <a:lvl6pPr marL="1620088" indent="0">
+            <a:lvl6pPr marL="1439951" indent="0">
               <a:buNone/>
-              <a:defRPr sz="1134" b="1"/>
+              <a:defRPr sz="1008" b="1"/>
             </a:lvl6pPr>
-            <a:lvl7pPr marL="1944106" indent="0">
+            <a:lvl7pPr marL="1727942" indent="0">
               <a:buNone/>
-              <a:defRPr sz="1134" b="1"/>
+              <a:defRPr sz="1008" b="1"/>
             </a:lvl7pPr>
-            <a:lvl8pPr marL="2268123" indent="0">
+            <a:lvl8pPr marL="2015932" indent="0">
               <a:buNone/>
-              <a:defRPr sz="1134" b="1"/>
+              <a:defRPr sz="1008" b="1"/>
             </a:lvl8pPr>
-            <a:lvl9pPr marL="2592141" indent="0">
+            <a:lvl9pPr marL="2303922" indent="0">
               <a:buNone/>
-              <a:defRPr sz="1134" b="1"/>
+              <a:defRPr sz="1008" b="1"/>
             </a:lvl9pPr>
           </a:lstStyle>
           <a:p>
@@ -2968,8 +2968,8 @@
         </p:nvSpPr>
         <p:spPr>
           <a:xfrm>
-            <a:off x="3280589" y="1841114"/>
-            <a:ext cx="2754918" cy="2708002"/>
+            <a:off x="3280589" y="1577849"/>
+            <a:ext cx="2754918" cy="2320779"/>
           </a:xfrm>
         </p:spPr>
         <p:txBody>
@@ -3081,7 +3081,7 @@
     </p:spTree>
     <p:extLst>
       <p:ext uri="{BB962C8B-B14F-4D97-AF65-F5344CB8AC3E}">
-        <p14:creationId xmlns:p14="http://schemas.microsoft.com/office/powerpoint/2010/main" val="3483581125"/>
+        <p14:creationId xmlns:p14="http://schemas.microsoft.com/office/powerpoint/2010/main" val="3984830568"/>
       </p:ext>
     </p:extLst>
   </p:cSld>
@@ -3199,7 +3199,7 @@
     </p:spTree>
     <p:extLst>
       <p:ext uri="{BB962C8B-B14F-4D97-AF65-F5344CB8AC3E}">
-        <p14:creationId xmlns:p14="http://schemas.microsoft.com/office/powerpoint/2010/main" val="2100586725"/>
+        <p14:creationId xmlns:p14="http://schemas.microsoft.com/office/powerpoint/2010/main" val="231291194"/>
       </p:ext>
     </p:extLst>
   </p:cSld>
@@ -3294,7 +3294,7 @@
     </p:spTree>
     <p:extLst>
       <p:ext uri="{BB962C8B-B14F-4D97-AF65-F5344CB8AC3E}">
-        <p14:creationId xmlns:p14="http://schemas.microsoft.com/office/powerpoint/2010/main" val="1564421276"/>
+        <p14:creationId xmlns:p14="http://schemas.microsoft.com/office/powerpoint/2010/main" val="2494991782"/>
       </p:ext>
     </p:extLst>
   </p:cSld>
@@ -3333,15 +3333,15 @@
         </p:nvSpPr>
         <p:spPr>
           <a:xfrm>
-            <a:off x="446356" y="336021"/>
-            <a:ext cx="2090025" cy="1176073"/>
+            <a:off x="446356" y="287972"/>
+            <a:ext cx="2090025" cy="1007904"/>
           </a:xfrm>
         </p:spPr>
         <p:txBody>
           <a:bodyPr anchor="b"/>
           <a:lstStyle>
             <a:lvl1pPr>
-              <a:defRPr sz="2268"/>
+              <a:defRPr sz="2016"/>
             </a:lvl1pPr>
           </a:lstStyle>
           <a:p>
@@ -3365,39 +3365,39 @@
         </p:nvSpPr>
         <p:spPr>
           <a:xfrm>
-            <a:off x="2754918" y="725713"/>
-            <a:ext cx="3280589" cy="3581889"/>
+            <a:off x="2754918" y="621942"/>
+            <a:ext cx="3280589" cy="3069707"/>
           </a:xfrm>
         </p:spPr>
         <p:txBody>
           <a:bodyPr/>
           <a:lstStyle>
             <a:lvl1pPr>
-              <a:defRPr sz="2268"/>
+              <a:defRPr sz="2016"/>
             </a:lvl1pPr>
             <a:lvl2pPr>
-              <a:defRPr sz="1984"/>
+              <a:defRPr sz="1764"/>
             </a:lvl2pPr>
             <a:lvl3pPr>
-              <a:defRPr sz="1701"/>
+              <a:defRPr sz="1512"/>
             </a:lvl3pPr>
             <a:lvl4pPr>
-              <a:defRPr sz="1417"/>
+              <a:defRPr sz="1260"/>
             </a:lvl4pPr>
             <a:lvl5pPr>
-              <a:defRPr sz="1417"/>
+              <a:defRPr sz="1260"/>
             </a:lvl5pPr>
             <a:lvl6pPr>
-              <a:defRPr sz="1417"/>
+              <a:defRPr sz="1260"/>
             </a:lvl6pPr>
             <a:lvl7pPr>
-              <a:defRPr sz="1417"/>
+              <a:defRPr sz="1260"/>
             </a:lvl7pPr>
             <a:lvl8pPr>
-              <a:defRPr sz="1417"/>
+              <a:defRPr sz="1260"/>
             </a:lvl8pPr>
             <a:lvl9pPr>
-              <a:defRPr sz="1417"/>
+              <a:defRPr sz="1260"/>
             </a:lvl9pPr>
           </a:lstStyle>
           <a:p>
@@ -3450,8 +3450,8 @@
         </p:nvSpPr>
         <p:spPr>
           <a:xfrm>
-            <a:off x="446356" y="1512094"/>
-            <a:ext cx="2090025" cy="2801341"/>
+            <a:off x="446356" y="1295877"/>
+            <a:ext cx="2090025" cy="2400771"/>
           </a:xfrm>
         </p:spPr>
         <p:txBody>
@@ -3459,39 +3459,39 @@
           <a:lstStyle>
             <a:lvl1pPr marL="0" indent="0">
               <a:buNone/>
-              <a:defRPr sz="1134"/>
+              <a:defRPr sz="1008"/>
             </a:lvl1pPr>
-            <a:lvl2pPr marL="324018" indent="0">
+            <a:lvl2pPr marL="287990" indent="0">
               <a:buNone/>
-              <a:defRPr sz="992"/>
+              <a:defRPr sz="882"/>
             </a:lvl2pPr>
-            <a:lvl3pPr marL="648035" indent="0">
+            <a:lvl3pPr marL="575981" indent="0">
               <a:buNone/>
-              <a:defRPr sz="850"/>
+              <a:defRPr sz="756"/>
             </a:lvl3pPr>
-            <a:lvl4pPr marL="972053" indent="0">
+            <a:lvl4pPr marL="863971" indent="0">
               <a:buNone/>
-              <a:defRPr sz="709"/>
+              <a:defRPr sz="630"/>
             </a:lvl4pPr>
-            <a:lvl5pPr marL="1296071" indent="0">
+            <a:lvl5pPr marL="1151961" indent="0">
               <a:buNone/>
-              <a:defRPr sz="709"/>
+              <a:defRPr sz="630"/>
             </a:lvl5pPr>
-            <a:lvl6pPr marL="1620088" indent="0">
+            <a:lvl6pPr marL="1439951" indent="0">
               <a:buNone/>
-              <a:defRPr sz="709"/>
+              <a:defRPr sz="630"/>
             </a:lvl6pPr>
-            <a:lvl7pPr marL="1944106" indent="0">
+            <a:lvl7pPr marL="1727942" indent="0">
               <a:buNone/>
-              <a:defRPr sz="709"/>
+              <a:defRPr sz="630"/>
             </a:lvl7pPr>
-            <a:lvl8pPr marL="2268123" indent="0">
+            <a:lvl8pPr marL="2015932" indent="0">
               <a:buNone/>
-              <a:defRPr sz="709"/>
+              <a:defRPr sz="630"/>
             </a:lvl8pPr>
-            <a:lvl9pPr marL="2592141" indent="0">
+            <a:lvl9pPr marL="2303922" indent="0">
               <a:buNone/>
-              <a:defRPr sz="709"/>
+              <a:defRPr sz="630"/>
             </a:lvl9pPr>
           </a:lstStyle>
           <a:p>
@@ -3571,7 +3571,7 @@
     </p:spTree>
     <p:extLst>
       <p:ext uri="{BB962C8B-B14F-4D97-AF65-F5344CB8AC3E}">
-        <p14:creationId xmlns:p14="http://schemas.microsoft.com/office/powerpoint/2010/main" val="3799113164"/>
+        <p14:creationId xmlns:p14="http://schemas.microsoft.com/office/powerpoint/2010/main" val="2982069576"/>
       </p:ext>
     </p:extLst>
   </p:cSld>
@@ -3610,15 +3610,15 @@
         </p:nvSpPr>
         <p:spPr>
           <a:xfrm>
-            <a:off x="446356" y="336021"/>
-            <a:ext cx="2090025" cy="1176073"/>
+            <a:off x="446356" y="287972"/>
+            <a:ext cx="2090025" cy="1007904"/>
           </a:xfrm>
         </p:spPr>
         <p:txBody>
           <a:bodyPr anchor="b"/>
           <a:lstStyle>
             <a:lvl1pPr>
-              <a:defRPr sz="2268"/>
+              <a:defRPr sz="2016"/>
             </a:lvl1pPr>
           </a:lstStyle>
           <a:p>
@@ -3642,8 +3642,8 @@
         </p:nvSpPr>
         <p:spPr>
           <a:xfrm>
-            <a:off x="2754918" y="725713"/>
-            <a:ext cx="3280589" cy="3581889"/>
+            <a:off x="2754918" y="621942"/>
+            <a:ext cx="3280589" cy="3069707"/>
           </a:xfrm>
         </p:spPr>
         <p:txBody>
@@ -3651,39 +3651,39 @@
           <a:lstStyle>
             <a:lvl1pPr marL="0" indent="0">
               <a:buNone/>
-              <a:defRPr sz="2268"/>
+              <a:defRPr sz="2016"/>
             </a:lvl1pPr>
-            <a:lvl2pPr marL="324018" indent="0">
+            <a:lvl2pPr marL="287990" indent="0">
               <a:buNone/>
-              <a:defRPr sz="1984"/>
+              <a:defRPr sz="1764"/>
             </a:lvl2pPr>
-            <a:lvl3pPr marL="648035" indent="0">
+            <a:lvl3pPr marL="575981" indent="0">
               <a:buNone/>
-              <a:defRPr sz="1701"/>
+              <a:defRPr sz="1512"/>
             </a:lvl3pPr>
-            <a:lvl4pPr marL="972053" indent="0">
+            <a:lvl4pPr marL="863971" indent="0">
               <a:buNone/>
-              <a:defRPr sz="1417"/>
+              <a:defRPr sz="1260"/>
             </a:lvl4pPr>
-            <a:lvl5pPr marL="1296071" indent="0">
+            <a:lvl5pPr marL="1151961" indent="0">
               <a:buNone/>
-              <a:defRPr sz="1417"/>
+              <a:defRPr sz="1260"/>
             </a:lvl5pPr>
-            <a:lvl6pPr marL="1620088" indent="0">
+            <a:lvl6pPr marL="1439951" indent="0">
               <a:buNone/>
-              <a:defRPr sz="1417"/>
+              <a:defRPr sz="1260"/>
             </a:lvl6pPr>
-            <a:lvl7pPr marL="1944106" indent="0">
+            <a:lvl7pPr marL="1727942" indent="0">
               <a:buNone/>
-              <a:defRPr sz="1417"/>
+              <a:defRPr sz="1260"/>
             </a:lvl7pPr>
-            <a:lvl8pPr marL="2268123" indent="0">
+            <a:lvl8pPr marL="2015932" indent="0">
               <a:buNone/>
-              <a:defRPr sz="1417"/>
+              <a:defRPr sz="1260"/>
             </a:lvl8pPr>
-            <a:lvl9pPr marL="2592141" indent="0">
+            <a:lvl9pPr marL="2303922" indent="0">
               <a:buNone/>
-              <a:defRPr sz="1417"/>
+              <a:defRPr sz="1260"/>
             </a:lvl9pPr>
           </a:lstStyle>
           <a:p>
@@ -3707,8 +3707,8 @@
         </p:nvSpPr>
         <p:spPr>
           <a:xfrm>
-            <a:off x="446356" y="1512094"/>
-            <a:ext cx="2090025" cy="2801341"/>
+            <a:off x="446356" y="1295877"/>
+            <a:ext cx="2090025" cy="2400771"/>
           </a:xfrm>
         </p:spPr>
         <p:txBody>
@@ -3716,39 +3716,39 @@
           <a:lstStyle>
             <a:lvl1pPr marL="0" indent="0">
               <a:buNone/>
-              <a:defRPr sz="1134"/>
+              <a:defRPr sz="1008"/>
             </a:lvl1pPr>
-            <a:lvl2pPr marL="324018" indent="0">
+            <a:lvl2pPr marL="287990" indent="0">
               <a:buNone/>
-              <a:defRPr sz="992"/>
+              <a:defRPr sz="882"/>
             </a:lvl2pPr>
-            <a:lvl3pPr marL="648035" indent="0">
+            <a:lvl3pPr marL="575981" indent="0">
               <a:buNone/>
-              <a:defRPr sz="850"/>
+              <a:defRPr sz="756"/>
             </a:lvl3pPr>
-            <a:lvl4pPr marL="972053" indent="0">
+            <a:lvl4pPr marL="863971" indent="0">
               <a:buNone/>
-              <a:defRPr sz="709"/>
+              <a:defRPr sz="630"/>
             </a:lvl4pPr>
-            <a:lvl5pPr marL="1296071" indent="0">
+            <a:lvl5pPr marL="1151961" indent="0">
               <a:buNone/>
-              <a:defRPr sz="709"/>
+              <a:defRPr sz="630"/>
             </a:lvl5pPr>
-            <a:lvl6pPr marL="1620088" indent="0">
+            <a:lvl6pPr marL="1439951" indent="0">
               <a:buNone/>
-              <a:defRPr sz="709"/>
+              <a:defRPr sz="630"/>
             </a:lvl6pPr>
-            <a:lvl7pPr marL="1944106" indent="0">
+            <a:lvl7pPr marL="1727942" indent="0">
               <a:buNone/>
-              <a:defRPr sz="709"/>
+              <a:defRPr sz="630"/>
             </a:lvl7pPr>
-            <a:lvl8pPr marL="2268123" indent="0">
+            <a:lvl8pPr marL="2015932" indent="0">
               <a:buNone/>
-              <a:defRPr sz="709"/>
+              <a:defRPr sz="630"/>
             </a:lvl8pPr>
-            <a:lvl9pPr marL="2592141" indent="0">
+            <a:lvl9pPr marL="2303922" indent="0">
               <a:buNone/>
-              <a:defRPr sz="709"/>
+              <a:defRPr sz="630"/>
             </a:lvl9pPr>
           </a:lstStyle>
           <a:p>
@@ -3828,7 +3828,7 @@
     </p:spTree>
     <p:extLst>
       <p:ext uri="{BB962C8B-B14F-4D97-AF65-F5344CB8AC3E}">
-        <p14:creationId xmlns:p14="http://schemas.microsoft.com/office/powerpoint/2010/main" val="4196314585"/>
+        <p14:creationId xmlns:p14="http://schemas.microsoft.com/office/powerpoint/2010/main" val="797535686"/>
       </p:ext>
     </p:extLst>
   </p:cSld>
@@ -3872,8 +3872,8 @@
         </p:nvSpPr>
         <p:spPr>
           <a:xfrm>
-            <a:off x="445512" y="268351"/>
-            <a:ext cx="5589151" cy="974228"/>
+            <a:off x="445512" y="229979"/>
+            <a:ext cx="5589151" cy="834921"/>
           </a:xfrm>
           <a:prstGeom prst="rect">
             <a:avLst/>
@@ -3905,8 +3905,8 @@
         </p:nvSpPr>
         <p:spPr>
           <a:xfrm>
-            <a:off x="445512" y="1341750"/>
-            <a:ext cx="5589151" cy="3198032"/>
+            <a:off x="445512" y="1149890"/>
+            <a:ext cx="5589151" cy="2740739"/>
           </a:xfrm>
           <a:prstGeom prst="rect">
             <a:avLst/>
@@ -3967,8 +3967,8 @@
         </p:nvSpPr>
         <p:spPr>
           <a:xfrm>
-            <a:off x="445512" y="4671625"/>
-            <a:ext cx="1458039" cy="268350"/>
+            <a:off x="445512" y="4003619"/>
+            <a:ext cx="1458039" cy="229978"/>
           </a:xfrm>
           <a:prstGeom prst="rect">
             <a:avLst/>
@@ -3978,7 +3978,7 @@
           <a:bodyPr vert="horz" lIns="91440" tIns="45720" rIns="91440" bIns="45720" rtlCol="0" anchor="ctr"/>
           <a:lstStyle>
             <a:lvl1pPr algn="l">
-              <a:defRPr sz="850">
+              <a:defRPr sz="756">
                 <a:solidFill>
                   <a:schemeClr val="tx1">
                     <a:tint val="82000"/>
@@ -4008,8 +4008,8 @@
         </p:nvSpPr>
         <p:spPr>
           <a:xfrm>
-            <a:off x="2146558" y="4671625"/>
-            <a:ext cx="2187059" cy="268350"/>
+            <a:off x="2146558" y="4003619"/>
+            <a:ext cx="2187059" cy="229978"/>
           </a:xfrm>
           <a:prstGeom prst="rect">
             <a:avLst/>
@@ -4019,7 +4019,7 @@
           <a:bodyPr vert="horz" lIns="91440" tIns="45720" rIns="91440" bIns="45720" rtlCol="0" anchor="ctr"/>
           <a:lstStyle>
             <a:lvl1pPr algn="ctr">
-              <a:defRPr sz="850">
+              <a:defRPr sz="756">
                 <a:solidFill>
                   <a:schemeClr val="tx1">
                     <a:tint val="82000"/>
@@ -4045,8 +4045,8 @@
         </p:nvSpPr>
         <p:spPr>
           <a:xfrm>
-            <a:off x="4576624" y="4671625"/>
-            <a:ext cx="1458039" cy="268350"/>
+            <a:off x="4576624" y="4003619"/>
+            <a:ext cx="1458039" cy="229978"/>
           </a:xfrm>
           <a:prstGeom prst="rect">
             <a:avLst/>
@@ -4056,7 +4056,7 @@
           <a:bodyPr vert="horz" lIns="91440" tIns="45720" rIns="91440" bIns="45720" rtlCol="0" anchor="ctr"/>
           <a:lstStyle>
             <a:lvl1pPr algn="r">
-              <a:defRPr sz="850">
+              <a:defRPr sz="756">
                 <a:solidFill>
                   <a:schemeClr val="tx1">
                     <a:tint val="82000"/>
@@ -4077,27 +4077,27 @@
     </p:spTree>
     <p:extLst>
       <p:ext uri="{BB962C8B-B14F-4D97-AF65-F5344CB8AC3E}">
-        <p14:creationId xmlns:p14="http://schemas.microsoft.com/office/powerpoint/2010/main" val="1774376197"/>
+        <p14:creationId xmlns:p14="http://schemas.microsoft.com/office/powerpoint/2010/main" val="1445691139"/>
       </p:ext>
     </p:extLst>
   </p:cSld>
   <p:clrMap bg1="lt1" tx1="dk1" bg2="lt2" tx2="dk2" accent1="accent1" accent2="accent2" accent3="accent3" accent4="accent4" accent5="accent5" accent6="accent6" hlink="hlink" folHlink="folHlink"/>
   <p:sldLayoutIdLst>
-    <p:sldLayoutId id="2147483709" r:id="rId1"/>
-    <p:sldLayoutId id="2147483710" r:id="rId2"/>
-    <p:sldLayoutId id="2147483711" r:id="rId3"/>
-    <p:sldLayoutId id="2147483712" r:id="rId4"/>
-    <p:sldLayoutId id="2147483713" r:id="rId5"/>
-    <p:sldLayoutId id="2147483714" r:id="rId6"/>
-    <p:sldLayoutId id="2147483715" r:id="rId7"/>
-    <p:sldLayoutId id="2147483716" r:id="rId8"/>
-    <p:sldLayoutId id="2147483717" r:id="rId9"/>
-    <p:sldLayoutId id="2147483718" r:id="rId10"/>
-    <p:sldLayoutId id="2147483719" r:id="rId11"/>
+    <p:sldLayoutId id="2147483721" r:id="rId1"/>
+    <p:sldLayoutId id="2147483722" r:id="rId2"/>
+    <p:sldLayoutId id="2147483723" r:id="rId3"/>
+    <p:sldLayoutId id="2147483724" r:id="rId4"/>
+    <p:sldLayoutId id="2147483725" r:id="rId5"/>
+    <p:sldLayoutId id="2147483726" r:id="rId6"/>
+    <p:sldLayoutId id="2147483727" r:id="rId7"/>
+    <p:sldLayoutId id="2147483728" r:id="rId8"/>
+    <p:sldLayoutId id="2147483729" r:id="rId9"/>
+    <p:sldLayoutId id="2147483730" r:id="rId10"/>
+    <p:sldLayoutId id="2147483731" r:id="rId11"/>
   </p:sldLayoutIdLst>
   <p:txStyles>
     <p:titleStyle>
-      <a:lvl1pPr algn="l" defTabSz="648035" rtl="0" eaLnBrk="1" latinLnBrk="0" hangingPunct="1">
+      <a:lvl1pPr algn="l" defTabSz="575981" rtl="0" eaLnBrk="1" latinLnBrk="0" hangingPunct="1">
         <a:lnSpc>
           <a:spcPct val="90000"/>
         </a:lnSpc>
@@ -4105,7 +4105,7 @@
           <a:spcPct val="0"/>
         </a:spcBef>
         <a:buNone/>
-        <a:defRPr sz="3118" kern="1200">
+        <a:defRPr sz="2772" kern="1200">
           <a:solidFill>
             <a:schemeClr val="tx1"/>
           </a:solidFill>
@@ -4116,16 +4116,16 @@
       </a:lvl1pPr>
     </p:titleStyle>
     <p:bodyStyle>
-      <a:lvl1pPr marL="162009" indent="-162009" algn="l" defTabSz="648035" rtl="0" eaLnBrk="1" latinLnBrk="0" hangingPunct="1">
+      <a:lvl1pPr marL="143995" indent="-143995" algn="l" defTabSz="575981" rtl="0" eaLnBrk="1" latinLnBrk="0" hangingPunct="1">
         <a:lnSpc>
           <a:spcPct val="90000"/>
         </a:lnSpc>
         <a:spcBef>
-          <a:spcPts val="709"/>
+          <a:spcPts val="630"/>
         </a:spcBef>
         <a:buFont typeface="Arial" panose="020B0604020202020204" pitchFamily="34" charset="0"/>
         <a:buChar char="•"/>
-        <a:defRPr sz="1984" kern="1200">
+        <a:defRPr sz="1764" kern="1200">
           <a:solidFill>
             <a:schemeClr val="tx1"/>
           </a:solidFill>
@@ -4134,16 +4134,16 @@
           <a:cs typeface="+mn-cs"/>
         </a:defRPr>
       </a:lvl1pPr>
-      <a:lvl2pPr marL="486026" indent="-162009" algn="l" defTabSz="648035" rtl="0" eaLnBrk="1" latinLnBrk="0" hangingPunct="1">
+      <a:lvl2pPr marL="431985" indent="-143995" algn="l" defTabSz="575981" rtl="0" eaLnBrk="1" latinLnBrk="0" hangingPunct="1">
         <a:lnSpc>
           <a:spcPct val="90000"/>
         </a:lnSpc>
         <a:spcBef>
-          <a:spcPts val="354"/>
+          <a:spcPts val="315"/>
         </a:spcBef>
         <a:buFont typeface="Arial" panose="020B0604020202020204" pitchFamily="34" charset="0"/>
         <a:buChar char="•"/>
-        <a:defRPr sz="1701" kern="1200">
+        <a:defRPr sz="1512" kern="1200">
           <a:solidFill>
             <a:schemeClr val="tx1"/>
           </a:solidFill>
@@ -4152,16 +4152,16 @@
           <a:cs typeface="+mn-cs"/>
         </a:defRPr>
       </a:lvl2pPr>
-      <a:lvl3pPr marL="810044" indent="-162009" algn="l" defTabSz="648035" rtl="0" eaLnBrk="1" latinLnBrk="0" hangingPunct="1">
+      <a:lvl3pPr marL="719976" indent="-143995" algn="l" defTabSz="575981" rtl="0" eaLnBrk="1" latinLnBrk="0" hangingPunct="1">
         <a:lnSpc>
           <a:spcPct val="90000"/>
         </a:lnSpc>
         <a:spcBef>
-          <a:spcPts val="354"/>
+          <a:spcPts val="315"/>
         </a:spcBef>
         <a:buFont typeface="Arial" panose="020B0604020202020204" pitchFamily="34" charset="0"/>
         <a:buChar char="•"/>
-        <a:defRPr sz="1417" kern="1200">
+        <a:defRPr sz="1260" kern="1200">
           <a:solidFill>
             <a:schemeClr val="tx1"/>
           </a:solidFill>
@@ -4170,16 +4170,16 @@
           <a:cs typeface="+mn-cs"/>
         </a:defRPr>
       </a:lvl3pPr>
-      <a:lvl4pPr marL="1134062" indent="-162009" algn="l" defTabSz="648035" rtl="0" eaLnBrk="1" latinLnBrk="0" hangingPunct="1">
+      <a:lvl4pPr marL="1007966" indent="-143995" algn="l" defTabSz="575981" rtl="0" eaLnBrk="1" latinLnBrk="0" hangingPunct="1">
         <a:lnSpc>
           <a:spcPct val="90000"/>
         </a:lnSpc>
         <a:spcBef>
-          <a:spcPts val="354"/>
+          <a:spcPts val="315"/>
         </a:spcBef>
         <a:buFont typeface="Arial" panose="020B0604020202020204" pitchFamily="34" charset="0"/>
         <a:buChar char="•"/>
-        <a:defRPr sz="1276" kern="1200">
+        <a:defRPr sz="1134" kern="1200">
           <a:solidFill>
             <a:schemeClr val="tx1"/>
           </a:solidFill>
@@ -4188,16 +4188,16 @@
           <a:cs typeface="+mn-cs"/>
         </a:defRPr>
       </a:lvl4pPr>
-      <a:lvl5pPr marL="1458079" indent="-162009" algn="l" defTabSz="648035" rtl="0" eaLnBrk="1" latinLnBrk="0" hangingPunct="1">
+      <a:lvl5pPr marL="1295956" indent="-143995" algn="l" defTabSz="575981" rtl="0" eaLnBrk="1" latinLnBrk="0" hangingPunct="1">
         <a:lnSpc>
           <a:spcPct val="90000"/>
         </a:lnSpc>
         <a:spcBef>
-          <a:spcPts val="354"/>
+          <a:spcPts val="315"/>
         </a:spcBef>
         <a:buFont typeface="Arial" panose="020B0604020202020204" pitchFamily="34" charset="0"/>
         <a:buChar char="•"/>
-        <a:defRPr sz="1276" kern="1200">
+        <a:defRPr sz="1134" kern="1200">
           <a:solidFill>
             <a:schemeClr val="tx1"/>
           </a:solidFill>
@@ -4206,16 +4206,16 @@
           <a:cs typeface="+mn-cs"/>
         </a:defRPr>
       </a:lvl5pPr>
-      <a:lvl6pPr marL="1782097" indent="-162009" algn="l" defTabSz="648035" rtl="0" eaLnBrk="1" latinLnBrk="0" hangingPunct="1">
+      <a:lvl6pPr marL="1583947" indent="-143995" algn="l" defTabSz="575981" rtl="0" eaLnBrk="1" latinLnBrk="0" hangingPunct="1">
         <a:lnSpc>
           <a:spcPct val="90000"/>
         </a:lnSpc>
         <a:spcBef>
-          <a:spcPts val="354"/>
+          <a:spcPts val="315"/>
         </a:spcBef>
         <a:buFont typeface="Arial" panose="020B0604020202020204" pitchFamily="34" charset="0"/>
         <a:buChar char="•"/>
-        <a:defRPr sz="1276" kern="1200">
+        <a:defRPr sz="1134" kern="1200">
           <a:solidFill>
             <a:schemeClr val="tx1"/>
           </a:solidFill>
@@ -4224,16 +4224,16 @@
           <a:cs typeface="+mn-cs"/>
         </a:defRPr>
       </a:lvl6pPr>
-      <a:lvl7pPr marL="2106115" indent="-162009" algn="l" defTabSz="648035" rtl="0" eaLnBrk="1" latinLnBrk="0" hangingPunct="1">
+      <a:lvl7pPr marL="1871937" indent="-143995" algn="l" defTabSz="575981" rtl="0" eaLnBrk="1" latinLnBrk="0" hangingPunct="1">
         <a:lnSpc>
           <a:spcPct val="90000"/>
         </a:lnSpc>
         <a:spcBef>
-          <a:spcPts val="354"/>
+          <a:spcPts val="315"/>
         </a:spcBef>
         <a:buFont typeface="Arial" panose="020B0604020202020204" pitchFamily="34" charset="0"/>
         <a:buChar char="•"/>
-        <a:defRPr sz="1276" kern="1200">
+        <a:defRPr sz="1134" kern="1200">
           <a:solidFill>
             <a:schemeClr val="tx1"/>
           </a:solidFill>
@@ -4242,16 +4242,16 @@
           <a:cs typeface="+mn-cs"/>
         </a:defRPr>
       </a:lvl7pPr>
-      <a:lvl8pPr marL="2430132" indent="-162009" algn="l" defTabSz="648035" rtl="0" eaLnBrk="1" latinLnBrk="0" hangingPunct="1">
+      <a:lvl8pPr marL="2159927" indent="-143995" algn="l" defTabSz="575981" rtl="0" eaLnBrk="1" latinLnBrk="0" hangingPunct="1">
         <a:lnSpc>
           <a:spcPct val="90000"/>
         </a:lnSpc>
         <a:spcBef>
-          <a:spcPts val="354"/>
+          <a:spcPts val="315"/>
         </a:spcBef>
         <a:buFont typeface="Arial" panose="020B0604020202020204" pitchFamily="34" charset="0"/>
         <a:buChar char="•"/>
-        <a:defRPr sz="1276" kern="1200">
+        <a:defRPr sz="1134" kern="1200">
           <a:solidFill>
             <a:schemeClr val="tx1"/>
           </a:solidFill>
@@ -4260,16 +4260,16 @@
           <a:cs typeface="+mn-cs"/>
         </a:defRPr>
       </a:lvl8pPr>
-      <a:lvl9pPr marL="2754150" indent="-162009" algn="l" defTabSz="648035" rtl="0" eaLnBrk="1" latinLnBrk="0" hangingPunct="1">
+      <a:lvl9pPr marL="2447917" indent="-143995" algn="l" defTabSz="575981" rtl="0" eaLnBrk="1" latinLnBrk="0" hangingPunct="1">
         <a:lnSpc>
           <a:spcPct val="90000"/>
         </a:lnSpc>
         <a:spcBef>
-          <a:spcPts val="354"/>
+          <a:spcPts val="315"/>
         </a:spcBef>
         <a:buFont typeface="Arial" panose="020B0604020202020204" pitchFamily="34" charset="0"/>
         <a:buChar char="•"/>
-        <a:defRPr sz="1276" kern="1200">
+        <a:defRPr sz="1134" kern="1200">
           <a:solidFill>
             <a:schemeClr val="tx1"/>
           </a:solidFill>
@@ -4283,8 +4283,8 @@
       <a:defPPr>
         <a:defRPr lang="en-US"/>
       </a:defPPr>
-      <a:lvl1pPr marL="0" algn="l" defTabSz="648035" rtl="0" eaLnBrk="1" latinLnBrk="0" hangingPunct="1">
-        <a:defRPr sz="1276" kern="1200">
+      <a:lvl1pPr marL="0" algn="l" defTabSz="575981" rtl="0" eaLnBrk="1" latinLnBrk="0" hangingPunct="1">
+        <a:defRPr sz="1134" kern="1200">
           <a:solidFill>
             <a:schemeClr val="tx1"/>
           </a:solidFill>
@@ -4293,8 +4293,8 @@
           <a:cs typeface="+mn-cs"/>
         </a:defRPr>
       </a:lvl1pPr>
-      <a:lvl2pPr marL="324018" algn="l" defTabSz="648035" rtl="0" eaLnBrk="1" latinLnBrk="0" hangingPunct="1">
-        <a:defRPr sz="1276" kern="1200">
+      <a:lvl2pPr marL="287990" algn="l" defTabSz="575981" rtl="0" eaLnBrk="1" latinLnBrk="0" hangingPunct="1">
+        <a:defRPr sz="1134" kern="1200">
           <a:solidFill>
             <a:schemeClr val="tx1"/>
           </a:solidFill>
@@ -4303,8 +4303,8 @@
           <a:cs typeface="+mn-cs"/>
         </a:defRPr>
       </a:lvl2pPr>
-      <a:lvl3pPr marL="648035" algn="l" defTabSz="648035" rtl="0" eaLnBrk="1" latinLnBrk="0" hangingPunct="1">
-        <a:defRPr sz="1276" kern="1200">
+      <a:lvl3pPr marL="575981" algn="l" defTabSz="575981" rtl="0" eaLnBrk="1" latinLnBrk="0" hangingPunct="1">
+        <a:defRPr sz="1134" kern="1200">
           <a:solidFill>
             <a:schemeClr val="tx1"/>
           </a:solidFill>
@@ -4313,8 +4313,8 @@
           <a:cs typeface="+mn-cs"/>
         </a:defRPr>
       </a:lvl3pPr>
-      <a:lvl4pPr marL="972053" algn="l" defTabSz="648035" rtl="0" eaLnBrk="1" latinLnBrk="0" hangingPunct="1">
-        <a:defRPr sz="1276" kern="1200">
+      <a:lvl4pPr marL="863971" algn="l" defTabSz="575981" rtl="0" eaLnBrk="1" latinLnBrk="0" hangingPunct="1">
+        <a:defRPr sz="1134" kern="1200">
           <a:solidFill>
             <a:schemeClr val="tx1"/>
           </a:solidFill>
@@ -4323,8 +4323,8 @@
           <a:cs typeface="+mn-cs"/>
         </a:defRPr>
       </a:lvl4pPr>
-      <a:lvl5pPr marL="1296071" algn="l" defTabSz="648035" rtl="0" eaLnBrk="1" latinLnBrk="0" hangingPunct="1">
-        <a:defRPr sz="1276" kern="1200">
+      <a:lvl5pPr marL="1151961" algn="l" defTabSz="575981" rtl="0" eaLnBrk="1" latinLnBrk="0" hangingPunct="1">
+        <a:defRPr sz="1134" kern="1200">
           <a:solidFill>
             <a:schemeClr val="tx1"/>
           </a:solidFill>
@@ -4333,8 +4333,8 @@
           <a:cs typeface="+mn-cs"/>
         </a:defRPr>
       </a:lvl5pPr>
-      <a:lvl6pPr marL="1620088" algn="l" defTabSz="648035" rtl="0" eaLnBrk="1" latinLnBrk="0" hangingPunct="1">
-        <a:defRPr sz="1276" kern="1200">
+      <a:lvl6pPr marL="1439951" algn="l" defTabSz="575981" rtl="0" eaLnBrk="1" latinLnBrk="0" hangingPunct="1">
+        <a:defRPr sz="1134" kern="1200">
           <a:solidFill>
             <a:schemeClr val="tx1"/>
           </a:solidFill>
@@ -4343,8 +4343,8 @@
           <a:cs typeface="+mn-cs"/>
         </a:defRPr>
       </a:lvl6pPr>
-      <a:lvl7pPr marL="1944106" algn="l" defTabSz="648035" rtl="0" eaLnBrk="1" latinLnBrk="0" hangingPunct="1">
-        <a:defRPr sz="1276" kern="1200">
+      <a:lvl7pPr marL="1727942" algn="l" defTabSz="575981" rtl="0" eaLnBrk="1" latinLnBrk="0" hangingPunct="1">
+        <a:defRPr sz="1134" kern="1200">
           <a:solidFill>
             <a:schemeClr val="tx1"/>
           </a:solidFill>
@@ -4353,8 +4353,8 @@
           <a:cs typeface="+mn-cs"/>
         </a:defRPr>
       </a:lvl7pPr>
-      <a:lvl8pPr marL="2268123" algn="l" defTabSz="648035" rtl="0" eaLnBrk="1" latinLnBrk="0" hangingPunct="1">
-        <a:defRPr sz="1276" kern="1200">
+      <a:lvl8pPr marL="2015932" algn="l" defTabSz="575981" rtl="0" eaLnBrk="1" latinLnBrk="0" hangingPunct="1">
+        <a:defRPr sz="1134" kern="1200">
           <a:solidFill>
             <a:schemeClr val="tx1"/>
           </a:solidFill>
@@ -4363,8 +4363,8 @@
           <a:cs typeface="+mn-cs"/>
         </a:defRPr>
       </a:lvl8pPr>
-      <a:lvl9pPr marL="2592141" algn="l" defTabSz="648035" rtl="0" eaLnBrk="1" latinLnBrk="0" hangingPunct="1">
-        <a:defRPr sz="1276" kern="1200">
+      <a:lvl9pPr marL="2303922" algn="l" defTabSz="575981" rtl="0" eaLnBrk="1" latinLnBrk="0" hangingPunct="1">
+        <a:defRPr sz="1134" kern="1200">
           <a:solidFill>
             <a:schemeClr val="tx1"/>
           </a:solidFill>
@@ -4409,7 +4409,7 @@
         </p:nvSpPr>
         <p:spPr>
           <a:xfrm>
-            <a:off x="244481" y="2485041"/>
+            <a:off x="244482" y="1839881"/>
             <a:ext cx="1926955" cy="1749933"/>
           </a:xfrm>
           <a:prstGeom prst="ellipse">
@@ -4463,7 +4463,7 @@
         </p:nvGrpSpPr>
         <p:grpSpPr>
           <a:xfrm>
-            <a:off x="4017185" y="3735687"/>
+            <a:off x="4017185" y="3392436"/>
             <a:ext cx="1057080" cy="765669"/>
             <a:chOff x="7239000" y="4713698"/>
             <a:chExt cx="1057080" cy="765669"/>
@@ -5389,7 +5389,7 @@
         </p:nvCxnSpPr>
         <p:spPr>
           <a:xfrm>
-            <a:off x="2505625" y="4181910"/>
+            <a:off x="2541819" y="3536749"/>
             <a:ext cx="1066800" cy="0"/>
           </a:xfrm>
           <a:prstGeom prst="straightConnector1">
@@ -5437,8 +5437,8 @@
         </p:nvSpPr>
         <p:spPr>
           <a:xfrm>
-            <a:off x="2505625" y="4230669"/>
-            <a:ext cx="1640193" cy="830997"/>
+            <a:off x="2376951" y="3585508"/>
+            <a:ext cx="1396536" cy="707886"/>
           </a:xfrm>
           <a:prstGeom prst="rect">
             <a:avLst/>
@@ -5452,7 +5452,7 @@
           <a:lstStyle/>
           <a:p>
             <a:r>
-              <a:rPr lang="en-US" sz="2400" dirty="0">
+              <a:rPr lang="en-US" sz="2000" dirty="0">
                 <a:solidFill>
                   <a:schemeClr val="tx1">
                     <a:lumMod val="75000"/>
@@ -5467,7 +5467,7 @@
           </a:p>
           <a:p>
             <a:r>
-              <a:rPr lang="en-US" sz="2400" dirty="0">
+              <a:rPr lang="en-US" sz="2000" dirty="0">
                 <a:solidFill>
                   <a:schemeClr val="tx1">
                     <a:lumMod val="75000"/>
@@ -5498,7 +5498,7 @@
         </p:nvCxnSpPr>
         <p:spPr>
           <a:xfrm flipV="1">
-            <a:off x="2505625" y="3060540"/>
+            <a:off x="2527392" y="2415379"/>
             <a:ext cx="1066800" cy="755016"/>
           </a:xfrm>
           <a:prstGeom prst="straightConnector1">
@@ -5546,8 +5546,8 @@
         </p:nvSpPr>
         <p:spPr>
           <a:xfrm>
-            <a:off x="2505625" y="2432285"/>
-            <a:ext cx="1606530" cy="830997"/>
+            <a:off x="2376951" y="1787124"/>
+            <a:ext cx="1367682" cy="707886"/>
           </a:xfrm>
           <a:prstGeom prst="rect">
             <a:avLst/>
@@ -5561,7 +5561,7 @@
           <a:lstStyle/>
           <a:p>
             <a:r>
-              <a:rPr lang="en-US" sz="2400" dirty="0">
+              <a:rPr lang="en-US" sz="2000" dirty="0">
                 <a:solidFill>
                   <a:schemeClr val="tx1">
                     <a:lumMod val="75000"/>
@@ -5576,7 +5576,7 @@
           </a:p>
           <a:p>
             <a:r>
-              <a:rPr lang="en-US" sz="2400" dirty="0">
+              <a:rPr lang="en-US" sz="2000" dirty="0">
                 <a:solidFill>
                   <a:schemeClr val="tx1">
                     <a:lumMod val="75000"/>
@@ -5605,10 +5605,10 @@
         </p:nvGrpSpPr>
         <p:grpSpPr>
           <a:xfrm>
-            <a:off x="185092" y="2813972"/>
-            <a:ext cx="1946475" cy="2001837"/>
-            <a:chOff x="3623566" y="3858555"/>
-            <a:chExt cx="1946475" cy="2001837"/>
+            <a:off x="285775" y="2168812"/>
+            <a:ext cx="1845792" cy="2001837"/>
+            <a:chOff x="3724249" y="3858555"/>
+            <a:chExt cx="1845792" cy="2001837"/>
           </a:xfrm>
         </p:grpSpPr>
         <p:cxnSp>
@@ -5848,8 +5848,8 @@
           </p:nvSpPr>
           <p:spPr>
             <a:xfrm>
-              <a:off x="3623566" y="5089558"/>
-              <a:ext cx="731290" cy="461665"/>
+              <a:off x="3724249" y="5104190"/>
+              <a:ext cx="655949" cy="400110"/>
             </a:xfrm>
             <a:prstGeom prst="rect">
               <a:avLst/>
@@ -5863,13 +5863,15 @@
             <a:lstStyle/>
             <a:p>
               <a:r>
-                <a:rPr lang="en-US" sz="2400" dirty="0">
+                <a:rPr lang="en-US" sz="2000" dirty="0">
                   <a:solidFill>
                     <a:schemeClr val="tx1">
                       <a:lumMod val="75000"/>
                       <a:lumOff val="25000"/>
                     </a:schemeClr>
                   </a:solidFill>
+                  <a:latin typeface="Arial" panose="020B0604020202020204" pitchFamily="34" charset="0"/>
+                  <a:cs typeface="Arial" panose="020B0604020202020204" pitchFamily="34" charset="0"/>
                 </a:rPr>
                 <a:t>Link</a:t>
               </a:r>
@@ -5943,8 +5945,8 @@
         </p:nvSpPr>
         <p:spPr>
           <a:xfrm>
-            <a:off x="359009" y="2544964"/>
-            <a:ext cx="1697901" cy="369332"/>
+            <a:off x="277855" y="1908936"/>
+            <a:ext cx="1864613" cy="400110"/>
           </a:xfrm>
           <a:prstGeom prst="rect">
             <a:avLst/>
@@ -5958,7 +5960,7 @@
           <a:lstStyle/>
           <a:p>
             <a:r>
-              <a:rPr lang="en-US" dirty="0">
+              <a:rPr lang="en-US" sz="2000" dirty="0">
                 <a:solidFill>
                   <a:schemeClr val="tx1">
                     <a:lumMod val="75000"/>
@@ -5987,8 +5989,8 @@
         </p:nvSpPr>
         <p:spPr>
           <a:xfrm>
-            <a:off x="1262592" y="4415336"/>
-            <a:ext cx="1160895" cy="461665"/>
+            <a:off x="1262593" y="3770175"/>
+            <a:ext cx="997389" cy="400110"/>
           </a:xfrm>
           <a:prstGeom prst="rect">
             <a:avLst/>
@@ -6002,7 +6004,7 @@
           <a:lstStyle/>
           <a:p>
             <a:r>
-              <a:rPr lang="en-US" sz="2400" dirty="0">
+              <a:rPr lang="en-US" sz="2000" dirty="0">
                 <a:solidFill>
                   <a:schemeClr val="tx1">
                     <a:lumMod val="75000"/>
@@ -6034,8 +6036,8 @@
         </p:nvCxnSpPr>
         <p:spPr>
           <a:xfrm>
-            <a:off x="1366843" y="4275807"/>
-            <a:ext cx="476197" cy="139529"/>
+            <a:off x="1366843" y="3630647"/>
+            <a:ext cx="394444" cy="139529"/>
           </a:xfrm>
           <a:prstGeom prst="line">
             <a:avLst/>
@@ -6079,7 +6081,7 @@
         </p:nvGrpSpPr>
         <p:grpSpPr>
           <a:xfrm>
-            <a:off x="2686880" y="170135"/>
+            <a:off x="2686880" y="90959"/>
             <a:ext cx="3671554" cy="2927036"/>
             <a:chOff x="8107846" y="971962"/>
             <a:chExt cx="3671555" cy="2927036"/>
@@ -6482,8 +6484,8 @@
           </p:style>
         </p:cxnSp>
       </p:grpSp>
-      <mc:AlternateContent xmlns:mc="http://schemas.openxmlformats.org/markup-compatibility/2006">
-        <mc:Choice xmlns:a14="http://schemas.microsoft.com/office/drawing/2010/main" Requires="a14">
+      <mc:AlternateContent xmlns:mc="http://schemas.openxmlformats.org/markup-compatibility/2006" xmlns:a14="http://schemas.microsoft.com/office/drawing/2010/main">
+        <mc:Choice Requires="a14">
           <p:sp>
             <p:nvSpPr>
               <p:cNvPr id="73" name="TextBox 72">
@@ -6498,8 +6500,8 @@
             </p:nvSpPr>
             <p:spPr>
               <a:xfrm>
-                <a:off x="430854" y="1619163"/>
-                <a:ext cx="1554208" cy="830997"/>
+                <a:off x="277855" y="1101616"/>
+                <a:ext cx="1331839" cy="707886"/>
               </a:xfrm>
               <a:prstGeom prst="rect">
                 <a:avLst/>
@@ -6520,14 +6522,14 @@
                     </m:oMathParaPr>
                     <m:oMath xmlns:m="http://schemas.openxmlformats.org/officeDocument/2006/math">
                       <m:r>
-                        <a:rPr lang="en-US" sz="2400" i="1" dirty="0">
+                        <a:rPr lang="en-US" sz="2000" i="1" dirty="0">
                           <a:latin typeface="Cambria Math" panose="02040503050406030204" pitchFamily="18" charset="0"/>
                           <a:cs typeface="Arial" panose="020B0604020202020204" pitchFamily="34" charset="0"/>
                         </a:rPr>
                         <m:t>𝐿</m:t>
                       </m:r>
                       <m:r>
-                        <a:rPr lang="en-US" sz="2400" i="1" dirty="0">
+                        <a:rPr lang="en-US" sz="2000" i="1" dirty="0">
                           <a:latin typeface="Cambria Math" panose="02040503050406030204" pitchFamily="18" charset="0"/>
                           <a:cs typeface="Arial" panose="020B0604020202020204" pitchFamily="34" charset="0"/>
                         </a:rPr>
@@ -6536,7 +6538,7 @@
                     </m:oMath>
                   </m:oMathPara>
                 </a14:m>
-                <a:endParaRPr lang="en-US" sz="2400" dirty="0">
+                <a:endParaRPr lang="en-US" sz="2000" dirty="0">
                   <a:latin typeface="Arial" panose="020B0604020202020204" pitchFamily="34" charset="0"/>
                   <a:cs typeface="Arial" panose="020B0604020202020204" pitchFamily="34" charset="0"/>
                 </a:endParaRPr>
@@ -6552,14 +6554,14 @@
                       <m:sSub>
                         <m:sSubPr>
                           <m:ctrlPr>
-                            <a:rPr lang="en-US" sz="2400" i="1">
+                            <a:rPr lang="en-US" sz="2000" i="1">
                               <a:latin typeface="Cambria Math" panose="02040503050406030204" pitchFamily="18" charset="0"/>
                             </a:rPr>
                           </m:ctrlPr>
                         </m:sSubPr>
                         <m:e>
                           <m:r>
-                            <a:rPr lang="en-US" sz="2400" i="1">
+                            <a:rPr lang="en-US" sz="2000" i="1">
                               <a:latin typeface="Cambria Math" panose="02040503050406030204" pitchFamily="18" charset="0"/>
                             </a:rPr>
                             <m:t>𝜆</m:t>
@@ -6567,7 +6569,7 @@
                         </m:e>
                         <m:sub>
                           <m:r>
-                            <a:rPr lang="en-US" sz="2400" i="1">
+                            <a:rPr lang="en-US" sz="2000" i="1">
                               <a:latin typeface="Cambria Math" panose="02040503050406030204" pitchFamily="18" charset="0"/>
                             </a:rPr>
                             <m:t>𝑏</m:t>
@@ -6575,7 +6577,7 @@
                         </m:sub>
                       </m:sSub>
                       <m:r>
-                        <a:rPr lang="en-US" sz="2400" i="1">
+                        <a:rPr lang="en-US" sz="2000" i="1">
                           <a:latin typeface="Cambria Math" panose="02040503050406030204" pitchFamily="18" charset="0"/>
                         </a:rPr>
                         <m:t>=0.20</m:t>
@@ -6583,7 +6585,7 @@
                     </m:oMath>
                   </m:oMathPara>
                 </a14:m>
-                <a:endParaRPr lang="en-US" sz="2400" dirty="0">
+                <a:endParaRPr lang="en-US" sz="2000" dirty="0">
                   <a:latin typeface="Arial" panose="020B0604020202020204" pitchFamily="34" charset="0"/>
                   <a:cs typeface="Arial" panose="020B0604020202020204" pitchFamily="34" charset="0"/>
                 </a:endParaRPr>
@@ -6591,7 +6593,7 @@
             </p:txBody>
           </p:sp>
         </mc:Choice>
-        <mc:Fallback>
+        <mc:Fallback xmlns="">
           <p:sp>
             <p:nvSpPr>
               <p:cNvPr id="73" name="TextBox 72">
@@ -6608,8 +6610,8 @@
             </p:nvSpPr>
             <p:spPr>
               <a:xfrm>
-                <a:off x="430854" y="1619163"/>
-                <a:ext cx="1554208" cy="830997"/>
+                <a:off x="277855" y="1101616"/>
+                <a:ext cx="1331839" cy="707886"/>
               </a:xfrm>
               <a:prstGeom prst="rect">
                 <a:avLst/>
@@ -6617,7 +6619,7 @@
               <a:blipFill>
                 <a:blip r:embed="rId2"/>
                 <a:stretch>
-                  <a:fillRect l="-1176" b="-2206"/>
+                  <a:fillRect b="-1724"/>
                 </a:stretch>
               </a:blipFill>
             </p:spPr>
@@ -6636,8 +6638,8 @@
           </p:sp>
         </mc:Fallback>
       </mc:AlternateContent>
-      <mc:AlternateContent xmlns:mc="http://schemas.openxmlformats.org/markup-compatibility/2006">
-        <mc:Choice xmlns:a14="http://schemas.microsoft.com/office/drawing/2010/main" Requires="a14">
+      <mc:AlternateContent xmlns:mc="http://schemas.openxmlformats.org/markup-compatibility/2006" xmlns:a14="http://schemas.microsoft.com/office/drawing/2010/main">
+        <mc:Choice Requires="a14">
           <p:sp>
             <p:nvSpPr>
               <p:cNvPr id="74" name="TextBox 73">
@@ -6652,8 +6654,8 @@
             </p:nvSpPr>
             <p:spPr>
               <a:xfrm>
-                <a:off x="5030199" y="2336877"/>
-                <a:ext cx="1554208" cy="830997"/>
+                <a:off x="5108649" y="2387208"/>
+                <a:ext cx="1331839" cy="707886"/>
               </a:xfrm>
               <a:prstGeom prst="rect">
                 <a:avLst/>
@@ -6674,13 +6676,13 @@
                     </m:oMathParaPr>
                     <m:oMath xmlns:m="http://schemas.openxmlformats.org/officeDocument/2006/math">
                       <m:r>
-                        <a:rPr lang="en-US" sz="2400" i="1">
+                        <a:rPr lang="en-US" sz="2000" i="1">
                           <a:latin typeface="Cambria Math" panose="02040503050406030204" pitchFamily="18" charset="0"/>
                         </a:rPr>
                         <m:t>𝐿</m:t>
                       </m:r>
                       <m:r>
-                        <a:rPr lang="en-US" sz="2400" i="1">
+                        <a:rPr lang="en-US" sz="2000" i="1">
                           <a:latin typeface="Cambria Math" panose="02040503050406030204" pitchFamily="18" charset="0"/>
                         </a:rPr>
                         <m:t>=35</m:t>
@@ -6688,7 +6690,7 @@
                     </m:oMath>
                   </m:oMathPara>
                 </a14:m>
-                <a:endParaRPr lang="en-US" sz="2400" i="1" dirty="0">
+                <a:endParaRPr lang="en-US" sz="2000" i="1" dirty="0">
                   <a:latin typeface="Cambria Math" panose="02040503050406030204" pitchFamily="18" charset="0"/>
                 </a:endParaRPr>
               </a:p>
@@ -6703,14 +6705,14 @@
                       <m:sSub>
                         <m:sSubPr>
                           <m:ctrlPr>
-                            <a:rPr lang="en-US" sz="2400" i="1">
+                            <a:rPr lang="en-US" sz="2000" i="1">
                               <a:latin typeface="Cambria Math" panose="02040503050406030204" pitchFamily="18" charset="0"/>
                             </a:rPr>
                           </m:ctrlPr>
                         </m:sSubPr>
                         <m:e>
                           <m:r>
-                            <a:rPr lang="en-US" sz="2400" i="1">
+                            <a:rPr lang="en-US" sz="2000" i="1">
                               <a:latin typeface="Cambria Math" panose="02040503050406030204" pitchFamily="18" charset="0"/>
                             </a:rPr>
                             <m:t>𝜆</m:t>
@@ -6718,7 +6720,7 @@
                         </m:e>
                         <m:sub>
                           <m:r>
-                            <a:rPr lang="en-US" sz="2400" i="1">
+                            <a:rPr lang="en-US" sz="2000" i="1">
                               <a:latin typeface="Cambria Math" panose="02040503050406030204" pitchFamily="18" charset="0"/>
                             </a:rPr>
                             <m:t>𝑏</m:t>
@@ -6726,7 +6728,7 @@
                         </m:sub>
                       </m:sSub>
                       <m:r>
-                        <a:rPr lang="en-US" sz="2400" i="1">
+                        <a:rPr lang="en-US" sz="2000" i="1">
                           <a:latin typeface="Cambria Math" panose="02040503050406030204" pitchFamily="18" charset="0"/>
                         </a:rPr>
                         <m:t>=0.20</m:t>
@@ -6734,7 +6736,7 @@
                     </m:oMath>
                   </m:oMathPara>
                 </a14:m>
-                <a:endParaRPr lang="en-US" sz="2400" dirty="0">
+                <a:endParaRPr lang="en-US" sz="2000" dirty="0">
                   <a:latin typeface="Arial" panose="020B0604020202020204" pitchFamily="34" charset="0"/>
                   <a:cs typeface="Arial" panose="020B0604020202020204" pitchFamily="34" charset="0"/>
                 </a:endParaRPr>
@@ -6742,7 +6744,7 @@
             </p:txBody>
           </p:sp>
         </mc:Choice>
-        <mc:Fallback>
+        <mc:Fallback xmlns="">
           <p:sp>
             <p:nvSpPr>
               <p:cNvPr id="74" name="TextBox 73">
@@ -6759,8 +6761,8 @@
             </p:nvSpPr>
             <p:spPr>
               <a:xfrm>
-                <a:off x="5030199" y="2336877"/>
-                <a:ext cx="1554208" cy="830997"/>
+                <a:off x="5108649" y="2387208"/>
+                <a:ext cx="1331839" cy="707886"/>
               </a:xfrm>
               <a:prstGeom prst="rect">
                 <a:avLst/>
@@ -6768,7 +6770,7 @@
               <a:blipFill>
                 <a:blip r:embed="rId3"/>
                 <a:stretch>
-                  <a:fillRect l="-1176" b="-2190"/>
+                  <a:fillRect b="-1724"/>
                 </a:stretch>
               </a:blipFill>
             </p:spPr>
@@ -6787,8 +6789,8 @@
           </p:sp>
         </mc:Fallback>
       </mc:AlternateContent>
-      <mc:AlternateContent xmlns:mc="http://schemas.openxmlformats.org/markup-compatibility/2006">
-        <mc:Choice xmlns:a14="http://schemas.microsoft.com/office/drawing/2010/main" Requires="a14">
+      <mc:AlternateContent xmlns:mc="http://schemas.openxmlformats.org/markup-compatibility/2006" xmlns:a14="http://schemas.microsoft.com/office/drawing/2010/main">
+        <mc:Choice Requires="a14">
           <p:sp>
             <p:nvSpPr>
               <p:cNvPr id="75" name="TextBox 74">
@@ -6803,8 +6805,8 @@
             </p:nvSpPr>
             <p:spPr>
               <a:xfrm>
-                <a:off x="5030199" y="3665588"/>
-                <a:ext cx="1554208" cy="830997"/>
+                <a:off x="5108649" y="3453109"/>
+                <a:ext cx="1331839" cy="707886"/>
               </a:xfrm>
               <a:prstGeom prst="rect">
                 <a:avLst/>
@@ -6825,13 +6827,13 @@
                     </m:oMathParaPr>
                     <m:oMath xmlns:m="http://schemas.openxmlformats.org/officeDocument/2006/math">
                       <m:r>
-                        <a:rPr lang="en-US" sz="2400" i="1">
+                        <a:rPr lang="en-US" sz="2000" i="1">
                           <a:latin typeface="Cambria Math" panose="02040503050406030204" pitchFamily="18" charset="0"/>
                         </a:rPr>
                         <m:t>𝐿</m:t>
                       </m:r>
                       <m:r>
-                        <a:rPr lang="en-US" sz="2400" i="1">
+                        <a:rPr lang="en-US" sz="2000" i="1">
                           <a:latin typeface="Cambria Math" panose="02040503050406030204" pitchFamily="18" charset="0"/>
                         </a:rPr>
                         <m:t>=15</m:t>
@@ -6839,7 +6841,7 @@
                     </m:oMath>
                   </m:oMathPara>
                 </a14:m>
-                <a:endParaRPr lang="en-US" sz="2400" i="1" dirty="0">
+                <a:endParaRPr lang="en-US" sz="2000" i="1" dirty="0">
                   <a:latin typeface="Cambria Math" panose="02040503050406030204" pitchFamily="18" charset="0"/>
                 </a:endParaRPr>
               </a:p>
@@ -6854,14 +6856,14 @@
                       <m:sSub>
                         <m:sSubPr>
                           <m:ctrlPr>
-                            <a:rPr lang="en-US" sz="2400" i="1">
+                            <a:rPr lang="en-US" sz="2000" i="1">
                               <a:latin typeface="Cambria Math" panose="02040503050406030204" pitchFamily="18" charset="0"/>
                             </a:rPr>
                           </m:ctrlPr>
                         </m:sSubPr>
                         <m:e>
                           <m:r>
-                            <a:rPr lang="en-US" sz="2400" i="1">
+                            <a:rPr lang="en-US" sz="2000" i="1">
                               <a:latin typeface="Cambria Math" panose="02040503050406030204" pitchFamily="18" charset="0"/>
                             </a:rPr>
                             <m:t>𝜆</m:t>
@@ -6869,7 +6871,7 @@
                         </m:e>
                         <m:sub>
                           <m:r>
-                            <a:rPr lang="en-US" sz="2400" i="1">
+                            <a:rPr lang="en-US" sz="2000" i="1">
                               <a:latin typeface="Cambria Math" panose="02040503050406030204" pitchFamily="18" charset="0"/>
                             </a:rPr>
                             <m:t>𝑏</m:t>
@@ -6877,7 +6879,7 @@
                         </m:sub>
                       </m:sSub>
                       <m:r>
-                        <a:rPr lang="en-US" sz="2400" i="1">
+                        <a:rPr lang="en-US" sz="2000" i="1">
                           <a:latin typeface="Cambria Math" panose="02040503050406030204" pitchFamily="18" charset="0"/>
                         </a:rPr>
                         <m:t>=1.00</m:t>
@@ -6885,7 +6887,7 @@
                     </m:oMath>
                   </m:oMathPara>
                 </a14:m>
-                <a:endParaRPr lang="en-US" sz="2400" dirty="0">
+                <a:endParaRPr lang="en-US" sz="2000" dirty="0">
                   <a:latin typeface="Arial" panose="020B0604020202020204" pitchFamily="34" charset="0"/>
                   <a:cs typeface="Arial" panose="020B0604020202020204" pitchFamily="34" charset="0"/>
                 </a:endParaRPr>
@@ -6893,7 +6895,7 @@
             </p:txBody>
           </p:sp>
         </mc:Choice>
-        <mc:Fallback>
+        <mc:Fallback xmlns="">
           <p:sp>
             <p:nvSpPr>
               <p:cNvPr id="75" name="TextBox 74">
@@ -6910,8 +6912,8 @@
             </p:nvSpPr>
             <p:spPr>
               <a:xfrm>
-                <a:off x="5030199" y="3665588"/>
-                <a:ext cx="1554208" cy="830997"/>
+                <a:off x="5108649" y="3453109"/>
+                <a:ext cx="1331839" cy="707886"/>
               </a:xfrm>
               <a:prstGeom prst="rect">
                 <a:avLst/>
@@ -6919,7 +6921,7 @@
               <a:blipFill>
                 <a:blip r:embed="rId4"/>
                 <a:stretch>
-                  <a:fillRect l="-1176" b="-2190"/>
+                  <a:fillRect b="-1709"/>
                 </a:stretch>
               </a:blipFill>
             </p:spPr>

--- a/tex/figure.pptx
+++ b/tex/figure.pptx
@@ -126,7 +126,7 @@
 <file path=ppt/revisionInfo.xml><?xml version="1.0" encoding="utf-8"?>
 <p1510:revInfo xmlns:a="http://schemas.openxmlformats.org/drawingml/2006/main" xmlns:r="http://schemas.openxmlformats.org/officeDocument/2006/relationships" xmlns:p1510="http://schemas.microsoft.com/office/powerpoint/2015/10/main">
   <p1510:revLst>
-    <p1510:client id="{14AEF855-77FF-44CB-AE07-9D37547B7A88}" v="181" dt="2024-09-16T23:56:26.479"/>
+    <p1510:client id="{58E44CAC-8FA5-4DE1-BE51-D62C8AF68350}" v="20" dt="2024-10-15T19:49:21.378"/>
   </p1510:revLst>
 </p1510:revInfo>
 </file>
@@ -1529,6 +1529,278 @@
           </pc:spChg>
         </pc:sldLayoutChg>
       </pc:sldMasterChg>
+    </pc:docChg>
+  </pc:docChgLst>
+  <pc:docChgLst>
+    <pc:chgData name="Akira Terui" userId="3f83de79-c81c-43e2-ac56-bbb755c07a02" providerId="ADAL" clId="{58E44CAC-8FA5-4DE1-BE51-D62C8AF68350}"/>
+    <pc:docChg chg="undo custSel modSld">
+      <pc:chgData name="Akira Terui" userId="3f83de79-c81c-43e2-ac56-bbb755c07a02" providerId="ADAL" clId="{58E44CAC-8FA5-4DE1-BE51-D62C8AF68350}" dt="2024-10-15T19:56:58.467" v="274" actId="207"/>
+      <pc:docMkLst>
+        <pc:docMk/>
+      </pc:docMkLst>
+      <pc:sldChg chg="addSp delSp modSp mod">
+        <pc:chgData name="Akira Terui" userId="3f83de79-c81c-43e2-ac56-bbb755c07a02" providerId="ADAL" clId="{58E44CAC-8FA5-4DE1-BE51-D62C8AF68350}" dt="2024-10-15T19:56:58.467" v="274" actId="207"/>
+        <pc:sldMkLst>
+          <pc:docMk/>
+          <pc:sldMk cId="1909375894" sldId="256"/>
+        </pc:sldMkLst>
+        <pc:spChg chg="add del">
+          <ac:chgData name="Akira Terui" userId="3f83de79-c81c-43e2-ac56-bbb755c07a02" providerId="ADAL" clId="{58E44CAC-8FA5-4DE1-BE51-D62C8AF68350}" dt="2024-10-15T19:38:21.015" v="95" actId="478"/>
+          <ac:spMkLst>
+            <pc:docMk/>
+            <pc:sldMk cId="1909375894" sldId="256"/>
+            <ac:spMk id="5" creationId="{8862E560-68BF-BBD5-AD7C-8E682F39C278}"/>
+          </ac:spMkLst>
+        </pc:spChg>
+        <pc:spChg chg="mod">
+          <ac:chgData name="Akira Terui" userId="3f83de79-c81c-43e2-ac56-bbb755c07a02" providerId="ADAL" clId="{58E44CAC-8FA5-4DE1-BE51-D62C8AF68350}" dt="2024-10-15T19:42:57.812" v="160" actId="1035"/>
+          <ac:spMkLst>
+            <pc:docMk/>
+            <pc:sldMk cId="1909375894" sldId="256"/>
+            <ac:spMk id="7" creationId="{B1F3E2F2-C812-A441-4971-99C8963825B9}"/>
+          </ac:spMkLst>
+        </pc:spChg>
+        <pc:spChg chg="del">
+          <ac:chgData name="Akira Terui" userId="3f83de79-c81c-43e2-ac56-bbb755c07a02" providerId="ADAL" clId="{58E44CAC-8FA5-4DE1-BE51-D62C8AF68350}" dt="2024-10-15T19:39:27.175" v="105" actId="478"/>
+          <ac:spMkLst>
+            <pc:docMk/>
+            <pc:sldMk cId="1909375894" sldId="256"/>
+            <ac:spMk id="17" creationId="{CC2529A2-48A3-FB83-04B4-D66AFC639950}"/>
+          </ac:spMkLst>
+        </pc:spChg>
+        <pc:spChg chg="mod">
+          <ac:chgData name="Akira Terui" userId="3f83de79-c81c-43e2-ac56-bbb755c07a02" providerId="ADAL" clId="{58E44CAC-8FA5-4DE1-BE51-D62C8AF68350}" dt="2024-10-15T19:47:51.219" v="210" actId="1076"/>
+          <ac:spMkLst>
+            <pc:docMk/>
+            <pc:sldMk cId="1909375894" sldId="256"/>
+            <ac:spMk id="18" creationId="{EB2AC226-DFFB-FB4E-F85F-56750A451258}"/>
+          </ac:spMkLst>
+        </pc:spChg>
+        <pc:spChg chg="add mod ord">
+          <ac:chgData name="Akira Terui" userId="3f83de79-c81c-43e2-ac56-bbb755c07a02" providerId="ADAL" clId="{58E44CAC-8FA5-4DE1-BE51-D62C8AF68350}" dt="2024-10-15T19:56:58.467" v="274" actId="207"/>
+          <ac:spMkLst>
+            <pc:docMk/>
+            <pc:sldMk cId="1909375894" sldId="256"/>
+            <ac:spMk id="19" creationId="{EE53AD7C-F38A-CF22-CF18-500501DCC521}"/>
+          </ac:spMkLst>
+        </pc:spChg>
+        <pc:spChg chg="add mod">
+          <ac:chgData name="Akira Terui" userId="3f83de79-c81c-43e2-ac56-bbb755c07a02" providerId="ADAL" clId="{58E44CAC-8FA5-4DE1-BE51-D62C8AF68350}" dt="2024-10-15T19:45:44.336" v="197" actId="1076"/>
+          <ac:spMkLst>
+            <pc:docMk/>
+            <pc:sldMk cId="1909375894" sldId="256"/>
+            <ac:spMk id="42" creationId="{2D49E254-86F8-D441-24F7-313C597F1A12}"/>
+          </ac:spMkLst>
+        </pc:spChg>
+        <pc:spChg chg="mod">
+          <ac:chgData name="Akira Terui" userId="3f83de79-c81c-43e2-ac56-bbb755c07a02" providerId="ADAL" clId="{58E44CAC-8FA5-4DE1-BE51-D62C8AF68350}" dt="2024-10-15T19:49:37.803" v="255" actId="1038"/>
+          <ac:spMkLst>
+            <pc:docMk/>
+            <pc:sldMk cId="1909375894" sldId="256"/>
+            <ac:spMk id="49" creationId="{3C66D392-B710-7174-D5D7-3F167B515866}"/>
+          </ac:spMkLst>
+        </pc:spChg>
+        <pc:spChg chg="add mod">
+          <ac:chgData name="Akira Terui" userId="3f83de79-c81c-43e2-ac56-bbb755c07a02" providerId="ADAL" clId="{58E44CAC-8FA5-4DE1-BE51-D62C8AF68350}" dt="2024-10-15T19:49:21.378" v="247" actId="207"/>
+          <ac:spMkLst>
+            <pc:docMk/>
+            <pc:sldMk cId="1909375894" sldId="256"/>
+            <ac:spMk id="52" creationId="{1AAA83AC-97EA-9577-24A9-C4F2A5914276}"/>
+          </ac:spMkLst>
+        </pc:spChg>
+        <pc:spChg chg="mod">
+          <ac:chgData name="Akira Terui" userId="3f83de79-c81c-43e2-ac56-bbb755c07a02" providerId="ADAL" clId="{58E44CAC-8FA5-4DE1-BE51-D62C8AF68350}" dt="2024-10-15T19:54:06.874" v="267" actId="1036"/>
+          <ac:spMkLst>
+            <pc:docMk/>
+            <pc:sldMk cId="1909375894" sldId="256"/>
+            <ac:spMk id="63" creationId="{C49A7F1B-05C3-1118-C78E-D059521099DB}"/>
+          </ac:spMkLst>
+        </pc:spChg>
+        <pc:spChg chg="mod">
+          <ac:chgData name="Akira Terui" userId="3f83de79-c81c-43e2-ac56-bbb755c07a02" providerId="ADAL" clId="{58E44CAC-8FA5-4DE1-BE51-D62C8AF68350}" dt="2024-10-15T19:42:57.812" v="160" actId="1035"/>
+          <ac:spMkLst>
+            <pc:docMk/>
+            <pc:sldMk cId="1909375894" sldId="256"/>
+            <ac:spMk id="73" creationId="{49879CCA-4DA6-2961-013E-D7379B5FEA1A}"/>
+          </ac:spMkLst>
+        </pc:spChg>
+        <pc:grpChg chg="add mod">
+          <ac:chgData name="Akira Terui" userId="3f83de79-c81c-43e2-ac56-bbb755c07a02" providerId="ADAL" clId="{58E44CAC-8FA5-4DE1-BE51-D62C8AF68350}" dt="2024-10-15T19:39:00.962" v="100" actId="164"/>
+          <ac:grpSpMkLst>
+            <pc:docMk/>
+            <pc:sldMk cId="1909375894" sldId="256"/>
+            <ac:grpSpMk id="6" creationId="{CB756AC1-CA12-C60C-464C-106F16A65372}"/>
+          </ac:grpSpMkLst>
+        </pc:grpChg>
+        <pc:grpChg chg="add mod ord">
+          <ac:chgData name="Akira Terui" userId="3f83de79-c81c-43e2-ac56-bbb755c07a02" providerId="ADAL" clId="{58E44CAC-8FA5-4DE1-BE51-D62C8AF68350}" dt="2024-10-15T19:42:57.812" v="160" actId="1035"/>
+          <ac:grpSpMkLst>
+            <pc:docMk/>
+            <pc:sldMk cId="1909375894" sldId="256"/>
+            <ac:grpSpMk id="8" creationId="{AFFED430-8923-B6A0-B422-0DE0299CE842}"/>
+          </ac:grpSpMkLst>
+        </pc:grpChg>
+        <pc:grpChg chg="mod">
+          <ac:chgData name="Akira Terui" userId="3f83de79-c81c-43e2-ac56-bbb755c07a02" providerId="ADAL" clId="{58E44CAC-8FA5-4DE1-BE51-D62C8AF68350}" dt="2024-10-15T19:42:57.812" v="160" actId="1035"/>
+          <ac:grpSpMkLst>
+            <pc:docMk/>
+            <pc:sldMk cId="1909375894" sldId="256"/>
+            <ac:grpSpMk id="55" creationId="{C76071FC-3652-8757-B321-97BF398B2D53}"/>
+          </ac:grpSpMkLst>
+        </pc:grpChg>
+        <pc:cxnChg chg="add mod">
+          <ac:chgData name="Akira Terui" userId="3f83de79-c81c-43e2-ac56-bbb755c07a02" providerId="ADAL" clId="{58E44CAC-8FA5-4DE1-BE51-D62C8AF68350}" dt="2024-10-15T19:48:07.390" v="211" actId="692"/>
+          <ac:cxnSpMkLst>
+            <pc:docMk/>
+            <pc:sldMk cId="1909375894" sldId="256"/>
+            <ac:cxnSpMk id="2" creationId="{B690DAD5-CD93-080F-3E67-06074C9575B7}"/>
+          </ac:cxnSpMkLst>
+        </pc:cxnChg>
+        <pc:cxnChg chg="add mod">
+          <ac:chgData name="Akira Terui" userId="3f83de79-c81c-43e2-ac56-bbb755c07a02" providerId="ADAL" clId="{58E44CAC-8FA5-4DE1-BE51-D62C8AF68350}" dt="2024-10-15T19:48:07.390" v="211" actId="692"/>
+          <ac:cxnSpMkLst>
+            <pc:docMk/>
+            <pc:sldMk cId="1909375894" sldId="256"/>
+            <ac:cxnSpMk id="3" creationId="{281429DA-5478-13FC-8DB1-16499F3A6A00}"/>
+          </ac:cxnSpMkLst>
+        </pc:cxnChg>
+        <pc:cxnChg chg="add mod">
+          <ac:chgData name="Akira Terui" userId="3f83de79-c81c-43e2-ac56-bbb755c07a02" providerId="ADAL" clId="{58E44CAC-8FA5-4DE1-BE51-D62C8AF68350}" dt="2024-10-15T19:48:07.390" v="211" actId="692"/>
+          <ac:cxnSpMkLst>
+            <pc:docMk/>
+            <pc:sldMk cId="1909375894" sldId="256"/>
+            <ac:cxnSpMk id="4" creationId="{5FA2AAD8-97F4-6EE3-7068-26C7DD4550D1}"/>
+          </ac:cxnSpMkLst>
+        </pc:cxnChg>
+        <pc:cxnChg chg="mod">
+          <ac:chgData name="Akira Terui" userId="3f83de79-c81c-43e2-ac56-bbb755c07a02" providerId="ADAL" clId="{58E44CAC-8FA5-4DE1-BE51-D62C8AF68350}" dt="2024-10-15T19:39:55.439" v="108" actId="692"/>
+          <ac:cxnSpMkLst>
+            <pc:docMk/>
+            <pc:sldMk cId="1909375894" sldId="256"/>
+            <ac:cxnSpMk id="11" creationId="{EEABDF57-6A95-B86D-6E28-ED11089AD062}"/>
+          </ac:cxnSpMkLst>
+        </pc:cxnChg>
+        <pc:cxnChg chg="mod">
+          <ac:chgData name="Akira Terui" userId="3f83de79-c81c-43e2-ac56-bbb755c07a02" providerId="ADAL" clId="{58E44CAC-8FA5-4DE1-BE51-D62C8AF68350}" dt="2024-10-15T19:51:05.734" v="262" actId="692"/>
+          <ac:cxnSpMkLst>
+            <pc:docMk/>
+            <pc:sldMk cId="1909375894" sldId="256"/>
+            <ac:cxnSpMk id="13" creationId="{26DD4461-57DB-2FAC-8689-FB97F5FD8226}"/>
+          </ac:cxnSpMkLst>
+        </pc:cxnChg>
+        <pc:cxnChg chg="mod">
+          <ac:chgData name="Akira Terui" userId="3f83de79-c81c-43e2-ac56-bbb755c07a02" providerId="ADAL" clId="{58E44CAC-8FA5-4DE1-BE51-D62C8AF68350}" dt="2024-10-15T19:51:05.734" v="262" actId="692"/>
+          <ac:cxnSpMkLst>
+            <pc:docMk/>
+            <pc:sldMk cId="1909375894" sldId="256"/>
+            <ac:cxnSpMk id="15" creationId="{01A3A3FC-6F65-CDCF-2C07-E0430118CD5C}"/>
+          </ac:cxnSpMkLst>
+        </pc:cxnChg>
+        <pc:cxnChg chg="mod">
+          <ac:chgData name="Akira Terui" userId="3f83de79-c81c-43e2-ac56-bbb755c07a02" providerId="ADAL" clId="{58E44CAC-8FA5-4DE1-BE51-D62C8AF68350}" dt="2024-10-15T19:47:51.219" v="210" actId="1076"/>
+          <ac:cxnSpMkLst>
+            <pc:docMk/>
+            <pc:sldMk cId="1909375894" sldId="256"/>
+            <ac:cxnSpMk id="20" creationId="{C872D5A2-1CFA-B77B-1207-0AB6619A3EBA}"/>
+          </ac:cxnSpMkLst>
+        </pc:cxnChg>
+        <pc:cxnChg chg="add mod">
+          <ac:chgData name="Akira Terui" userId="3f83de79-c81c-43e2-ac56-bbb755c07a02" providerId="ADAL" clId="{58E44CAC-8FA5-4DE1-BE51-D62C8AF68350}" dt="2024-10-15T19:44:28.652" v="186" actId="14100"/>
+          <ac:cxnSpMkLst>
+            <pc:docMk/>
+            <pc:sldMk cId="1909375894" sldId="256"/>
+            <ac:cxnSpMk id="21" creationId="{4CD9063B-CDB7-A6B7-1561-ED6D450C6AC7}"/>
+          </ac:cxnSpMkLst>
+        </pc:cxnChg>
+        <pc:cxnChg chg="mod">
+          <ac:chgData name="Akira Terui" userId="3f83de79-c81c-43e2-ac56-bbb755c07a02" providerId="ADAL" clId="{58E44CAC-8FA5-4DE1-BE51-D62C8AF68350}" dt="2024-10-15T19:51:05.734" v="262" actId="692"/>
+          <ac:cxnSpMkLst>
+            <pc:docMk/>
+            <pc:sldMk cId="1909375894" sldId="256"/>
+            <ac:cxnSpMk id="28" creationId="{ED175815-6063-C8E4-A642-64E658BCC4F2}"/>
+          </ac:cxnSpMkLst>
+        </pc:cxnChg>
+        <pc:cxnChg chg="mod">
+          <ac:chgData name="Akira Terui" userId="3f83de79-c81c-43e2-ac56-bbb755c07a02" providerId="ADAL" clId="{58E44CAC-8FA5-4DE1-BE51-D62C8AF68350}" dt="2024-10-15T19:51:05.734" v="262" actId="692"/>
+          <ac:cxnSpMkLst>
+            <pc:docMk/>
+            <pc:sldMk cId="1909375894" sldId="256"/>
+            <ac:cxnSpMk id="29" creationId="{E289509A-1A5A-EAA3-F76F-CB4E8ABC8570}"/>
+          </ac:cxnSpMkLst>
+        </pc:cxnChg>
+        <pc:cxnChg chg="mod">
+          <ac:chgData name="Akira Terui" userId="3f83de79-c81c-43e2-ac56-bbb755c07a02" providerId="ADAL" clId="{58E44CAC-8FA5-4DE1-BE51-D62C8AF68350}" dt="2024-10-15T19:51:05.734" v="262" actId="692"/>
+          <ac:cxnSpMkLst>
+            <pc:docMk/>
+            <pc:sldMk cId="1909375894" sldId="256"/>
+            <ac:cxnSpMk id="37" creationId="{1AE47E3A-A70F-DE63-D09F-E0784D886AE8}"/>
+          </ac:cxnSpMkLst>
+        </pc:cxnChg>
+        <pc:cxnChg chg="mod">
+          <ac:chgData name="Akira Terui" userId="3f83de79-c81c-43e2-ac56-bbb755c07a02" providerId="ADAL" clId="{58E44CAC-8FA5-4DE1-BE51-D62C8AF68350}" dt="2024-10-15T19:51:05.734" v="262" actId="692"/>
+          <ac:cxnSpMkLst>
+            <pc:docMk/>
+            <pc:sldMk cId="1909375894" sldId="256"/>
+            <ac:cxnSpMk id="38" creationId="{C8A70556-7416-117A-D596-26ABCD5F90C7}"/>
+          </ac:cxnSpMkLst>
+        </pc:cxnChg>
+        <pc:cxnChg chg="mod">
+          <ac:chgData name="Akira Terui" userId="3f83de79-c81c-43e2-ac56-bbb755c07a02" providerId="ADAL" clId="{58E44CAC-8FA5-4DE1-BE51-D62C8AF68350}" dt="2024-10-15T19:51:05.734" v="262" actId="692"/>
+          <ac:cxnSpMkLst>
+            <pc:docMk/>
+            <pc:sldMk cId="1909375894" sldId="256"/>
+            <ac:cxnSpMk id="40" creationId="{765B339C-F16A-ED86-E06F-A1CA08A811BC}"/>
+          </ac:cxnSpMkLst>
+        </pc:cxnChg>
+        <pc:cxnChg chg="mod">
+          <ac:chgData name="Akira Terui" userId="3f83de79-c81c-43e2-ac56-bbb755c07a02" providerId="ADAL" clId="{58E44CAC-8FA5-4DE1-BE51-D62C8AF68350}" dt="2024-10-15T19:51:05.734" v="262" actId="692"/>
+          <ac:cxnSpMkLst>
+            <pc:docMk/>
+            <pc:sldMk cId="1909375894" sldId="256"/>
+            <ac:cxnSpMk id="41" creationId="{9FF79065-66E1-34F1-9629-BA74DF6AFD9B}"/>
+          </ac:cxnSpMkLst>
+        </pc:cxnChg>
+        <pc:cxnChg chg="mod">
+          <ac:chgData name="Akira Terui" userId="3f83de79-c81c-43e2-ac56-bbb755c07a02" providerId="ADAL" clId="{58E44CAC-8FA5-4DE1-BE51-D62C8AF68350}" dt="2024-10-15T19:51:05.734" v="262" actId="692"/>
+          <ac:cxnSpMkLst>
+            <pc:docMk/>
+            <pc:sldMk cId="1909375894" sldId="256"/>
+            <ac:cxnSpMk id="43" creationId="{12108ED5-4B0F-F555-1849-0E02AAA34FB5}"/>
+          </ac:cxnSpMkLst>
+        </pc:cxnChg>
+        <pc:cxnChg chg="mod">
+          <ac:chgData name="Akira Terui" userId="3f83de79-c81c-43e2-ac56-bbb755c07a02" providerId="ADAL" clId="{58E44CAC-8FA5-4DE1-BE51-D62C8AF68350}" dt="2024-10-15T19:50:46.967" v="261" actId="692"/>
+          <ac:cxnSpMkLst>
+            <pc:docMk/>
+            <pc:sldMk cId="1909375894" sldId="256"/>
+            <ac:cxnSpMk id="44" creationId="{C27AC35A-0DA4-6497-ECB1-31480FC291B5}"/>
+          </ac:cxnSpMkLst>
+        </pc:cxnChg>
+        <pc:cxnChg chg="mod">
+          <ac:chgData name="Akira Terui" userId="3f83de79-c81c-43e2-ac56-bbb755c07a02" providerId="ADAL" clId="{58E44CAC-8FA5-4DE1-BE51-D62C8AF68350}" dt="2024-10-15T19:51:13.774" v="263" actId="692"/>
+          <ac:cxnSpMkLst>
+            <pc:docMk/>
+            <pc:sldMk cId="1909375894" sldId="256"/>
+            <ac:cxnSpMk id="56" creationId="{C92EBED7-DD92-83F3-5B05-20E57C7D5C98}"/>
+          </ac:cxnSpMkLst>
+        </pc:cxnChg>
+        <pc:cxnChg chg="mod">
+          <ac:chgData name="Akira Terui" userId="3f83de79-c81c-43e2-ac56-bbb755c07a02" providerId="ADAL" clId="{58E44CAC-8FA5-4DE1-BE51-D62C8AF68350}" dt="2024-10-15T19:43:14.478" v="167" actId="14100"/>
+          <ac:cxnSpMkLst>
+            <pc:docMk/>
+            <pc:sldMk cId="1909375894" sldId="256"/>
+            <ac:cxnSpMk id="57" creationId="{10FE96E5-E07D-E8B1-A6F9-5A35BAFC61E7}"/>
+          </ac:cxnSpMkLst>
+        </pc:cxnChg>
+        <pc:cxnChg chg="mod">
+          <ac:chgData name="Akira Terui" userId="3f83de79-c81c-43e2-ac56-bbb755c07a02" providerId="ADAL" clId="{58E44CAC-8FA5-4DE1-BE51-D62C8AF68350}" dt="2024-10-15T19:43:08.756" v="166" actId="1035"/>
+          <ac:cxnSpMkLst>
+            <pc:docMk/>
+            <pc:sldMk cId="1909375894" sldId="256"/>
+            <ac:cxnSpMk id="59" creationId="{3863FBAC-A8F2-9DD8-B7ED-B5FAB78855F9}"/>
+          </ac:cxnSpMkLst>
+        </pc:cxnChg>
+      </pc:sldChg>
     </pc:docChg>
   </pc:docChgLst>
 </pc:chgInfo>
@@ -1665,7 +1937,7 @@
           <a:p>
             <a:fld id="{CF537AFE-EDF6-42DC-A53E-DD7BA9858939}" type="datetimeFigureOut">
               <a:rPr lang="en-US" smtClean="0"/>
-              <a:t>9/16/2024</a:t>
+              <a:t>10/15/2024</a:t>
             </a:fld>
             <a:endParaRPr lang="en-US"/>
           </a:p>
@@ -1835,7 +2107,7 @@
           <a:p>
             <a:fld id="{CF537AFE-EDF6-42DC-A53E-DD7BA9858939}" type="datetimeFigureOut">
               <a:rPr lang="en-US" smtClean="0"/>
-              <a:t>9/16/2024</a:t>
+              <a:t>10/15/2024</a:t>
             </a:fld>
             <a:endParaRPr lang="en-US"/>
           </a:p>
@@ -2015,7 +2287,7 @@
           <a:p>
             <a:fld id="{CF537AFE-EDF6-42DC-A53E-DD7BA9858939}" type="datetimeFigureOut">
               <a:rPr lang="en-US" smtClean="0"/>
-              <a:t>9/16/2024</a:t>
+              <a:t>10/15/2024</a:t>
             </a:fld>
             <a:endParaRPr lang="en-US"/>
           </a:p>
@@ -2185,7 +2457,7 @@
           <a:p>
             <a:fld id="{CF537AFE-EDF6-42DC-A53E-DD7BA9858939}" type="datetimeFigureOut">
               <a:rPr lang="en-US" smtClean="0"/>
-              <a:t>9/16/2024</a:t>
+              <a:t>10/15/2024</a:t>
             </a:fld>
             <a:endParaRPr lang="en-US"/>
           </a:p>
@@ -2431,7 +2703,7 @@
           <a:p>
             <a:fld id="{CF537AFE-EDF6-42DC-A53E-DD7BA9858939}" type="datetimeFigureOut">
               <a:rPr lang="en-US" smtClean="0"/>
-              <a:t>9/16/2024</a:t>
+              <a:t>10/15/2024</a:t>
             </a:fld>
             <a:endParaRPr lang="en-US"/>
           </a:p>
@@ -2663,7 +2935,7 @@
           <a:p>
             <a:fld id="{CF537AFE-EDF6-42DC-A53E-DD7BA9858939}" type="datetimeFigureOut">
               <a:rPr lang="en-US" smtClean="0"/>
-              <a:t>9/16/2024</a:t>
+              <a:t>10/15/2024</a:t>
             </a:fld>
             <a:endParaRPr lang="en-US"/>
           </a:p>
@@ -3030,7 +3302,7 @@
           <a:p>
             <a:fld id="{CF537AFE-EDF6-42DC-A53E-DD7BA9858939}" type="datetimeFigureOut">
               <a:rPr lang="en-US" smtClean="0"/>
-              <a:t>9/16/2024</a:t>
+              <a:t>10/15/2024</a:t>
             </a:fld>
             <a:endParaRPr lang="en-US"/>
           </a:p>
@@ -3148,7 +3420,7 @@
           <a:p>
             <a:fld id="{CF537AFE-EDF6-42DC-A53E-DD7BA9858939}" type="datetimeFigureOut">
               <a:rPr lang="en-US" smtClean="0"/>
-              <a:t>9/16/2024</a:t>
+              <a:t>10/15/2024</a:t>
             </a:fld>
             <a:endParaRPr lang="en-US"/>
           </a:p>
@@ -3243,7 +3515,7 @@
           <a:p>
             <a:fld id="{CF537AFE-EDF6-42DC-A53E-DD7BA9858939}" type="datetimeFigureOut">
               <a:rPr lang="en-US" smtClean="0"/>
-              <a:t>9/16/2024</a:t>
+              <a:t>10/15/2024</a:t>
             </a:fld>
             <a:endParaRPr lang="en-US"/>
           </a:p>
@@ -3520,7 +3792,7 @@
           <a:p>
             <a:fld id="{CF537AFE-EDF6-42DC-A53E-DD7BA9858939}" type="datetimeFigureOut">
               <a:rPr lang="en-US" smtClean="0"/>
-              <a:t>9/16/2024</a:t>
+              <a:t>10/15/2024</a:t>
             </a:fld>
             <a:endParaRPr lang="en-US"/>
           </a:p>
@@ -3777,7 +4049,7 @@
           <a:p>
             <a:fld id="{CF537AFE-EDF6-42DC-A53E-DD7BA9858939}" type="datetimeFigureOut">
               <a:rPr lang="en-US" smtClean="0"/>
-              <a:t>9/16/2024</a:t>
+              <a:t>10/15/2024</a:t>
             </a:fld>
             <a:endParaRPr lang="en-US"/>
           </a:p>
@@ -3990,7 +4262,7 @@
           <a:p>
             <a:fld id="{CF537AFE-EDF6-42DC-A53E-DD7BA9858939}" type="datetimeFigureOut">
               <a:rPr lang="en-US" smtClean="0"/>
-              <a:t>9/16/2024</a:t>
+              <a:t>10/15/2024</a:t>
             </a:fld>
             <a:endParaRPr lang="en-US"/>
           </a:p>
@@ -4397,10 +4669,10 @@
       </p:grpSpPr>
       <p:sp>
         <p:nvSpPr>
-          <p:cNvPr id="17" name="Oval 16">
+          <p:cNvPr id="19" name="Oval 18">
             <a:extLst>
               <a:ext uri="{FF2B5EF4-FFF2-40B4-BE49-F238E27FC236}">
-                <a16:creationId xmlns:a16="http://schemas.microsoft.com/office/drawing/2014/main" id="{CC2529A2-48A3-FB83-04B4-D66AFC639950}"/>
+                <a16:creationId xmlns:a16="http://schemas.microsoft.com/office/drawing/2014/main" id="{EE53AD7C-F38A-CF22-CF18-500501DCC521}"/>
               </a:ext>
             </a:extLst>
           </p:cNvPr>
@@ -4409,18 +4681,19 @@
         </p:nvSpPr>
         <p:spPr>
           <a:xfrm>
-            <a:off x="244482" y="1839881"/>
-            <a:ext cx="1926955" cy="1749933"/>
+            <a:off x="16376" y="711994"/>
+            <a:ext cx="2409239" cy="2360708"/>
           </a:xfrm>
           <a:prstGeom prst="ellipse">
             <a:avLst/>
           </a:prstGeom>
           <a:solidFill>
-            <a:schemeClr val="tx1">
-              <a:alpha val="20000"/>
+            <a:schemeClr val="bg1">
+              <a:lumMod val="85000"/>
+              <a:alpha val="60000"/>
             </a:schemeClr>
           </a:solidFill>
-          <a:ln>
+          <a:ln w="6350">
             <a:noFill/>
           </a:ln>
         </p:spPr>
@@ -4445,10 +4718,164 @@
           <a:lstStyle/>
           <a:p>
             <a:pPr algn="ctr"/>
-            <a:endParaRPr lang="en-US" dirty="0"/>
+            <a:endParaRPr lang="en-US"/>
           </a:p>
         </p:txBody>
       </p:sp>
+      <p:grpSp>
+        <p:nvGrpSpPr>
+          <p:cNvPr id="8" name="Group 7">
+            <a:extLst>
+              <a:ext uri="{FF2B5EF4-FFF2-40B4-BE49-F238E27FC236}">
+                <a16:creationId xmlns:a16="http://schemas.microsoft.com/office/drawing/2014/main" id="{AFFED430-8923-B6A0-B422-0DE0299CE842}"/>
+              </a:ext>
+            </a:extLst>
+          </p:cNvPr>
+          <p:cNvGrpSpPr/>
+          <p:nvPr/>
+        </p:nvGrpSpPr>
+        <p:grpSpPr>
+          <a:xfrm>
+            <a:off x="827890" y="1060986"/>
+            <a:ext cx="1310650" cy="1458701"/>
+            <a:chOff x="827890" y="2165343"/>
+            <a:chExt cx="1310650" cy="1458701"/>
+          </a:xfrm>
+        </p:grpSpPr>
+        <p:cxnSp>
+          <p:nvCxnSpPr>
+            <p:cNvPr id="2" name="Straight Connector 1">
+              <a:extLst>
+                <a:ext uri="{FF2B5EF4-FFF2-40B4-BE49-F238E27FC236}">
+                  <a16:creationId xmlns:a16="http://schemas.microsoft.com/office/drawing/2014/main" id="{B690DAD5-CD93-080F-3E67-06074C9575B7}"/>
+                </a:ext>
+              </a:extLst>
+            </p:cNvPr>
+            <p:cNvCxnSpPr>
+              <a:cxnSpLocks/>
+            </p:cNvCxnSpPr>
+            <p:nvPr/>
+          </p:nvCxnSpPr>
+          <p:spPr>
+            <a:xfrm rot="18900000" flipV="1">
+              <a:off x="827890" y="2165343"/>
+              <a:ext cx="0" cy="1080000"/>
+            </a:xfrm>
+            <a:prstGeom prst="line">
+              <a:avLst/>
+            </a:prstGeom>
+            <a:ln w="254000" cap="rnd">
+              <a:solidFill>
+                <a:schemeClr val="bg1">
+                  <a:lumMod val="75000"/>
+                </a:schemeClr>
+              </a:solidFill>
+            </a:ln>
+          </p:spPr>
+          <p:style>
+            <a:lnRef idx="2">
+              <a:schemeClr val="accent1"/>
+            </a:lnRef>
+            <a:fillRef idx="0">
+              <a:schemeClr val="accent1"/>
+            </a:fillRef>
+            <a:effectRef idx="1">
+              <a:schemeClr val="accent1"/>
+            </a:effectRef>
+            <a:fontRef idx="minor">
+              <a:schemeClr val="tx1"/>
+            </a:fontRef>
+          </p:style>
+        </p:cxnSp>
+        <p:cxnSp>
+          <p:nvCxnSpPr>
+            <p:cNvPr id="3" name="Straight Connector 2">
+              <a:extLst>
+                <a:ext uri="{FF2B5EF4-FFF2-40B4-BE49-F238E27FC236}">
+                  <a16:creationId xmlns:a16="http://schemas.microsoft.com/office/drawing/2014/main" id="{281429DA-5478-13FC-8DB1-16499F3A6A00}"/>
+                </a:ext>
+              </a:extLst>
+            </p:cNvPr>
+            <p:cNvCxnSpPr>
+              <a:cxnSpLocks/>
+            </p:cNvCxnSpPr>
+            <p:nvPr/>
+          </p:nvCxnSpPr>
+          <p:spPr>
+            <a:xfrm rot="2700000" flipV="1">
+              <a:off x="1598540" y="2163595"/>
+              <a:ext cx="0" cy="1080000"/>
+            </a:xfrm>
+            <a:prstGeom prst="line">
+              <a:avLst/>
+            </a:prstGeom>
+            <a:ln w="254000" cap="rnd">
+              <a:solidFill>
+                <a:schemeClr val="bg1">
+                  <a:lumMod val="75000"/>
+                </a:schemeClr>
+              </a:solidFill>
+            </a:ln>
+          </p:spPr>
+          <p:style>
+            <a:lnRef idx="2">
+              <a:schemeClr val="accent1"/>
+            </a:lnRef>
+            <a:fillRef idx="0">
+              <a:schemeClr val="accent1"/>
+            </a:fillRef>
+            <a:effectRef idx="1">
+              <a:schemeClr val="accent1"/>
+            </a:effectRef>
+            <a:fontRef idx="minor">
+              <a:schemeClr val="tx1"/>
+            </a:fontRef>
+          </p:style>
+        </p:cxnSp>
+        <p:cxnSp>
+          <p:nvCxnSpPr>
+            <p:cNvPr id="4" name="Straight Connector 3">
+              <a:extLst>
+                <a:ext uri="{FF2B5EF4-FFF2-40B4-BE49-F238E27FC236}">
+                  <a16:creationId xmlns:a16="http://schemas.microsoft.com/office/drawing/2014/main" id="{5FA2AAD8-97F4-6EE3-7068-26C7DD4550D1}"/>
+                </a:ext>
+              </a:extLst>
+            </p:cNvPr>
+            <p:cNvCxnSpPr/>
+            <p:nvPr/>
+          </p:nvCxnSpPr>
+          <p:spPr>
+            <a:xfrm flipV="1">
+              <a:off x="1210915" y="3084044"/>
+              <a:ext cx="0" cy="540000"/>
+            </a:xfrm>
+            <a:prstGeom prst="line">
+              <a:avLst/>
+            </a:prstGeom>
+            <a:ln w="254000" cap="flat">
+              <a:solidFill>
+                <a:schemeClr val="bg1">
+                  <a:lumMod val="75000"/>
+                </a:schemeClr>
+              </a:solidFill>
+            </a:ln>
+          </p:spPr>
+          <p:style>
+            <a:lnRef idx="2">
+              <a:schemeClr val="accent1"/>
+            </a:lnRef>
+            <a:fillRef idx="0">
+              <a:schemeClr val="accent1"/>
+            </a:fillRef>
+            <a:effectRef idx="1">
+              <a:schemeClr val="accent1"/>
+            </a:effectRef>
+            <a:fontRef idx="minor">
+              <a:schemeClr val="tx1"/>
+            </a:fontRef>
+          </p:style>
+        </p:cxnSp>
+      </p:grpSp>
       <p:grpSp>
         <p:nvGrpSpPr>
           <p:cNvPr id="53" name="Group 52">
@@ -4492,7 +4919,7 @@
             <a:ln>
               <a:solidFill>
                 <a:schemeClr val="bg1">
-                  <a:lumMod val="65000"/>
+                  <a:lumMod val="50000"/>
                 </a:schemeClr>
               </a:solidFill>
             </a:ln>
@@ -4583,7 +5010,7 @@
             <a:ln>
               <a:solidFill>
                 <a:schemeClr val="bg1">
-                  <a:lumMod val="65000"/>
+                  <a:lumMod val="50000"/>
                 </a:schemeClr>
               </a:solidFill>
             </a:ln>
@@ -4761,7 +5188,7 @@
               <a:ln>
                 <a:solidFill>
                   <a:schemeClr val="bg1">
-                    <a:lumMod val="65000"/>
+                    <a:lumMod val="50000"/>
                   </a:schemeClr>
                 </a:solidFill>
               </a:ln>
@@ -4806,7 +5233,7 @@
               <a:ln>
                 <a:solidFill>
                   <a:schemeClr val="bg1">
-                    <a:lumMod val="65000"/>
+                    <a:lumMod val="50000"/>
                   </a:schemeClr>
                 </a:solidFill>
               </a:ln>
@@ -5098,7 +5525,7 @@
               <a:ln>
                 <a:solidFill>
                   <a:schemeClr val="bg1">
-                    <a:lumMod val="65000"/>
+                    <a:lumMod val="50000"/>
                   </a:schemeClr>
                 </a:solidFill>
               </a:ln>
@@ -5143,7 +5570,7 @@
               <a:ln>
                 <a:solidFill>
                   <a:schemeClr val="bg1">
-                    <a:lumMod val="65000"/>
+                    <a:lumMod val="50000"/>
                   </a:schemeClr>
                 </a:solidFill>
               </a:ln>
@@ -5209,7 +5636,7 @@
               <a:ln>
                 <a:solidFill>
                   <a:schemeClr val="bg1">
-                    <a:lumMod val="65000"/>
+                    <a:lumMod val="50000"/>
                   </a:schemeClr>
                 </a:solidFill>
               </a:ln>
@@ -5254,7 +5681,7 @@
               <a:ln>
                 <a:solidFill>
                   <a:schemeClr val="bg1">
-                    <a:lumMod val="65000"/>
+                    <a:lumMod val="50000"/>
                   </a:schemeClr>
                 </a:solidFill>
               </a:ln>
@@ -5300,7 +5727,7 @@
             <a:ln>
               <a:solidFill>
                 <a:schemeClr val="bg1">
-                  <a:lumMod val="65000"/>
+                  <a:lumMod val="50000"/>
                 </a:schemeClr>
               </a:solidFill>
             </a:ln>
@@ -5389,8 +5816,8 @@
         </p:nvCxnSpPr>
         <p:spPr>
           <a:xfrm>
-            <a:off x="2541819" y="3536749"/>
-            <a:ext cx="1066800" cy="0"/>
+            <a:off x="2485653" y="2741151"/>
+            <a:ext cx="1122966" cy="795598"/>
           </a:xfrm>
           <a:prstGeom prst="straightConnector1">
             <a:avLst/>
@@ -5497,9 +5924,9 @@
           <p:nvPr/>
         </p:nvCxnSpPr>
         <p:spPr>
-          <a:xfrm flipV="1">
-            <a:off x="2527392" y="2415379"/>
-            <a:ext cx="1066800" cy="755016"/>
+          <a:xfrm>
+            <a:off x="2485653" y="2464594"/>
+            <a:ext cx="1108539" cy="0"/>
           </a:xfrm>
           <a:prstGeom prst="straightConnector1">
             <a:avLst/>
@@ -5546,7 +5973,7 @@
         </p:nvSpPr>
         <p:spPr>
           <a:xfrm>
-            <a:off x="2376951" y="1787124"/>
+            <a:off x="2376951" y="1680508"/>
             <a:ext cx="1367682" cy="707886"/>
           </a:xfrm>
           <a:prstGeom prst="rect">
@@ -5605,10 +6032,10 @@
         </p:nvGrpSpPr>
         <p:grpSpPr>
           <a:xfrm>
-            <a:off x="285775" y="2168812"/>
-            <a:ext cx="1845792" cy="2001837"/>
-            <a:chOff x="3724249" y="3858555"/>
-            <a:chExt cx="1845792" cy="2001837"/>
+            <a:off x="361848" y="1064455"/>
+            <a:ext cx="1769719" cy="2001837"/>
+            <a:chOff x="3800322" y="3858555"/>
+            <a:chExt cx="1769719" cy="2001837"/>
           </a:xfrm>
         </p:grpSpPr>
         <p:cxnSp>
@@ -5763,7 +6190,7 @@
             <a:ln>
               <a:solidFill>
                 <a:schemeClr val="bg1">
-                  <a:lumMod val="65000"/>
+                  <a:lumMod val="50000"/>
                 </a:schemeClr>
               </a:solidFill>
             </a:ln>
@@ -5848,7 +6275,7 @@
           </p:nvSpPr>
           <p:spPr>
             <a:xfrm>
-              <a:off x="3724249" y="5104190"/>
+              <a:off x="3800322" y="5104190"/>
               <a:ext cx="655949" cy="400110"/>
             </a:xfrm>
             <a:prstGeom prst="rect">
@@ -5945,7 +6372,7 @@
         </p:nvSpPr>
         <p:spPr>
           <a:xfrm>
-            <a:off x="277855" y="1908936"/>
+            <a:off x="277855" y="709159"/>
             <a:ext cx="1864613" cy="400110"/>
           </a:xfrm>
           <a:prstGeom prst="rect">
@@ -5989,7 +6416,7 @@
         </p:nvSpPr>
         <p:spPr>
           <a:xfrm>
-            <a:off x="1262593" y="3770175"/>
+            <a:off x="1358357" y="3062403"/>
             <a:ext cx="997389" cy="400110"/>
           </a:xfrm>
           <a:prstGeom prst="rect">
@@ -6036,8 +6463,8 @@
         </p:nvCxnSpPr>
         <p:spPr>
           <a:xfrm>
-            <a:off x="1366843" y="3630647"/>
-            <a:ext cx="394444" cy="139529"/>
+            <a:off x="1257210" y="2544215"/>
+            <a:ext cx="599842" cy="518188"/>
           </a:xfrm>
           <a:prstGeom prst="line">
             <a:avLst/>
@@ -6239,7 +6666,7 @@
             <a:ln>
               <a:solidFill>
                 <a:schemeClr val="bg1">
-                  <a:lumMod val="65000"/>
+                  <a:lumMod val="50000"/>
                 </a:schemeClr>
               </a:solidFill>
             </a:ln>
@@ -6500,7 +6927,7 @@
             </p:nvSpPr>
             <p:spPr>
               <a:xfrm>
-                <a:off x="277855" y="1101616"/>
+                <a:off x="277855" y="-2741"/>
                 <a:ext cx="1331839" cy="707886"/>
               </a:xfrm>
               <a:prstGeom prst="rect">
@@ -6610,7 +7037,7 @@
             </p:nvSpPr>
             <p:spPr>
               <a:xfrm>
-                <a:off x="277855" y="1101616"/>
+                <a:off x="277855" y="-2741"/>
                 <a:ext cx="1331839" cy="707886"/>
               </a:xfrm>
               <a:prstGeom prst="rect">
@@ -6922,6 +7349,211 @@
                 <a:blip r:embed="rId4"/>
                 <a:stretch>
                   <a:fillRect b="-1709"/>
+                </a:stretch>
+              </a:blipFill>
+            </p:spPr>
+            <p:txBody>
+              <a:bodyPr/>
+              <a:lstStyle/>
+              <a:p>
+                <a:r>
+                  <a:rPr lang="en-US">
+                    <a:noFill/>
+                  </a:rPr>
+                  <a:t> </a:t>
+                </a:r>
+              </a:p>
+            </p:txBody>
+          </p:sp>
+        </mc:Fallback>
+      </mc:AlternateContent>
+      <p:cxnSp>
+        <p:nvCxnSpPr>
+          <p:cNvPr id="21" name="Straight Connector 20">
+            <a:extLst>
+              <a:ext uri="{FF2B5EF4-FFF2-40B4-BE49-F238E27FC236}">
+                <a16:creationId xmlns:a16="http://schemas.microsoft.com/office/drawing/2014/main" id="{4CD9063B-CDB7-A6B7-1561-ED6D450C6AC7}"/>
+              </a:ext>
+            </a:extLst>
+          </p:cNvPr>
+          <p:cNvCxnSpPr>
+            <a:cxnSpLocks/>
+            <a:endCxn id="7" idx="2"/>
+          </p:cNvCxnSpPr>
+          <p:nvPr/>
+        </p:nvCxnSpPr>
+        <p:spPr>
+          <a:xfrm flipV="1">
+            <a:off x="875143" y="1109269"/>
+            <a:ext cx="335019" cy="365444"/>
+          </a:xfrm>
+          <a:prstGeom prst="line">
+            <a:avLst/>
+          </a:prstGeom>
+          <a:ln w="19050">
+            <a:solidFill>
+              <a:schemeClr val="tx1">
+                <a:lumMod val="75000"/>
+                <a:lumOff val="25000"/>
+              </a:schemeClr>
+            </a:solidFill>
+            <a:prstDash val="sysDash"/>
+          </a:ln>
+        </p:spPr>
+        <p:style>
+          <a:lnRef idx="2">
+            <a:schemeClr val="accent1"/>
+          </a:lnRef>
+          <a:fillRef idx="0">
+            <a:schemeClr val="accent1"/>
+          </a:fillRef>
+          <a:effectRef idx="1">
+            <a:schemeClr val="accent1"/>
+          </a:effectRef>
+          <a:fontRef idx="minor">
+            <a:schemeClr val="tx1"/>
+          </a:fontRef>
+        </p:style>
+      </p:cxnSp>
+      <p:sp>
+        <p:nvSpPr>
+          <p:cNvPr id="42" name="Arc 41">
+            <a:extLst>
+              <a:ext uri="{FF2B5EF4-FFF2-40B4-BE49-F238E27FC236}">
+                <a16:creationId xmlns:a16="http://schemas.microsoft.com/office/drawing/2014/main" id="{2D49E254-86F8-D441-24F7-313C597F1A12}"/>
+              </a:ext>
+            </a:extLst>
+          </p:cNvPr>
+          <p:cNvSpPr/>
+          <p:nvPr/>
+        </p:nvSpPr>
+        <p:spPr>
+          <a:xfrm rot="14578048">
+            <a:off x="271512" y="2800676"/>
+            <a:ext cx="914400" cy="914400"/>
+          </a:xfrm>
+          <a:prstGeom prst="arc">
+            <a:avLst/>
+          </a:prstGeom>
+          <a:ln>
+            <a:solidFill>
+              <a:srgbClr val="404040"/>
+            </a:solidFill>
+            <a:prstDash val="sysDash"/>
+          </a:ln>
+        </p:spPr>
+        <p:style>
+          <a:lnRef idx="2">
+            <a:schemeClr val="dk1"/>
+          </a:lnRef>
+          <a:fillRef idx="0">
+            <a:schemeClr val="dk1"/>
+          </a:fillRef>
+          <a:effectRef idx="1">
+            <a:schemeClr val="dk1"/>
+          </a:effectRef>
+          <a:fontRef idx="minor">
+            <a:schemeClr val="tx1"/>
+          </a:fontRef>
+        </p:style>
+        <p:txBody>
+          <a:bodyPr rtlCol="0" anchor="ctr"/>
+          <a:lstStyle/>
+          <a:p>
+            <a:pPr algn="ctr"/>
+            <a:endParaRPr lang="en-US"/>
+          </a:p>
+        </p:txBody>
+      </p:sp>
+      <mc:AlternateContent xmlns:mc="http://schemas.openxmlformats.org/markup-compatibility/2006" xmlns:a14="http://schemas.microsoft.com/office/drawing/2010/main">
+        <mc:Choice Requires="a14">
+          <p:sp>
+            <p:nvSpPr>
+              <p:cNvPr id="52" name="TextBox 51">
+                <a:extLst>
+                  <a:ext uri="{FF2B5EF4-FFF2-40B4-BE49-F238E27FC236}">
+                    <a16:creationId xmlns:a16="http://schemas.microsoft.com/office/drawing/2014/main" id="{1AAA83AC-97EA-9577-24A9-C4F2A5914276}"/>
+                  </a:ext>
+                </a:extLst>
+              </p:cNvPr>
+              <p:cNvSpPr txBox="1"/>
+              <p:nvPr/>
+            </p:nvSpPr>
+            <p:spPr>
+              <a:xfrm>
+                <a:off x="-1645" y="3466847"/>
+                <a:ext cx="2277483" cy="400110"/>
+              </a:xfrm>
+              <a:prstGeom prst="rect">
+                <a:avLst/>
+              </a:prstGeom>
+              <a:noFill/>
+            </p:spPr>
+            <p:txBody>
+              <a:bodyPr wrap="none" rtlCol="0">
+                <a:spAutoFit/>
+              </a:bodyPr>
+              <a:lstStyle/>
+              <a:p>
+                <a:r>
+                  <a:rPr lang="en-US" sz="2000" dirty="0">
+                    <a:solidFill>
+                      <a:srgbClr val="404040"/>
+                    </a:solidFill>
+                    <a:latin typeface="Arial" panose="020B0604020202020204" pitchFamily="34" charset="0"/>
+                    <a:cs typeface="Arial" panose="020B0604020202020204" pitchFamily="34" charset="0"/>
+                  </a:rPr>
+                  <a:t>Total river length</a:t>
+                </a:r>
+                <a:r>
+                  <a:rPr lang="en-US" sz="2000" dirty="0">
+                    <a:latin typeface="Arial" panose="020B0604020202020204" pitchFamily="34" charset="0"/>
+                    <a:cs typeface="Arial" panose="020B0604020202020204" pitchFamily="34" charset="0"/>
+                  </a:rPr>
+                  <a:t> </a:t>
+                </a:r>
+                <a14:m>
+                  <m:oMath xmlns:m="http://schemas.openxmlformats.org/officeDocument/2006/math">
+                    <m:r>
+                      <a:rPr lang="en-US" sz="2000" i="1" dirty="0" smtClean="0">
+                        <a:latin typeface="Cambria Math" panose="02040503050406030204" pitchFamily="18" charset="0"/>
+                      </a:rPr>
+                      <m:t>𝐿</m:t>
+                    </m:r>
+                  </m:oMath>
+                </a14:m>
+                <a:endParaRPr lang="en-US" sz="2000" dirty="0"/>
+              </a:p>
+            </p:txBody>
+          </p:sp>
+        </mc:Choice>
+        <mc:Fallback xmlns="">
+          <p:sp>
+            <p:nvSpPr>
+              <p:cNvPr id="52" name="TextBox 51">
+                <a:extLst>
+                  <a:ext uri="{FF2B5EF4-FFF2-40B4-BE49-F238E27FC236}">
+                    <a16:creationId xmlns:a16="http://schemas.microsoft.com/office/drawing/2014/main" id="{1AAA83AC-97EA-9577-24A9-C4F2A5914276}"/>
+                  </a:ext>
+                </a:extLst>
+              </p:cNvPr>
+              <p:cNvSpPr txBox="1">
+                <a:spLocks noRot="1" noChangeAspect="1" noMove="1" noResize="1" noEditPoints="1" noAdjustHandles="1" noChangeArrowheads="1" noChangeShapeType="1" noTextEdit="1"/>
+              </p:cNvSpPr>
+              <p:nvPr/>
+            </p:nvSpPr>
+            <p:spPr>
+              <a:xfrm>
+                <a:off x="-1645" y="3466847"/>
+                <a:ext cx="2277483" cy="400110"/>
+              </a:xfrm>
+              <a:prstGeom prst="rect">
+                <a:avLst/>
+              </a:prstGeom>
+              <a:blipFill>
+                <a:blip r:embed="rId5"/>
+                <a:stretch>
+                  <a:fillRect l="-2949" t="-10769" b="-26154"/>
                 </a:stretch>
               </a:blipFill>
             </p:spPr>

--- a/tex/figure.pptx
+++ b/tex/figure.pptx
@@ -126,7 +126,7 @@
 <file path=ppt/revisionInfo.xml><?xml version="1.0" encoding="utf-8"?>
 <p1510:revInfo xmlns:a="http://schemas.openxmlformats.org/drawingml/2006/main" xmlns:r="http://schemas.openxmlformats.org/officeDocument/2006/relationships" xmlns:p1510="http://schemas.microsoft.com/office/powerpoint/2015/10/main">
   <p1510:revLst>
-    <p1510:client id="{58E44CAC-8FA5-4DE1-BE51-D62C8AF68350}" v="20" dt="2024-10-15T19:49:21.378"/>
+    <p1510:client id="{58E44CAC-8FA5-4DE1-BE51-D62C8AF68350}" v="25" dt="2024-10-15T20:04:19.197"/>
   </p1510:revLst>
 </p1510:revInfo>
 </file>
@@ -1534,12 +1534,12 @@
   <pc:docChgLst>
     <pc:chgData name="Akira Terui" userId="3f83de79-c81c-43e2-ac56-bbb755c07a02" providerId="ADAL" clId="{58E44CAC-8FA5-4DE1-BE51-D62C8AF68350}"/>
     <pc:docChg chg="undo custSel modSld">
-      <pc:chgData name="Akira Terui" userId="3f83de79-c81c-43e2-ac56-bbb755c07a02" providerId="ADAL" clId="{58E44CAC-8FA5-4DE1-BE51-D62C8AF68350}" dt="2024-10-15T19:56:58.467" v="274" actId="207"/>
+      <pc:chgData name="Akira Terui" userId="3f83de79-c81c-43e2-ac56-bbb755c07a02" providerId="ADAL" clId="{58E44CAC-8FA5-4DE1-BE51-D62C8AF68350}" dt="2024-10-15T20:04:32.732" v="305" actId="14100"/>
       <pc:docMkLst>
         <pc:docMk/>
       </pc:docMkLst>
       <pc:sldChg chg="addSp delSp modSp mod">
-        <pc:chgData name="Akira Terui" userId="3f83de79-c81c-43e2-ac56-bbb755c07a02" providerId="ADAL" clId="{58E44CAC-8FA5-4DE1-BE51-D62C8AF68350}" dt="2024-10-15T19:56:58.467" v="274" actId="207"/>
+        <pc:chgData name="Akira Terui" userId="3f83de79-c81c-43e2-ac56-bbb755c07a02" providerId="ADAL" clId="{58E44CAC-8FA5-4DE1-BE51-D62C8AF68350}" dt="2024-10-15T20:04:32.732" v="305" actId="14100"/>
         <pc:sldMkLst>
           <pc:docMk/>
           <pc:sldMk cId="1909375894" sldId="256"/>
@@ -1553,7 +1553,7 @@
           </ac:spMkLst>
         </pc:spChg>
         <pc:spChg chg="mod">
-          <ac:chgData name="Akira Terui" userId="3f83de79-c81c-43e2-ac56-bbb755c07a02" providerId="ADAL" clId="{58E44CAC-8FA5-4DE1-BE51-D62C8AF68350}" dt="2024-10-15T19:42:57.812" v="160" actId="1035"/>
+          <ac:chgData name="Akira Terui" userId="3f83de79-c81c-43e2-ac56-bbb755c07a02" providerId="ADAL" clId="{58E44CAC-8FA5-4DE1-BE51-D62C8AF68350}" dt="2024-10-15T20:04:29.285" v="304" actId="12788"/>
           <ac:spMkLst>
             <pc:docMk/>
             <pc:sldMk cId="1909375894" sldId="256"/>
@@ -1577,7 +1577,7 @@
           </ac:spMkLst>
         </pc:spChg>
         <pc:spChg chg="add mod ord">
-          <ac:chgData name="Akira Terui" userId="3f83de79-c81c-43e2-ac56-bbb755c07a02" providerId="ADAL" clId="{58E44CAC-8FA5-4DE1-BE51-D62C8AF68350}" dt="2024-10-15T19:56:58.467" v="274" actId="207"/>
+          <ac:chgData name="Akira Terui" userId="3f83de79-c81c-43e2-ac56-bbb755c07a02" providerId="ADAL" clId="{58E44CAC-8FA5-4DE1-BE51-D62C8AF68350}" dt="2024-10-15T20:04:29.285" v="304" actId="12788"/>
           <ac:spMkLst>
             <pc:docMk/>
             <pc:sldMk cId="1909375894" sldId="256"/>
@@ -1585,7 +1585,7 @@
           </ac:spMkLst>
         </pc:spChg>
         <pc:spChg chg="add mod">
-          <ac:chgData name="Akira Terui" userId="3f83de79-c81c-43e2-ac56-bbb755c07a02" providerId="ADAL" clId="{58E44CAC-8FA5-4DE1-BE51-D62C8AF68350}" dt="2024-10-15T19:45:44.336" v="197" actId="1076"/>
+          <ac:chgData name="Akira Terui" userId="3f83de79-c81c-43e2-ac56-bbb755c07a02" providerId="ADAL" clId="{58E44CAC-8FA5-4DE1-BE51-D62C8AF68350}" dt="2024-10-15T20:03:53.831" v="287" actId="14100"/>
           <ac:spMkLst>
             <pc:docMk/>
             <pc:sldMk cId="1909375894" sldId="256"/>
@@ -1601,7 +1601,7 @@
           </ac:spMkLst>
         </pc:spChg>
         <pc:spChg chg="add mod">
-          <ac:chgData name="Akira Terui" userId="3f83de79-c81c-43e2-ac56-bbb755c07a02" providerId="ADAL" clId="{58E44CAC-8FA5-4DE1-BE51-D62C8AF68350}" dt="2024-10-15T19:49:21.378" v="247" actId="207"/>
+          <ac:chgData name="Akira Terui" userId="3f83de79-c81c-43e2-ac56-bbb755c07a02" providerId="ADAL" clId="{58E44CAC-8FA5-4DE1-BE51-D62C8AF68350}" dt="2024-10-15T20:03:54.798" v="289" actId="6549"/>
           <ac:spMkLst>
             <pc:docMk/>
             <pc:sldMk cId="1909375894" sldId="256"/>
@@ -1705,7 +1705,7 @@
           </ac:cxnSpMkLst>
         </pc:cxnChg>
         <pc:cxnChg chg="add mod">
-          <ac:chgData name="Akira Terui" userId="3f83de79-c81c-43e2-ac56-bbb755c07a02" providerId="ADAL" clId="{58E44CAC-8FA5-4DE1-BE51-D62C8AF68350}" dt="2024-10-15T19:44:28.652" v="186" actId="14100"/>
+          <ac:chgData name="Akira Terui" userId="3f83de79-c81c-43e2-ac56-bbb755c07a02" providerId="ADAL" clId="{58E44CAC-8FA5-4DE1-BE51-D62C8AF68350}" dt="2024-10-15T20:04:32.732" v="305" actId="14100"/>
           <ac:cxnSpMkLst>
             <pc:docMk/>
             <pc:sldMk cId="1909375894" sldId="256"/>
@@ -6358,50 +6358,125 @@
           </p:txBody>
         </p:sp>
       </p:grpSp>
-      <p:sp>
-        <p:nvSpPr>
-          <p:cNvPr id="7" name="TextBox 6">
-            <a:extLst>
-              <a:ext uri="{FF2B5EF4-FFF2-40B4-BE49-F238E27FC236}">
-                <a16:creationId xmlns:a16="http://schemas.microsoft.com/office/drawing/2014/main" id="{B1F3E2F2-C812-A441-4971-99C8963825B9}"/>
-              </a:ext>
-            </a:extLst>
-          </p:cNvPr>
-          <p:cNvSpPr txBox="1"/>
-          <p:nvPr/>
-        </p:nvSpPr>
-        <p:spPr>
-          <a:xfrm>
-            <a:off x="277855" y="709159"/>
-            <a:ext cx="1864613" cy="400110"/>
-          </a:xfrm>
-          <a:prstGeom prst="rect">
-            <a:avLst/>
-          </a:prstGeom>
-          <a:noFill/>
-        </p:spPr>
-        <p:txBody>
-          <a:bodyPr wrap="none" rtlCol="0">
-            <a:spAutoFit/>
-          </a:bodyPr>
-          <a:lstStyle/>
-          <a:p>
-            <a:r>
-              <a:rPr lang="en-US" sz="2000" dirty="0">
-                <a:solidFill>
-                  <a:schemeClr val="tx1">
-                    <a:lumMod val="75000"/>
-                    <a:lumOff val="25000"/>
-                  </a:schemeClr>
-                </a:solidFill>
-                <a:latin typeface="Arial" panose="020B0604020202020204" pitchFamily="34" charset="0"/>
-                <a:cs typeface="Arial" panose="020B0604020202020204" pitchFamily="34" charset="0"/>
-              </a:rPr>
-              <a:t>Upstream river</a:t>
-            </a:r>
-          </a:p>
-        </p:txBody>
-      </p:sp>
+      <mc:AlternateContent xmlns:mc="http://schemas.openxmlformats.org/markup-compatibility/2006">
+        <mc:Choice xmlns:a14="http://schemas.microsoft.com/office/drawing/2010/main" Requires="a14">
+          <p:sp>
+            <p:nvSpPr>
+              <p:cNvPr id="7" name="TextBox 6">
+                <a:extLst>
+                  <a:ext uri="{FF2B5EF4-FFF2-40B4-BE49-F238E27FC236}">
+                    <a16:creationId xmlns:a16="http://schemas.microsoft.com/office/drawing/2014/main" id="{B1F3E2F2-C812-A441-4971-99C8963825B9}"/>
+                  </a:ext>
+                </a:extLst>
+              </p:cNvPr>
+              <p:cNvSpPr txBox="1"/>
+              <p:nvPr/>
+            </p:nvSpPr>
+            <p:spPr>
+              <a:xfrm>
+                <a:off x="182089" y="709159"/>
+                <a:ext cx="2077813" cy="400110"/>
+              </a:xfrm>
+              <a:prstGeom prst="rect">
+                <a:avLst/>
+              </a:prstGeom>
+              <a:noFill/>
+            </p:spPr>
+            <p:txBody>
+              <a:bodyPr wrap="none" rtlCol="0">
+                <a:spAutoFit/>
+              </a:bodyPr>
+              <a:lstStyle/>
+              <a:p>
+                <a:r>
+                  <a:rPr lang="en-US" sz="2000" dirty="0">
+                    <a:solidFill>
+                      <a:schemeClr val="tx1">
+                        <a:lumMod val="75000"/>
+                        <a:lumOff val="25000"/>
+                      </a:schemeClr>
+                    </a:solidFill>
+                    <a:latin typeface="Arial" panose="020B0604020202020204" pitchFamily="34" charset="0"/>
+                    <a:cs typeface="Arial" panose="020B0604020202020204" pitchFamily="34" charset="0"/>
+                  </a:rPr>
+                  <a:t>Upstream river </a:t>
+                </a:r>
+                <a14:m>
+                  <m:oMath xmlns:m="http://schemas.openxmlformats.org/officeDocument/2006/math">
+                    <m:r>
+                      <a:rPr lang="en-US" sz="2000" i="1" dirty="0" smtClean="0">
+                        <a:solidFill>
+                          <a:schemeClr val="tx1">
+                            <a:lumMod val="75000"/>
+                            <a:lumOff val="25000"/>
+                          </a:schemeClr>
+                        </a:solidFill>
+                        <a:latin typeface="Cambria Math" panose="02040503050406030204" pitchFamily="18" charset="0"/>
+                        <a:cs typeface="Arial" panose="020B0604020202020204" pitchFamily="34" charset="0"/>
+                      </a:rPr>
+                      <m:t>𝑢</m:t>
+                    </m:r>
+                  </m:oMath>
+                </a14:m>
+                <a:endParaRPr lang="en-US" sz="2000" dirty="0">
+                  <a:solidFill>
+                    <a:schemeClr val="tx1">
+                      <a:lumMod val="75000"/>
+                      <a:lumOff val="25000"/>
+                    </a:schemeClr>
+                  </a:solidFill>
+                  <a:latin typeface="Arial" panose="020B0604020202020204" pitchFamily="34" charset="0"/>
+                  <a:cs typeface="Arial" panose="020B0604020202020204" pitchFamily="34" charset="0"/>
+                </a:endParaRPr>
+              </a:p>
+            </p:txBody>
+          </p:sp>
+        </mc:Choice>
+        <mc:Fallback>
+          <p:sp>
+            <p:nvSpPr>
+              <p:cNvPr id="7" name="TextBox 6">
+                <a:extLst>
+                  <a:ext uri="{FF2B5EF4-FFF2-40B4-BE49-F238E27FC236}">
+                    <a16:creationId xmlns:a16="http://schemas.microsoft.com/office/drawing/2014/main" id="{B1F3E2F2-C812-A441-4971-99C8963825B9}"/>
+                  </a:ext>
+                </a:extLst>
+              </p:cNvPr>
+              <p:cNvSpPr txBox="1">
+                <a:spLocks noRot="1" noChangeAspect="1" noMove="1" noResize="1" noEditPoints="1" noAdjustHandles="1" noChangeArrowheads="1" noChangeShapeType="1" noTextEdit="1"/>
+              </p:cNvSpPr>
+              <p:nvPr/>
+            </p:nvSpPr>
+            <p:spPr>
+              <a:xfrm>
+                <a:off x="182089" y="709159"/>
+                <a:ext cx="2077813" cy="400110"/>
+              </a:xfrm>
+              <a:prstGeom prst="rect">
+                <a:avLst/>
+              </a:prstGeom>
+              <a:blipFill>
+                <a:blip r:embed="rId2"/>
+                <a:stretch>
+                  <a:fillRect l="-3226" t="-6061" b="-27273"/>
+                </a:stretch>
+              </a:blipFill>
+            </p:spPr>
+            <p:txBody>
+              <a:bodyPr/>
+              <a:lstStyle/>
+              <a:p>
+                <a:r>
+                  <a:rPr lang="en-US">
+                    <a:noFill/>
+                  </a:rPr>
+                  <a:t> </a:t>
+                </a:r>
+              </a:p>
+            </p:txBody>
+          </p:sp>
+        </mc:Fallback>
+      </mc:AlternateContent>
       <p:sp>
         <p:nvSpPr>
           <p:cNvPr id="18" name="TextBox 17">
@@ -7044,7 +7119,7 @@
                 <a:avLst/>
               </a:prstGeom>
               <a:blipFill>
-                <a:blip r:embed="rId2"/>
+                <a:blip r:embed="rId3"/>
                 <a:stretch>
                   <a:fillRect b="-1724"/>
                 </a:stretch>
@@ -7195,7 +7270,7 @@
                 <a:avLst/>
               </a:prstGeom>
               <a:blipFill>
-                <a:blip r:embed="rId3"/>
+                <a:blip r:embed="rId4"/>
                 <a:stretch>
                   <a:fillRect b="-1724"/>
                 </a:stretch>
@@ -7346,7 +7421,7 @@
                 <a:avLst/>
               </a:prstGeom>
               <a:blipFill>
-                <a:blip r:embed="rId4"/>
+                <a:blip r:embed="rId5"/>
                 <a:stretch>
                   <a:fillRect b="-1709"/>
                 </a:stretch>
@@ -7384,8 +7459,8 @@
         </p:nvCxnSpPr>
         <p:spPr>
           <a:xfrm flipV="1">
-            <a:off x="875143" y="1109269"/>
-            <a:ext cx="335019" cy="365444"/>
+            <a:off x="900856" y="1109269"/>
+            <a:ext cx="320140" cy="359428"/>
           </a:xfrm>
           <a:prstGeom prst="line">
             <a:avLst/>
@@ -7465,8 +7540,8 @@
           </a:p>
         </p:txBody>
       </p:sp>
-      <mc:AlternateContent xmlns:mc="http://schemas.openxmlformats.org/markup-compatibility/2006" xmlns:a14="http://schemas.microsoft.com/office/drawing/2010/main">
-        <mc:Choice Requires="a14">
+      <mc:AlternateContent xmlns:mc="http://schemas.openxmlformats.org/markup-compatibility/2006">
+        <mc:Choice xmlns:a14="http://schemas.microsoft.com/office/drawing/2010/main" Requires="a14">
           <p:sp>
             <p:nvSpPr>
               <p:cNvPr id="52" name="TextBox 51">
@@ -7527,7 +7602,7 @@
             </p:txBody>
           </p:sp>
         </mc:Choice>
-        <mc:Fallback xmlns="">
+        <mc:Fallback>
           <p:sp>
             <p:nvSpPr>
               <p:cNvPr id="52" name="TextBox 51">
@@ -7551,7 +7626,7 @@
                 <a:avLst/>
               </a:prstGeom>
               <a:blipFill>
-                <a:blip r:embed="rId5"/>
+                <a:blip r:embed="rId6"/>
                 <a:stretch>
                   <a:fillRect l="-2949" t="-10769" b="-26154"/>
                 </a:stretch>
